--- a/graphs/stats on graphs.pptx
+++ b/graphs/stats on graphs.pptx
@@ -7,6 +7,11 @@
   <p:sldIdLst>
     <p:sldId id="256" r:id="rId2"/>
     <p:sldId id="257" r:id="rId3"/>
+    <p:sldId id="258" r:id="rId4"/>
+    <p:sldId id="260" r:id="rId5"/>
+    <p:sldId id="261" r:id="rId6"/>
+    <p:sldId id="263" r:id="rId7"/>
+    <p:sldId id="262" r:id="rId8"/>
   </p:sldIdLst>
   <p:sldSz cx="12192000" cy="6858000"/>
   <p:notesSz cx="7104063" cy="10234613"/>
@@ -105,6 +110,11 @@
       </a:defRPr>
     </a:lvl9pPr>
   </p:defaultTextStyle>
+  <p:extLst>
+    <p:ext uri="{EFAFB233-063F-42B5-8137-9DF3F51BA10A}">
+      <p15:sldGuideLst xmlns:p15="http://schemas.microsoft.com/office/powerpoint/2012/main"/>
+    </p:ext>
+  </p:extLst>
 </p:presentation>
 </file>
 
@@ -257,7 +267,7 @@
           <a:p>
             <a:fld id="{C063C8AB-FDE7-451C-A176-EFBAB8461303}" type="datetimeFigureOut">
               <a:rPr lang="en-ZA" smtClean="0"/>
-              <a:t>09/01/2024</a:t>
+              <a:t>13/01/2024</a:t>
             </a:fld>
             <a:endParaRPr lang="en-ZA"/>
           </a:p>
@@ -457,7 +467,7 @@
           <a:p>
             <a:fld id="{C063C8AB-FDE7-451C-A176-EFBAB8461303}" type="datetimeFigureOut">
               <a:rPr lang="en-ZA" smtClean="0"/>
-              <a:t>09/01/2024</a:t>
+              <a:t>13/01/2024</a:t>
             </a:fld>
             <a:endParaRPr lang="en-ZA"/>
           </a:p>
@@ -667,7 +677,7 @@
           <a:p>
             <a:fld id="{C063C8AB-FDE7-451C-A176-EFBAB8461303}" type="datetimeFigureOut">
               <a:rPr lang="en-ZA" smtClean="0"/>
-              <a:t>09/01/2024</a:t>
+              <a:t>13/01/2024</a:t>
             </a:fld>
             <a:endParaRPr lang="en-ZA"/>
           </a:p>
@@ -867,7 +877,7 @@
           <a:p>
             <a:fld id="{C063C8AB-FDE7-451C-A176-EFBAB8461303}" type="datetimeFigureOut">
               <a:rPr lang="en-ZA" smtClean="0"/>
-              <a:t>09/01/2024</a:t>
+              <a:t>13/01/2024</a:t>
             </a:fld>
             <a:endParaRPr lang="en-ZA"/>
           </a:p>
@@ -1143,7 +1153,7 @@
           <a:p>
             <a:fld id="{C063C8AB-FDE7-451C-A176-EFBAB8461303}" type="datetimeFigureOut">
               <a:rPr lang="en-ZA" smtClean="0"/>
-              <a:t>09/01/2024</a:t>
+              <a:t>13/01/2024</a:t>
             </a:fld>
             <a:endParaRPr lang="en-ZA"/>
           </a:p>
@@ -1411,7 +1421,7 @@
           <a:p>
             <a:fld id="{C063C8AB-FDE7-451C-A176-EFBAB8461303}" type="datetimeFigureOut">
               <a:rPr lang="en-ZA" smtClean="0"/>
-              <a:t>09/01/2024</a:t>
+              <a:t>13/01/2024</a:t>
             </a:fld>
             <a:endParaRPr lang="en-ZA"/>
           </a:p>
@@ -1826,7 +1836,7 @@
           <a:p>
             <a:fld id="{C063C8AB-FDE7-451C-A176-EFBAB8461303}" type="datetimeFigureOut">
               <a:rPr lang="en-ZA" smtClean="0"/>
-              <a:t>09/01/2024</a:t>
+              <a:t>13/01/2024</a:t>
             </a:fld>
             <a:endParaRPr lang="en-ZA"/>
           </a:p>
@@ -1968,7 +1978,7 @@
           <a:p>
             <a:fld id="{C063C8AB-FDE7-451C-A176-EFBAB8461303}" type="datetimeFigureOut">
               <a:rPr lang="en-ZA" smtClean="0"/>
-              <a:t>09/01/2024</a:t>
+              <a:t>13/01/2024</a:t>
             </a:fld>
             <a:endParaRPr lang="en-ZA"/>
           </a:p>
@@ -2081,7 +2091,7 @@
           <a:p>
             <a:fld id="{C063C8AB-FDE7-451C-A176-EFBAB8461303}" type="datetimeFigureOut">
               <a:rPr lang="en-ZA" smtClean="0"/>
-              <a:t>09/01/2024</a:t>
+              <a:t>13/01/2024</a:t>
             </a:fld>
             <a:endParaRPr lang="en-ZA"/>
           </a:p>
@@ -2394,7 +2404,7 @@
           <a:p>
             <a:fld id="{C063C8AB-FDE7-451C-A176-EFBAB8461303}" type="datetimeFigureOut">
               <a:rPr lang="en-ZA" smtClean="0"/>
-              <a:t>09/01/2024</a:t>
+              <a:t>13/01/2024</a:t>
             </a:fld>
             <a:endParaRPr lang="en-ZA"/>
           </a:p>
@@ -2683,7 +2693,7 @@
           <a:p>
             <a:fld id="{C063C8AB-FDE7-451C-A176-EFBAB8461303}" type="datetimeFigureOut">
               <a:rPr lang="en-ZA" smtClean="0"/>
-              <a:t>09/01/2024</a:t>
+              <a:t>13/01/2024</a:t>
             </a:fld>
             <a:endParaRPr lang="en-ZA"/>
           </a:p>
@@ -2926,7 +2936,7 @@
           <a:p>
             <a:fld id="{C063C8AB-FDE7-451C-A176-EFBAB8461303}" type="datetimeFigureOut">
               <a:rPr lang="en-ZA" smtClean="0"/>
-              <a:t>09/01/2024</a:t>
+              <a:t>13/01/2024</a:t>
             </a:fld>
             <a:endParaRPr lang="en-ZA"/>
           </a:p>
@@ -3407,7 +3417,7 @@
         </p:nvGrpSpPr>
         <p:grpSpPr>
           <a:xfrm>
-            <a:off x="-74331" y="780530"/>
+            <a:off x="0" y="723380"/>
             <a:ext cx="12192000" cy="5225143"/>
             <a:chOff x="-26983" y="786448"/>
             <a:chExt cx="12192000" cy="5225143"/>
@@ -5523,6 +5533,2248 @@
 </p:sld>
 </file>
 
+<file path=ppt/slides/slide3.xml><?xml version="1.0" encoding="utf-8"?>
+<p:sld xmlns:a="http://schemas.openxmlformats.org/drawingml/2006/main" xmlns:r="http://schemas.openxmlformats.org/officeDocument/2006/relationships" xmlns:p="http://schemas.openxmlformats.org/presentationml/2006/main">
+  <p:cSld>
+    <p:bg>
+      <p:bgPr>
+        <a:solidFill>
+          <a:schemeClr val="bg1"/>
+        </a:solidFill>
+        <a:effectLst/>
+      </p:bgPr>
+    </p:bg>
+    <p:spTree>
+      <p:nvGrpSpPr>
+        <p:cNvPr id="1" name=""/>
+        <p:cNvGrpSpPr/>
+        <p:nvPr/>
+      </p:nvGrpSpPr>
+      <p:grpSpPr>
+        <a:xfrm>
+          <a:off x="0" y="0"/>
+          <a:ext cx="0" cy="0"/>
+          <a:chOff x="0" y="0"/>
+          <a:chExt cx="0" cy="0"/>
+        </a:xfrm>
+      </p:grpSpPr>
+      <p:pic>
+        <p:nvPicPr>
+          <p:cNvPr id="5" name="Content Placeholder 4" descr="A screenshot of a graph&#10;&#10;Description automatically generated">
+            <a:extLst>
+              <a:ext uri="{FF2B5EF4-FFF2-40B4-BE49-F238E27FC236}">
+                <a16:creationId xmlns:a16="http://schemas.microsoft.com/office/drawing/2014/main" id="{FC7DA141-CFCD-2CE1-765E-26008334132B}"/>
+              </a:ext>
+            </a:extLst>
+          </p:cNvPr>
+          <p:cNvPicPr>
+            <a:picLocks noGrp="1" noChangeAspect="1"/>
+          </p:cNvPicPr>
+          <p:nvPr>
+            <p:ph idx="1"/>
+          </p:nvPr>
+        </p:nvPicPr>
+        <p:blipFill>
+          <a:blip r:embed="rId2">
+            <a:extLst>
+              <a:ext uri="{28A0092B-C50C-407E-A947-70E740481C1C}">
+                <a14:useLocalDpi xmlns:a14="http://schemas.microsoft.com/office/drawing/2010/main" val="0"/>
+              </a:ext>
+            </a:extLst>
+          </a:blip>
+          <a:stretch>
+            <a:fillRect/>
+          </a:stretch>
+        </p:blipFill>
+        <p:spPr>
+          <a:xfrm>
+            <a:off x="185619" y="902311"/>
+            <a:ext cx="11820762" cy="5053377"/>
+          </a:xfrm>
+          <a:prstGeom prst="rect">
+            <a:avLst/>
+          </a:prstGeom>
+        </p:spPr>
+      </p:pic>
+      <p:grpSp>
+        <p:nvGrpSpPr>
+          <p:cNvPr id="12" name="Group 11">
+            <a:extLst>
+              <a:ext uri="{FF2B5EF4-FFF2-40B4-BE49-F238E27FC236}">
+                <a16:creationId xmlns:a16="http://schemas.microsoft.com/office/drawing/2014/main" id="{69799B1E-467D-8785-1AEC-A3614A3B2FB3}"/>
+              </a:ext>
+            </a:extLst>
+          </p:cNvPr>
+          <p:cNvGrpSpPr/>
+          <p:nvPr/>
+        </p:nvGrpSpPr>
+        <p:grpSpPr>
+          <a:xfrm>
+            <a:off x="2644998" y="1160080"/>
+            <a:ext cx="6230554" cy="4420391"/>
+            <a:chOff x="2644998" y="1160080"/>
+            <a:chExt cx="6230554" cy="4420391"/>
+          </a:xfrm>
+        </p:grpSpPr>
+        <p:cxnSp>
+          <p:nvCxnSpPr>
+            <p:cNvPr id="6" name="Straight Connector 5">
+              <a:extLst>
+                <a:ext uri="{FF2B5EF4-FFF2-40B4-BE49-F238E27FC236}">
+                  <a16:creationId xmlns:a16="http://schemas.microsoft.com/office/drawing/2014/main" id="{C596B8AF-5334-6AEF-79FC-CF43FFE22010}"/>
+                </a:ext>
+              </a:extLst>
+            </p:cNvPr>
+            <p:cNvCxnSpPr/>
+            <p:nvPr/>
+          </p:nvCxnSpPr>
+          <p:spPr>
+            <a:xfrm>
+              <a:off x="2644998" y="1160080"/>
+              <a:ext cx="0" cy="4399117"/>
+            </a:xfrm>
+            <a:prstGeom prst="line">
+              <a:avLst/>
+            </a:prstGeom>
+            <a:ln w="3175">
+              <a:solidFill>
+                <a:srgbClr val="000000"/>
+              </a:solidFill>
+              <a:prstDash val="lgDash"/>
+            </a:ln>
+          </p:spPr>
+          <p:style>
+            <a:lnRef idx="1">
+              <a:schemeClr val="dk1"/>
+            </a:lnRef>
+            <a:fillRef idx="0">
+              <a:schemeClr val="dk1"/>
+            </a:fillRef>
+            <a:effectRef idx="0">
+              <a:schemeClr val="dk1"/>
+            </a:effectRef>
+            <a:fontRef idx="minor">
+              <a:schemeClr val="tx1"/>
+            </a:fontRef>
+          </p:style>
+        </p:cxnSp>
+        <p:cxnSp>
+          <p:nvCxnSpPr>
+            <p:cNvPr id="7" name="Straight Connector 6">
+              <a:extLst>
+                <a:ext uri="{FF2B5EF4-FFF2-40B4-BE49-F238E27FC236}">
+                  <a16:creationId xmlns:a16="http://schemas.microsoft.com/office/drawing/2014/main" id="{1CB11149-FED8-B6A2-7127-3437916E91A8}"/>
+                </a:ext>
+              </a:extLst>
+            </p:cNvPr>
+            <p:cNvCxnSpPr/>
+            <p:nvPr/>
+          </p:nvCxnSpPr>
+          <p:spPr>
+            <a:xfrm>
+              <a:off x="4725394" y="1160080"/>
+              <a:ext cx="0" cy="4399117"/>
+            </a:xfrm>
+            <a:prstGeom prst="line">
+              <a:avLst/>
+            </a:prstGeom>
+            <a:ln w="3175">
+              <a:solidFill>
+                <a:srgbClr val="000000"/>
+              </a:solidFill>
+              <a:prstDash val="lgDash"/>
+            </a:ln>
+          </p:spPr>
+          <p:style>
+            <a:lnRef idx="1">
+              <a:schemeClr val="dk1"/>
+            </a:lnRef>
+            <a:fillRef idx="0">
+              <a:schemeClr val="dk1"/>
+            </a:fillRef>
+            <a:effectRef idx="0">
+              <a:schemeClr val="dk1"/>
+            </a:effectRef>
+            <a:fontRef idx="minor">
+              <a:schemeClr val="tx1"/>
+            </a:fontRef>
+          </p:style>
+        </p:cxnSp>
+        <p:cxnSp>
+          <p:nvCxnSpPr>
+            <p:cNvPr id="8" name="Straight Connector 7">
+              <a:extLst>
+                <a:ext uri="{FF2B5EF4-FFF2-40B4-BE49-F238E27FC236}">
+                  <a16:creationId xmlns:a16="http://schemas.microsoft.com/office/drawing/2014/main" id="{D043EBE7-D162-B18C-B599-34F56BCEEDA4}"/>
+                </a:ext>
+              </a:extLst>
+            </p:cNvPr>
+            <p:cNvCxnSpPr/>
+            <p:nvPr/>
+          </p:nvCxnSpPr>
+          <p:spPr>
+            <a:xfrm>
+              <a:off x="6801544" y="1181354"/>
+              <a:ext cx="0" cy="4399117"/>
+            </a:xfrm>
+            <a:prstGeom prst="line">
+              <a:avLst/>
+            </a:prstGeom>
+            <a:ln w="3175">
+              <a:solidFill>
+                <a:srgbClr val="000000"/>
+              </a:solidFill>
+              <a:prstDash val="lgDash"/>
+            </a:ln>
+          </p:spPr>
+          <p:style>
+            <a:lnRef idx="1">
+              <a:schemeClr val="dk1"/>
+            </a:lnRef>
+            <a:fillRef idx="0">
+              <a:schemeClr val="dk1"/>
+            </a:fillRef>
+            <a:effectRef idx="0">
+              <a:schemeClr val="dk1"/>
+            </a:effectRef>
+            <a:fontRef idx="minor">
+              <a:schemeClr val="tx1"/>
+            </a:fontRef>
+          </p:style>
+        </p:cxnSp>
+        <p:cxnSp>
+          <p:nvCxnSpPr>
+            <p:cNvPr id="9" name="Straight Connector 8">
+              <a:extLst>
+                <a:ext uri="{FF2B5EF4-FFF2-40B4-BE49-F238E27FC236}">
+                  <a16:creationId xmlns:a16="http://schemas.microsoft.com/office/drawing/2014/main" id="{8F62ACF9-B472-1178-C231-C5A2E47B74F6}"/>
+                </a:ext>
+              </a:extLst>
+            </p:cNvPr>
+            <p:cNvCxnSpPr/>
+            <p:nvPr/>
+          </p:nvCxnSpPr>
+          <p:spPr>
+            <a:xfrm>
+              <a:off x="8875552" y="1181354"/>
+              <a:ext cx="0" cy="4399117"/>
+            </a:xfrm>
+            <a:prstGeom prst="line">
+              <a:avLst/>
+            </a:prstGeom>
+            <a:ln w="3175">
+              <a:solidFill>
+                <a:srgbClr val="000000"/>
+              </a:solidFill>
+              <a:prstDash val="lgDash"/>
+            </a:ln>
+          </p:spPr>
+          <p:style>
+            <a:lnRef idx="1">
+              <a:schemeClr val="dk1"/>
+            </a:lnRef>
+            <a:fillRef idx="0">
+              <a:schemeClr val="dk1"/>
+            </a:fillRef>
+            <a:effectRef idx="0">
+              <a:schemeClr val="dk1"/>
+            </a:effectRef>
+            <a:fontRef idx="minor">
+              <a:schemeClr val="tx1"/>
+            </a:fontRef>
+          </p:style>
+        </p:cxnSp>
+      </p:grpSp>
+    </p:spTree>
+    <p:extLst>
+      <p:ext uri="{BB962C8B-B14F-4D97-AF65-F5344CB8AC3E}">
+        <p14:creationId xmlns:p14="http://schemas.microsoft.com/office/powerpoint/2010/main" val="4276001178"/>
+      </p:ext>
+    </p:extLst>
+  </p:cSld>
+  <p:clrMapOvr>
+    <a:masterClrMapping/>
+  </p:clrMapOvr>
+</p:sld>
+</file>
+
+<file path=ppt/slides/slide4.xml><?xml version="1.0" encoding="utf-8"?>
+<p:sld xmlns:a="http://schemas.openxmlformats.org/drawingml/2006/main" xmlns:r="http://schemas.openxmlformats.org/officeDocument/2006/relationships" xmlns:p="http://schemas.openxmlformats.org/presentationml/2006/main">
+  <p:cSld>
+    <p:bg>
+      <p:bgPr>
+        <a:solidFill>
+          <a:schemeClr val="bg1"/>
+        </a:solidFill>
+        <a:effectLst/>
+      </p:bgPr>
+    </p:bg>
+    <p:spTree>
+      <p:nvGrpSpPr>
+        <p:cNvPr id="1" name=""/>
+        <p:cNvGrpSpPr/>
+        <p:nvPr/>
+      </p:nvGrpSpPr>
+      <p:grpSpPr>
+        <a:xfrm>
+          <a:off x="0" y="0"/>
+          <a:ext cx="0" cy="0"/>
+          <a:chOff x="0" y="0"/>
+          <a:chExt cx="0" cy="0"/>
+        </a:xfrm>
+      </p:grpSpPr>
+      <p:pic>
+        <p:nvPicPr>
+          <p:cNvPr id="5" name="Content Placeholder 4" descr="A graph of different colored bars&#10;&#10;Description automatically generated">
+            <a:extLst>
+              <a:ext uri="{FF2B5EF4-FFF2-40B4-BE49-F238E27FC236}">
+                <a16:creationId xmlns:a16="http://schemas.microsoft.com/office/drawing/2014/main" id="{3041D846-0FDF-10E6-9114-2E96FE87FEE5}"/>
+              </a:ext>
+            </a:extLst>
+          </p:cNvPr>
+          <p:cNvPicPr>
+            <a:picLocks noGrp="1" noChangeAspect="1"/>
+          </p:cNvPicPr>
+          <p:nvPr>
+            <p:ph idx="1"/>
+          </p:nvPr>
+        </p:nvPicPr>
+        <p:blipFill>
+          <a:blip r:embed="rId2">
+            <a:extLst>
+              <a:ext uri="{28A0092B-C50C-407E-A947-70E740481C1C}">
+                <a14:useLocalDpi xmlns:a14="http://schemas.microsoft.com/office/drawing/2010/main" val="0"/>
+              </a:ext>
+            </a:extLst>
+          </a:blip>
+          <a:stretch>
+            <a:fillRect/>
+          </a:stretch>
+        </p:blipFill>
+        <p:spPr>
+          <a:xfrm>
+            <a:off x="129822" y="794328"/>
+            <a:ext cx="11926247" cy="5098472"/>
+          </a:xfrm>
+          <a:prstGeom prst="rect">
+            <a:avLst/>
+          </a:prstGeom>
+        </p:spPr>
+      </p:pic>
+      <p:sp>
+        <p:nvSpPr>
+          <p:cNvPr id="6" name="TextBox 5">
+            <a:extLst>
+              <a:ext uri="{FF2B5EF4-FFF2-40B4-BE49-F238E27FC236}">
+                <a16:creationId xmlns:a16="http://schemas.microsoft.com/office/drawing/2014/main" id="{053E8FED-0D15-5504-697E-7803245692BE}"/>
+              </a:ext>
+            </a:extLst>
+          </p:cNvPr>
+          <p:cNvSpPr txBox="1"/>
+          <p:nvPr/>
+        </p:nvSpPr>
+        <p:spPr>
+          <a:xfrm>
+            <a:off x="792183" y="2321131"/>
+            <a:ext cx="341745" cy="276999"/>
+          </a:xfrm>
+          <a:prstGeom prst="rect">
+            <a:avLst/>
+          </a:prstGeom>
+          <a:noFill/>
+        </p:spPr>
+        <p:txBody>
+          <a:bodyPr wrap="square" rtlCol="0">
+            <a:spAutoFit/>
+          </a:bodyPr>
+          <a:lstStyle/>
+          <a:p>
+            <a:r>
+              <a:rPr lang="en-US" sz="1200" dirty="0">
+                <a:latin typeface="+mj-lt"/>
+              </a:rPr>
+              <a:t>a</a:t>
+            </a:r>
+            <a:endParaRPr lang="en-ZA" sz="1200" dirty="0">
+              <a:latin typeface="+mj-lt"/>
+            </a:endParaRPr>
+          </a:p>
+        </p:txBody>
+      </p:sp>
+      <p:grpSp>
+        <p:nvGrpSpPr>
+          <p:cNvPr id="27" name="Group 26">
+            <a:extLst>
+              <a:ext uri="{FF2B5EF4-FFF2-40B4-BE49-F238E27FC236}">
+                <a16:creationId xmlns:a16="http://schemas.microsoft.com/office/drawing/2014/main" id="{D65C6559-E370-EED4-5782-CA178C9799B4}"/>
+              </a:ext>
+            </a:extLst>
+          </p:cNvPr>
+          <p:cNvGrpSpPr/>
+          <p:nvPr/>
+        </p:nvGrpSpPr>
+        <p:grpSpPr>
+          <a:xfrm>
+            <a:off x="1133928" y="1215887"/>
+            <a:ext cx="9571859" cy="3659007"/>
+            <a:chOff x="1133928" y="1215887"/>
+            <a:chExt cx="9571859" cy="3659007"/>
+          </a:xfrm>
+        </p:grpSpPr>
+        <p:sp>
+          <p:nvSpPr>
+            <p:cNvPr id="7" name="TextBox 6">
+              <a:extLst>
+                <a:ext uri="{FF2B5EF4-FFF2-40B4-BE49-F238E27FC236}">
+                  <a16:creationId xmlns:a16="http://schemas.microsoft.com/office/drawing/2014/main" id="{179FC5A9-0EFC-0211-3FCA-A9885E2415A4}"/>
+                </a:ext>
+              </a:extLst>
+            </p:cNvPr>
+            <p:cNvSpPr txBox="1"/>
+            <p:nvPr/>
+          </p:nvSpPr>
+          <p:spPr>
+            <a:xfrm>
+              <a:off x="1133928" y="4597895"/>
+              <a:ext cx="341745" cy="276999"/>
+            </a:xfrm>
+            <a:prstGeom prst="rect">
+              <a:avLst/>
+            </a:prstGeom>
+            <a:noFill/>
+          </p:spPr>
+          <p:txBody>
+            <a:bodyPr wrap="square" rtlCol="0">
+              <a:spAutoFit/>
+            </a:bodyPr>
+            <a:lstStyle/>
+            <a:p>
+              <a:r>
+                <a:rPr lang="en-US" sz="1200" dirty="0">
+                  <a:latin typeface="+mj-lt"/>
+                </a:rPr>
+                <a:t>b</a:t>
+              </a:r>
+              <a:endParaRPr lang="en-ZA" sz="1200" dirty="0">
+                <a:latin typeface="+mj-lt"/>
+              </a:endParaRPr>
+            </a:p>
+          </p:txBody>
+        </p:sp>
+        <p:sp>
+          <p:nvSpPr>
+            <p:cNvPr id="8" name="TextBox 7">
+              <a:extLst>
+                <a:ext uri="{FF2B5EF4-FFF2-40B4-BE49-F238E27FC236}">
+                  <a16:creationId xmlns:a16="http://schemas.microsoft.com/office/drawing/2014/main" id="{70C532F5-6AA5-995A-4B4F-3574A2DA4FC2}"/>
+                </a:ext>
+              </a:extLst>
+            </p:cNvPr>
+            <p:cNvSpPr txBox="1"/>
+            <p:nvPr/>
+          </p:nvSpPr>
+          <p:spPr>
+            <a:xfrm>
+              <a:off x="1513325" y="3438671"/>
+              <a:ext cx="341745" cy="276999"/>
+            </a:xfrm>
+            <a:prstGeom prst="rect">
+              <a:avLst/>
+            </a:prstGeom>
+            <a:noFill/>
+          </p:spPr>
+          <p:txBody>
+            <a:bodyPr wrap="square" rtlCol="0">
+              <a:spAutoFit/>
+            </a:bodyPr>
+            <a:lstStyle/>
+            <a:p>
+              <a:r>
+                <a:rPr lang="en-US" sz="1200" dirty="0">
+                  <a:latin typeface="+mj-lt"/>
+                </a:rPr>
+                <a:t>a</a:t>
+              </a:r>
+              <a:endParaRPr lang="en-ZA" sz="1200" dirty="0">
+                <a:latin typeface="+mj-lt"/>
+              </a:endParaRPr>
+            </a:p>
+          </p:txBody>
+        </p:sp>
+        <p:sp>
+          <p:nvSpPr>
+            <p:cNvPr id="9" name="TextBox 8">
+              <a:extLst>
+                <a:ext uri="{FF2B5EF4-FFF2-40B4-BE49-F238E27FC236}">
+                  <a16:creationId xmlns:a16="http://schemas.microsoft.com/office/drawing/2014/main" id="{8FA9F9EB-5BC4-F3B4-ABAE-C41720069442}"/>
+                </a:ext>
+              </a:extLst>
+            </p:cNvPr>
+            <p:cNvSpPr txBox="1"/>
+            <p:nvPr/>
+          </p:nvSpPr>
+          <p:spPr>
+            <a:xfrm>
+              <a:off x="1769008" y="4186185"/>
+              <a:ext cx="630139" cy="276999"/>
+            </a:xfrm>
+            <a:prstGeom prst="rect">
+              <a:avLst/>
+            </a:prstGeom>
+            <a:noFill/>
+          </p:spPr>
+          <p:txBody>
+            <a:bodyPr wrap="square" rtlCol="0">
+              <a:spAutoFit/>
+            </a:bodyPr>
+            <a:lstStyle/>
+            <a:p>
+              <a:r>
+                <a:rPr lang="en-US" sz="1200" dirty="0" err="1">
+                  <a:latin typeface="+mj-lt"/>
+                </a:rPr>
+                <a:t>abc</a:t>
+              </a:r>
+              <a:endParaRPr lang="en-ZA" sz="1200" dirty="0">
+                <a:latin typeface="+mj-lt"/>
+              </a:endParaRPr>
+            </a:p>
+          </p:txBody>
+        </p:sp>
+        <p:sp>
+          <p:nvSpPr>
+            <p:cNvPr id="10" name="TextBox 9">
+              <a:extLst>
+                <a:ext uri="{FF2B5EF4-FFF2-40B4-BE49-F238E27FC236}">
+                  <a16:creationId xmlns:a16="http://schemas.microsoft.com/office/drawing/2014/main" id="{7F933F46-42C4-B201-532F-34FBFE7CC9AB}"/>
+                </a:ext>
+              </a:extLst>
+            </p:cNvPr>
+            <p:cNvSpPr txBox="1"/>
+            <p:nvPr/>
+          </p:nvSpPr>
+          <p:spPr>
+            <a:xfrm>
+              <a:off x="2359593" y="2347233"/>
+              <a:ext cx="341745" cy="276999"/>
+            </a:xfrm>
+            <a:prstGeom prst="rect">
+              <a:avLst/>
+            </a:prstGeom>
+            <a:noFill/>
+          </p:spPr>
+          <p:txBody>
+            <a:bodyPr wrap="square" rtlCol="0">
+              <a:spAutoFit/>
+            </a:bodyPr>
+            <a:lstStyle/>
+            <a:p>
+              <a:r>
+                <a:rPr lang="en-US" sz="1200" dirty="0">
+                  <a:latin typeface="+mj-lt"/>
+                </a:rPr>
+                <a:t>a</a:t>
+              </a:r>
+              <a:endParaRPr lang="en-ZA" sz="1200" dirty="0">
+                <a:latin typeface="+mj-lt"/>
+              </a:endParaRPr>
+            </a:p>
+          </p:txBody>
+        </p:sp>
+        <p:sp>
+          <p:nvSpPr>
+            <p:cNvPr id="11" name="TextBox 10">
+              <a:extLst>
+                <a:ext uri="{FF2B5EF4-FFF2-40B4-BE49-F238E27FC236}">
+                  <a16:creationId xmlns:a16="http://schemas.microsoft.com/office/drawing/2014/main" id="{A6858B42-23B6-2C06-3C00-BF4164475016}"/>
+                </a:ext>
+              </a:extLst>
+            </p:cNvPr>
+            <p:cNvSpPr txBox="1"/>
+            <p:nvPr/>
+          </p:nvSpPr>
+          <p:spPr>
+            <a:xfrm>
+              <a:off x="2701338" y="4484419"/>
+              <a:ext cx="341745" cy="276999"/>
+            </a:xfrm>
+            <a:prstGeom prst="rect">
+              <a:avLst/>
+            </a:prstGeom>
+            <a:noFill/>
+          </p:spPr>
+          <p:txBody>
+            <a:bodyPr wrap="square" rtlCol="0">
+              <a:spAutoFit/>
+            </a:bodyPr>
+            <a:lstStyle/>
+            <a:p>
+              <a:r>
+                <a:rPr lang="en-US" sz="1200" dirty="0">
+                  <a:latin typeface="+mj-lt"/>
+                </a:rPr>
+                <a:t>b</a:t>
+              </a:r>
+              <a:endParaRPr lang="en-ZA" sz="1200" dirty="0">
+                <a:latin typeface="+mj-lt"/>
+              </a:endParaRPr>
+            </a:p>
+          </p:txBody>
+        </p:sp>
+        <p:sp>
+          <p:nvSpPr>
+            <p:cNvPr id="12" name="TextBox 11">
+              <a:extLst>
+                <a:ext uri="{FF2B5EF4-FFF2-40B4-BE49-F238E27FC236}">
+                  <a16:creationId xmlns:a16="http://schemas.microsoft.com/office/drawing/2014/main" id="{8C336DD0-19FB-258E-466E-FD84B5212BF4}"/>
+                </a:ext>
+              </a:extLst>
+            </p:cNvPr>
+            <p:cNvSpPr txBox="1"/>
+            <p:nvPr/>
+          </p:nvSpPr>
+          <p:spPr>
+            <a:xfrm>
+              <a:off x="3008966" y="3706283"/>
+              <a:ext cx="426556" cy="276999"/>
+            </a:xfrm>
+            <a:prstGeom prst="rect">
+              <a:avLst/>
+            </a:prstGeom>
+            <a:noFill/>
+          </p:spPr>
+          <p:txBody>
+            <a:bodyPr wrap="square" rtlCol="0">
+              <a:spAutoFit/>
+            </a:bodyPr>
+            <a:lstStyle/>
+            <a:p>
+              <a:r>
+                <a:rPr lang="en-US" sz="1200" dirty="0">
+                  <a:latin typeface="+mj-lt"/>
+                </a:rPr>
+                <a:t>ac</a:t>
+              </a:r>
+              <a:endParaRPr lang="en-ZA" sz="1200" dirty="0">
+                <a:latin typeface="+mj-lt"/>
+              </a:endParaRPr>
+            </a:p>
+          </p:txBody>
+        </p:sp>
+        <p:sp>
+          <p:nvSpPr>
+            <p:cNvPr id="13" name="TextBox 12">
+              <a:extLst>
+                <a:ext uri="{FF2B5EF4-FFF2-40B4-BE49-F238E27FC236}">
+                  <a16:creationId xmlns:a16="http://schemas.microsoft.com/office/drawing/2014/main" id="{5F287E24-596C-5A85-7041-B231011033C4}"/>
+                </a:ext>
+              </a:extLst>
+            </p:cNvPr>
+            <p:cNvSpPr txBox="1"/>
+            <p:nvPr/>
+          </p:nvSpPr>
+          <p:spPr>
+            <a:xfrm>
+              <a:off x="3401510" y="4413229"/>
+              <a:ext cx="426556" cy="276999"/>
+            </a:xfrm>
+            <a:prstGeom prst="rect">
+              <a:avLst/>
+            </a:prstGeom>
+            <a:noFill/>
+          </p:spPr>
+          <p:txBody>
+            <a:bodyPr wrap="square" rtlCol="0">
+              <a:spAutoFit/>
+            </a:bodyPr>
+            <a:lstStyle/>
+            <a:p>
+              <a:r>
+                <a:rPr lang="en-US" sz="1200" dirty="0" err="1">
+                  <a:latin typeface="+mj-lt"/>
+                </a:rPr>
+                <a:t>bc</a:t>
+              </a:r>
+              <a:endParaRPr lang="en-ZA" sz="1200" dirty="0">
+                <a:latin typeface="+mj-lt"/>
+              </a:endParaRPr>
+            </a:p>
+          </p:txBody>
+        </p:sp>
+        <p:sp>
+          <p:nvSpPr>
+            <p:cNvPr id="14" name="TextBox 13">
+              <a:extLst>
+                <a:ext uri="{FF2B5EF4-FFF2-40B4-BE49-F238E27FC236}">
+                  <a16:creationId xmlns:a16="http://schemas.microsoft.com/office/drawing/2014/main" id="{D110CADC-ADBF-B426-7AF3-B52837641D58}"/>
+                </a:ext>
+              </a:extLst>
+            </p:cNvPr>
+            <p:cNvSpPr txBox="1"/>
+            <p:nvPr/>
+          </p:nvSpPr>
+          <p:spPr>
+            <a:xfrm>
+              <a:off x="4346172" y="1827280"/>
+              <a:ext cx="341745" cy="276999"/>
+            </a:xfrm>
+            <a:prstGeom prst="rect">
+              <a:avLst/>
+            </a:prstGeom>
+            <a:noFill/>
+          </p:spPr>
+          <p:txBody>
+            <a:bodyPr wrap="square" rtlCol="0">
+              <a:spAutoFit/>
+            </a:bodyPr>
+            <a:lstStyle/>
+            <a:p>
+              <a:r>
+                <a:rPr lang="en-US" sz="1200" dirty="0">
+                  <a:latin typeface="+mj-lt"/>
+                </a:rPr>
+                <a:t>A</a:t>
+              </a:r>
+              <a:endParaRPr lang="en-ZA" sz="1200" dirty="0">
+                <a:latin typeface="+mj-lt"/>
+              </a:endParaRPr>
+            </a:p>
+          </p:txBody>
+        </p:sp>
+        <p:sp>
+          <p:nvSpPr>
+            <p:cNvPr id="15" name="TextBox 14">
+              <a:extLst>
+                <a:ext uri="{FF2B5EF4-FFF2-40B4-BE49-F238E27FC236}">
+                  <a16:creationId xmlns:a16="http://schemas.microsoft.com/office/drawing/2014/main" id="{3ACBB3D1-705C-3B12-FF91-880973C6C458}"/>
+                </a:ext>
+              </a:extLst>
+            </p:cNvPr>
+            <p:cNvSpPr txBox="1"/>
+            <p:nvPr/>
+          </p:nvSpPr>
+          <p:spPr>
+            <a:xfrm>
+              <a:off x="4832059" y="2312858"/>
+              <a:ext cx="341745" cy="276999"/>
+            </a:xfrm>
+            <a:prstGeom prst="rect">
+              <a:avLst/>
+            </a:prstGeom>
+            <a:noFill/>
+          </p:spPr>
+          <p:txBody>
+            <a:bodyPr wrap="square" rtlCol="0">
+              <a:spAutoFit/>
+            </a:bodyPr>
+            <a:lstStyle/>
+            <a:p>
+              <a:r>
+                <a:rPr lang="en-US" sz="1200" dirty="0">
+                  <a:latin typeface="+mj-lt"/>
+                </a:rPr>
+                <a:t>A</a:t>
+              </a:r>
+              <a:endParaRPr lang="en-ZA" sz="1200" dirty="0">
+                <a:latin typeface="+mj-lt"/>
+              </a:endParaRPr>
+            </a:p>
+          </p:txBody>
+        </p:sp>
+        <p:sp>
+          <p:nvSpPr>
+            <p:cNvPr id="16" name="TextBox 15">
+              <a:extLst>
+                <a:ext uri="{FF2B5EF4-FFF2-40B4-BE49-F238E27FC236}">
+                  <a16:creationId xmlns:a16="http://schemas.microsoft.com/office/drawing/2014/main" id="{C39AC293-B663-ABA6-E9C8-0AB1DD356630}"/>
+                </a:ext>
+              </a:extLst>
+            </p:cNvPr>
+            <p:cNvSpPr txBox="1"/>
+            <p:nvPr/>
+          </p:nvSpPr>
+          <p:spPr>
+            <a:xfrm>
+              <a:off x="5900749" y="1540410"/>
+              <a:ext cx="341745" cy="276999"/>
+            </a:xfrm>
+            <a:prstGeom prst="rect">
+              <a:avLst/>
+            </a:prstGeom>
+            <a:noFill/>
+          </p:spPr>
+          <p:txBody>
+            <a:bodyPr wrap="square" rtlCol="0">
+              <a:spAutoFit/>
+            </a:bodyPr>
+            <a:lstStyle/>
+            <a:p>
+              <a:r>
+                <a:rPr lang="en-US" sz="1200" dirty="0">
+                  <a:latin typeface="+mj-lt"/>
+                </a:rPr>
+                <a:t>A</a:t>
+              </a:r>
+              <a:endParaRPr lang="en-ZA" sz="1200" dirty="0">
+                <a:latin typeface="+mj-lt"/>
+              </a:endParaRPr>
+            </a:p>
+          </p:txBody>
+        </p:sp>
+        <p:sp>
+          <p:nvSpPr>
+            <p:cNvPr id="17" name="TextBox 16">
+              <a:extLst>
+                <a:ext uri="{FF2B5EF4-FFF2-40B4-BE49-F238E27FC236}">
+                  <a16:creationId xmlns:a16="http://schemas.microsoft.com/office/drawing/2014/main" id="{F03C11FC-3FDE-B392-BBDD-5A5DBDF30FFA}"/>
+                </a:ext>
+              </a:extLst>
+            </p:cNvPr>
+            <p:cNvSpPr txBox="1"/>
+            <p:nvPr/>
+          </p:nvSpPr>
+          <p:spPr>
+            <a:xfrm>
+              <a:off x="5285673" y="3808003"/>
+              <a:ext cx="341745" cy="276999"/>
+            </a:xfrm>
+            <a:prstGeom prst="rect">
+              <a:avLst/>
+            </a:prstGeom>
+            <a:noFill/>
+          </p:spPr>
+          <p:txBody>
+            <a:bodyPr wrap="square" rtlCol="0">
+              <a:spAutoFit/>
+            </a:bodyPr>
+            <a:lstStyle/>
+            <a:p>
+              <a:r>
+                <a:rPr lang="en-US" sz="1200" dirty="0">
+                  <a:latin typeface="+mj-lt"/>
+                </a:rPr>
+                <a:t>B</a:t>
+              </a:r>
+              <a:endParaRPr lang="en-ZA" sz="1200" dirty="0">
+                <a:latin typeface="+mj-lt"/>
+              </a:endParaRPr>
+            </a:p>
+          </p:txBody>
+        </p:sp>
+        <p:sp>
+          <p:nvSpPr>
+            <p:cNvPr id="18" name="TextBox 17">
+              <a:extLst>
+                <a:ext uri="{FF2B5EF4-FFF2-40B4-BE49-F238E27FC236}">
+                  <a16:creationId xmlns:a16="http://schemas.microsoft.com/office/drawing/2014/main" id="{1AE85128-3D50-FB66-AFB1-BB96BAA16E6F}"/>
+                </a:ext>
+              </a:extLst>
+            </p:cNvPr>
+            <p:cNvSpPr txBox="1"/>
+            <p:nvPr/>
+          </p:nvSpPr>
+          <p:spPr>
+            <a:xfrm>
+              <a:off x="6863462" y="3556561"/>
+              <a:ext cx="341745" cy="276999"/>
+            </a:xfrm>
+            <a:prstGeom prst="rect">
+              <a:avLst/>
+            </a:prstGeom>
+            <a:noFill/>
+          </p:spPr>
+          <p:txBody>
+            <a:bodyPr wrap="square" rtlCol="0">
+              <a:spAutoFit/>
+            </a:bodyPr>
+            <a:lstStyle/>
+            <a:p>
+              <a:r>
+                <a:rPr lang="en-US" sz="1200" dirty="0">
+                  <a:latin typeface="+mj-lt"/>
+                </a:rPr>
+                <a:t>B</a:t>
+              </a:r>
+              <a:endParaRPr lang="en-ZA" sz="1200" dirty="0">
+                <a:latin typeface="+mj-lt"/>
+              </a:endParaRPr>
+            </a:p>
+          </p:txBody>
+        </p:sp>
+        <p:sp>
+          <p:nvSpPr>
+            <p:cNvPr id="19" name="TextBox 18">
+              <a:extLst>
+                <a:ext uri="{FF2B5EF4-FFF2-40B4-BE49-F238E27FC236}">
+                  <a16:creationId xmlns:a16="http://schemas.microsoft.com/office/drawing/2014/main" id="{389B3584-BA02-72F5-D422-C092029AB2C8}"/>
+                </a:ext>
+              </a:extLst>
+            </p:cNvPr>
+            <p:cNvSpPr txBox="1"/>
+            <p:nvPr/>
+          </p:nvSpPr>
+          <p:spPr>
+            <a:xfrm>
+              <a:off x="6354266" y="2690463"/>
+              <a:ext cx="552335" cy="276999"/>
+            </a:xfrm>
+            <a:prstGeom prst="rect">
+              <a:avLst/>
+            </a:prstGeom>
+            <a:noFill/>
+          </p:spPr>
+          <p:txBody>
+            <a:bodyPr wrap="square" rtlCol="0">
+              <a:spAutoFit/>
+            </a:bodyPr>
+            <a:lstStyle/>
+            <a:p>
+              <a:r>
+                <a:rPr lang="en-US" sz="1200" dirty="0">
+                  <a:latin typeface="+mj-lt"/>
+                </a:rPr>
+                <a:t>AB</a:t>
+              </a:r>
+              <a:endParaRPr lang="en-ZA" sz="1200" dirty="0">
+                <a:latin typeface="+mj-lt"/>
+              </a:endParaRPr>
+            </a:p>
+          </p:txBody>
+        </p:sp>
+        <p:sp>
+          <p:nvSpPr>
+            <p:cNvPr id="20" name="TextBox 19">
+              <a:extLst>
+                <a:ext uri="{FF2B5EF4-FFF2-40B4-BE49-F238E27FC236}">
+                  <a16:creationId xmlns:a16="http://schemas.microsoft.com/office/drawing/2014/main" id="{35C72E87-57D4-5A4A-FC3E-587101B8B847}"/>
+                </a:ext>
+              </a:extLst>
+            </p:cNvPr>
+            <p:cNvSpPr txBox="1"/>
+            <p:nvPr/>
+          </p:nvSpPr>
+          <p:spPr>
+            <a:xfrm>
+              <a:off x="7860336" y="1215887"/>
+              <a:ext cx="341745" cy="276999"/>
+            </a:xfrm>
+            <a:prstGeom prst="rect">
+              <a:avLst/>
+            </a:prstGeom>
+            <a:noFill/>
+          </p:spPr>
+          <p:txBody>
+            <a:bodyPr wrap="square" rtlCol="0">
+              <a:spAutoFit/>
+            </a:bodyPr>
+            <a:lstStyle/>
+            <a:p>
+              <a:r>
+                <a:rPr lang="en-US" sz="1200" dirty="0">
+                  <a:latin typeface="+mj-lt"/>
+                </a:rPr>
+                <a:t>A</a:t>
+              </a:r>
+              <a:endParaRPr lang="en-ZA" sz="1200" dirty="0">
+                <a:latin typeface="+mj-lt"/>
+              </a:endParaRPr>
+            </a:p>
+          </p:txBody>
+        </p:sp>
+        <p:sp>
+          <p:nvSpPr>
+            <p:cNvPr id="21" name="TextBox 20">
+              <a:extLst>
+                <a:ext uri="{FF2B5EF4-FFF2-40B4-BE49-F238E27FC236}">
+                  <a16:creationId xmlns:a16="http://schemas.microsoft.com/office/drawing/2014/main" id="{8A3B2BBD-3E20-C494-DD78-C1DB73F45250}"/>
+                </a:ext>
+              </a:extLst>
+            </p:cNvPr>
+            <p:cNvSpPr txBox="1"/>
+            <p:nvPr/>
+          </p:nvSpPr>
+          <p:spPr>
+            <a:xfrm>
+              <a:off x="8334283" y="2312857"/>
+              <a:ext cx="341745" cy="276999"/>
+            </a:xfrm>
+            <a:prstGeom prst="rect">
+              <a:avLst/>
+            </a:prstGeom>
+            <a:noFill/>
+          </p:spPr>
+          <p:txBody>
+            <a:bodyPr wrap="square" rtlCol="0">
+              <a:spAutoFit/>
+            </a:bodyPr>
+            <a:lstStyle/>
+            <a:p>
+              <a:r>
+                <a:rPr lang="en-US" sz="1200" dirty="0">
+                  <a:latin typeface="+mj-lt"/>
+                </a:rPr>
+                <a:t>B</a:t>
+              </a:r>
+              <a:endParaRPr lang="en-ZA" sz="1200" dirty="0">
+                <a:latin typeface="+mj-lt"/>
+              </a:endParaRPr>
+            </a:p>
+          </p:txBody>
+        </p:sp>
+        <p:sp>
+          <p:nvSpPr>
+            <p:cNvPr id="22" name="TextBox 21">
+              <a:extLst>
+                <a:ext uri="{FF2B5EF4-FFF2-40B4-BE49-F238E27FC236}">
+                  <a16:creationId xmlns:a16="http://schemas.microsoft.com/office/drawing/2014/main" id="{7F678BC9-CA25-0EB9-015C-D393F796DD84}"/>
+                </a:ext>
+              </a:extLst>
+            </p:cNvPr>
+            <p:cNvSpPr txBox="1"/>
+            <p:nvPr/>
+          </p:nvSpPr>
+          <p:spPr>
+            <a:xfrm>
+              <a:off x="8798181" y="3456034"/>
+              <a:ext cx="341745" cy="276999"/>
+            </a:xfrm>
+            <a:prstGeom prst="rect">
+              <a:avLst/>
+            </a:prstGeom>
+            <a:noFill/>
+          </p:spPr>
+          <p:txBody>
+            <a:bodyPr wrap="square" rtlCol="0">
+              <a:spAutoFit/>
+            </a:bodyPr>
+            <a:lstStyle/>
+            <a:p>
+              <a:r>
+                <a:rPr lang="en-US" sz="1200" dirty="0">
+                  <a:latin typeface="+mj-lt"/>
+                </a:rPr>
+                <a:t>C</a:t>
+              </a:r>
+              <a:endParaRPr lang="en-ZA" sz="1200" dirty="0">
+                <a:latin typeface="+mj-lt"/>
+              </a:endParaRPr>
+            </a:p>
+          </p:txBody>
+        </p:sp>
+        <p:sp>
+          <p:nvSpPr>
+            <p:cNvPr id="23" name="TextBox 22">
+              <a:extLst>
+                <a:ext uri="{FF2B5EF4-FFF2-40B4-BE49-F238E27FC236}">
+                  <a16:creationId xmlns:a16="http://schemas.microsoft.com/office/drawing/2014/main" id="{6899AD54-A556-4E29-E710-BDCA9CB254F9}"/>
+                </a:ext>
+              </a:extLst>
+            </p:cNvPr>
+            <p:cNvSpPr txBox="1"/>
+            <p:nvPr/>
+          </p:nvSpPr>
+          <p:spPr>
+            <a:xfrm>
+              <a:off x="10364042" y="3343564"/>
+              <a:ext cx="341745" cy="276999"/>
+            </a:xfrm>
+            <a:prstGeom prst="rect">
+              <a:avLst/>
+            </a:prstGeom>
+            <a:noFill/>
+          </p:spPr>
+          <p:txBody>
+            <a:bodyPr wrap="square" rtlCol="0">
+              <a:spAutoFit/>
+            </a:bodyPr>
+            <a:lstStyle/>
+            <a:p>
+              <a:r>
+                <a:rPr lang="en-US" sz="1200" dirty="0">
+                  <a:latin typeface="+mj-lt"/>
+                </a:rPr>
+                <a:t>C</a:t>
+              </a:r>
+              <a:endParaRPr lang="en-ZA" sz="1200" dirty="0">
+                <a:latin typeface="+mj-lt"/>
+              </a:endParaRPr>
+            </a:p>
+          </p:txBody>
+        </p:sp>
+        <p:sp>
+          <p:nvSpPr>
+            <p:cNvPr id="24" name="TextBox 23">
+              <a:extLst>
+                <a:ext uri="{FF2B5EF4-FFF2-40B4-BE49-F238E27FC236}">
+                  <a16:creationId xmlns:a16="http://schemas.microsoft.com/office/drawing/2014/main" id="{7B6AC51C-9DC3-4762-54D8-AD26F2DA11CB}"/>
+                </a:ext>
+              </a:extLst>
+            </p:cNvPr>
+            <p:cNvSpPr txBox="1"/>
+            <p:nvPr/>
+          </p:nvSpPr>
+          <p:spPr>
+            <a:xfrm>
+              <a:off x="9401076" y="1678909"/>
+              <a:ext cx="391043" cy="276999"/>
+            </a:xfrm>
+            <a:prstGeom prst="rect">
+              <a:avLst/>
+            </a:prstGeom>
+            <a:noFill/>
+          </p:spPr>
+          <p:txBody>
+            <a:bodyPr wrap="square" rtlCol="0">
+              <a:spAutoFit/>
+            </a:bodyPr>
+            <a:lstStyle/>
+            <a:p>
+              <a:r>
+                <a:rPr lang="en-US" sz="1200" dirty="0">
+                  <a:latin typeface="+mj-lt"/>
+                </a:rPr>
+                <a:t>AB</a:t>
+              </a:r>
+              <a:endParaRPr lang="en-ZA" sz="1200" dirty="0">
+                <a:latin typeface="+mj-lt"/>
+              </a:endParaRPr>
+            </a:p>
+          </p:txBody>
+        </p:sp>
+        <p:sp>
+          <p:nvSpPr>
+            <p:cNvPr id="25" name="TextBox 24">
+              <a:extLst>
+                <a:ext uri="{FF2B5EF4-FFF2-40B4-BE49-F238E27FC236}">
+                  <a16:creationId xmlns:a16="http://schemas.microsoft.com/office/drawing/2014/main" id="{D0BEB755-5C51-348B-21B3-907E6A206382}"/>
+                </a:ext>
+              </a:extLst>
+            </p:cNvPr>
+            <p:cNvSpPr txBox="1"/>
+            <p:nvPr/>
+          </p:nvSpPr>
+          <p:spPr>
+            <a:xfrm>
+              <a:off x="9911211" y="2163477"/>
+              <a:ext cx="391043" cy="276999"/>
+            </a:xfrm>
+            <a:prstGeom prst="rect">
+              <a:avLst/>
+            </a:prstGeom>
+            <a:noFill/>
+          </p:spPr>
+          <p:txBody>
+            <a:bodyPr wrap="square" rtlCol="0">
+              <a:spAutoFit/>
+            </a:bodyPr>
+            <a:lstStyle/>
+            <a:p>
+              <a:r>
+                <a:rPr lang="en-US" sz="1200" dirty="0">
+                  <a:latin typeface="+mj-lt"/>
+                </a:rPr>
+                <a:t>B</a:t>
+              </a:r>
+              <a:endParaRPr lang="en-ZA" sz="1200" dirty="0">
+                <a:latin typeface="+mj-lt"/>
+              </a:endParaRPr>
+            </a:p>
+          </p:txBody>
+        </p:sp>
+      </p:grpSp>
+    </p:spTree>
+    <p:extLst>
+      <p:ext uri="{BB962C8B-B14F-4D97-AF65-F5344CB8AC3E}">
+        <p14:creationId xmlns:p14="http://schemas.microsoft.com/office/powerpoint/2010/main" val="3595670695"/>
+      </p:ext>
+    </p:extLst>
+  </p:cSld>
+  <p:clrMapOvr>
+    <a:masterClrMapping/>
+  </p:clrMapOvr>
+</p:sld>
+</file>
+
+<file path=ppt/slides/slide5.xml><?xml version="1.0" encoding="utf-8"?>
+<p:sld xmlns:a="http://schemas.openxmlformats.org/drawingml/2006/main" xmlns:r="http://schemas.openxmlformats.org/officeDocument/2006/relationships" xmlns:p="http://schemas.openxmlformats.org/presentationml/2006/main">
+  <p:cSld>
+    <p:spTree>
+      <p:nvGrpSpPr>
+        <p:cNvPr id="1" name=""/>
+        <p:cNvGrpSpPr/>
+        <p:nvPr/>
+      </p:nvGrpSpPr>
+      <p:grpSpPr>
+        <a:xfrm>
+          <a:off x="0" y="0"/>
+          <a:ext cx="0" cy="0"/>
+          <a:chOff x="0" y="0"/>
+          <a:chExt cx="0" cy="0"/>
+        </a:xfrm>
+      </p:grpSpPr>
+      <p:pic>
+        <p:nvPicPr>
+          <p:cNvPr id="5" name="Content Placeholder 4">
+            <a:extLst>
+              <a:ext uri="{FF2B5EF4-FFF2-40B4-BE49-F238E27FC236}">
+                <a16:creationId xmlns:a16="http://schemas.microsoft.com/office/drawing/2014/main" id="{71083DFB-E35F-F86A-EAD8-537425BE91E1}"/>
+              </a:ext>
+            </a:extLst>
+          </p:cNvPr>
+          <p:cNvPicPr>
+            <a:picLocks noGrp="1" noChangeAspect="1"/>
+          </p:cNvPicPr>
+          <p:nvPr>
+            <p:ph idx="1"/>
+          </p:nvPr>
+        </p:nvPicPr>
+        <p:blipFill>
+          <a:blip r:embed="rId2">
+            <a:extLst>
+              <a:ext uri="{28A0092B-C50C-407E-A947-70E740481C1C}">
+                <a14:useLocalDpi xmlns:a14="http://schemas.microsoft.com/office/drawing/2010/main" val="0"/>
+              </a:ext>
+            </a:extLst>
+          </a:blip>
+          <a:stretch>
+            <a:fillRect/>
+          </a:stretch>
+        </p:blipFill>
+        <p:spPr>
+          <a:xfrm>
+            <a:off x="30130" y="469783"/>
+            <a:ext cx="12161870" cy="5212230"/>
+          </a:xfrm>
+        </p:spPr>
+      </p:pic>
+      <p:sp>
+        <p:nvSpPr>
+          <p:cNvPr id="6" name="TextBox 5">
+            <a:extLst>
+              <a:ext uri="{FF2B5EF4-FFF2-40B4-BE49-F238E27FC236}">
+                <a16:creationId xmlns:a16="http://schemas.microsoft.com/office/drawing/2014/main" id="{76C2E4A4-C1F1-A173-76C4-EA897D1FFBCE}"/>
+              </a:ext>
+            </a:extLst>
+          </p:cNvPr>
+          <p:cNvSpPr txBox="1"/>
+          <p:nvPr/>
+        </p:nvSpPr>
+        <p:spPr>
+          <a:xfrm>
+            <a:off x="2711833" y="1102270"/>
+            <a:ext cx="349206" cy="276999"/>
+          </a:xfrm>
+          <a:prstGeom prst="rect">
+            <a:avLst/>
+          </a:prstGeom>
+          <a:noFill/>
+        </p:spPr>
+        <p:txBody>
+          <a:bodyPr wrap="square" rtlCol="0">
+            <a:spAutoFit/>
+          </a:bodyPr>
+          <a:lstStyle/>
+          <a:p>
+            <a:r>
+              <a:rPr lang="en-US" sz="1200" dirty="0">
+                <a:latin typeface="+mj-lt"/>
+              </a:rPr>
+              <a:t>ab</a:t>
+            </a:r>
+            <a:endParaRPr lang="en-ZA" sz="1200" dirty="0">
+              <a:latin typeface="+mj-lt"/>
+            </a:endParaRPr>
+          </a:p>
+        </p:txBody>
+      </p:sp>
+      <p:sp>
+        <p:nvSpPr>
+          <p:cNvPr id="7" name="TextBox 6">
+            <a:extLst>
+              <a:ext uri="{FF2B5EF4-FFF2-40B4-BE49-F238E27FC236}">
+                <a16:creationId xmlns:a16="http://schemas.microsoft.com/office/drawing/2014/main" id="{8B73A582-A9FB-AC9A-3042-8CCAA46AADAF}"/>
+              </a:ext>
+            </a:extLst>
+          </p:cNvPr>
+          <p:cNvSpPr txBox="1"/>
+          <p:nvPr/>
+        </p:nvSpPr>
+        <p:spPr>
+          <a:xfrm>
+            <a:off x="2948047" y="1946622"/>
+            <a:ext cx="260059" cy="276999"/>
+          </a:xfrm>
+          <a:prstGeom prst="rect">
+            <a:avLst/>
+          </a:prstGeom>
+          <a:noFill/>
+        </p:spPr>
+        <p:txBody>
+          <a:bodyPr wrap="square" rtlCol="0">
+            <a:spAutoFit/>
+          </a:bodyPr>
+          <a:lstStyle/>
+          <a:p>
+            <a:r>
+              <a:rPr lang="en-US" sz="1200" dirty="0">
+                <a:latin typeface="+mj-lt"/>
+              </a:rPr>
+              <a:t>b</a:t>
+            </a:r>
+            <a:endParaRPr lang="en-ZA" sz="1200" dirty="0">
+              <a:latin typeface="+mj-lt"/>
+            </a:endParaRPr>
+          </a:p>
+        </p:txBody>
+      </p:sp>
+      <p:sp>
+        <p:nvSpPr>
+          <p:cNvPr id="8" name="TextBox 7">
+            <a:extLst>
+              <a:ext uri="{FF2B5EF4-FFF2-40B4-BE49-F238E27FC236}">
+                <a16:creationId xmlns:a16="http://schemas.microsoft.com/office/drawing/2014/main" id="{65585A9C-05F8-6DBE-01A6-08FC25540C15}"/>
+              </a:ext>
+            </a:extLst>
+          </p:cNvPr>
+          <p:cNvSpPr txBox="1"/>
+          <p:nvPr/>
+        </p:nvSpPr>
+        <p:spPr>
+          <a:xfrm>
+            <a:off x="3152468" y="913219"/>
+            <a:ext cx="349206" cy="276999"/>
+          </a:xfrm>
+          <a:prstGeom prst="rect">
+            <a:avLst/>
+          </a:prstGeom>
+          <a:noFill/>
+        </p:spPr>
+        <p:txBody>
+          <a:bodyPr wrap="square" rtlCol="0">
+            <a:spAutoFit/>
+          </a:bodyPr>
+          <a:lstStyle/>
+          <a:p>
+            <a:r>
+              <a:rPr lang="en-US" sz="1200" dirty="0">
+                <a:latin typeface="+mj-lt"/>
+              </a:rPr>
+              <a:t>a</a:t>
+            </a:r>
+            <a:endParaRPr lang="en-ZA" sz="1200" dirty="0">
+              <a:latin typeface="+mj-lt"/>
+            </a:endParaRPr>
+          </a:p>
+        </p:txBody>
+      </p:sp>
+      <p:sp>
+        <p:nvSpPr>
+          <p:cNvPr id="9" name="TextBox 8">
+            <a:extLst>
+              <a:ext uri="{FF2B5EF4-FFF2-40B4-BE49-F238E27FC236}">
+                <a16:creationId xmlns:a16="http://schemas.microsoft.com/office/drawing/2014/main" id="{E2F8E896-F69C-0790-E4FA-70A18EA4463C}"/>
+              </a:ext>
+            </a:extLst>
+          </p:cNvPr>
+          <p:cNvSpPr txBox="1"/>
+          <p:nvPr/>
+        </p:nvSpPr>
+        <p:spPr>
+          <a:xfrm>
+            <a:off x="3362965" y="1214236"/>
+            <a:ext cx="349206" cy="276999"/>
+          </a:xfrm>
+          <a:prstGeom prst="rect">
+            <a:avLst/>
+          </a:prstGeom>
+          <a:noFill/>
+        </p:spPr>
+        <p:txBody>
+          <a:bodyPr wrap="square" rtlCol="0">
+            <a:spAutoFit/>
+          </a:bodyPr>
+          <a:lstStyle/>
+          <a:p>
+            <a:r>
+              <a:rPr lang="en-US" sz="1200" dirty="0">
+                <a:latin typeface="+mj-lt"/>
+              </a:rPr>
+              <a:t>ab</a:t>
+            </a:r>
+            <a:endParaRPr lang="en-ZA" sz="1200" dirty="0">
+              <a:latin typeface="+mj-lt"/>
+            </a:endParaRPr>
+          </a:p>
+        </p:txBody>
+      </p:sp>
+      <p:sp>
+        <p:nvSpPr>
+          <p:cNvPr id="10" name="TextBox 9">
+            <a:extLst>
+              <a:ext uri="{FF2B5EF4-FFF2-40B4-BE49-F238E27FC236}">
+                <a16:creationId xmlns:a16="http://schemas.microsoft.com/office/drawing/2014/main" id="{329A2760-00F2-4049-3877-88EB8EB7382A}"/>
+              </a:ext>
+            </a:extLst>
+          </p:cNvPr>
+          <p:cNvSpPr txBox="1"/>
+          <p:nvPr/>
+        </p:nvSpPr>
+        <p:spPr>
+          <a:xfrm>
+            <a:off x="3665990" y="898988"/>
+            <a:ext cx="349206" cy="276999"/>
+          </a:xfrm>
+          <a:prstGeom prst="rect">
+            <a:avLst/>
+          </a:prstGeom>
+          <a:noFill/>
+        </p:spPr>
+        <p:txBody>
+          <a:bodyPr wrap="square" rtlCol="0">
+            <a:spAutoFit/>
+          </a:bodyPr>
+          <a:lstStyle/>
+          <a:p>
+            <a:r>
+              <a:rPr lang="en-US" sz="1200" dirty="0">
+                <a:latin typeface="+mj-lt"/>
+              </a:rPr>
+              <a:t>a</a:t>
+            </a:r>
+            <a:endParaRPr lang="en-ZA" sz="1200" dirty="0">
+              <a:latin typeface="+mj-lt"/>
+            </a:endParaRPr>
+          </a:p>
+        </p:txBody>
+      </p:sp>
+      <p:sp>
+        <p:nvSpPr>
+          <p:cNvPr id="11" name="TextBox 10">
+            <a:extLst>
+              <a:ext uri="{FF2B5EF4-FFF2-40B4-BE49-F238E27FC236}">
+                <a16:creationId xmlns:a16="http://schemas.microsoft.com/office/drawing/2014/main" id="{E19BF421-842F-7113-7F9F-F7A8A67A45DF}"/>
+              </a:ext>
+            </a:extLst>
+          </p:cNvPr>
+          <p:cNvSpPr txBox="1"/>
+          <p:nvPr/>
+        </p:nvSpPr>
+        <p:spPr>
+          <a:xfrm>
+            <a:off x="3885166" y="2003418"/>
+            <a:ext cx="260059" cy="276999"/>
+          </a:xfrm>
+          <a:prstGeom prst="rect">
+            <a:avLst/>
+          </a:prstGeom>
+          <a:noFill/>
+        </p:spPr>
+        <p:txBody>
+          <a:bodyPr wrap="square" rtlCol="0">
+            <a:spAutoFit/>
+          </a:bodyPr>
+          <a:lstStyle/>
+          <a:p>
+            <a:r>
+              <a:rPr lang="en-US" sz="1200" dirty="0">
+                <a:latin typeface="+mj-lt"/>
+              </a:rPr>
+              <a:t>b</a:t>
+            </a:r>
+            <a:endParaRPr lang="en-ZA" sz="1200" dirty="0">
+              <a:latin typeface="+mj-lt"/>
+            </a:endParaRPr>
+          </a:p>
+        </p:txBody>
+      </p:sp>
+      <p:sp>
+        <p:nvSpPr>
+          <p:cNvPr id="12" name="TextBox 11">
+            <a:extLst>
+              <a:ext uri="{FF2B5EF4-FFF2-40B4-BE49-F238E27FC236}">
+                <a16:creationId xmlns:a16="http://schemas.microsoft.com/office/drawing/2014/main" id="{C617E5CB-3AC6-F3FD-80A5-E635CBF3A754}"/>
+              </a:ext>
+            </a:extLst>
+          </p:cNvPr>
+          <p:cNvSpPr txBox="1"/>
+          <p:nvPr/>
+        </p:nvSpPr>
+        <p:spPr>
+          <a:xfrm>
+            <a:off x="4086864" y="913219"/>
+            <a:ext cx="349206" cy="276999"/>
+          </a:xfrm>
+          <a:prstGeom prst="rect">
+            <a:avLst/>
+          </a:prstGeom>
+          <a:noFill/>
+        </p:spPr>
+        <p:txBody>
+          <a:bodyPr wrap="square" rtlCol="0">
+            <a:spAutoFit/>
+          </a:bodyPr>
+          <a:lstStyle/>
+          <a:p>
+            <a:r>
+              <a:rPr lang="en-US" sz="1200" dirty="0">
+                <a:latin typeface="+mj-lt"/>
+              </a:rPr>
+              <a:t>a</a:t>
+            </a:r>
+            <a:endParaRPr lang="en-ZA" sz="1200" dirty="0">
+              <a:latin typeface="+mj-lt"/>
+            </a:endParaRPr>
+          </a:p>
+        </p:txBody>
+      </p:sp>
+      <p:sp>
+        <p:nvSpPr>
+          <p:cNvPr id="13" name="TextBox 12">
+            <a:extLst>
+              <a:ext uri="{FF2B5EF4-FFF2-40B4-BE49-F238E27FC236}">
+                <a16:creationId xmlns:a16="http://schemas.microsoft.com/office/drawing/2014/main" id="{452F069D-CB2B-3BCD-6086-83A90AB51CA3}"/>
+              </a:ext>
+            </a:extLst>
+          </p:cNvPr>
+          <p:cNvSpPr txBox="1"/>
+          <p:nvPr/>
+        </p:nvSpPr>
+        <p:spPr>
+          <a:xfrm>
+            <a:off x="4300496" y="913169"/>
+            <a:ext cx="349206" cy="276999"/>
+          </a:xfrm>
+          <a:prstGeom prst="rect">
+            <a:avLst/>
+          </a:prstGeom>
+          <a:noFill/>
+        </p:spPr>
+        <p:txBody>
+          <a:bodyPr wrap="square" rtlCol="0">
+            <a:spAutoFit/>
+          </a:bodyPr>
+          <a:lstStyle/>
+          <a:p>
+            <a:r>
+              <a:rPr lang="en-US" sz="1200" dirty="0">
+                <a:latin typeface="+mj-lt"/>
+              </a:rPr>
+              <a:t>a</a:t>
+            </a:r>
+            <a:endParaRPr lang="en-ZA" sz="1200" dirty="0">
+              <a:latin typeface="+mj-lt"/>
+            </a:endParaRPr>
+          </a:p>
+        </p:txBody>
+      </p:sp>
+      <p:sp>
+        <p:nvSpPr>
+          <p:cNvPr id="14" name="TextBox 13">
+            <a:extLst>
+              <a:ext uri="{FF2B5EF4-FFF2-40B4-BE49-F238E27FC236}">
+                <a16:creationId xmlns:a16="http://schemas.microsoft.com/office/drawing/2014/main" id="{ED8183D2-9CEE-43FD-3E45-9A31964A95E4}"/>
+              </a:ext>
+            </a:extLst>
+          </p:cNvPr>
+          <p:cNvSpPr txBox="1"/>
+          <p:nvPr/>
+        </p:nvSpPr>
+        <p:spPr>
+          <a:xfrm>
+            <a:off x="5587620" y="898986"/>
+            <a:ext cx="310243" cy="276999"/>
+          </a:xfrm>
+          <a:prstGeom prst="rect">
+            <a:avLst/>
+          </a:prstGeom>
+          <a:noFill/>
+        </p:spPr>
+        <p:txBody>
+          <a:bodyPr wrap="square" rtlCol="0">
+            <a:spAutoFit/>
+          </a:bodyPr>
+          <a:lstStyle/>
+          <a:p>
+            <a:r>
+              <a:rPr lang="en-US" sz="1200" dirty="0"/>
+              <a:t>*</a:t>
+            </a:r>
+            <a:endParaRPr lang="en-ZA" sz="1200" dirty="0"/>
+          </a:p>
+        </p:txBody>
+      </p:sp>
+      <p:sp>
+        <p:nvSpPr>
+          <p:cNvPr id="16" name="TextBox 15">
+            <a:extLst>
+              <a:ext uri="{FF2B5EF4-FFF2-40B4-BE49-F238E27FC236}">
+                <a16:creationId xmlns:a16="http://schemas.microsoft.com/office/drawing/2014/main" id="{BD61EDA9-FB44-A7AE-451A-BD7A331B7DC2}"/>
+              </a:ext>
+            </a:extLst>
+          </p:cNvPr>
+          <p:cNvSpPr txBox="1"/>
+          <p:nvPr/>
+        </p:nvSpPr>
+        <p:spPr>
+          <a:xfrm>
+            <a:off x="7746394" y="898987"/>
+            <a:ext cx="419101" cy="276999"/>
+          </a:xfrm>
+          <a:prstGeom prst="rect">
+            <a:avLst/>
+          </a:prstGeom>
+          <a:noFill/>
+        </p:spPr>
+        <p:txBody>
+          <a:bodyPr wrap="square" rtlCol="0">
+            <a:spAutoFit/>
+          </a:bodyPr>
+          <a:lstStyle/>
+          <a:p>
+            <a:r>
+              <a:rPr lang="en-US" sz="1200" dirty="0"/>
+              <a:t>**</a:t>
+            </a:r>
+            <a:endParaRPr lang="en-ZA" sz="1200" dirty="0"/>
+          </a:p>
+        </p:txBody>
+      </p:sp>
+      <p:sp>
+        <p:nvSpPr>
+          <p:cNvPr id="17" name="TextBox 16">
+            <a:extLst>
+              <a:ext uri="{FF2B5EF4-FFF2-40B4-BE49-F238E27FC236}">
+                <a16:creationId xmlns:a16="http://schemas.microsoft.com/office/drawing/2014/main" id="{3B674B15-959A-6F70-ACF5-801938FB50F4}"/>
+              </a:ext>
+            </a:extLst>
+          </p:cNvPr>
+          <p:cNvSpPr txBox="1"/>
+          <p:nvPr/>
+        </p:nvSpPr>
+        <p:spPr>
+          <a:xfrm>
+            <a:off x="9972949" y="913169"/>
+            <a:ext cx="310243" cy="276999"/>
+          </a:xfrm>
+          <a:prstGeom prst="rect">
+            <a:avLst/>
+          </a:prstGeom>
+          <a:noFill/>
+        </p:spPr>
+        <p:txBody>
+          <a:bodyPr wrap="square" rtlCol="0">
+            <a:spAutoFit/>
+          </a:bodyPr>
+          <a:lstStyle/>
+          <a:p>
+            <a:r>
+              <a:rPr lang="en-US" sz="1200" dirty="0"/>
+              <a:t>*</a:t>
+            </a:r>
+            <a:endParaRPr lang="en-ZA" sz="1200" dirty="0"/>
+          </a:p>
+        </p:txBody>
+      </p:sp>
+    </p:spTree>
+    <p:extLst>
+      <p:ext uri="{BB962C8B-B14F-4D97-AF65-F5344CB8AC3E}">
+        <p14:creationId xmlns:p14="http://schemas.microsoft.com/office/powerpoint/2010/main" val="3340713870"/>
+      </p:ext>
+    </p:extLst>
+  </p:cSld>
+  <p:clrMapOvr>
+    <a:masterClrMapping/>
+  </p:clrMapOvr>
+</p:sld>
+</file>
+
+<file path=ppt/slides/slide6.xml><?xml version="1.0" encoding="utf-8"?>
+<p:sld xmlns:a="http://schemas.openxmlformats.org/drawingml/2006/main" xmlns:r="http://schemas.openxmlformats.org/officeDocument/2006/relationships" xmlns:p="http://schemas.openxmlformats.org/presentationml/2006/main">
+  <p:cSld>
+    <p:spTree>
+      <p:nvGrpSpPr>
+        <p:cNvPr id="1" name=""/>
+        <p:cNvGrpSpPr/>
+        <p:nvPr/>
+      </p:nvGrpSpPr>
+      <p:grpSpPr>
+        <a:xfrm>
+          <a:off x="0" y="0"/>
+          <a:ext cx="0" cy="0"/>
+          <a:chOff x="0" y="0"/>
+          <a:chExt cx="0" cy="0"/>
+        </a:xfrm>
+      </p:grpSpPr>
+      <p:sp>
+        <p:nvSpPr>
+          <p:cNvPr id="2" name="Title 1">
+            <a:extLst>
+              <a:ext uri="{FF2B5EF4-FFF2-40B4-BE49-F238E27FC236}">
+                <a16:creationId xmlns:a16="http://schemas.microsoft.com/office/drawing/2014/main" id="{5883BF8B-4D8B-4BBB-805B-D8D830CAD010}"/>
+              </a:ext>
+            </a:extLst>
+          </p:cNvPr>
+          <p:cNvSpPr>
+            <a:spLocks noGrp="1"/>
+          </p:cNvSpPr>
+          <p:nvPr>
+            <p:ph type="title"/>
+          </p:nvPr>
+        </p:nvSpPr>
+        <p:spPr/>
+        <p:txBody>
+          <a:bodyPr/>
+          <a:lstStyle/>
+          <a:p>
+            <a:r>
+              <a:rPr lang="en-US" dirty="0"/>
+              <a:t>Doing diet &amp; temp differences from now on</a:t>
+            </a:r>
+            <a:endParaRPr lang="en-ZA" dirty="0"/>
+          </a:p>
+        </p:txBody>
+      </p:sp>
+      <p:sp>
+        <p:nvSpPr>
+          <p:cNvPr id="3" name="Content Placeholder 2">
+            <a:extLst>
+              <a:ext uri="{FF2B5EF4-FFF2-40B4-BE49-F238E27FC236}">
+                <a16:creationId xmlns:a16="http://schemas.microsoft.com/office/drawing/2014/main" id="{82D384C5-4F72-7D5B-6D22-E7FC3B6A0A5D}"/>
+              </a:ext>
+            </a:extLst>
+          </p:cNvPr>
+          <p:cNvSpPr>
+            <a:spLocks noGrp="1"/>
+          </p:cNvSpPr>
+          <p:nvPr>
+            <p:ph idx="1"/>
+          </p:nvPr>
+        </p:nvSpPr>
+        <p:spPr/>
+        <p:txBody>
+          <a:bodyPr/>
+          <a:lstStyle/>
+          <a:p>
+            <a:r>
+              <a:rPr lang="en-US" dirty="0"/>
+              <a:t>Diet as letters</a:t>
+            </a:r>
+          </a:p>
+          <a:p>
+            <a:r>
+              <a:rPr lang="en-US" dirty="0"/>
+              <a:t>Temp as stars</a:t>
+            </a:r>
+            <a:endParaRPr lang="en-ZA" dirty="0"/>
+          </a:p>
+        </p:txBody>
+      </p:sp>
+    </p:spTree>
+    <p:extLst>
+      <p:ext uri="{BB962C8B-B14F-4D97-AF65-F5344CB8AC3E}">
+        <p14:creationId xmlns:p14="http://schemas.microsoft.com/office/powerpoint/2010/main" val="3815897526"/>
+      </p:ext>
+    </p:extLst>
+  </p:cSld>
+  <p:clrMapOvr>
+    <a:masterClrMapping/>
+  </p:clrMapOvr>
+</p:sld>
+</file>
+
+<file path=ppt/slides/slide7.xml><?xml version="1.0" encoding="utf-8"?>
+<p:sld xmlns:a="http://schemas.openxmlformats.org/drawingml/2006/main" xmlns:r="http://schemas.openxmlformats.org/officeDocument/2006/relationships" xmlns:p="http://schemas.openxmlformats.org/presentationml/2006/main">
+  <p:cSld>
+    <p:spTree>
+      <p:nvGrpSpPr>
+        <p:cNvPr id="1" name=""/>
+        <p:cNvGrpSpPr/>
+        <p:nvPr/>
+      </p:nvGrpSpPr>
+      <p:grpSpPr>
+        <a:xfrm>
+          <a:off x="0" y="0"/>
+          <a:ext cx="0" cy="0"/>
+          <a:chOff x="0" y="0"/>
+          <a:chExt cx="0" cy="0"/>
+        </a:xfrm>
+      </p:grpSpPr>
+      <p:pic>
+        <p:nvPicPr>
+          <p:cNvPr id="5" name="Content Placeholder 4">
+            <a:extLst>
+              <a:ext uri="{FF2B5EF4-FFF2-40B4-BE49-F238E27FC236}">
+                <a16:creationId xmlns:a16="http://schemas.microsoft.com/office/drawing/2014/main" id="{71083DFB-E35F-F86A-EAD8-537425BE91E1}"/>
+              </a:ext>
+            </a:extLst>
+          </p:cNvPr>
+          <p:cNvPicPr>
+            <a:picLocks noGrp="1" noChangeAspect="1"/>
+          </p:cNvPicPr>
+          <p:nvPr>
+            <p:ph idx="1"/>
+          </p:nvPr>
+        </p:nvPicPr>
+        <p:blipFill>
+          <a:blip r:embed="rId2">
+            <a:extLst>
+              <a:ext uri="{28A0092B-C50C-407E-A947-70E740481C1C}">
+                <a14:useLocalDpi xmlns:a14="http://schemas.microsoft.com/office/drawing/2010/main" val="0"/>
+              </a:ext>
+            </a:extLst>
+          </a:blip>
+          <a:stretch>
+            <a:fillRect/>
+          </a:stretch>
+        </p:blipFill>
+        <p:spPr>
+          <a:xfrm>
+            <a:off x="30130" y="469783"/>
+            <a:ext cx="12161870" cy="5212230"/>
+          </a:xfrm>
+        </p:spPr>
+      </p:pic>
+      <p:sp>
+        <p:nvSpPr>
+          <p:cNvPr id="6" name="TextBox 5">
+            <a:extLst>
+              <a:ext uri="{FF2B5EF4-FFF2-40B4-BE49-F238E27FC236}">
+                <a16:creationId xmlns:a16="http://schemas.microsoft.com/office/drawing/2014/main" id="{76C2E4A4-C1F1-A173-76C4-EA897D1FFBCE}"/>
+              </a:ext>
+            </a:extLst>
+          </p:cNvPr>
+          <p:cNvSpPr txBox="1"/>
+          <p:nvPr/>
+        </p:nvSpPr>
+        <p:spPr>
+          <a:xfrm>
+            <a:off x="2711833" y="1102270"/>
+            <a:ext cx="349206" cy="276999"/>
+          </a:xfrm>
+          <a:prstGeom prst="rect">
+            <a:avLst/>
+          </a:prstGeom>
+          <a:noFill/>
+        </p:spPr>
+        <p:txBody>
+          <a:bodyPr wrap="square" rtlCol="0">
+            <a:spAutoFit/>
+          </a:bodyPr>
+          <a:lstStyle/>
+          <a:p>
+            <a:r>
+              <a:rPr lang="en-US" sz="1200" dirty="0">
+                <a:latin typeface="+mj-lt"/>
+              </a:rPr>
+              <a:t>B</a:t>
+            </a:r>
+            <a:endParaRPr lang="en-ZA" sz="1200" dirty="0">
+              <a:latin typeface="+mj-lt"/>
+            </a:endParaRPr>
+          </a:p>
+        </p:txBody>
+      </p:sp>
+      <p:sp>
+        <p:nvSpPr>
+          <p:cNvPr id="7" name="TextBox 6">
+            <a:extLst>
+              <a:ext uri="{FF2B5EF4-FFF2-40B4-BE49-F238E27FC236}">
+                <a16:creationId xmlns:a16="http://schemas.microsoft.com/office/drawing/2014/main" id="{8B73A582-A9FB-AC9A-3042-8CCAA46AADAF}"/>
+              </a:ext>
+            </a:extLst>
+          </p:cNvPr>
+          <p:cNvSpPr txBox="1"/>
+          <p:nvPr/>
+        </p:nvSpPr>
+        <p:spPr>
+          <a:xfrm>
+            <a:off x="2948047" y="1946622"/>
+            <a:ext cx="260059" cy="276999"/>
+          </a:xfrm>
+          <a:prstGeom prst="rect">
+            <a:avLst/>
+          </a:prstGeom>
+          <a:noFill/>
+        </p:spPr>
+        <p:txBody>
+          <a:bodyPr wrap="square" rtlCol="0">
+            <a:spAutoFit/>
+          </a:bodyPr>
+          <a:lstStyle/>
+          <a:p>
+            <a:r>
+              <a:rPr lang="en-US" sz="1200" dirty="0">
+                <a:latin typeface="+mj-lt"/>
+              </a:rPr>
+              <a:t>A</a:t>
+            </a:r>
+            <a:endParaRPr lang="en-ZA" sz="1200" dirty="0">
+              <a:latin typeface="+mj-lt"/>
+            </a:endParaRPr>
+          </a:p>
+        </p:txBody>
+      </p:sp>
+      <p:sp>
+        <p:nvSpPr>
+          <p:cNvPr id="8" name="TextBox 7">
+            <a:extLst>
+              <a:ext uri="{FF2B5EF4-FFF2-40B4-BE49-F238E27FC236}">
+                <a16:creationId xmlns:a16="http://schemas.microsoft.com/office/drawing/2014/main" id="{65585A9C-05F8-6DBE-01A6-08FC25540C15}"/>
+              </a:ext>
+            </a:extLst>
+          </p:cNvPr>
+          <p:cNvSpPr txBox="1"/>
+          <p:nvPr/>
+        </p:nvSpPr>
+        <p:spPr>
+          <a:xfrm>
+            <a:off x="3152468" y="913219"/>
+            <a:ext cx="349206" cy="276999"/>
+          </a:xfrm>
+          <a:prstGeom prst="rect">
+            <a:avLst/>
+          </a:prstGeom>
+          <a:noFill/>
+        </p:spPr>
+        <p:txBody>
+          <a:bodyPr wrap="square" rtlCol="0">
+            <a:spAutoFit/>
+          </a:bodyPr>
+          <a:lstStyle/>
+          <a:p>
+            <a:r>
+              <a:rPr lang="en-US" sz="1200" dirty="0">
+                <a:latin typeface="+mj-lt"/>
+              </a:rPr>
+              <a:t>B</a:t>
+            </a:r>
+            <a:endParaRPr lang="en-ZA" sz="1200" dirty="0">
+              <a:latin typeface="+mj-lt"/>
+            </a:endParaRPr>
+          </a:p>
+        </p:txBody>
+      </p:sp>
+      <p:sp>
+        <p:nvSpPr>
+          <p:cNvPr id="9" name="TextBox 8">
+            <a:extLst>
+              <a:ext uri="{FF2B5EF4-FFF2-40B4-BE49-F238E27FC236}">
+                <a16:creationId xmlns:a16="http://schemas.microsoft.com/office/drawing/2014/main" id="{E2F8E896-F69C-0790-E4FA-70A18EA4463C}"/>
+              </a:ext>
+            </a:extLst>
+          </p:cNvPr>
+          <p:cNvSpPr txBox="1"/>
+          <p:nvPr/>
+        </p:nvSpPr>
+        <p:spPr>
+          <a:xfrm>
+            <a:off x="3362965" y="1214236"/>
+            <a:ext cx="349206" cy="276999"/>
+          </a:xfrm>
+          <a:prstGeom prst="rect">
+            <a:avLst/>
+          </a:prstGeom>
+          <a:noFill/>
+        </p:spPr>
+        <p:txBody>
+          <a:bodyPr wrap="square" rtlCol="0">
+            <a:spAutoFit/>
+          </a:bodyPr>
+          <a:lstStyle/>
+          <a:p>
+            <a:r>
+              <a:rPr lang="en-US" sz="1200" dirty="0">
+                <a:latin typeface="+mj-lt"/>
+              </a:rPr>
+              <a:t>B</a:t>
+            </a:r>
+            <a:endParaRPr lang="en-ZA" sz="1200" dirty="0">
+              <a:latin typeface="+mj-lt"/>
+            </a:endParaRPr>
+          </a:p>
+        </p:txBody>
+      </p:sp>
+      <p:sp>
+        <p:nvSpPr>
+          <p:cNvPr id="10" name="TextBox 9">
+            <a:extLst>
+              <a:ext uri="{FF2B5EF4-FFF2-40B4-BE49-F238E27FC236}">
+                <a16:creationId xmlns:a16="http://schemas.microsoft.com/office/drawing/2014/main" id="{329A2760-00F2-4049-3877-88EB8EB7382A}"/>
+              </a:ext>
+            </a:extLst>
+          </p:cNvPr>
+          <p:cNvSpPr txBox="1"/>
+          <p:nvPr/>
+        </p:nvSpPr>
+        <p:spPr>
+          <a:xfrm>
+            <a:off x="3665990" y="898988"/>
+            <a:ext cx="349206" cy="276999"/>
+          </a:xfrm>
+          <a:prstGeom prst="rect">
+            <a:avLst/>
+          </a:prstGeom>
+          <a:noFill/>
+        </p:spPr>
+        <p:txBody>
+          <a:bodyPr wrap="square" rtlCol="0">
+            <a:spAutoFit/>
+          </a:bodyPr>
+          <a:lstStyle/>
+          <a:p>
+            <a:r>
+              <a:rPr lang="en-US" sz="1200" dirty="0">
+                <a:latin typeface="+mj-lt"/>
+              </a:rPr>
+              <a:t>B</a:t>
+            </a:r>
+            <a:endParaRPr lang="en-ZA" sz="1200" dirty="0">
+              <a:latin typeface="+mj-lt"/>
+            </a:endParaRPr>
+          </a:p>
+        </p:txBody>
+      </p:sp>
+      <p:sp>
+        <p:nvSpPr>
+          <p:cNvPr id="11" name="TextBox 10">
+            <a:extLst>
+              <a:ext uri="{FF2B5EF4-FFF2-40B4-BE49-F238E27FC236}">
+                <a16:creationId xmlns:a16="http://schemas.microsoft.com/office/drawing/2014/main" id="{E19BF421-842F-7113-7F9F-F7A8A67A45DF}"/>
+              </a:ext>
+            </a:extLst>
+          </p:cNvPr>
+          <p:cNvSpPr txBox="1"/>
+          <p:nvPr/>
+        </p:nvSpPr>
+        <p:spPr>
+          <a:xfrm>
+            <a:off x="3885166" y="2003418"/>
+            <a:ext cx="260059" cy="276999"/>
+          </a:xfrm>
+          <a:prstGeom prst="rect">
+            <a:avLst/>
+          </a:prstGeom>
+          <a:noFill/>
+        </p:spPr>
+        <p:txBody>
+          <a:bodyPr wrap="square" rtlCol="0">
+            <a:spAutoFit/>
+          </a:bodyPr>
+          <a:lstStyle/>
+          <a:p>
+            <a:r>
+              <a:rPr lang="en-US" sz="1200" dirty="0">
+                <a:latin typeface="+mj-lt"/>
+              </a:rPr>
+              <a:t>B</a:t>
+            </a:r>
+            <a:endParaRPr lang="en-ZA" sz="1200" dirty="0">
+              <a:latin typeface="+mj-lt"/>
+            </a:endParaRPr>
+          </a:p>
+        </p:txBody>
+      </p:sp>
+      <p:sp>
+        <p:nvSpPr>
+          <p:cNvPr id="12" name="TextBox 11">
+            <a:extLst>
+              <a:ext uri="{FF2B5EF4-FFF2-40B4-BE49-F238E27FC236}">
+                <a16:creationId xmlns:a16="http://schemas.microsoft.com/office/drawing/2014/main" id="{C617E5CB-3AC6-F3FD-80A5-E635CBF3A754}"/>
+              </a:ext>
+            </a:extLst>
+          </p:cNvPr>
+          <p:cNvSpPr txBox="1"/>
+          <p:nvPr/>
+        </p:nvSpPr>
+        <p:spPr>
+          <a:xfrm>
+            <a:off x="4086864" y="913219"/>
+            <a:ext cx="349206" cy="276999"/>
+          </a:xfrm>
+          <a:prstGeom prst="rect">
+            <a:avLst/>
+          </a:prstGeom>
+          <a:noFill/>
+        </p:spPr>
+        <p:txBody>
+          <a:bodyPr wrap="square" rtlCol="0">
+            <a:spAutoFit/>
+          </a:bodyPr>
+          <a:lstStyle/>
+          <a:p>
+            <a:r>
+              <a:rPr lang="en-US" sz="1200" dirty="0">
+                <a:latin typeface="+mj-lt"/>
+              </a:rPr>
+              <a:t>B</a:t>
+            </a:r>
+            <a:endParaRPr lang="en-ZA" sz="1200" dirty="0">
+              <a:latin typeface="+mj-lt"/>
+            </a:endParaRPr>
+          </a:p>
+        </p:txBody>
+      </p:sp>
+      <p:sp>
+        <p:nvSpPr>
+          <p:cNvPr id="13" name="TextBox 12">
+            <a:extLst>
+              <a:ext uri="{FF2B5EF4-FFF2-40B4-BE49-F238E27FC236}">
+                <a16:creationId xmlns:a16="http://schemas.microsoft.com/office/drawing/2014/main" id="{452F069D-CB2B-3BCD-6086-83A90AB51CA3}"/>
+              </a:ext>
+            </a:extLst>
+          </p:cNvPr>
+          <p:cNvSpPr txBox="1"/>
+          <p:nvPr/>
+        </p:nvSpPr>
+        <p:spPr>
+          <a:xfrm>
+            <a:off x="4300496" y="913169"/>
+            <a:ext cx="349206" cy="276999"/>
+          </a:xfrm>
+          <a:prstGeom prst="rect">
+            <a:avLst/>
+          </a:prstGeom>
+          <a:noFill/>
+        </p:spPr>
+        <p:txBody>
+          <a:bodyPr wrap="square" rtlCol="0">
+            <a:spAutoFit/>
+          </a:bodyPr>
+          <a:lstStyle/>
+          <a:p>
+            <a:r>
+              <a:rPr lang="en-US" sz="1200" dirty="0">
+                <a:latin typeface="+mj-lt"/>
+              </a:rPr>
+              <a:t>B</a:t>
+            </a:r>
+            <a:endParaRPr lang="en-ZA" sz="1200" dirty="0">
+              <a:latin typeface="+mj-lt"/>
+            </a:endParaRPr>
+          </a:p>
+        </p:txBody>
+      </p:sp>
+      <p:sp>
+        <p:nvSpPr>
+          <p:cNvPr id="14" name="TextBox 13">
+            <a:extLst>
+              <a:ext uri="{FF2B5EF4-FFF2-40B4-BE49-F238E27FC236}">
+                <a16:creationId xmlns:a16="http://schemas.microsoft.com/office/drawing/2014/main" id="{ED8183D2-9CEE-43FD-3E45-9A31964A95E4}"/>
+              </a:ext>
+            </a:extLst>
+          </p:cNvPr>
+          <p:cNvSpPr txBox="1"/>
+          <p:nvPr/>
+        </p:nvSpPr>
+        <p:spPr>
+          <a:xfrm>
+            <a:off x="5587620" y="898986"/>
+            <a:ext cx="310243" cy="276999"/>
+          </a:xfrm>
+          <a:prstGeom prst="rect">
+            <a:avLst/>
+          </a:prstGeom>
+          <a:noFill/>
+        </p:spPr>
+        <p:txBody>
+          <a:bodyPr wrap="square" rtlCol="0">
+            <a:spAutoFit/>
+          </a:bodyPr>
+          <a:lstStyle/>
+          <a:p>
+            <a:r>
+              <a:rPr lang="en-US" sz="1200" dirty="0"/>
+              <a:t>*</a:t>
+            </a:r>
+            <a:endParaRPr lang="en-ZA" sz="1200" dirty="0"/>
+          </a:p>
+        </p:txBody>
+      </p:sp>
+      <p:sp>
+        <p:nvSpPr>
+          <p:cNvPr id="16" name="TextBox 15">
+            <a:extLst>
+              <a:ext uri="{FF2B5EF4-FFF2-40B4-BE49-F238E27FC236}">
+                <a16:creationId xmlns:a16="http://schemas.microsoft.com/office/drawing/2014/main" id="{BD61EDA9-FB44-A7AE-451A-BD7A331B7DC2}"/>
+              </a:ext>
+            </a:extLst>
+          </p:cNvPr>
+          <p:cNvSpPr txBox="1"/>
+          <p:nvPr/>
+        </p:nvSpPr>
+        <p:spPr>
+          <a:xfrm>
+            <a:off x="7746394" y="898987"/>
+            <a:ext cx="419101" cy="276999"/>
+          </a:xfrm>
+          <a:prstGeom prst="rect">
+            <a:avLst/>
+          </a:prstGeom>
+          <a:noFill/>
+        </p:spPr>
+        <p:txBody>
+          <a:bodyPr wrap="square" rtlCol="0">
+            <a:spAutoFit/>
+          </a:bodyPr>
+          <a:lstStyle/>
+          <a:p>
+            <a:r>
+              <a:rPr lang="en-US" sz="1200" dirty="0"/>
+              <a:t>**</a:t>
+            </a:r>
+            <a:endParaRPr lang="en-ZA" sz="1200" dirty="0"/>
+          </a:p>
+        </p:txBody>
+      </p:sp>
+      <p:sp>
+        <p:nvSpPr>
+          <p:cNvPr id="17" name="TextBox 16">
+            <a:extLst>
+              <a:ext uri="{FF2B5EF4-FFF2-40B4-BE49-F238E27FC236}">
+                <a16:creationId xmlns:a16="http://schemas.microsoft.com/office/drawing/2014/main" id="{3B674B15-959A-6F70-ACF5-801938FB50F4}"/>
+              </a:ext>
+            </a:extLst>
+          </p:cNvPr>
+          <p:cNvSpPr txBox="1"/>
+          <p:nvPr/>
+        </p:nvSpPr>
+        <p:spPr>
+          <a:xfrm>
+            <a:off x="9972949" y="913169"/>
+            <a:ext cx="310243" cy="276999"/>
+          </a:xfrm>
+          <a:prstGeom prst="rect">
+            <a:avLst/>
+          </a:prstGeom>
+          <a:noFill/>
+        </p:spPr>
+        <p:txBody>
+          <a:bodyPr wrap="square" rtlCol="0">
+            <a:spAutoFit/>
+          </a:bodyPr>
+          <a:lstStyle/>
+          <a:p>
+            <a:r>
+              <a:rPr lang="en-US" sz="1200" dirty="0"/>
+              <a:t>*</a:t>
+            </a:r>
+            <a:endParaRPr lang="en-ZA" sz="1200" dirty="0"/>
+          </a:p>
+        </p:txBody>
+      </p:sp>
+    </p:spTree>
+    <p:extLst>
+      <p:ext uri="{BB962C8B-B14F-4D97-AF65-F5344CB8AC3E}">
+        <p14:creationId xmlns:p14="http://schemas.microsoft.com/office/powerpoint/2010/main" val="1731046857"/>
+      </p:ext>
+    </p:extLst>
+  </p:cSld>
+  <p:clrMapOvr>
+    <a:masterClrMapping/>
+  </p:clrMapOvr>
+</p:sld>
+</file>
+
 <file path=ppt/theme/theme1.xml><?xml version="1.0" encoding="utf-8"?>
 <a:theme xmlns:a="http://schemas.openxmlformats.org/drawingml/2006/main" name="Office Theme">
   <a:themeElements>

--- a/graphs/stats on graphs.pptx
+++ b/graphs/stats on graphs.pptx
@@ -11,7 +11,10 @@
     <p:sldId id="260" r:id="rId5"/>
     <p:sldId id="261" r:id="rId6"/>
     <p:sldId id="263" r:id="rId7"/>
-    <p:sldId id="262" r:id="rId8"/>
+    <p:sldId id="267" r:id="rId8"/>
+    <p:sldId id="262" r:id="rId9"/>
+    <p:sldId id="264" r:id="rId10"/>
+    <p:sldId id="266" r:id="rId11"/>
   </p:sldIdLst>
   <p:sldSz cx="12192000" cy="6858000"/>
   <p:notesSz cx="7104063" cy="10234613"/>
@@ -267,7 +270,7 @@
           <a:p>
             <a:fld id="{C063C8AB-FDE7-451C-A176-EFBAB8461303}" type="datetimeFigureOut">
               <a:rPr lang="en-ZA" smtClean="0"/>
-              <a:t>13/01/2024</a:t>
+              <a:t>19/01/2024</a:t>
             </a:fld>
             <a:endParaRPr lang="en-ZA"/>
           </a:p>
@@ -467,7 +470,7 @@
           <a:p>
             <a:fld id="{C063C8AB-FDE7-451C-A176-EFBAB8461303}" type="datetimeFigureOut">
               <a:rPr lang="en-ZA" smtClean="0"/>
-              <a:t>13/01/2024</a:t>
+              <a:t>19/01/2024</a:t>
             </a:fld>
             <a:endParaRPr lang="en-ZA"/>
           </a:p>
@@ -677,7 +680,7 @@
           <a:p>
             <a:fld id="{C063C8AB-FDE7-451C-A176-EFBAB8461303}" type="datetimeFigureOut">
               <a:rPr lang="en-ZA" smtClean="0"/>
-              <a:t>13/01/2024</a:t>
+              <a:t>19/01/2024</a:t>
             </a:fld>
             <a:endParaRPr lang="en-ZA"/>
           </a:p>
@@ -877,7 +880,7 @@
           <a:p>
             <a:fld id="{C063C8AB-FDE7-451C-A176-EFBAB8461303}" type="datetimeFigureOut">
               <a:rPr lang="en-ZA" smtClean="0"/>
-              <a:t>13/01/2024</a:t>
+              <a:t>19/01/2024</a:t>
             </a:fld>
             <a:endParaRPr lang="en-ZA"/>
           </a:p>
@@ -1153,7 +1156,7 @@
           <a:p>
             <a:fld id="{C063C8AB-FDE7-451C-A176-EFBAB8461303}" type="datetimeFigureOut">
               <a:rPr lang="en-ZA" smtClean="0"/>
-              <a:t>13/01/2024</a:t>
+              <a:t>19/01/2024</a:t>
             </a:fld>
             <a:endParaRPr lang="en-ZA"/>
           </a:p>
@@ -1421,7 +1424,7 @@
           <a:p>
             <a:fld id="{C063C8AB-FDE7-451C-A176-EFBAB8461303}" type="datetimeFigureOut">
               <a:rPr lang="en-ZA" smtClean="0"/>
-              <a:t>13/01/2024</a:t>
+              <a:t>19/01/2024</a:t>
             </a:fld>
             <a:endParaRPr lang="en-ZA"/>
           </a:p>
@@ -1836,7 +1839,7 @@
           <a:p>
             <a:fld id="{C063C8AB-FDE7-451C-A176-EFBAB8461303}" type="datetimeFigureOut">
               <a:rPr lang="en-ZA" smtClean="0"/>
-              <a:t>13/01/2024</a:t>
+              <a:t>19/01/2024</a:t>
             </a:fld>
             <a:endParaRPr lang="en-ZA"/>
           </a:p>
@@ -1978,7 +1981,7 @@
           <a:p>
             <a:fld id="{C063C8AB-FDE7-451C-A176-EFBAB8461303}" type="datetimeFigureOut">
               <a:rPr lang="en-ZA" smtClean="0"/>
-              <a:t>13/01/2024</a:t>
+              <a:t>19/01/2024</a:t>
             </a:fld>
             <a:endParaRPr lang="en-ZA"/>
           </a:p>
@@ -2091,7 +2094,7 @@
           <a:p>
             <a:fld id="{C063C8AB-FDE7-451C-A176-EFBAB8461303}" type="datetimeFigureOut">
               <a:rPr lang="en-ZA" smtClean="0"/>
-              <a:t>13/01/2024</a:t>
+              <a:t>19/01/2024</a:t>
             </a:fld>
             <a:endParaRPr lang="en-ZA"/>
           </a:p>
@@ -2404,7 +2407,7 @@
           <a:p>
             <a:fld id="{C063C8AB-FDE7-451C-A176-EFBAB8461303}" type="datetimeFigureOut">
               <a:rPr lang="en-ZA" smtClean="0"/>
-              <a:t>13/01/2024</a:t>
+              <a:t>19/01/2024</a:t>
             </a:fld>
             <a:endParaRPr lang="en-ZA"/>
           </a:p>
@@ -2693,7 +2696,7 @@
           <a:p>
             <a:fld id="{C063C8AB-FDE7-451C-A176-EFBAB8461303}" type="datetimeFigureOut">
               <a:rPr lang="en-ZA" smtClean="0"/>
-              <a:t>13/01/2024</a:t>
+              <a:t>19/01/2024</a:t>
             </a:fld>
             <a:endParaRPr lang="en-ZA"/>
           </a:p>
@@ -2936,7 +2939,7 @@
           <a:p>
             <a:fld id="{C063C8AB-FDE7-451C-A176-EFBAB8461303}" type="datetimeFigureOut">
               <a:rPr lang="en-ZA" smtClean="0"/>
-              <a:t>13/01/2024</a:t>
+              <a:t>19/01/2024</a:t>
             </a:fld>
             <a:endParaRPr lang="en-ZA"/>
           </a:p>
@@ -3805,6 +3808,775 @@
     <p:extLst>
       <p:ext uri="{BB962C8B-B14F-4D97-AF65-F5344CB8AC3E}">
         <p14:creationId xmlns:p14="http://schemas.microsoft.com/office/powerpoint/2010/main" val="304618447"/>
+      </p:ext>
+    </p:extLst>
+  </p:cSld>
+  <p:clrMapOvr>
+    <a:masterClrMapping/>
+  </p:clrMapOvr>
+</p:sld>
+</file>
+
+<file path=ppt/slides/slide10.xml><?xml version="1.0" encoding="utf-8"?>
+<p:sld xmlns:a="http://schemas.openxmlformats.org/drawingml/2006/main" xmlns:r="http://schemas.openxmlformats.org/officeDocument/2006/relationships" xmlns:p="http://schemas.openxmlformats.org/presentationml/2006/main">
+  <p:cSld>
+    <p:bg>
+      <p:bgPr>
+        <a:solidFill>
+          <a:schemeClr val="bg1"/>
+        </a:solidFill>
+        <a:effectLst/>
+      </p:bgPr>
+    </p:bg>
+    <p:spTree>
+      <p:nvGrpSpPr>
+        <p:cNvPr id="1" name=""/>
+        <p:cNvGrpSpPr/>
+        <p:nvPr/>
+      </p:nvGrpSpPr>
+      <p:grpSpPr>
+        <a:xfrm>
+          <a:off x="0" y="0"/>
+          <a:ext cx="0" cy="0"/>
+          <a:chOff x="0" y="0"/>
+          <a:chExt cx="0" cy="0"/>
+        </a:xfrm>
+      </p:grpSpPr>
+      <p:pic>
+        <p:nvPicPr>
+          <p:cNvPr id="5" name="Content Placeholder 4" descr="A screenshot of a graph&#10;&#10;Description automatically generated">
+            <a:extLst>
+              <a:ext uri="{FF2B5EF4-FFF2-40B4-BE49-F238E27FC236}">
+                <a16:creationId xmlns:a16="http://schemas.microsoft.com/office/drawing/2014/main" id="{FC7DA141-CFCD-2CE1-765E-26008334132B}"/>
+              </a:ext>
+            </a:extLst>
+          </p:cNvPr>
+          <p:cNvPicPr>
+            <a:picLocks noGrp="1" noChangeAspect="1"/>
+          </p:cNvPicPr>
+          <p:nvPr>
+            <p:ph idx="1"/>
+          </p:nvPr>
+        </p:nvPicPr>
+        <p:blipFill>
+          <a:blip r:embed="rId2">
+            <a:extLst>
+              <a:ext uri="{28A0092B-C50C-407E-A947-70E740481C1C}">
+                <a14:useLocalDpi xmlns:a14="http://schemas.microsoft.com/office/drawing/2010/main" val="0"/>
+              </a:ext>
+            </a:extLst>
+          </a:blip>
+          <a:stretch>
+            <a:fillRect/>
+          </a:stretch>
+        </p:blipFill>
+        <p:spPr>
+          <a:xfrm>
+            <a:off x="114300" y="884038"/>
+            <a:ext cx="11934825" cy="5102139"/>
+          </a:xfrm>
+          <a:prstGeom prst="rect">
+            <a:avLst/>
+          </a:prstGeom>
+        </p:spPr>
+      </p:pic>
+      <p:grpSp>
+        <p:nvGrpSpPr>
+          <p:cNvPr id="12" name="Group 11">
+            <a:extLst>
+              <a:ext uri="{FF2B5EF4-FFF2-40B4-BE49-F238E27FC236}">
+                <a16:creationId xmlns:a16="http://schemas.microsoft.com/office/drawing/2014/main" id="{69799B1E-467D-8785-1AEC-A3614A3B2FB3}"/>
+              </a:ext>
+            </a:extLst>
+          </p:cNvPr>
+          <p:cNvGrpSpPr/>
+          <p:nvPr/>
+        </p:nvGrpSpPr>
+        <p:grpSpPr>
+          <a:xfrm>
+            <a:off x="2644998" y="1160080"/>
+            <a:ext cx="6230554" cy="4420391"/>
+            <a:chOff x="2644998" y="1160080"/>
+            <a:chExt cx="6230554" cy="4420391"/>
+          </a:xfrm>
+        </p:grpSpPr>
+        <p:cxnSp>
+          <p:nvCxnSpPr>
+            <p:cNvPr id="6" name="Straight Connector 5">
+              <a:extLst>
+                <a:ext uri="{FF2B5EF4-FFF2-40B4-BE49-F238E27FC236}">
+                  <a16:creationId xmlns:a16="http://schemas.microsoft.com/office/drawing/2014/main" id="{C596B8AF-5334-6AEF-79FC-CF43FFE22010}"/>
+                </a:ext>
+              </a:extLst>
+            </p:cNvPr>
+            <p:cNvCxnSpPr/>
+            <p:nvPr/>
+          </p:nvCxnSpPr>
+          <p:spPr>
+            <a:xfrm>
+              <a:off x="2644998" y="1160080"/>
+              <a:ext cx="0" cy="4399117"/>
+            </a:xfrm>
+            <a:prstGeom prst="line">
+              <a:avLst/>
+            </a:prstGeom>
+            <a:ln w="3175">
+              <a:solidFill>
+                <a:srgbClr val="000000"/>
+              </a:solidFill>
+              <a:prstDash val="lgDash"/>
+            </a:ln>
+          </p:spPr>
+          <p:style>
+            <a:lnRef idx="1">
+              <a:schemeClr val="dk1"/>
+            </a:lnRef>
+            <a:fillRef idx="0">
+              <a:schemeClr val="dk1"/>
+            </a:fillRef>
+            <a:effectRef idx="0">
+              <a:schemeClr val="dk1"/>
+            </a:effectRef>
+            <a:fontRef idx="minor">
+              <a:schemeClr val="tx1"/>
+            </a:fontRef>
+          </p:style>
+        </p:cxnSp>
+        <p:cxnSp>
+          <p:nvCxnSpPr>
+            <p:cNvPr id="7" name="Straight Connector 6">
+              <a:extLst>
+                <a:ext uri="{FF2B5EF4-FFF2-40B4-BE49-F238E27FC236}">
+                  <a16:creationId xmlns:a16="http://schemas.microsoft.com/office/drawing/2014/main" id="{1CB11149-FED8-B6A2-7127-3437916E91A8}"/>
+                </a:ext>
+              </a:extLst>
+            </p:cNvPr>
+            <p:cNvCxnSpPr/>
+            <p:nvPr/>
+          </p:nvCxnSpPr>
+          <p:spPr>
+            <a:xfrm>
+              <a:off x="4725394" y="1160080"/>
+              <a:ext cx="0" cy="4399117"/>
+            </a:xfrm>
+            <a:prstGeom prst="line">
+              <a:avLst/>
+            </a:prstGeom>
+            <a:ln w="3175">
+              <a:solidFill>
+                <a:srgbClr val="000000"/>
+              </a:solidFill>
+              <a:prstDash val="lgDash"/>
+            </a:ln>
+          </p:spPr>
+          <p:style>
+            <a:lnRef idx="1">
+              <a:schemeClr val="dk1"/>
+            </a:lnRef>
+            <a:fillRef idx="0">
+              <a:schemeClr val="dk1"/>
+            </a:fillRef>
+            <a:effectRef idx="0">
+              <a:schemeClr val="dk1"/>
+            </a:effectRef>
+            <a:fontRef idx="minor">
+              <a:schemeClr val="tx1"/>
+            </a:fontRef>
+          </p:style>
+        </p:cxnSp>
+        <p:cxnSp>
+          <p:nvCxnSpPr>
+            <p:cNvPr id="8" name="Straight Connector 7">
+              <a:extLst>
+                <a:ext uri="{FF2B5EF4-FFF2-40B4-BE49-F238E27FC236}">
+                  <a16:creationId xmlns:a16="http://schemas.microsoft.com/office/drawing/2014/main" id="{D043EBE7-D162-B18C-B599-34F56BCEEDA4}"/>
+                </a:ext>
+              </a:extLst>
+            </p:cNvPr>
+            <p:cNvCxnSpPr/>
+            <p:nvPr/>
+          </p:nvCxnSpPr>
+          <p:spPr>
+            <a:xfrm>
+              <a:off x="6801544" y="1181354"/>
+              <a:ext cx="0" cy="4399117"/>
+            </a:xfrm>
+            <a:prstGeom prst="line">
+              <a:avLst/>
+            </a:prstGeom>
+            <a:ln w="3175">
+              <a:solidFill>
+                <a:srgbClr val="000000"/>
+              </a:solidFill>
+              <a:prstDash val="lgDash"/>
+            </a:ln>
+          </p:spPr>
+          <p:style>
+            <a:lnRef idx="1">
+              <a:schemeClr val="dk1"/>
+            </a:lnRef>
+            <a:fillRef idx="0">
+              <a:schemeClr val="dk1"/>
+            </a:fillRef>
+            <a:effectRef idx="0">
+              <a:schemeClr val="dk1"/>
+            </a:effectRef>
+            <a:fontRef idx="minor">
+              <a:schemeClr val="tx1"/>
+            </a:fontRef>
+          </p:style>
+        </p:cxnSp>
+        <p:cxnSp>
+          <p:nvCxnSpPr>
+            <p:cNvPr id="9" name="Straight Connector 8">
+              <a:extLst>
+                <a:ext uri="{FF2B5EF4-FFF2-40B4-BE49-F238E27FC236}">
+                  <a16:creationId xmlns:a16="http://schemas.microsoft.com/office/drawing/2014/main" id="{8F62ACF9-B472-1178-C231-C5A2E47B74F6}"/>
+                </a:ext>
+              </a:extLst>
+            </p:cNvPr>
+            <p:cNvCxnSpPr/>
+            <p:nvPr/>
+          </p:nvCxnSpPr>
+          <p:spPr>
+            <a:xfrm>
+              <a:off x="8875552" y="1181354"/>
+              <a:ext cx="0" cy="4399117"/>
+            </a:xfrm>
+            <a:prstGeom prst="line">
+              <a:avLst/>
+            </a:prstGeom>
+            <a:ln w="3175">
+              <a:solidFill>
+                <a:srgbClr val="000000"/>
+              </a:solidFill>
+              <a:prstDash val="lgDash"/>
+            </a:ln>
+          </p:spPr>
+          <p:style>
+            <a:lnRef idx="1">
+              <a:schemeClr val="dk1"/>
+            </a:lnRef>
+            <a:fillRef idx="0">
+              <a:schemeClr val="dk1"/>
+            </a:fillRef>
+            <a:effectRef idx="0">
+              <a:schemeClr val="dk1"/>
+            </a:effectRef>
+            <a:fontRef idx="minor">
+              <a:schemeClr val="tx1"/>
+            </a:fontRef>
+          </p:style>
+        </p:cxnSp>
+      </p:grpSp>
+      <p:sp>
+        <p:nvSpPr>
+          <p:cNvPr id="2" name="TextBox 1">
+            <a:extLst>
+              <a:ext uri="{FF2B5EF4-FFF2-40B4-BE49-F238E27FC236}">
+                <a16:creationId xmlns:a16="http://schemas.microsoft.com/office/drawing/2014/main" id="{F63C43AC-6995-BB37-8DEB-51C8B490BE9B}"/>
+              </a:ext>
+            </a:extLst>
+          </p:cNvPr>
+          <p:cNvSpPr txBox="1"/>
+          <p:nvPr/>
+        </p:nvSpPr>
+        <p:spPr>
+          <a:xfrm>
+            <a:off x="1377146" y="1410300"/>
+            <a:ext cx="349352" cy="276999"/>
+          </a:xfrm>
+          <a:prstGeom prst="rect">
+            <a:avLst/>
+          </a:prstGeom>
+          <a:noFill/>
+        </p:spPr>
+        <p:txBody>
+          <a:bodyPr wrap="square" rtlCol="0">
+            <a:spAutoFit/>
+          </a:bodyPr>
+          <a:lstStyle/>
+          <a:p>
+            <a:r>
+              <a:rPr lang="en-US" sz="1200" dirty="0"/>
+              <a:t>**</a:t>
+            </a:r>
+            <a:endParaRPr lang="en-ZA" sz="1200" dirty="0"/>
+          </a:p>
+        </p:txBody>
+      </p:sp>
+      <p:sp>
+        <p:nvSpPr>
+          <p:cNvPr id="3" name="TextBox 2">
+            <a:extLst>
+              <a:ext uri="{FF2B5EF4-FFF2-40B4-BE49-F238E27FC236}">
+                <a16:creationId xmlns:a16="http://schemas.microsoft.com/office/drawing/2014/main" id="{D28030B2-B3D6-6F3C-5982-D4C4AE1F1B70}"/>
+              </a:ext>
+            </a:extLst>
+          </p:cNvPr>
+          <p:cNvSpPr txBox="1"/>
+          <p:nvPr/>
+        </p:nvSpPr>
+        <p:spPr>
+          <a:xfrm>
+            <a:off x="4826345" y="2414245"/>
+            <a:ext cx="349352" cy="276999"/>
+          </a:xfrm>
+          <a:prstGeom prst="rect">
+            <a:avLst/>
+          </a:prstGeom>
+          <a:noFill/>
+        </p:spPr>
+        <p:txBody>
+          <a:bodyPr wrap="square" rtlCol="0">
+            <a:spAutoFit/>
+          </a:bodyPr>
+          <a:lstStyle/>
+          <a:p>
+            <a:r>
+              <a:rPr lang="en-US" sz="1200" dirty="0"/>
+              <a:t>A</a:t>
+            </a:r>
+            <a:endParaRPr lang="en-ZA" sz="1200" dirty="0"/>
+          </a:p>
+        </p:txBody>
+      </p:sp>
+      <p:sp>
+        <p:nvSpPr>
+          <p:cNvPr id="4" name="TextBox 3">
+            <a:extLst>
+              <a:ext uri="{FF2B5EF4-FFF2-40B4-BE49-F238E27FC236}">
+                <a16:creationId xmlns:a16="http://schemas.microsoft.com/office/drawing/2014/main" id="{1A67BBE9-0AC5-702D-D316-90646BED621B}"/>
+              </a:ext>
+            </a:extLst>
+          </p:cNvPr>
+          <p:cNvSpPr txBox="1"/>
+          <p:nvPr/>
+        </p:nvSpPr>
+        <p:spPr>
+          <a:xfrm>
+            <a:off x="5447477" y="1818500"/>
+            <a:ext cx="393431" cy="276999"/>
+          </a:xfrm>
+          <a:prstGeom prst="rect">
+            <a:avLst/>
+          </a:prstGeom>
+          <a:noFill/>
+        </p:spPr>
+        <p:txBody>
+          <a:bodyPr wrap="square" rtlCol="0">
+            <a:spAutoFit/>
+          </a:bodyPr>
+          <a:lstStyle/>
+          <a:p>
+            <a:r>
+              <a:rPr lang="en-US" sz="1200" dirty="0"/>
+              <a:t>AB</a:t>
+            </a:r>
+            <a:endParaRPr lang="en-ZA" sz="1200" dirty="0"/>
+          </a:p>
+        </p:txBody>
+      </p:sp>
+      <p:sp>
+        <p:nvSpPr>
+          <p:cNvPr id="10" name="TextBox 9">
+            <a:extLst>
+              <a:ext uri="{FF2B5EF4-FFF2-40B4-BE49-F238E27FC236}">
+                <a16:creationId xmlns:a16="http://schemas.microsoft.com/office/drawing/2014/main" id="{A8361BC0-9F37-2534-CAEE-ED2BC6CC89A4}"/>
+              </a:ext>
+            </a:extLst>
+          </p:cNvPr>
+          <p:cNvSpPr txBox="1"/>
+          <p:nvPr/>
+        </p:nvSpPr>
+        <p:spPr>
+          <a:xfrm>
+            <a:off x="5250761" y="1313216"/>
+            <a:ext cx="393431" cy="276999"/>
+          </a:xfrm>
+          <a:prstGeom prst="rect">
+            <a:avLst/>
+          </a:prstGeom>
+          <a:noFill/>
+        </p:spPr>
+        <p:txBody>
+          <a:bodyPr wrap="square" rtlCol="0">
+            <a:spAutoFit/>
+          </a:bodyPr>
+          <a:lstStyle/>
+          <a:p>
+            <a:r>
+              <a:rPr lang="en-US" sz="1200" dirty="0"/>
+              <a:t>B</a:t>
+            </a:r>
+            <a:endParaRPr lang="en-ZA" sz="1200" dirty="0"/>
+          </a:p>
+        </p:txBody>
+      </p:sp>
+      <p:sp>
+        <p:nvSpPr>
+          <p:cNvPr id="11" name="TextBox 10">
+            <a:extLst>
+              <a:ext uri="{FF2B5EF4-FFF2-40B4-BE49-F238E27FC236}">
+                <a16:creationId xmlns:a16="http://schemas.microsoft.com/office/drawing/2014/main" id="{281A4FBA-45B9-BDC8-2FEB-4669427DDE8D}"/>
+              </a:ext>
+            </a:extLst>
+          </p:cNvPr>
+          <p:cNvSpPr txBox="1"/>
+          <p:nvPr/>
+        </p:nvSpPr>
+        <p:spPr>
+          <a:xfrm>
+            <a:off x="6169559" y="1568303"/>
+            <a:ext cx="393431" cy="276999"/>
+          </a:xfrm>
+          <a:prstGeom prst="rect">
+            <a:avLst/>
+          </a:prstGeom>
+          <a:noFill/>
+        </p:spPr>
+        <p:txBody>
+          <a:bodyPr wrap="square" rtlCol="0">
+            <a:spAutoFit/>
+          </a:bodyPr>
+          <a:lstStyle/>
+          <a:p>
+            <a:r>
+              <a:rPr lang="en-US" sz="1200" dirty="0"/>
+              <a:t>B</a:t>
+            </a:r>
+            <a:endParaRPr lang="en-ZA" sz="1200" dirty="0"/>
+          </a:p>
+        </p:txBody>
+      </p:sp>
+      <p:sp>
+        <p:nvSpPr>
+          <p:cNvPr id="13" name="TextBox 12">
+            <a:extLst>
+              <a:ext uri="{FF2B5EF4-FFF2-40B4-BE49-F238E27FC236}">
+                <a16:creationId xmlns:a16="http://schemas.microsoft.com/office/drawing/2014/main" id="{2D825056-48D0-1A7A-2D43-B26C7026F36B}"/>
+              </a:ext>
+            </a:extLst>
+          </p:cNvPr>
+          <p:cNvSpPr txBox="1"/>
+          <p:nvPr/>
+        </p:nvSpPr>
+        <p:spPr>
+          <a:xfrm>
+            <a:off x="6366274" y="2529567"/>
+            <a:ext cx="393431" cy="276999"/>
+          </a:xfrm>
+          <a:prstGeom prst="rect">
+            <a:avLst/>
+          </a:prstGeom>
+          <a:noFill/>
+        </p:spPr>
+        <p:txBody>
+          <a:bodyPr wrap="square" rtlCol="0">
+            <a:spAutoFit/>
+          </a:bodyPr>
+          <a:lstStyle/>
+          <a:p>
+            <a:r>
+              <a:rPr lang="en-US" sz="1200" dirty="0"/>
+              <a:t>AB</a:t>
+            </a:r>
+            <a:endParaRPr lang="en-ZA" sz="1200" dirty="0"/>
+          </a:p>
+        </p:txBody>
+      </p:sp>
+      <p:sp>
+        <p:nvSpPr>
+          <p:cNvPr id="14" name="TextBox 13">
+            <a:extLst>
+              <a:ext uri="{FF2B5EF4-FFF2-40B4-BE49-F238E27FC236}">
+                <a16:creationId xmlns:a16="http://schemas.microsoft.com/office/drawing/2014/main" id="{A23E9908-0882-257A-E1EE-AE999A97CA8B}"/>
+              </a:ext>
+            </a:extLst>
+          </p:cNvPr>
+          <p:cNvSpPr txBox="1"/>
+          <p:nvPr/>
+        </p:nvSpPr>
+        <p:spPr>
+          <a:xfrm>
+            <a:off x="5768219" y="2831108"/>
+            <a:ext cx="393431" cy="276999"/>
+          </a:xfrm>
+          <a:prstGeom prst="rect">
+            <a:avLst/>
+          </a:prstGeom>
+          <a:noFill/>
+        </p:spPr>
+        <p:txBody>
+          <a:bodyPr wrap="square" rtlCol="0">
+            <a:spAutoFit/>
+          </a:bodyPr>
+          <a:lstStyle/>
+          <a:p>
+            <a:r>
+              <a:rPr lang="en-US" sz="1200" dirty="0"/>
+              <a:t>A</a:t>
+            </a:r>
+            <a:endParaRPr lang="en-ZA" sz="1200" dirty="0"/>
+          </a:p>
+        </p:txBody>
+      </p:sp>
+      <p:sp>
+        <p:nvSpPr>
+          <p:cNvPr id="15" name="TextBox 14">
+            <a:extLst>
+              <a:ext uri="{FF2B5EF4-FFF2-40B4-BE49-F238E27FC236}">
+                <a16:creationId xmlns:a16="http://schemas.microsoft.com/office/drawing/2014/main" id="{714B0499-20A8-BA5A-B9D5-878698F6D9CB}"/>
+              </a:ext>
+            </a:extLst>
+          </p:cNvPr>
+          <p:cNvSpPr txBox="1"/>
+          <p:nvPr/>
+        </p:nvSpPr>
+        <p:spPr>
+          <a:xfrm>
+            <a:off x="7516633" y="3629016"/>
+            <a:ext cx="393431" cy="276999"/>
+          </a:xfrm>
+          <a:prstGeom prst="rect">
+            <a:avLst/>
+          </a:prstGeom>
+          <a:noFill/>
+        </p:spPr>
+        <p:txBody>
+          <a:bodyPr wrap="square" rtlCol="0">
+            <a:spAutoFit/>
+          </a:bodyPr>
+          <a:lstStyle/>
+          <a:p>
+            <a:r>
+              <a:rPr lang="en-US" sz="1200" dirty="0"/>
+              <a:t>B</a:t>
+            </a:r>
+            <a:endParaRPr lang="en-ZA" sz="1200" dirty="0"/>
+          </a:p>
+        </p:txBody>
+      </p:sp>
+      <p:sp>
+        <p:nvSpPr>
+          <p:cNvPr id="16" name="TextBox 15">
+            <a:extLst>
+              <a:ext uri="{FF2B5EF4-FFF2-40B4-BE49-F238E27FC236}">
+                <a16:creationId xmlns:a16="http://schemas.microsoft.com/office/drawing/2014/main" id="{13F35E69-DA35-E7E6-60F4-9F5430F4056F}"/>
+              </a:ext>
+            </a:extLst>
+          </p:cNvPr>
+          <p:cNvSpPr txBox="1"/>
+          <p:nvPr/>
+        </p:nvSpPr>
+        <p:spPr>
+          <a:xfrm>
+            <a:off x="8449719" y="3290500"/>
+            <a:ext cx="393431" cy="276999"/>
+          </a:xfrm>
+          <a:prstGeom prst="rect">
+            <a:avLst/>
+          </a:prstGeom>
+          <a:noFill/>
+        </p:spPr>
+        <p:txBody>
+          <a:bodyPr wrap="square" rtlCol="0">
+            <a:spAutoFit/>
+          </a:bodyPr>
+          <a:lstStyle/>
+          <a:p>
+            <a:r>
+              <a:rPr lang="en-US" sz="1200" dirty="0"/>
+              <a:t>B</a:t>
+            </a:r>
+            <a:endParaRPr lang="en-ZA" sz="1200" dirty="0"/>
+          </a:p>
+        </p:txBody>
+      </p:sp>
+      <p:sp>
+        <p:nvSpPr>
+          <p:cNvPr id="17" name="TextBox 16">
+            <a:extLst>
+              <a:ext uri="{FF2B5EF4-FFF2-40B4-BE49-F238E27FC236}">
+                <a16:creationId xmlns:a16="http://schemas.microsoft.com/office/drawing/2014/main" id="{D20B96BD-6670-C9CD-7CA5-C081808AE671}"/>
+              </a:ext>
+            </a:extLst>
+          </p:cNvPr>
+          <p:cNvSpPr txBox="1"/>
+          <p:nvPr/>
+        </p:nvSpPr>
+        <p:spPr>
+          <a:xfrm>
+            <a:off x="8134650" y="3936681"/>
+            <a:ext cx="393431" cy="276999"/>
+          </a:xfrm>
+          <a:prstGeom prst="rect">
+            <a:avLst/>
+          </a:prstGeom>
+          <a:noFill/>
+        </p:spPr>
+        <p:txBody>
+          <a:bodyPr wrap="square" rtlCol="0">
+            <a:spAutoFit/>
+          </a:bodyPr>
+          <a:lstStyle/>
+          <a:p>
+            <a:r>
+              <a:rPr lang="en-US" sz="1200" dirty="0"/>
+              <a:t>AB</a:t>
+            </a:r>
+            <a:endParaRPr lang="en-ZA" sz="1200" dirty="0"/>
+          </a:p>
+        </p:txBody>
+      </p:sp>
+      <p:sp>
+        <p:nvSpPr>
+          <p:cNvPr id="18" name="TextBox 17">
+            <a:extLst>
+              <a:ext uri="{FF2B5EF4-FFF2-40B4-BE49-F238E27FC236}">
+                <a16:creationId xmlns:a16="http://schemas.microsoft.com/office/drawing/2014/main" id="{1575F936-8856-8430-9C18-7CD5F4D28012}"/>
+              </a:ext>
+            </a:extLst>
+          </p:cNvPr>
+          <p:cNvSpPr txBox="1"/>
+          <p:nvPr/>
+        </p:nvSpPr>
+        <p:spPr>
+          <a:xfrm>
+            <a:off x="7204322" y="4111693"/>
+            <a:ext cx="393431" cy="276999"/>
+          </a:xfrm>
+          <a:prstGeom prst="rect">
+            <a:avLst/>
+          </a:prstGeom>
+          <a:noFill/>
+        </p:spPr>
+        <p:txBody>
+          <a:bodyPr wrap="square" rtlCol="0">
+            <a:spAutoFit/>
+          </a:bodyPr>
+          <a:lstStyle/>
+          <a:p>
+            <a:r>
+              <a:rPr lang="en-US" sz="1200" dirty="0"/>
+              <a:t>AB</a:t>
+            </a:r>
+            <a:endParaRPr lang="en-ZA" sz="1200" dirty="0"/>
+          </a:p>
+        </p:txBody>
+      </p:sp>
+      <p:sp>
+        <p:nvSpPr>
+          <p:cNvPr id="19" name="TextBox 18">
+            <a:extLst>
+              <a:ext uri="{FF2B5EF4-FFF2-40B4-BE49-F238E27FC236}">
+                <a16:creationId xmlns:a16="http://schemas.microsoft.com/office/drawing/2014/main" id="{F5317ED0-07BA-8C91-2794-08A9D3A0E36D}"/>
+              </a:ext>
+            </a:extLst>
+          </p:cNvPr>
+          <p:cNvSpPr txBox="1"/>
+          <p:nvPr/>
+        </p:nvSpPr>
+        <p:spPr>
+          <a:xfrm>
+            <a:off x="7882628" y="4111693"/>
+            <a:ext cx="393431" cy="276999"/>
+          </a:xfrm>
+          <a:prstGeom prst="rect">
+            <a:avLst/>
+          </a:prstGeom>
+          <a:noFill/>
+        </p:spPr>
+        <p:txBody>
+          <a:bodyPr wrap="square" rtlCol="0">
+            <a:spAutoFit/>
+          </a:bodyPr>
+          <a:lstStyle/>
+          <a:p>
+            <a:r>
+              <a:rPr lang="en-US" sz="1200" dirty="0"/>
+              <a:t>A</a:t>
+            </a:r>
+            <a:endParaRPr lang="en-ZA" sz="1200" dirty="0"/>
+          </a:p>
+        </p:txBody>
+      </p:sp>
+      <p:sp>
+        <p:nvSpPr>
+          <p:cNvPr id="20" name="TextBox 19">
+            <a:extLst>
+              <a:ext uri="{FF2B5EF4-FFF2-40B4-BE49-F238E27FC236}">
+                <a16:creationId xmlns:a16="http://schemas.microsoft.com/office/drawing/2014/main" id="{90D6F66E-92CD-FF74-D4F0-2F833B91FF6B}"/>
+              </a:ext>
+            </a:extLst>
+          </p:cNvPr>
+          <p:cNvSpPr txBox="1"/>
+          <p:nvPr/>
+        </p:nvSpPr>
+        <p:spPr>
+          <a:xfrm>
+            <a:off x="6968751" y="4111693"/>
+            <a:ext cx="393431" cy="276999"/>
+          </a:xfrm>
+          <a:prstGeom prst="rect">
+            <a:avLst/>
+          </a:prstGeom>
+          <a:noFill/>
+        </p:spPr>
+        <p:txBody>
+          <a:bodyPr wrap="square" rtlCol="0">
+            <a:spAutoFit/>
+          </a:bodyPr>
+          <a:lstStyle/>
+          <a:p>
+            <a:r>
+              <a:rPr lang="en-US" sz="1200" dirty="0"/>
+              <a:t>A</a:t>
+            </a:r>
+            <a:endParaRPr lang="en-ZA" sz="1200" dirty="0"/>
+          </a:p>
+        </p:txBody>
+      </p:sp>
+      <p:sp>
+        <p:nvSpPr>
+          <p:cNvPr id="21" name="TextBox 20">
+            <a:extLst>
+              <a:ext uri="{FF2B5EF4-FFF2-40B4-BE49-F238E27FC236}">
+                <a16:creationId xmlns:a16="http://schemas.microsoft.com/office/drawing/2014/main" id="{A3846367-356D-B6E7-0FBA-DDC059DED1B4}"/>
+              </a:ext>
+            </a:extLst>
+          </p:cNvPr>
+          <p:cNvSpPr txBox="1"/>
+          <p:nvPr/>
+        </p:nvSpPr>
+        <p:spPr>
+          <a:xfrm>
+            <a:off x="9841041" y="1410299"/>
+            <a:ext cx="349352" cy="276999"/>
+          </a:xfrm>
+          <a:prstGeom prst="rect">
+            <a:avLst/>
+          </a:prstGeom>
+          <a:noFill/>
+        </p:spPr>
+        <p:txBody>
+          <a:bodyPr wrap="square" rtlCol="0">
+            <a:spAutoFit/>
+          </a:bodyPr>
+          <a:lstStyle/>
+          <a:p>
+            <a:r>
+              <a:rPr lang="en-US" sz="1200" dirty="0"/>
+              <a:t>**</a:t>
+            </a:r>
+            <a:endParaRPr lang="en-ZA" sz="1200" dirty="0"/>
+          </a:p>
+        </p:txBody>
+      </p:sp>
+    </p:spTree>
+    <p:extLst>
+      <p:ext uri="{BB962C8B-B14F-4D97-AF65-F5344CB8AC3E}">
+        <p14:creationId xmlns:p14="http://schemas.microsoft.com/office/powerpoint/2010/main" val="2711198619"/>
       </p:ext>
     </p:extLst>
   </p:cSld>
@@ -7285,6 +8057,14 @@
 <file path=ppt/slides/slide7.xml><?xml version="1.0" encoding="utf-8"?>
 <p:sld xmlns:a="http://schemas.openxmlformats.org/drawingml/2006/main" xmlns:r="http://schemas.openxmlformats.org/officeDocument/2006/relationships" xmlns:p="http://schemas.openxmlformats.org/presentationml/2006/main">
   <p:cSld>
+    <p:bg>
+      <p:bgPr>
+        <a:solidFill>
+          <a:schemeClr val="bg1"/>
+        </a:solidFill>
+        <a:effectLst/>
+      </p:bgPr>
+    </p:bg>
     <p:spTree>
       <p:nvGrpSpPr>
         <p:cNvPr id="1" name=""/>
@@ -7304,6 +8084,74 @@
           <p:cNvPr id="5" name="Content Placeholder 4">
             <a:extLst>
               <a:ext uri="{FF2B5EF4-FFF2-40B4-BE49-F238E27FC236}">
+                <a16:creationId xmlns:a16="http://schemas.microsoft.com/office/drawing/2014/main" id="{35526374-0D54-0515-0D51-3ADD5BFE6EEC}"/>
+              </a:ext>
+            </a:extLst>
+          </p:cNvPr>
+          <p:cNvPicPr>
+            <a:picLocks noGrp="1" noChangeAspect="1"/>
+          </p:cNvPicPr>
+          <p:nvPr>
+            <p:ph idx="1"/>
+          </p:nvPr>
+        </p:nvPicPr>
+        <p:blipFill>
+          <a:blip r:embed="rId2">
+            <a:extLst>
+              <a:ext uri="{28A0092B-C50C-407E-A947-70E740481C1C}">
+                <a14:useLocalDpi xmlns:a14="http://schemas.microsoft.com/office/drawing/2010/main" val="0"/>
+              </a:ext>
+            </a:extLst>
+          </a:blip>
+          <a:stretch>
+            <a:fillRect/>
+          </a:stretch>
+        </p:blipFill>
+        <p:spPr>
+          <a:xfrm>
+            <a:off x="166810" y="894270"/>
+            <a:ext cx="11858380" cy="5069459"/>
+          </a:xfrm>
+          <a:prstGeom prst="rect">
+            <a:avLst/>
+          </a:prstGeom>
+        </p:spPr>
+      </p:pic>
+    </p:spTree>
+    <p:extLst>
+      <p:ext uri="{BB962C8B-B14F-4D97-AF65-F5344CB8AC3E}">
+        <p14:creationId xmlns:p14="http://schemas.microsoft.com/office/powerpoint/2010/main" val="875970895"/>
+      </p:ext>
+    </p:extLst>
+  </p:cSld>
+  <p:clrMapOvr>
+    <a:masterClrMapping/>
+  </p:clrMapOvr>
+</p:sld>
+</file>
+
+<file path=ppt/slides/slide8.xml><?xml version="1.0" encoding="utf-8"?>
+<p:sld xmlns:a="http://schemas.openxmlformats.org/drawingml/2006/main" xmlns:r="http://schemas.openxmlformats.org/officeDocument/2006/relationships" xmlns:p="http://schemas.openxmlformats.org/presentationml/2006/main">
+  <p:cSld>
+    <p:spTree>
+      <p:nvGrpSpPr>
+        <p:cNvPr id="1" name=""/>
+        <p:cNvGrpSpPr/>
+        <p:nvPr/>
+      </p:nvGrpSpPr>
+      <p:grpSpPr>
+        <a:xfrm>
+          <a:off x="0" y="0"/>
+          <a:ext cx="0" cy="0"/>
+          <a:chOff x="0" y="0"/>
+          <a:chExt cx="0" cy="0"/>
+        </a:xfrm>
+      </p:grpSpPr>
+      <p:pic>
+        <p:nvPicPr>
+          <p:cNvPr id="5" name="Content Placeholder 4">
+            <a:extLst>
+              <a:ext uri="{FF2B5EF4-FFF2-40B4-BE49-F238E27FC236}">
                 <a16:creationId xmlns:a16="http://schemas.microsoft.com/office/drawing/2014/main" id="{71083DFB-E35F-F86A-EAD8-537425BE91E1}"/>
               </a:ext>
             </a:extLst>
@@ -7566,7 +8414,7 @@
               <a:rPr lang="en-US" sz="1200" dirty="0">
                 <a:latin typeface="+mj-lt"/>
               </a:rPr>
-              <a:t>B</a:t>
+              <a:t>A</a:t>
             </a:r>
             <a:endParaRPr lang="en-ZA" sz="1200" dirty="0">
               <a:latin typeface="+mj-lt"/>
@@ -7766,6 +8614,1243 @@
     <p:extLst>
       <p:ext uri="{BB962C8B-B14F-4D97-AF65-F5344CB8AC3E}">
         <p14:creationId xmlns:p14="http://schemas.microsoft.com/office/powerpoint/2010/main" val="1731046857"/>
+      </p:ext>
+    </p:extLst>
+  </p:cSld>
+  <p:clrMapOvr>
+    <a:masterClrMapping/>
+  </p:clrMapOvr>
+</p:sld>
+</file>
+
+<file path=ppt/slides/slide9.xml><?xml version="1.0" encoding="utf-8"?>
+<p:sld xmlns:a="http://schemas.openxmlformats.org/drawingml/2006/main" xmlns:r="http://schemas.openxmlformats.org/officeDocument/2006/relationships" xmlns:p="http://schemas.openxmlformats.org/presentationml/2006/main">
+  <p:cSld>
+    <p:bg>
+      <p:bgPr>
+        <a:solidFill>
+          <a:schemeClr val="bg1"/>
+        </a:solidFill>
+        <a:effectLst/>
+      </p:bgPr>
+    </p:bg>
+    <p:spTree>
+      <p:nvGrpSpPr>
+        <p:cNvPr id="1" name=""/>
+        <p:cNvGrpSpPr/>
+        <p:nvPr/>
+      </p:nvGrpSpPr>
+      <p:grpSpPr>
+        <a:xfrm>
+          <a:off x="0" y="0"/>
+          <a:ext cx="0" cy="0"/>
+          <a:chOff x="0" y="0"/>
+          <a:chExt cx="0" cy="0"/>
+        </a:xfrm>
+      </p:grpSpPr>
+      <p:pic>
+        <p:nvPicPr>
+          <p:cNvPr id="5" name="Content Placeholder 4" descr="A graph of different colored squares&#10;&#10;Description automatically generated">
+            <a:extLst>
+              <a:ext uri="{FF2B5EF4-FFF2-40B4-BE49-F238E27FC236}">
+                <a16:creationId xmlns:a16="http://schemas.microsoft.com/office/drawing/2014/main" id="{FADB7D98-6939-32A5-A876-DB8972DAE79A}"/>
+              </a:ext>
+            </a:extLst>
+          </p:cNvPr>
+          <p:cNvPicPr>
+            <a:picLocks noGrp="1" noChangeAspect="1"/>
+          </p:cNvPicPr>
+          <p:nvPr>
+            <p:ph idx="1"/>
+          </p:nvPr>
+        </p:nvPicPr>
+        <p:blipFill>
+          <a:blip r:embed="rId2">
+            <a:extLst>
+              <a:ext uri="{28A0092B-C50C-407E-A947-70E740481C1C}">
+                <a14:useLocalDpi xmlns:a14="http://schemas.microsoft.com/office/drawing/2010/main" val="0"/>
+              </a:ext>
+            </a:extLst>
+          </a:blip>
+          <a:stretch>
+            <a:fillRect/>
+          </a:stretch>
+        </p:blipFill>
+        <p:spPr>
+          <a:xfrm>
+            <a:off x="107839" y="711200"/>
+            <a:ext cx="11976322" cy="5119879"/>
+          </a:xfrm>
+          <a:prstGeom prst="rect">
+            <a:avLst/>
+          </a:prstGeom>
+        </p:spPr>
+      </p:pic>
+      <p:grpSp>
+        <p:nvGrpSpPr>
+          <p:cNvPr id="6" name="Group 5">
+            <a:extLst>
+              <a:ext uri="{FF2B5EF4-FFF2-40B4-BE49-F238E27FC236}">
+                <a16:creationId xmlns:a16="http://schemas.microsoft.com/office/drawing/2014/main" id="{5972D642-58EB-0123-6CAC-3B2A7C676FE9}"/>
+              </a:ext>
+            </a:extLst>
+          </p:cNvPr>
+          <p:cNvGrpSpPr/>
+          <p:nvPr/>
+        </p:nvGrpSpPr>
+        <p:grpSpPr>
+          <a:xfrm>
+            <a:off x="2625947" y="1026921"/>
+            <a:ext cx="6298977" cy="4420391"/>
+            <a:chOff x="2644998" y="1160080"/>
+            <a:chExt cx="6230554" cy="4420391"/>
+          </a:xfrm>
+        </p:grpSpPr>
+        <p:cxnSp>
+          <p:nvCxnSpPr>
+            <p:cNvPr id="7" name="Straight Connector 6">
+              <a:extLst>
+                <a:ext uri="{FF2B5EF4-FFF2-40B4-BE49-F238E27FC236}">
+                  <a16:creationId xmlns:a16="http://schemas.microsoft.com/office/drawing/2014/main" id="{C3CD656D-A456-3355-E9ED-D6662CA35CC2}"/>
+                </a:ext>
+              </a:extLst>
+            </p:cNvPr>
+            <p:cNvCxnSpPr/>
+            <p:nvPr/>
+          </p:nvCxnSpPr>
+          <p:spPr>
+            <a:xfrm>
+              <a:off x="2644998" y="1160080"/>
+              <a:ext cx="0" cy="4399117"/>
+            </a:xfrm>
+            <a:prstGeom prst="line">
+              <a:avLst/>
+            </a:prstGeom>
+            <a:ln w="3175">
+              <a:solidFill>
+                <a:srgbClr val="000000"/>
+              </a:solidFill>
+              <a:prstDash val="lgDash"/>
+            </a:ln>
+          </p:spPr>
+          <p:style>
+            <a:lnRef idx="1">
+              <a:schemeClr val="dk1"/>
+            </a:lnRef>
+            <a:fillRef idx="0">
+              <a:schemeClr val="dk1"/>
+            </a:fillRef>
+            <a:effectRef idx="0">
+              <a:schemeClr val="dk1"/>
+            </a:effectRef>
+            <a:fontRef idx="minor">
+              <a:schemeClr val="tx1"/>
+            </a:fontRef>
+          </p:style>
+        </p:cxnSp>
+        <p:cxnSp>
+          <p:nvCxnSpPr>
+            <p:cNvPr id="8" name="Straight Connector 7">
+              <a:extLst>
+                <a:ext uri="{FF2B5EF4-FFF2-40B4-BE49-F238E27FC236}">
+                  <a16:creationId xmlns:a16="http://schemas.microsoft.com/office/drawing/2014/main" id="{679FE7C4-8452-A332-E8B1-41FED470BB5C}"/>
+                </a:ext>
+              </a:extLst>
+            </p:cNvPr>
+            <p:cNvCxnSpPr/>
+            <p:nvPr/>
+          </p:nvCxnSpPr>
+          <p:spPr>
+            <a:xfrm>
+              <a:off x="4725394" y="1160080"/>
+              <a:ext cx="0" cy="4399117"/>
+            </a:xfrm>
+            <a:prstGeom prst="line">
+              <a:avLst/>
+            </a:prstGeom>
+            <a:ln w="3175">
+              <a:solidFill>
+                <a:srgbClr val="000000"/>
+              </a:solidFill>
+              <a:prstDash val="lgDash"/>
+            </a:ln>
+          </p:spPr>
+          <p:style>
+            <a:lnRef idx="1">
+              <a:schemeClr val="dk1"/>
+            </a:lnRef>
+            <a:fillRef idx="0">
+              <a:schemeClr val="dk1"/>
+            </a:fillRef>
+            <a:effectRef idx="0">
+              <a:schemeClr val="dk1"/>
+            </a:effectRef>
+            <a:fontRef idx="minor">
+              <a:schemeClr val="tx1"/>
+            </a:fontRef>
+          </p:style>
+        </p:cxnSp>
+        <p:cxnSp>
+          <p:nvCxnSpPr>
+            <p:cNvPr id="9" name="Straight Connector 8">
+              <a:extLst>
+                <a:ext uri="{FF2B5EF4-FFF2-40B4-BE49-F238E27FC236}">
+                  <a16:creationId xmlns:a16="http://schemas.microsoft.com/office/drawing/2014/main" id="{4D891943-A7C7-2424-8B57-065041FBB5A9}"/>
+                </a:ext>
+              </a:extLst>
+            </p:cNvPr>
+            <p:cNvCxnSpPr/>
+            <p:nvPr/>
+          </p:nvCxnSpPr>
+          <p:spPr>
+            <a:xfrm>
+              <a:off x="6801544" y="1181354"/>
+              <a:ext cx="0" cy="4399117"/>
+            </a:xfrm>
+            <a:prstGeom prst="line">
+              <a:avLst/>
+            </a:prstGeom>
+            <a:ln w="3175">
+              <a:solidFill>
+                <a:srgbClr val="000000"/>
+              </a:solidFill>
+              <a:prstDash val="lgDash"/>
+            </a:ln>
+          </p:spPr>
+          <p:style>
+            <a:lnRef idx="1">
+              <a:schemeClr val="dk1"/>
+            </a:lnRef>
+            <a:fillRef idx="0">
+              <a:schemeClr val="dk1"/>
+            </a:fillRef>
+            <a:effectRef idx="0">
+              <a:schemeClr val="dk1"/>
+            </a:effectRef>
+            <a:fontRef idx="minor">
+              <a:schemeClr val="tx1"/>
+            </a:fontRef>
+          </p:style>
+        </p:cxnSp>
+        <p:cxnSp>
+          <p:nvCxnSpPr>
+            <p:cNvPr id="10" name="Straight Connector 9">
+              <a:extLst>
+                <a:ext uri="{FF2B5EF4-FFF2-40B4-BE49-F238E27FC236}">
+                  <a16:creationId xmlns:a16="http://schemas.microsoft.com/office/drawing/2014/main" id="{5C0CFD34-E5AB-62F1-7315-EDDF1C29DE9B}"/>
+                </a:ext>
+              </a:extLst>
+            </p:cNvPr>
+            <p:cNvCxnSpPr/>
+            <p:nvPr/>
+          </p:nvCxnSpPr>
+          <p:spPr>
+            <a:xfrm>
+              <a:off x="8875552" y="1181354"/>
+              <a:ext cx="0" cy="4399117"/>
+            </a:xfrm>
+            <a:prstGeom prst="line">
+              <a:avLst/>
+            </a:prstGeom>
+            <a:ln w="3175">
+              <a:solidFill>
+                <a:srgbClr val="000000"/>
+              </a:solidFill>
+              <a:prstDash val="lgDash"/>
+            </a:ln>
+          </p:spPr>
+          <p:style>
+            <a:lnRef idx="1">
+              <a:schemeClr val="dk1"/>
+            </a:lnRef>
+            <a:fillRef idx="0">
+              <a:schemeClr val="dk1"/>
+            </a:fillRef>
+            <a:effectRef idx="0">
+              <a:schemeClr val="dk1"/>
+            </a:effectRef>
+            <a:fontRef idx="minor">
+              <a:schemeClr val="tx1"/>
+            </a:fontRef>
+          </p:style>
+        </p:cxnSp>
+      </p:grpSp>
+      <p:sp>
+        <p:nvSpPr>
+          <p:cNvPr id="11" name="TextBox 10">
+            <a:extLst>
+              <a:ext uri="{FF2B5EF4-FFF2-40B4-BE49-F238E27FC236}">
+                <a16:creationId xmlns:a16="http://schemas.microsoft.com/office/drawing/2014/main" id="{6042089D-79EB-089C-379F-932BAA1D3991}"/>
+              </a:ext>
+            </a:extLst>
+          </p:cNvPr>
+          <p:cNvSpPr txBox="1"/>
+          <p:nvPr/>
+        </p:nvSpPr>
+        <p:spPr>
+          <a:xfrm>
+            <a:off x="1082947" y="2807943"/>
+            <a:ext cx="400045" cy="276999"/>
+          </a:xfrm>
+          <a:prstGeom prst="rect">
+            <a:avLst/>
+          </a:prstGeom>
+          <a:noFill/>
+        </p:spPr>
+        <p:txBody>
+          <a:bodyPr wrap="square" rtlCol="0">
+            <a:spAutoFit/>
+          </a:bodyPr>
+          <a:lstStyle/>
+          <a:p>
+            <a:r>
+              <a:rPr lang="en-US" sz="1200" dirty="0"/>
+              <a:t>A</a:t>
+            </a:r>
+            <a:endParaRPr lang="en-ZA" sz="1200" dirty="0"/>
+          </a:p>
+        </p:txBody>
+      </p:sp>
+      <p:sp>
+        <p:nvSpPr>
+          <p:cNvPr id="12" name="TextBox 11">
+            <a:extLst>
+              <a:ext uri="{FF2B5EF4-FFF2-40B4-BE49-F238E27FC236}">
+                <a16:creationId xmlns:a16="http://schemas.microsoft.com/office/drawing/2014/main" id="{04E8B6E9-CD64-DC28-7B42-86E12884969C}"/>
+              </a:ext>
+            </a:extLst>
+          </p:cNvPr>
+          <p:cNvSpPr txBox="1"/>
+          <p:nvPr/>
+        </p:nvSpPr>
+        <p:spPr>
+          <a:xfrm>
+            <a:off x="1294970" y="3429000"/>
+            <a:ext cx="400045" cy="276999"/>
+          </a:xfrm>
+          <a:prstGeom prst="rect">
+            <a:avLst/>
+          </a:prstGeom>
+          <a:noFill/>
+        </p:spPr>
+        <p:txBody>
+          <a:bodyPr wrap="square" rtlCol="0">
+            <a:spAutoFit/>
+          </a:bodyPr>
+          <a:lstStyle/>
+          <a:p>
+            <a:r>
+              <a:rPr lang="en-US" sz="1200" dirty="0"/>
+              <a:t>A</a:t>
+            </a:r>
+            <a:endParaRPr lang="en-ZA" sz="1200" dirty="0"/>
+          </a:p>
+        </p:txBody>
+      </p:sp>
+      <p:sp>
+        <p:nvSpPr>
+          <p:cNvPr id="13" name="TextBox 12">
+            <a:extLst>
+              <a:ext uri="{FF2B5EF4-FFF2-40B4-BE49-F238E27FC236}">
+                <a16:creationId xmlns:a16="http://schemas.microsoft.com/office/drawing/2014/main" id="{72A147E7-6149-CBF9-A771-1D46953A22CD}"/>
+              </a:ext>
+            </a:extLst>
+          </p:cNvPr>
+          <p:cNvSpPr txBox="1"/>
+          <p:nvPr/>
+        </p:nvSpPr>
+        <p:spPr>
+          <a:xfrm>
+            <a:off x="1999364" y="3084942"/>
+            <a:ext cx="400045" cy="276999"/>
+          </a:xfrm>
+          <a:prstGeom prst="rect">
+            <a:avLst/>
+          </a:prstGeom>
+          <a:noFill/>
+        </p:spPr>
+        <p:txBody>
+          <a:bodyPr wrap="square" rtlCol="0">
+            <a:spAutoFit/>
+          </a:bodyPr>
+          <a:lstStyle/>
+          <a:p>
+            <a:r>
+              <a:rPr lang="en-US" sz="1200" dirty="0"/>
+              <a:t>A</a:t>
+            </a:r>
+            <a:endParaRPr lang="en-ZA" sz="1200" dirty="0"/>
+          </a:p>
+        </p:txBody>
+      </p:sp>
+      <p:sp>
+        <p:nvSpPr>
+          <p:cNvPr id="14" name="TextBox 13">
+            <a:extLst>
+              <a:ext uri="{FF2B5EF4-FFF2-40B4-BE49-F238E27FC236}">
+                <a16:creationId xmlns:a16="http://schemas.microsoft.com/office/drawing/2014/main" id="{5E39391B-4CC3-2EC9-284B-BCED45646B95}"/>
+              </a:ext>
+            </a:extLst>
+          </p:cNvPr>
+          <p:cNvSpPr txBox="1"/>
+          <p:nvPr/>
+        </p:nvSpPr>
+        <p:spPr>
+          <a:xfrm>
+            <a:off x="2213901" y="2669443"/>
+            <a:ext cx="400045" cy="276999"/>
+          </a:xfrm>
+          <a:prstGeom prst="rect">
+            <a:avLst/>
+          </a:prstGeom>
+          <a:noFill/>
+        </p:spPr>
+        <p:txBody>
+          <a:bodyPr wrap="square" rtlCol="0">
+            <a:spAutoFit/>
+          </a:bodyPr>
+          <a:lstStyle/>
+          <a:p>
+            <a:r>
+              <a:rPr lang="en-US" sz="1200" dirty="0"/>
+              <a:t>A</a:t>
+            </a:r>
+            <a:endParaRPr lang="en-ZA" sz="1200" dirty="0"/>
+          </a:p>
+        </p:txBody>
+      </p:sp>
+      <p:sp>
+        <p:nvSpPr>
+          <p:cNvPr id="15" name="TextBox 14">
+            <a:extLst>
+              <a:ext uri="{FF2B5EF4-FFF2-40B4-BE49-F238E27FC236}">
+                <a16:creationId xmlns:a16="http://schemas.microsoft.com/office/drawing/2014/main" id="{76582B63-DD99-0DC5-AB79-AF0237B4259B}"/>
+              </a:ext>
+            </a:extLst>
+          </p:cNvPr>
+          <p:cNvSpPr txBox="1"/>
+          <p:nvPr/>
+        </p:nvSpPr>
+        <p:spPr>
+          <a:xfrm>
+            <a:off x="1799341" y="3948278"/>
+            <a:ext cx="400045" cy="276999"/>
+          </a:xfrm>
+          <a:prstGeom prst="rect">
+            <a:avLst/>
+          </a:prstGeom>
+          <a:noFill/>
+        </p:spPr>
+        <p:txBody>
+          <a:bodyPr wrap="square" rtlCol="0">
+            <a:spAutoFit/>
+          </a:bodyPr>
+          <a:lstStyle/>
+          <a:p>
+            <a:r>
+              <a:rPr lang="en-US" sz="1200" dirty="0"/>
+              <a:t>B</a:t>
+            </a:r>
+            <a:endParaRPr lang="en-ZA" sz="1200" dirty="0"/>
+          </a:p>
+        </p:txBody>
+      </p:sp>
+      <p:sp>
+        <p:nvSpPr>
+          <p:cNvPr id="16" name="TextBox 15">
+            <a:extLst>
+              <a:ext uri="{FF2B5EF4-FFF2-40B4-BE49-F238E27FC236}">
+                <a16:creationId xmlns:a16="http://schemas.microsoft.com/office/drawing/2014/main" id="{83026382-21E0-AB36-E08E-C2747759CD45}"/>
+              </a:ext>
+            </a:extLst>
+          </p:cNvPr>
+          <p:cNvSpPr txBox="1"/>
+          <p:nvPr/>
+        </p:nvSpPr>
+        <p:spPr>
+          <a:xfrm>
+            <a:off x="867272" y="3948278"/>
+            <a:ext cx="400045" cy="276999"/>
+          </a:xfrm>
+          <a:prstGeom prst="rect">
+            <a:avLst/>
+          </a:prstGeom>
+          <a:noFill/>
+        </p:spPr>
+        <p:txBody>
+          <a:bodyPr wrap="square" rtlCol="0">
+            <a:spAutoFit/>
+          </a:bodyPr>
+          <a:lstStyle/>
+          <a:p>
+            <a:r>
+              <a:rPr lang="en-US" sz="1200" dirty="0"/>
+              <a:t>B</a:t>
+            </a:r>
+            <a:endParaRPr lang="en-ZA" sz="1200" dirty="0"/>
+          </a:p>
+        </p:txBody>
+      </p:sp>
+      <p:sp>
+        <p:nvSpPr>
+          <p:cNvPr id="17" name="TextBox 16">
+            <a:extLst>
+              <a:ext uri="{FF2B5EF4-FFF2-40B4-BE49-F238E27FC236}">
+                <a16:creationId xmlns:a16="http://schemas.microsoft.com/office/drawing/2014/main" id="{A6456A90-53F5-A135-65C7-3928AC07CC75}"/>
+              </a:ext>
+            </a:extLst>
+          </p:cNvPr>
+          <p:cNvSpPr txBox="1"/>
+          <p:nvPr/>
+        </p:nvSpPr>
+        <p:spPr>
+          <a:xfrm>
+            <a:off x="667249" y="1944607"/>
+            <a:ext cx="400045" cy="276999"/>
+          </a:xfrm>
+          <a:prstGeom prst="rect">
+            <a:avLst/>
+          </a:prstGeom>
+          <a:noFill/>
+        </p:spPr>
+        <p:txBody>
+          <a:bodyPr wrap="square" rtlCol="0">
+            <a:spAutoFit/>
+          </a:bodyPr>
+          <a:lstStyle/>
+          <a:p>
+            <a:r>
+              <a:rPr lang="en-US" sz="1200" dirty="0"/>
+              <a:t>C</a:t>
+            </a:r>
+            <a:endParaRPr lang="en-ZA" sz="1200" dirty="0"/>
+          </a:p>
+        </p:txBody>
+      </p:sp>
+      <p:sp>
+        <p:nvSpPr>
+          <p:cNvPr id="18" name="TextBox 17">
+            <a:extLst>
+              <a:ext uri="{FF2B5EF4-FFF2-40B4-BE49-F238E27FC236}">
+                <a16:creationId xmlns:a16="http://schemas.microsoft.com/office/drawing/2014/main" id="{6CD194BF-03F0-4573-23D7-21507A45CB8B}"/>
+              </a:ext>
+            </a:extLst>
+          </p:cNvPr>
+          <p:cNvSpPr txBox="1"/>
+          <p:nvPr/>
+        </p:nvSpPr>
+        <p:spPr>
+          <a:xfrm>
+            <a:off x="1596252" y="2282538"/>
+            <a:ext cx="400045" cy="276999"/>
+          </a:xfrm>
+          <a:prstGeom prst="rect">
+            <a:avLst/>
+          </a:prstGeom>
+          <a:noFill/>
+        </p:spPr>
+        <p:txBody>
+          <a:bodyPr wrap="square" rtlCol="0">
+            <a:spAutoFit/>
+          </a:bodyPr>
+          <a:lstStyle/>
+          <a:p>
+            <a:r>
+              <a:rPr lang="en-US" sz="1200" dirty="0"/>
+              <a:t>C</a:t>
+            </a:r>
+            <a:endParaRPr lang="en-ZA" sz="1200" dirty="0"/>
+          </a:p>
+        </p:txBody>
+      </p:sp>
+      <p:sp>
+        <p:nvSpPr>
+          <p:cNvPr id="19" name="TextBox 18">
+            <a:extLst>
+              <a:ext uri="{FF2B5EF4-FFF2-40B4-BE49-F238E27FC236}">
+                <a16:creationId xmlns:a16="http://schemas.microsoft.com/office/drawing/2014/main" id="{E68666A7-CF3A-9373-41E8-BC1D15048E0F}"/>
+              </a:ext>
+            </a:extLst>
+          </p:cNvPr>
+          <p:cNvSpPr txBox="1"/>
+          <p:nvPr/>
+        </p:nvSpPr>
+        <p:spPr>
+          <a:xfrm>
+            <a:off x="5644020" y="1181700"/>
+            <a:ext cx="349352" cy="276999"/>
+          </a:xfrm>
+          <a:prstGeom prst="rect">
+            <a:avLst/>
+          </a:prstGeom>
+          <a:noFill/>
+        </p:spPr>
+        <p:txBody>
+          <a:bodyPr wrap="square" rtlCol="0">
+            <a:spAutoFit/>
+          </a:bodyPr>
+          <a:lstStyle/>
+          <a:p>
+            <a:r>
+              <a:rPr lang="en-US" sz="1200" dirty="0"/>
+              <a:t>**</a:t>
+            </a:r>
+            <a:endParaRPr lang="en-ZA" sz="1200" dirty="0"/>
+          </a:p>
+        </p:txBody>
+      </p:sp>
+      <p:sp>
+        <p:nvSpPr>
+          <p:cNvPr id="20" name="TextBox 19">
+            <a:extLst>
+              <a:ext uri="{FF2B5EF4-FFF2-40B4-BE49-F238E27FC236}">
+                <a16:creationId xmlns:a16="http://schemas.microsoft.com/office/drawing/2014/main" id="{CDC599F2-E7A7-613D-310A-4D34714B014D}"/>
+              </a:ext>
+            </a:extLst>
+          </p:cNvPr>
+          <p:cNvSpPr txBox="1"/>
+          <p:nvPr/>
+        </p:nvSpPr>
+        <p:spPr>
+          <a:xfrm>
+            <a:off x="4863552" y="2320091"/>
+            <a:ext cx="400045" cy="276999"/>
+          </a:xfrm>
+          <a:prstGeom prst="rect">
+            <a:avLst/>
+          </a:prstGeom>
+          <a:noFill/>
+        </p:spPr>
+        <p:txBody>
+          <a:bodyPr wrap="square" rtlCol="0">
+            <a:spAutoFit/>
+          </a:bodyPr>
+          <a:lstStyle/>
+          <a:p>
+            <a:r>
+              <a:rPr lang="en-US" sz="1200" dirty="0"/>
+              <a:t>A</a:t>
+            </a:r>
+            <a:endParaRPr lang="en-ZA" sz="1200" dirty="0"/>
+          </a:p>
+        </p:txBody>
+      </p:sp>
+      <p:sp>
+        <p:nvSpPr>
+          <p:cNvPr id="21" name="TextBox 20">
+            <a:extLst>
+              <a:ext uri="{FF2B5EF4-FFF2-40B4-BE49-F238E27FC236}">
+                <a16:creationId xmlns:a16="http://schemas.microsoft.com/office/drawing/2014/main" id="{E9FAAEB1-03C8-B76B-8F9A-3C8B1B9A7740}"/>
+              </a:ext>
+            </a:extLst>
+          </p:cNvPr>
+          <p:cNvSpPr txBox="1"/>
+          <p:nvPr/>
+        </p:nvSpPr>
+        <p:spPr>
+          <a:xfrm>
+            <a:off x="5285413" y="1502874"/>
+            <a:ext cx="400045" cy="276999"/>
+          </a:xfrm>
+          <a:prstGeom prst="rect">
+            <a:avLst/>
+          </a:prstGeom>
+          <a:noFill/>
+        </p:spPr>
+        <p:txBody>
+          <a:bodyPr wrap="square" rtlCol="0">
+            <a:spAutoFit/>
+          </a:bodyPr>
+          <a:lstStyle/>
+          <a:p>
+            <a:r>
+              <a:rPr lang="en-US" sz="1200" dirty="0"/>
+              <a:t>B</a:t>
+            </a:r>
+            <a:endParaRPr lang="en-ZA" sz="1200" dirty="0"/>
+          </a:p>
+        </p:txBody>
+      </p:sp>
+      <p:sp>
+        <p:nvSpPr>
+          <p:cNvPr id="22" name="TextBox 21">
+            <a:extLst>
+              <a:ext uri="{FF2B5EF4-FFF2-40B4-BE49-F238E27FC236}">
+                <a16:creationId xmlns:a16="http://schemas.microsoft.com/office/drawing/2014/main" id="{119BBA6B-2842-FE8F-4DF2-7A0A124DFD70}"/>
+              </a:ext>
+            </a:extLst>
+          </p:cNvPr>
+          <p:cNvSpPr txBox="1"/>
+          <p:nvPr/>
+        </p:nvSpPr>
+        <p:spPr>
+          <a:xfrm>
+            <a:off x="5471828" y="1824048"/>
+            <a:ext cx="400045" cy="276999"/>
+          </a:xfrm>
+          <a:prstGeom prst="rect">
+            <a:avLst/>
+          </a:prstGeom>
+          <a:noFill/>
+        </p:spPr>
+        <p:txBody>
+          <a:bodyPr wrap="square" rtlCol="0">
+            <a:spAutoFit/>
+          </a:bodyPr>
+          <a:lstStyle/>
+          <a:p>
+            <a:r>
+              <a:rPr lang="en-US" sz="1200" dirty="0"/>
+              <a:t>AB</a:t>
+            </a:r>
+            <a:endParaRPr lang="en-ZA" sz="1200" dirty="0"/>
+          </a:p>
+        </p:txBody>
+      </p:sp>
+      <p:sp>
+        <p:nvSpPr>
+          <p:cNvPr id="23" name="TextBox 22">
+            <a:extLst>
+              <a:ext uri="{FF2B5EF4-FFF2-40B4-BE49-F238E27FC236}">
+                <a16:creationId xmlns:a16="http://schemas.microsoft.com/office/drawing/2014/main" id="{A3C1977D-BEFE-FF6F-4EEC-6F0530556B38}"/>
+              </a:ext>
+            </a:extLst>
+          </p:cNvPr>
+          <p:cNvSpPr txBox="1"/>
+          <p:nvPr/>
+        </p:nvSpPr>
+        <p:spPr>
+          <a:xfrm>
+            <a:off x="5793349" y="3046715"/>
+            <a:ext cx="400045" cy="276999"/>
+          </a:xfrm>
+          <a:prstGeom prst="rect">
+            <a:avLst/>
+          </a:prstGeom>
+          <a:noFill/>
+        </p:spPr>
+        <p:txBody>
+          <a:bodyPr wrap="square" rtlCol="0">
+            <a:spAutoFit/>
+          </a:bodyPr>
+          <a:lstStyle/>
+          <a:p>
+            <a:r>
+              <a:rPr lang="en-US" sz="1200" dirty="0"/>
+              <a:t>A</a:t>
+            </a:r>
+            <a:endParaRPr lang="en-ZA" sz="1200" dirty="0"/>
+          </a:p>
+        </p:txBody>
+      </p:sp>
+      <p:sp>
+        <p:nvSpPr>
+          <p:cNvPr id="24" name="TextBox 23">
+            <a:extLst>
+              <a:ext uri="{FF2B5EF4-FFF2-40B4-BE49-F238E27FC236}">
+                <a16:creationId xmlns:a16="http://schemas.microsoft.com/office/drawing/2014/main" id="{E3A8335F-54DA-4EEF-8E9A-704944671BAF}"/>
+              </a:ext>
+            </a:extLst>
+          </p:cNvPr>
+          <p:cNvSpPr txBox="1"/>
+          <p:nvPr/>
+        </p:nvSpPr>
+        <p:spPr>
+          <a:xfrm>
+            <a:off x="6210734" y="2118716"/>
+            <a:ext cx="400045" cy="276999"/>
+          </a:xfrm>
+          <a:prstGeom prst="rect">
+            <a:avLst/>
+          </a:prstGeom>
+          <a:noFill/>
+        </p:spPr>
+        <p:txBody>
+          <a:bodyPr wrap="square" rtlCol="0">
+            <a:spAutoFit/>
+          </a:bodyPr>
+          <a:lstStyle/>
+          <a:p>
+            <a:r>
+              <a:rPr lang="en-US" sz="1200" dirty="0"/>
+              <a:t>B</a:t>
+            </a:r>
+            <a:endParaRPr lang="en-ZA" sz="1200" dirty="0"/>
+          </a:p>
+        </p:txBody>
+      </p:sp>
+      <p:sp>
+        <p:nvSpPr>
+          <p:cNvPr id="25" name="TextBox 24">
+            <a:extLst>
+              <a:ext uri="{FF2B5EF4-FFF2-40B4-BE49-F238E27FC236}">
+                <a16:creationId xmlns:a16="http://schemas.microsoft.com/office/drawing/2014/main" id="{78C338AD-60A1-5E5C-9D25-2DDC6C0FA5B5}"/>
+              </a:ext>
+            </a:extLst>
+          </p:cNvPr>
+          <p:cNvSpPr txBox="1"/>
+          <p:nvPr/>
+        </p:nvSpPr>
+        <p:spPr>
+          <a:xfrm>
+            <a:off x="6410756" y="2732710"/>
+            <a:ext cx="400045" cy="276999"/>
+          </a:xfrm>
+          <a:prstGeom prst="rect">
+            <a:avLst/>
+          </a:prstGeom>
+          <a:noFill/>
+        </p:spPr>
+        <p:txBody>
+          <a:bodyPr wrap="square" rtlCol="0">
+            <a:spAutoFit/>
+          </a:bodyPr>
+          <a:lstStyle/>
+          <a:p>
+            <a:r>
+              <a:rPr lang="en-US" sz="1200" dirty="0"/>
+              <a:t>AB</a:t>
+            </a:r>
+            <a:endParaRPr lang="en-ZA" sz="1200" dirty="0"/>
+          </a:p>
+        </p:txBody>
+      </p:sp>
+      <p:sp>
+        <p:nvSpPr>
+          <p:cNvPr id="26" name="TextBox 25">
+            <a:extLst>
+              <a:ext uri="{FF2B5EF4-FFF2-40B4-BE49-F238E27FC236}">
+                <a16:creationId xmlns:a16="http://schemas.microsoft.com/office/drawing/2014/main" id="{C8C4BA87-4710-C5BA-9CC7-DEE14A7F5337}"/>
+              </a:ext>
+            </a:extLst>
+          </p:cNvPr>
+          <p:cNvSpPr txBox="1"/>
+          <p:nvPr/>
+        </p:nvSpPr>
+        <p:spPr>
+          <a:xfrm>
+            <a:off x="7537191" y="2395715"/>
+            <a:ext cx="400045" cy="276999"/>
+          </a:xfrm>
+          <a:prstGeom prst="rect">
+            <a:avLst/>
+          </a:prstGeom>
+          <a:noFill/>
+        </p:spPr>
+        <p:txBody>
+          <a:bodyPr wrap="square" rtlCol="0">
+            <a:spAutoFit/>
+          </a:bodyPr>
+          <a:lstStyle/>
+          <a:p>
+            <a:r>
+              <a:rPr lang="en-US" sz="1200" dirty="0"/>
+              <a:t>AB</a:t>
+            </a:r>
+            <a:endParaRPr lang="en-ZA" sz="1200" dirty="0"/>
+          </a:p>
+        </p:txBody>
+      </p:sp>
+      <p:sp>
+        <p:nvSpPr>
+          <p:cNvPr id="27" name="TextBox 26">
+            <a:extLst>
+              <a:ext uri="{FF2B5EF4-FFF2-40B4-BE49-F238E27FC236}">
+                <a16:creationId xmlns:a16="http://schemas.microsoft.com/office/drawing/2014/main" id="{811E12DB-D434-560F-00D7-7EEB7CB5B5B5}"/>
+              </a:ext>
+            </a:extLst>
+          </p:cNvPr>
+          <p:cNvSpPr txBox="1"/>
+          <p:nvPr/>
+        </p:nvSpPr>
+        <p:spPr>
+          <a:xfrm>
+            <a:off x="8446263" y="2415101"/>
+            <a:ext cx="400045" cy="276999"/>
+          </a:xfrm>
+          <a:prstGeom prst="rect">
+            <a:avLst/>
+          </a:prstGeom>
+          <a:noFill/>
+        </p:spPr>
+        <p:txBody>
+          <a:bodyPr wrap="square" rtlCol="0">
+            <a:spAutoFit/>
+          </a:bodyPr>
+          <a:lstStyle/>
+          <a:p>
+            <a:r>
+              <a:rPr lang="en-US" sz="1200" dirty="0"/>
+              <a:t>AB</a:t>
+            </a:r>
+            <a:endParaRPr lang="en-ZA" sz="1200" dirty="0"/>
+          </a:p>
+        </p:txBody>
+      </p:sp>
+      <p:sp>
+        <p:nvSpPr>
+          <p:cNvPr id="28" name="TextBox 27">
+            <a:extLst>
+              <a:ext uri="{FF2B5EF4-FFF2-40B4-BE49-F238E27FC236}">
+                <a16:creationId xmlns:a16="http://schemas.microsoft.com/office/drawing/2014/main" id="{24B1C368-D00D-D812-ED87-05D788584A7C}"/>
+              </a:ext>
+            </a:extLst>
+          </p:cNvPr>
+          <p:cNvSpPr txBox="1"/>
+          <p:nvPr/>
+        </p:nvSpPr>
+        <p:spPr>
+          <a:xfrm>
+            <a:off x="8206653" y="2346212"/>
+            <a:ext cx="400045" cy="276999"/>
+          </a:xfrm>
+          <a:prstGeom prst="rect">
+            <a:avLst/>
+          </a:prstGeom>
+          <a:noFill/>
+        </p:spPr>
+        <p:txBody>
+          <a:bodyPr wrap="square" rtlCol="0">
+            <a:spAutoFit/>
+          </a:bodyPr>
+          <a:lstStyle/>
+          <a:p>
+            <a:r>
+              <a:rPr lang="en-US" sz="1200" dirty="0"/>
+              <a:t>B</a:t>
+            </a:r>
+            <a:endParaRPr lang="en-ZA" sz="1200" dirty="0"/>
+          </a:p>
+        </p:txBody>
+      </p:sp>
+      <p:sp>
+        <p:nvSpPr>
+          <p:cNvPr id="29" name="TextBox 28">
+            <a:extLst>
+              <a:ext uri="{FF2B5EF4-FFF2-40B4-BE49-F238E27FC236}">
+                <a16:creationId xmlns:a16="http://schemas.microsoft.com/office/drawing/2014/main" id="{187E6C32-956E-812D-4CBE-964B2F879855}"/>
+              </a:ext>
+            </a:extLst>
+          </p:cNvPr>
+          <p:cNvSpPr txBox="1"/>
+          <p:nvPr/>
+        </p:nvSpPr>
+        <p:spPr>
+          <a:xfrm>
+            <a:off x="7276465" y="1527170"/>
+            <a:ext cx="400045" cy="276999"/>
+          </a:xfrm>
+          <a:prstGeom prst="rect">
+            <a:avLst/>
+          </a:prstGeom>
+          <a:noFill/>
+        </p:spPr>
+        <p:txBody>
+          <a:bodyPr wrap="square" rtlCol="0">
+            <a:spAutoFit/>
+          </a:bodyPr>
+          <a:lstStyle/>
+          <a:p>
+            <a:r>
+              <a:rPr lang="en-US" sz="1200" dirty="0"/>
+              <a:t>B</a:t>
+            </a:r>
+            <a:endParaRPr lang="en-ZA" sz="1200" dirty="0"/>
+          </a:p>
+        </p:txBody>
+      </p:sp>
+      <p:sp>
+        <p:nvSpPr>
+          <p:cNvPr id="30" name="TextBox 29">
+            <a:extLst>
+              <a:ext uri="{FF2B5EF4-FFF2-40B4-BE49-F238E27FC236}">
+                <a16:creationId xmlns:a16="http://schemas.microsoft.com/office/drawing/2014/main" id="{FB5FB889-ED92-E8A1-7950-D93834C50E5E}"/>
+              </a:ext>
+            </a:extLst>
+          </p:cNvPr>
+          <p:cNvSpPr txBox="1"/>
+          <p:nvPr/>
+        </p:nvSpPr>
+        <p:spPr>
+          <a:xfrm>
+            <a:off x="6997547" y="2637530"/>
+            <a:ext cx="400045" cy="276999"/>
+          </a:xfrm>
+          <a:prstGeom prst="rect">
+            <a:avLst/>
+          </a:prstGeom>
+          <a:noFill/>
+        </p:spPr>
+        <p:txBody>
+          <a:bodyPr wrap="square" rtlCol="0">
+            <a:spAutoFit/>
+          </a:bodyPr>
+          <a:lstStyle/>
+          <a:p>
+            <a:r>
+              <a:rPr lang="en-US" sz="1200" dirty="0"/>
+              <a:t>A</a:t>
+            </a:r>
+            <a:endParaRPr lang="en-ZA" sz="1200" dirty="0"/>
+          </a:p>
+        </p:txBody>
+      </p:sp>
+      <p:sp>
+        <p:nvSpPr>
+          <p:cNvPr id="31" name="TextBox 30">
+            <a:extLst>
+              <a:ext uri="{FF2B5EF4-FFF2-40B4-BE49-F238E27FC236}">
+                <a16:creationId xmlns:a16="http://schemas.microsoft.com/office/drawing/2014/main" id="{1336E124-6FB7-E7F5-208C-5E291ACE2EAE}"/>
+              </a:ext>
+            </a:extLst>
+          </p:cNvPr>
+          <p:cNvSpPr txBox="1"/>
+          <p:nvPr/>
+        </p:nvSpPr>
+        <p:spPr>
+          <a:xfrm>
+            <a:off x="7927541" y="3677035"/>
+            <a:ext cx="400045" cy="276999"/>
+          </a:xfrm>
+          <a:prstGeom prst="rect">
+            <a:avLst/>
+          </a:prstGeom>
+          <a:noFill/>
+        </p:spPr>
+        <p:txBody>
+          <a:bodyPr wrap="square" rtlCol="0">
+            <a:spAutoFit/>
+          </a:bodyPr>
+          <a:lstStyle/>
+          <a:p>
+            <a:r>
+              <a:rPr lang="en-US" sz="1200" dirty="0"/>
+              <a:t>A</a:t>
+            </a:r>
+            <a:endParaRPr lang="en-ZA" sz="1200" dirty="0"/>
+          </a:p>
+        </p:txBody>
+      </p:sp>
+      <p:sp>
+        <p:nvSpPr>
+          <p:cNvPr id="33" name="TextBox 32">
+            <a:extLst>
+              <a:ext uri="{FF2B5EF4-FFF2-40B4-BE49-F238E27FC236}">
+                <a16:creationId xmlns:a16="http://schemas.microsoft.com/office/drawing/2014/main" id="{F95563DD-22ED-E8C1-1CA0-2505F6C7FE6C}"/>
+              </a:ext>
+            </a:extLst>
+          </p:cNvPr>
+          <p:cNvSpPr txBox="1"/>
+          <p:nvPr/>
+        </p:nvSpPr>
+        <p:spPr>
+          <a:xfrm>
+            <a:off x="9388305" y="2829916"/>
+            <a:ext cx="400045" cy="276999"/>
+          </a:xfrm>
+          <a:prstGeom prst="rect">
+            <a:avLst/>
+          </a:prstGeom>
+          <a:noFill/>
+        </p:spPr>
+        <p:txBody>
+          <a:bodyPr wrap="square" rtlCol="0">
+            <a:spAutoFit/>
+          </a:bodyPr>
+          <a:lstStyle/>
+          <a:p>
+            <a:r>
+              <a:rPr lang="en-US" sz="1200" dirty="0"/>
+              <a:t>B</a:t>
+            </a:r>
+            <a:endParaRPr lang="en-ZA" sz="1200" dirty="0"/>
+          </a:p>
+        </p:txBody>
+      </p:sp>
+      <p:sp>
+        <p:nvSpPr>
+          <p:cNvPr id="34" name="TextBox 33">
+            <a:extLst>
+              <a:ext uri="{FF2B5EF4-FFF2-40B4-BE49-F238E27FC236}">
+                <a16:creationId xmlns:a16="http://schemas.microsoft.com/office/drawing/2014/main" id="{6CAD5070-4DDD-1161-772F-BECEA3017E7C}"/>
+              </a:ext>
+            </a:extLst>
+          </p:cNvPr>
+          <p:cNvSpPr txBox="1"/>
+          <p:nvPr/>
+        </p:nvSpPr>
+        <p:spPr>
+          <a:xfrm>
+            <a:off x="10303436" y="2468395"/>
+            <a:ext cx="400045" cy="276999"/>
+          </a:xfrm>
+          <a:prstGeom prst="rect">
+            <a:avLst/>
+          </a:prstGeom>
+          <a:noFill/>
+        </p:spPr>
+        <p:txBody>
+          <a:bodyPr wrap="square" rtlCol="0">
+            <a:spAutoFit/>
+          </a:bodyPr>
+          <a:lstStyle/>
+          <a:p>
+            <a:r>
+              <a:rPr lang="en-US" sz="1200" dirty="0"/>
+              <a:t>B</a:t>
+            </a:r>
+            <a:endParaRPr lang="en-ZA" sz="1200" dirty="0"/>
+          </a:p>
+        </p:txBody>
+      </p:sp>
+      <p:sp>
+        <p:nvSpPr>
+          <p:cNvPr id="35" name="TextBox 34">
+            <a:extLst>
+              <a:ext uri="{FF2B5EF4-FFF2-40B4-BE49-F238E27FC236}">
+                <a16:creationId xmlns:a16="http://schemas.microsoft.com/office/drawing/2014/main" id="{65A422F1-1D07-501F-B6D0-6AE8D00CB884}"/>
+              </a:ext>
+            </a:extLst>
+          </p:cNvPr>
+          <p:cNvSpPr txBox="1"/>
+          <p:nvPr/>
+        </p:nvSpPr>
+        <p:spPr>
+          <a:xfrm>
+            <a:off x="10583940" y="2678752"/>
+            <a:ext cx="400045" cy="276999"/>
+          </a:xfrm>
+          <a:prstGeom prst="rect">
+            <a:avLst/>
+          </a:prstGeom>
+          <a:noFill/>
+        </p:spPr>
+        <p:txBody>
+          <a:bodyPr wrap="square" rtlCol="0">
+            <a:spAutoFit/>
+          </a:bodyPr>
+          <a:lstStyle/>
+          <a:p>
+            <a:r>
+              <a:rPr lang="en-US" sz="1200" dirty="0"/>
+              <a:t>A</a:t>
+            </a:r>
+            <a:endParaRPr lang="en-ZA" sz="1200" dirty="0"/>
+          </a:p>
+        </p:txBody>
+      </p:sp>
+      <p:sp>
+        <p:nvSpPr>
+          <p:cNvPr id="36" name="TextBox 35">
+            <a:extLst>
+              <a:ext uri="{FF2B5EF4-FFF2-40B4-BE49-F238E27FC236}">
+                <a16:creationId xmlns:a16="http://schemas.microsoft.com/office/drawing/2014/main" id="{0F941FB5-2A14-2CEB-DB9D-63B9B56C8728}"/>
+              </a:ext>
+            </a:extLst>
+          </p:cNvPr>
+          <p:cNvSpPr txBox="1"/>
+          <p:nvPr/>
+        </p:nvSpPr>
+        <p:spPr>
+          <a:xfrm>
+            <a:off x="10024324" y="3400036"/>
+            <a:ext cx="400045" cy="276999"/>
+          </a:xfrm>
+          <a:prstGeom prst="rect">
+            <a:avLst/>
+          </a:prstGeom>
+          <a:noFill/>
+        </p:spPr>
+        <p:txBody>
+          <a:bodyPr wrap="square" rtlCol="0">
+            <a:spAutoFit/>
+          </a:bodyPr>
+          <a:lstStyle/>
+          <a:p>
+            <a:r>
+              <a:rPr lang="en-US" sz="1200" dirty="0"/>
+              <a:t>A</a:t>
+            </a:r>
+            <a:endParaRPr lang="en-ZA" sz="1200" dirty="0"/>
+          </a:p>
+        </p:txBody>
+      </p:sp>
+      <p:sp>
+        <p:nvSpPr>
+          <p:cNvPr id="37" name="TextBox 36">
+            <a:extLst>
+              <a:ext uri="{FF2B5EF4-FFF2-40B4-BE49-F238E27FC236}">
+                <a16:creationId xmlns:a16="http://schemas.microsoft.com/office/drawing/2014/main" id="{BBA7B9DD-2FA8-05B2-4F02-96CC3A18A66F}"/>
+              </a:ext>
+            </a:extLst>
+          </p:cNvPr>
+          <p:cNvSpPr txBox="1"/>
+          <p:nvPr/>
+        </p:nvSpPr>
+        <p:spPr>
+          <a:xfrm>
+            <a:off x="9654895" y="3538535"/>
+            <a:ext cx="400045" cy="276999"/>
+          </a:xfrm>
+          <a:prstGeom prst="rect">
+            <a:avLst/>
+          </a:prstGeom>
+          <a:noFill/>
+        </p:spPr>
+        <p:txBody>
+          <a:bodyPr wrap="square" rtlCol="0">
+            <a:spAutoFit/>
+          </a:bodyPr>
+          <a:lstStyle/>
+          <a:p>
+            <a:r>
+              <a:rPr lang="en-US" sz="1200" dirty="0"/>
+              <a:t>A</a:t>
+            </a:r>
+            <a:endParaRPr lang="en-ZA" sz="1200" dirty="0"/>
+          </a:p>
+        </p:txBody>
+      </p:sp>
+      <p:sp>
+        <p:nvSpPr>
+          <p:cNvPr id="38" name="TextBox 37">
+            <a:extLst>
+              <a:ext uri="{FF2B5EF4-FFF2-40B4-BE49-F238E27FC236}">
+                <a16:creationId xmlns:a16="http://schemas.microsoft.com/office/drawing/2014/main" id="{F37347DF-DF4E-BF75-2EDC-5C9C5CFA6B74}"/>
+              </a:ext>
+            </a:extLst>
+          </p:cNvPr>
+          <p:cNvSpPr txBox="1"/>
+          <p:nvPr/>
+        </p:nvSpPr>
+        <p:spPr>
+          <a:xfrm>
+            <a:off x="9090980" y="3809778"/>
+            <a:ext cx="400045" cy="276999"/>
+          </a:xfrm>
+          <a:prstGeom prst="rect">
+            <a:avLst/>
+          </a:prstGeom>
+          <a:noFill/>
+        </p:spPr>
+        <p:txBody>
+          <a:bodyPr wrap="square" rtlCol="0">
+            <a:spAutoFit/>
+          </a:bodyPr>
+          <a:lstStyle/>
+          <a:p>
+            <a:r>
+              <a:rPr lang="en-US" sz="1200" dirty="0"/>
+              <a:t>A</a:t>
+            </a:r>
+            <a:endParaRPr lang="en-ZA" sz="1200" dirty="0"/>
+          </a:p>
+        </p:txBody>
+      </p:sp>
+    </p:spTree>
+    <p:extLst>
+      <p:ext uri="{BB962C8B-B14F-4D97-AF65-F5344CB8AC3E}">
+        <p14:creationId xmlns:p14="http://schemas.microsoft.com/office/powerpoint/2010/main" val="1040734017"/>
       </p:ext>
     </p:extLst>
   </p:cSld>

--- a/graphs/stats on graphs.pptx
+++ b/graphs/stats on graphs.pptx
@@ -11,10 +11,20 @@
     <p:sldId id="260" r:id="rId5"/>
     <p:sldId id="261" r:id="rId6"/>
     <p:sldId id="263" r:id="rId7"/>
-    <p:sldId id="267" r:id="rId8"/>
-    <p:sldId id="262" r:id="rId9"/>
-    <p:sldId id="264" r:id="rId10"/>
-    <p:sldId id="266" r:id="rId11"/>
+    <p:sldId id="278" r:id="rId8"/>
+    <p:sldId id="277" r:id="rId9"/>
+    <p:sldId id="262" r:id="rId10"/>
+    <p:sldId id="271" r:id="rId11"/>
+    <p:sldId id="276" r:id="rId12"/>
+    <p:sldId id="275" r:id="rId13"/>
+    <p:sldId id="274" r:id="rId14"/>
+    <p:sldId id="273" r:id="rId15"/>
+    <p:sldId id="272" r:id="rId16"/>
+    <p:sldId id="268" r:id="rId17"/>
+    <p:sldId id="267" r:id="rId18"/>
+    <p:sldId id="269" r:id="rId19"/>
+    <p:sldId id="264" r:id="rId20"/>
+    <p:sldId id="266" r:id="rId21"/>
   </p:sldIdLst>
   <p:sldSz cx="12192000" cy="6858000"/>
   <p:notesSz cx="7104063" cy="10234613"/>
@@ -270,7 +280,7 @@
           <a:p>
             <a:fld id="{C063C8AB-FDE7-451C-A176-EFBAB8461303}" type="datetimeFigureOut">
               <a:rPr lang="en-ZA" smtClean="0"/>
-              <a:t>19/01/2024</a:t>
+              <a:t>22/01/2024</a:t>
             </a:fld>
             <a:endParaRPr lang="en-ZA"/>
           </a:p>
@@ -470,7 +480,7 @@
           <a:p>
             <a:fld id="{C063C8AB-FDE7-451C-A176-EFBAB8461303}" type="datetimeFigureOut">
               <a:rPr lang="en-ZA" smtClean="0"/>
-              <a:t>19/01/2024</a:t>
+              <a:t>22/01/2024</a:t>
             </a:fld>
             <a:endParaRPr lang="en-ZA"/>
           </a:p>
@@ -680,7 +690,7 @@
           <a:p>
             <a:fld id="{C063C8AB-FDE7-451C-A176-EFBAB8461303}" type="datetimeFigureOut">
               <a:rPr lang="en-ZA" smtClean="0"/>
-              <a:t>19/01/2024</a:t>
+              <a:t>22/01/2024</a:t>
             </a:fld>
             <a:endParaRPr lang="en-ZA"/>
           </a:p>
@@ -880,7 +890,7 @@
           <a:p>
             <a:fld id="{C063C8AB-FDE7-451C-A176-EFBAB8461303}" type="datetimeFigureOut">
               <a:rPr lang="en-ZA" smtClean="0"/>
-              <a:t>19/01/2024</a:t>
+              <a:t>22/01/2024</a:t>
             </a:fld>
             <a:endParaRPr lang="en-ZA"/>
           </a:p>
@@ -1156,7 +1166,7 @@
           <a:p>
             <a:fld id="{C063C8AB-FDE7-451C-A176-EFBAB8461303}" type="datetimeFigureOut">
               <a:rPr lang="en-ZA" smtClean="0"/>
-              <a:t>19/01/2024</a:t>
+              <a:t>22/01/2024</a:t>
             </a:fld>
             <a:endParaRPr lang="en-ZA"/>
           </a:p>
@@ -1424,7 +1434,7 @@
           <a:p>
             <a:fld id="{C063C8AB-FDE7-451C-A176-EFBAB8461303}" type="datetimeFigureOut">
               <a:rPr lang="en-ZA" smtClean="0"/>
-              <a:t>19/01/2024</a:t>
+              <a:t>22/01/2024</a:t>
             </a:fld>
             <a:endParaRPr lang="en-ZA"/>
           </a:p>
@@ -1839,7 +1849,7 @@
           <a:p>
             <a:fld id="{C063C8AB-FDE7-451C-A176-EFBAB8461303}" type="datetimeFigureOut">
               <a:rPr lang="en-ZA" smtClean="0"/>
-              <a:t>19/01/2024</a:t>
+              <a:t>22/01/2024</a:t>
             </a:fld>
             <a:endParaRPr lang="en-ZA"/>
           </a:p>
@@ -1981,7 +1991,7 @@
           <a:p>
             <a:fld id="{C063C8AB-FDE7-451C-A176-EFBAB8461303}" type="datetimeFigureOut">
               <a:rPr lang="en-ZA" smtClean="0"/>
-              <a:t>19/01/2024</a:t>
+              <a:t>22/01/2024</a:t>
             </a:fld>
             <a:endParaRPr lang="en-ZA"/>
           </a:p>
@@ -2094,7 +2104,7 @@
           <a:p>
             <a:fld id="{C063C8AB-FDE7-451C-A176-EFBAB8461303}" type="datetimeFigureOut">
               <a:rPr lang="en-ZA" smtClean="0"/>
-              <a:t>19/01/2024</a:t>
+              <a:t>22/01/2024</a:t>
             </a:fld>
             <a:endParaRPr lang="en-ZA"/>
           </a:p>
@@ -2407,7 +2417,7 @@
           <a:p>
             <a:fld id="{C063C8AB-FDE7-451C-A176-EFBAB8461303}" type="datetimeFigureOut">
               <a:rPr lang="en-ZA" smtClean="0"/>
-              <a:t>19/01/2024</a:t>
+              <a:t>22/01/2024</a:t>
             </a:fld>
             <a:endParaRPr lang="en-ZA"/>
           </a:p>
@@ -2696,7 +2706,7 @@
           <a:p>
             <a:fld id="{C063C8AB-FDE7-451C-A176-EFBAB8461303}" type="datetimeFigureOut">
               <a:rPr lang="en-ZA" smtClean="0"/>
-              <a:t>19/01/2024</a:t>
+              <a:t>22/01/2024</a:t>
             </a:fld>
             <a:endParaRPr lang="en-ZA"/>
           </a:p>
@@ -2939,7 +2949,7 @@
           <a:p>
             <a:fld id="{C063C8AB-FDE7-451C-A176-EFBAB8461303}" type="datetimeFigureOut">
               <a:rPr lang="en-ZA" smtClean="0"/>
-              <a:t>19/01/2024</a:t>
+              <a:t>22/01/2024</a:t>
             </a:fld>
             <a:endParaRPr lang="en-ZA"/>
           </a:p>
@@ -3844,10 +3854,10 @@
       </p:grpSpPr>
       <p:pic>
         <p:nvPicPr>
-          <p:cNvPr id="5" name="Content Placeholder 4" descr="A screenshot of a graph&#10;&#10;Description automatically generated">
-            <a:extLst>
-              <a:ext uri="{FF2B5EF4-FFF2-40B4-BE49-F238E27FC236}">
-                <a16:creationId xmlns:a16="http://schemas.microsoft.com/office/drawing/2014/main" id="{FC7DA141-CFCD-2CE1-765E-26008334132B}"/>
+          <p:cNvPr id="5" name="Content Placeholder 4">
+            <a:extLst>
+              <a:ext uri="{FF2B5EF4-FFF2-40B4-BE49-F238E27FC236}">
+                <a16:creationId xmlns:a16="http://schemas.microsoft.com/office/drawing/2014/main" id="{80E32E68-761E-27CA-29EE-8A82B19C12E5}"/>
               </a:ext>
             </a:extLst>
           </p:cNvPr>
@@ -3866,14 +3876,4096 @@
               </a:ext>
             </a:extLst>
           </a:blip>
+          <a:srcRect/>
+          <a:stretch/>
+        </p:blipFill>
+        <p:spPr>
+          <a:xfrm>
+            <a:off x="456461" y="1018096"/>
+            <a:ext cx="11279078" cy="4821807"/>
+          </a:xfrm>
+          <a:prstGeom prst="rect">
+            <a:avLst/>
+          </a:prstGeom>
+        </p:spPr>
+      </p:pic>
+    </p:spTree>
+    <p:extLst>
+      <p:ext uri="{BB962C8B-B14F-4D97-AF65-F5344CB8AC3E}">
+        <p14:creationId xmlns:p14="http://schemas.microsoft.com/office/powerpoint/2010/main" val="1645724600"/>
+      </p:ext>
+    </p:extLst>
+  </p:cSld>
+  <p:clrMapOvr>
+    <a:masterClrMapping/>
+  </p:clrMapOvr>
+</p:sld>
+</file>
+
+<file path=ppt/slides/slide11.xml><?xml version="1.0" encoding="utf-8"?>
+<p:sld xmlns:a="http://schemas.openxmlformats.org/drawingml/2006/main" xmlns:r="http://schemas.openxmlformats.org/officeDocument/2006/relationships" xmlns:p="http://schemas.openxmlformats.org/presentationml/2006/main">
+  <p:cSld>
+    <p:bg>
+      <p:bgPr>
+        <a:solidFill>
+          <a:schemeClr val="bg1"/>
+        </a:solidFill>
+        <a:effectLst/>
+      </p:bgPr>
+    </p:bg>
+    <p:spTree>
+      <p:nvGrpSpPr>
+        <p:cNvPr id="1" name=""/>
+        <p:cNvGrpSpPr/>
+        <p:nvPr/>
+      </p:nvGrpSpPr>
+      <p:grpSpPr>
+        <a:xfrm>
+          <a:off x="0" y="0"/>
+          <a:ext cx="0" cy="0"/>
+          <a:chOff x="0" y="0"/>
+          <a:chExt cx="0" cy="0"/>
+        </a:xfrm>
+      </p:grpSpPr>
+      <p:pic>
+        <p:nvPicPr>
+          <p:cNvPr id="5" name="Content Placeholder 4">
+            <a:extLst>
+              <a:ext uri="{FF2B5EF4-FFF2-40B4-BE49-F238E27FC236}">
+                <a16:creationId xmlns:a16="http://schemas.microsoft.com/office/drawing/2014/main" id="{80E32E68-761E-27CA-29EE-8A82B19C12E5}"/>
+              </a:ext>
+            </a:extLst>
+          </p:cNvPr>
+          <p:cNvPicPr>
+            <a:picLocks noGrp="1" noChangeAspect="1"/>
+          </p:cNvPicPr>
+          <p:nvPr>
+            <p:ph idx="1"/>
+          </p:nvPr>
+        </p:nvPicPr>
+        <p:blipFill>
+          <a:blip r:embed="rId2">
+            <a:extLst>
+              <a:ext uri="{28A0092B-C50C-407E-A947-70E740481C1C}">
+                <a14:useLocalDpi xmlns:a14="http://schemas.microsoft.com/office/drawing/2010/main" val="0"/>
+              </a:ext>
+            </a:extLst>
+          </a:blip>
+          <a:srcRect/>
+          <a:stretch/>
+        </p:blipFill>
+        <p:spPr>
+          <a:xfrm>
+            <a:off x="456461" y="1018096"/>
+            <a:ext cx="11279078" cy="4821807"/>
+          </a:xfrm>
+          <a:prstGeom prst="rect">
+            <a:avLst/>
+          </a:prstGeom>
+        </p:spPr>
+      </p:pic>
+      <p:sp>
+        <p:nvSpPr>
+          <p:cNvPr id="6" name="TextBox 5">
+            <a:extLst>
+              <a:ext uri="{FF2B5EF4-FFF2-40B4-BE49-F238E27FC236}">
+                <a16:creationId xmlns:a16="http://schemas.microsoft.com/office/drawing/2014/main" id="{D2A922F8-73CE-91BF-9705-6A6E5AF31843}"/>
+              </a:ext>
+            </a:extLst>
+          </p:cNvPr>
+          <p:cNvSpPr txBox="1"/>
+          <p:nvPr/>
+        </p:nvSpPr>
+        <p:spPr>
+          <a:xfrm>
+            <a:off x="1609344" y="1984248"/>
+            <a:ext cx="704088" cy="338554"/>
+          </a:xfrm>
+          <a:prstGeom prst="rect">
+            <a:avLst/>
+          </a:prstGeom>
+          <a:noFill/>
+        </p:spPr>
+        <p:txBody>
+          <a:bodyPr wrap="square" rtlCol="0">
+            <a:spAutoFit/>
+          </a:bodyPr>
+          <a:lstStyle/>
+          <a:p>
+            <a:r>
+              <a:rPr lang="en-US" sz="1600" dirty="0"/>
+              <a:t>*</a:t>
+            </a:r>
+            <a:endParaRPr lang="en-ZA" sz="1600" dirty="0"/>
+          </a:p>
+        </p:txBody>
+      </p:sp>
+      <p:sp>
+        <p:nvSpPr>
+          <p:cNvPr id="7" name="TextBox 6">
+            <a:extLst>
+              <a:ext uri="{FF2B5EF4-FFF2-40B4-BE49-F238E27FC236}">
+                <a16:creationId xmlns:a16="http://schemas.microsoft.com/office/drawing/2014/main" id="{A3BDAA6E-A6CE-0F23-B54C-454E4363419D}"/>
+              </a:ext>
+            </a:extLst>
+          </p:cNvPr>
+          <p:cNvSpPr txBox="1"/>
+          <p:nvPr/>
+        </p:nvSpPr>
+        <p:spPr>
+          <a:xfrm>
+            <a:off x="4852416" y="1414272"/>
+            <a:ext cx="704088" cy="338554"/>
+          </a:xfrm>
+          <a:prstGeom prst="rect">
+            <a:avLst/>
+          </a:prstGeom>
+          <a:noFill/>
+        </p:spPr>
+        <p:txBody>
+          <a:bodyPr wrap="square" rtlCol="0">
+            <a:spAutoFit/>
+          </a:bodyPr>
+          <a:lstStyle/>
+          <a:p>
+            <a:r>
+              <a:rPr lang="en-US" sz="1600" dirty="0"/>
+              <a:t>***</a:t>
+            </a:r>
+            <a:endParaRPr lang="en-ZA" sz="1600" dirty="0"/>
+          </a:p>
+        </p:txBody>
+      </p:sp>
+      <p:sp>
+        <p:nvSpPr>
+          <p:cNvPr id="8" name="TextBox 7">
+            <a:extLst>
+              <a:ext uri="{FF2B5EF4-FFF2-40B4-BE49-F238E27FC236}">
+                <a16:creationId xmlns:a16="http://schemas.microsoft.com/office/drawing/2014/main" id="{4FDDEA5A-F3B1-7023-0E9B-CE6F2D1A3224}"/>
+              </a:ext>
+            </a:extLst>
+          </p:cNvPr>
+          <p:cNvSpPr txBox="1"/>
+          <p:nvPr/>
+        </p:nvSpPr>
+        <p:spPr>
+          <a:xfrm>
+            <a:off x="8232648" y="1856232"/>
+            <a:ext cx="704088" cy="338554"/>
+          </a:xfrm>
+          <a:prstGeom prst="rect">
+            <a:avLst/>
+          </a:prstGeom>
+          <a:noFill/>
+        </p:spPr>
+        <p:txBody>
+          <a:bodyPr wrap="square" rtlCol="0">
+            <a:spAutoFit/>
+          </a:bodyPr>
+          <a:lstStyle/>
+          <a:p>
+            <a:r>
+              <a:rPr lang="en-US" sz="1600" dirty="0"/>
+              <a:t>***</a:t>
+            </a:r>
+            <a:endParaRPr lang="en-ZA" sz="1600" dirty="0"/>
+          </a:p>
+        </p:txBody>
+      </p:sp>
+    </p:spTree>
+    <p:extLst>
+      <p:ext uri="{BB962C8B-B14F-4D97-AF65-F5344CB8AC3E}">
+        <p14:creationId xmlns:p14="http://schemas.microsoft.com/office/powerpoint/2010/main" val="3981582224"/>
+      </p:ext>
+    </p:extLst>
+  </p:cSld>
+  <p:clrMapOvr>
+    <a:masterClrMapping/>
+  </p:clrMapOvr>
+</p:sld>
+</file>
+
+<file path=ppt/slides/slide12.xml><?xml version="1.0" encoding="utf-8"?>
+<p:sld xmlns:a="http://schemas.openxmlformats.org/drawingml/2006/main" xmlns:r="http://schemas.openxmlformats.org/officeDocument/2006/relationships" xmlns:p="http://schemas.openxmlformats.org/presentationml/2006/main">
+  <p:cSld>
+    <p:bg>
+      <p:bgPr>
+        <a:solidFill>
+          <a:schemeClr val="bg1"/>
+        </a:solidFill>
+        <a:effectLst/>
+      </p:bgPr>
+    </p:bg>
+    <p:spTree>
+      <p:nvGrpSpPr>
+        <p:cNvPr id="1" name=""/>
+        <p:cNvGrpSpPr/>
+        <p:nvPr/>
+      </p:nvGrpSpPr>
+      <p:grpSpPr>
+        <a:xfrm>
+          <a:off x="0" y="0"/>
+          <a:ext cx="0" cy="0"/>
+          <a:chOff x="0" y="0"/>
+          <a:chExt cx="0" cy="0"/>
+        </a:xfrm>
+      </p:grpSpPr>
+      <p:pic>
+        <p:nvPicPr>
+          <p:cNvPr id="5" name="Content Placeholder 4" descr="A diagram of different colored squares&#10;&#10;Description automatically generated">
+            <a:extLst>
+              <a:ext uri="{FF2B5EF4-FFF2-40B4-BE49-F238E27FC236}">
+                <a16:creationId xmlns:a16="http://schemas.microsoft.com/office/drawing/2014/main" id="{80E32E68-761E-27CA-29EE-8A82B19C12E5}"/>
+              </a:ext>
+            </a:extLst>
+          </p:cNvPr>
+          <p:cNvPicPr>
+            <a:picLocks noGrp="1" noChangeAspect="1"/>
+          </p:cNvPicPr>
+          <p:nvPr>
+            <p:ph idx="1"/>
+          </p:nvPr>
+        </p:nvPicPr>
+        <p:blipFill>
+          <a:blip r:embed="rId2">
+            <a:extLst>
+              <a:ext uri="{28A0092B-C50C-407E-A947-70E740481C1C}">
+                <a14:useLocalDpi xmlns:a14="http://schemas.microsoft.com/office/drawing/2010/main" val="0"/>
+              </a:ext>
+            </a:extLst>
+          </a:blip>
           <a:stretch>
             <a:fillRect/>
           </a:stretch>
         </p:blipFill>
         <p:spPr>
           <a:xfrm>
-            <a:off x="114300" y="884038"/>
-            <a:ext cx="11934825" cy="5102139"/>
+            <a:off x="456461" y="1018096"/>
+            <a:ext cx="11279078" cy="4821807"/>
+          </a:xfrm>
+          <a:prstGeom prst="rect">
+            <a:avLst/>
+          </a:prstGeom>
+        </p:spPr>
+      </p:pic>
+      <p:sp>
+        <p:nvSpPr>
+          <p:cNvPr id="6" name="TextBox 5">
+            <a:extLst>
+              <a:ext uri="{FF2B5EF4-FFF2-40B4-BE49-F238E27FC236}">
+                <a16:creationId xmlns:a16="http://schemas.microsoft.com/office/drawing/2014/main" id="{D2A922F8-73CE-91BF-9705-6A6E5AF31843}"/>
+              </a:ext>
+            </a:extLst>
+          </p:cNvPr>
+          <p:cNvSpPr txBox="1"/>
+          <p:nvPr/>
+        </p:nvSpPr>
+        <p:spPr>
+          <a:xfrm>
+            <a:off x="3072384" y="1399032"/>
+            <a:ext cx="704088" cy="338554"/>
+          </a:xfrm>
+          <a:prstGeom prst="rect">
+            <a:avLst/>
+          </a:prstGeom>
+          <a:noFill/>
+        </p:spPr>
+        <p:txBody>
+          <a:bodyPr wrap="square" rtlCol="0">
+            <a:spAutoFit/>
+          </a:bodyPr>
+          <a:lstStyle/>
+          <a:p>
+            <a:r>
+              <a:rPr lang="en-US" sz="1600" dirty="0"/>
+              <a:t>**</a:t>
+            </a:r>
+            <a:endParaRPr lang="en-ZA" sz="1600" dirty="0"/>
+          </a:p>
+        </p:txBody>
+      </p:sp>
+      <p:sp>
+        <p:nvSpPr>
+          <p:cNvPr id="7" name="TextBox 6">
+            <a:extLst>
+              <a:ext uri="{FF2B5EF4-FFF2-40B4-BE49-F238E27FC236}">
+                <a16:creationId xmlns:a16="http://schemas.microsoft.com/office/drawing/2014/main" id="{A3BDAA6E-A6CE-0F23-B54C-454E4363419D}"/>
+              </a:ext>
+            </a:extLst>
+          </p:cNvPr>
+          <p:cNvSpPr txBox="1"/>
+          <p:nvPr/>
+        </p:nvSpPr>
+        <p:spPr>
+          <a:xfrm>
+            <a:off x="6416040" y="3179064"/>
+            <a:ext cx="704088" cy="307777"/>
+          </a:xfrm>
+          <a:prstGeom prst="rect">
+            <a:avLst/>
+          </a:prstGeom>
+          <a:noFill/>
+        </p:spPr>
+        <p:txBody>
+          <a:bodyPr wrap="square" rtlCol="0">
+            <a:spAutoFit/>
+          </a:bodyPr>
+          <a:lstStyle/>
+          <a:p>
+            <a:r>
+              <a:rPr lang="en-US" sz="1400" dirty="0"/>
+              <a:t>##</a:t>
+            </a:r>
+            <a:endParaRPr lang="en-ZA" sz="1400" dirty="0"/>
+          </a:p>
+        </p:txBody>
+      </p:sp>
+      <p:sp>
+        <p:nvSpPr>
+          <p:cNvPr id="8" name="TextBox 7">
+            <a:extLst>
+              <a:ext uri="{FF2B5EF4-FFF2-40B4-BE49-F238E27FC236}">
+                <a16:creationId xmlns:a16="http://schemas.microsoft.com/office/drawing/2014/main" id="{4FDDEA5A-F3B1-7023-0E9B-CE6F2D1A3224}"/>
+              </a:ext>
+            </a:extLst>
+          </p:cNvPr>
+          <p:cNvSpPr txBox="1"/>
+          <p:nvPr/>
+        </p:nvSpPr>
+        <p:spPr>
+          <a:xfrm>
+            <a:off x="9805416" y="3179064"/>
+            <a:ext cx="704088" cy="338554"/>
+          </a:xfrm>
+          <a:prstGeom prst="rect">
+            <a:avLst/>
+          </a:prstGeom>
+          <a:noFill/>
+        </p:spPr>
+        <p:txBody>
+          <a:bodyPr wrap="square" rtlCol="0">
+            <a:spAutoFit/>
+          </a:bodyPr>
+          <a:lstStyle/>
+          <a:p>
+            <a:r>
+              <a:rPr lang="en-US" sz="1600" dirty="0"/>
+              <a:t>**</a:t>
+            </a:r>
+            <a:endParaRPr lang="en-ZA" sz="1600" dirty="0"/>
+          </a:p>
+        </p:txBody>
+      </p:sp>
+    </p:spTree>
+    <p:extLst>
+      <p:ext uri="{BB962C8B-B14F-4D97-AF65-F5344CB8AC3E}">
+        <p14:creationId xmlns:p14="http://schemas.microsoft.com/office/powerpoint/2010/main" val="4018985773"/>
+      </p:ext>
+    </p:extLst>
+  </p:cSld>
+  <p:clrMapOvr>
+    <a:masterClrMapping/>
+  </p:clrMapOvr>
+</p:sld>
+</file>
+
+<file path=ppt/slides/slide13.xml><?xml version="1.0" encoding="utf-8"?>
+<p:sld xmlns:a="http://schemas.openxmlformats.org/drawingml/2006/main" xmlns:r="http://schemas.openxmlformats.org/officeDocument/2006/relationships" xmlns:p="http://schemas.openxmlformats.org/presentationml/2006/main">
+  <p:cSld>
+    <p:bg>
+      <p:bgPr>
+        <a:solidFill>
+          <a:schemeClr val="bg1"/>
+        </a:solidFill>
+        <a:effectLst/>
+      </p:bgPr>
+    </p:bg>
+    <p:spTree>
+      <p:nvGrpSpPr>
+        <p:cNvPr id="1" name=""/>
+        <p:cNvGrpSpPr/>
+        <p:nvPr/>
+      </p:nvGrpSpPr>
+      <p:grpSpPr>
+        <a:xfrm>
+          <a:off x="0" y="0"/>
+          <a:ext cx="0" cy="0"/>
+          <a:chOff x="0" y="0"/>
+          <a:chExt cx="0" cy="0"/>
+        </a:xfrm>
+      </p:grpSpPr>
+      <p:pic>
+        <p:nvPicPr>
+          <p:cNvPr id="5" name="Content Placeholder 4">
+            <a:extLst>
+              <a:ext uri="{FF2B5EF4-FFF2-40B4-BE49-F238E27FC236}">
+                <a16:creationId xmlns:a16="http://schemas.microsoft.com/office/drawing/2014/main" id="{165DBD18-CB4B-FE3E-3B47-55AD7EB778C9}"/>
+              </a:ext>
+            </a:extLst>
+          </p:cNvPr>
+          <p:cNvPicPr>
+            <a:picLocks noGrp="1" noChangeAspect="1"/>
+          </p:cNvPicPr>
+          <p:nvPr>
+            <p:ph idx="1"/>
+          </p:nvPr>
+        </p:nvPicPr>
+        <p:blipFill>
+          <a:blip r:embed="rId2">
+            <a:extLst>
+              <a:ext uri="{28A0092B-C50C-407E-A947-70E740481C1C}">
+                <a14:useLocalDpi xmlns:a14="http://schemas.microsoft.com/office/drawing/2010/main" val="0"/>
+              </a:ext>
+            </a:extLst>
+          </a:blip>
+          <a:srcRect/>
+          <a:stretch/>
+        </p:blipFill>
+        <p:spPr>
+          <a:xfrm>
+            <a:off x="211831" y="913517"/>
+            <a:ext cx="11768337" cy="5030965"/>
+          </a:xfrm>
+          <a:prstGeom prst="rect">
+            <a:avLst/>
+          </a:prstGeom>
+        </p:spPr>
+      </p:pic>
+      <p:sp>
+        <p:nvSpPr>
+          <p:cNvPr id="18" name="TextBox 17">
+            <a:extLst>
+              <a:ext uri="{FF2B5EF4-FFF2-40B4-BE49-F238E27FC236}">
+                <a16:creationId xmlns:a16="http://schemas.microsoft.com/office/drawing/2014/main" id="{EBF7007C-C088-47EE-2D40-FF27857AE94B}"/>
+              </a:ext>
+            </a:extLst>
+          </p:cNvPr>
+          <p:cNvSpPr txBox="1"/>
+          <p:nvPr/>
+        </p:nvSpPr>
+        <p:spPr>
+          <a:xfrm>
+            <a:off x="8302203" y="1818388"/>
+            <a:ext cx="409575" cy="307777"/>
+          </a:xfrm>
+          <a:prstGeom prst="rect">
+            <a:avLst/>
+          </a:prstGeom>
+          <a:noFill/>
+        </p:spPr>
+        <p:txBody>
+          <a:bodyPr wrap="square" rtlCol="0">
+            <a:spAutoFit/>
+          </a:bodyPr>
+          <a:lstStyle/>
+          <a:p>
+            <a:r>
+              <a:rPr lang="en-US" sz="1400" dirty="0">
+                <a:latin typeface="+mj-lt"/>
+              </a:rPr>
+              <a:t>a</a:t>
+            </a:r>
+            <a:endParaRPr lang="en-ZA" sz="1400" dirty="0">
+              <a:latin typeface="+mj-lt"/>
+            </a:endParaRPr>
+          </a:p>
+        </p:txBody>
+      </p:sp>
+      <p:sp>
+        <p:nvSpPr>
+          <p:cNvPr id="19" name="TextBox 18">
+            <a:extLst>
+              <a:ext uri="{FF2B5EF4-FFF2-40B4-BE49-F238E27FC236}">
+                <a16:creationId xmlns:a16="http://schemas.microsoft.com/office/drawing/2014/main" id="{0C246403-6076-0A44-F9F1-DEE466F60869}"/>
+              </a:ext>
+            </a:extLst>
+          </p:cNvPr>
+          <p:cNvSpPr txBox="1"/>
+          <p:nvPr/>
+        </p:nvSpPr>
+        <p:spPr>
+          <a:xfrm>
+            <a:off x="9847917" y="1784239"/>
+            <a:ext cx="409575" cy="307777"/>
+          </a:xfrm>
+          <a:prstGeom prst="rect">
+            <a:avLst/>
+          </a:prstGeom>
+          <a:noFill/>
+        </p:spPr>
+        <p:txBody>
+          <a:bodyPr wrap="square" rtlCol="0">
+            <a:spAutoFit/>
+          </a:bodyPr>
+          <a:lstStyle/>
+          <a:p>
+            <a:r>
+              <a:rPr lang="en-US" sz="1400" dirty="0">
+                <a:latin typeface="+mj-lt"/>
+              </a:rPr>
+              <a:t>a</a:t>
+            </a:r>
+            <a:endParaRPr lang="en-ZA" sz="1400" dirty="0">
+              <a:latin typeface="+mj-lt"/>
+            </a:endParaRPr>
+          </a:p>
+        </p:txBody>
+      </p:sp>
+      <p:sp>
+        <p:nvSpPr>
+          <p:cNvPr id="20" name="TextBox 19">
+            <a:extLst>
+              <a:ext uri="{FF2B5EF4-FFF2-40B4-BE49-F238E27FC236}">
+                <a16:creationId xmlns:a16="http://schemas.microsoft.com/office/drawing/2014/main" id="{70EAD2FE-7EED-1B9D-C2B4-798FCFD014D5}"/>
+              </a:ext>
+            </a:extLst>
+          </p:cNvPr>
+          <p:cNvSpPr txBox="1"/>
+          <p:nvPr/>
+        </p:nvSpPr>
+        <p:spPr>
+          <a:xfrm>
+            <a:off x="7834204" y="2050281"/>
+            <a:ext cx="409575" cy="307777"/>
+          </a:xfrm>
+          <a:prstGeom prst="rect">
+            <a:avLst/>
+          </a:prstGeom>
+          <a:noFill/>
+        </p:spPr>
+        <p:txBody>
+          <a:bodyPr wrap="square" rtlCol="0">
+            <a:spAutoFit/>
+          </a:bodyPr>
+          <a:lstStyle/>
+          <a:p>
+            <a:r>
+              <a:rPr lang="en-US" sz="1400" dirty="0">
+                <a:latin typeface="+mj-lt"/>
+              </a:rPr>
+              <a:t>b</a:t>
+            </a:r>
+            <a:endParaRPr lang="en-ZA" sz="1400" dirty="0">
+              <a:latin typeface="+mj-lt"/>
+            </a:endParaRPr>
+          </a:p>
+        </p:txBody>
+      </p:sp>
+      <p:sp>
+        <p:nvSpPr>
+          <p:cNvPr id="21" name="TextBox 20">
+            <a:extLst>
+              <a:ext uri="{FF2B5EF4-FFF2-40B4-BE49-F238E27FC236}">
+                <a16:creationId xmlns:a16="http://schemas.microsoft.com/office/drawing/2014/main" id="{233D44AC-C549-E71E-F932-B00EA62B3BD4}"/>
+              </a:ext>
+            </a:extLst>
+          </p:cNvPr>
+          <p:cNvSpPr txBox="1"/>
+          <p:nvPr/>
+        </p:nvSpPr>
+        <p:spPr>
+          <a:xfrm>
+            <a:off x="9373643" y="2680616"/>
+            <a:ext cx="409575" cy="307777"/>
+          </a:xfrm>
+          <a:prstGeom prst="rect">
+            <a:avLst/>
+          </a:prstGeom>
+          <a:noFill/>
+        </p:spPr>
+        <p:txBody>
+          <a:bodyPr wrap="square" rtlCol="0">
+            <a:spAutoFit/>
+          </a:bodyPr>
+          <a:lstStyle/>
+          <a:p>
+            <a:r>
+              <a:rPr lang="en-US" sz="1400" dirty="0">
+                <a:latin typeface="+mj-lt"/>
+              </a:rPr>
+              <a:t>b</a:t>
+            </a:r>
+            <a:endParaRPr lang="en-ZA" sz="1400" dirty="0">
+              <a:latin typeface="+mj-lt"/>
+            </a:endParaRPr>
+          </a:p>
+        </p:txBody>
+      </p:sp>
+      <p:sp>
+        <p:nvSpPr>
+          <p:cNvPr id="22" name="TextBox 21">
+            <a:extLst>
+              <a:ext uri="{FF2B5EF4-FFF2-40B4-BE49-F238E27FC236}">
+                <a16:creationId xmlns:a16="http://schemas.microsoft.com/office/drawing/2014/main" id="{8A8EF3AA-8C89-5D65-F716-429E3FC1D8CC}"/>
+              </a:ext>
+            </a:extLst>
+          </p:cNvPr>
+          <p:cNvSpPr txBox="1"/>
+          <p:nvPr/>
+        </p:nvSpPr>
+        <p:spPr>
+          <a:xfrm>
+            <a:off x="8718978" y="2558843"/>
+            <a:ext cx="409575" cy="307777"/>
+          </a:xfrm>
+          <a:prstGeom prst="rect">
+            <a:avLst/>
+          </a:prstGeom>
+          <a:noFill/>
+        </p:spPr>
+        <p:txBody>
+          <a:bodyPr wrap="square" rtlCol="0">
+            <a:spAutoFit/>
+          </a:bodyPr>
+          <a:lstStyle/>
+          <a:p>
+            <a:r>
+              <a:rPr lang="en-US" sz="1400" dirty="0">
+                <a:latin typeface="+mj-lt"/>
+              </a:rPr>
+              <a:t>ab</a:t>
+            </a:r>
+            <a:endParaRPr lang="en-ZA" sz="1400" dirty="0">
+              <a:latin typeface="+mj-lt"/>
+            </a:endParaRPr>
+          </a:p>
+        </p:txBody>
+      </p:sp>
+      <p:sp>
+        <p:nvSpPr>
+          <p:cNvPr id="23" name="TextBox 22">
+            <a:extLst>
+              <a:ext uri="{FF2B5EF4-FFF2-40B4-BE49-F238E27FC236}">
+                <a16:creationId xmlns:a16="http://schemas.microsoft.com/office/drawing/2014/main" id="{D4A13E6A-DF15-F891-0794-2AD3844A5F2C}"/>
+              </a:ext>
+            </a:extLst>
+          </p:cNvPr>
+          <p:cNvSpPr txBox="1"/>
+          <p:nvPr/>
+        </p:nvSpPr>
+        <p:spPr>
+          <a:xfrm>
+            <a:off x="10257492" y="1706824"/>
+            <a:ext cx="409575" cy="307777"/>
+          </a:xfrm>
+          <a:prstGeom prst="rect">
+            <a:avLst/>
+          </a:prstGeom>
+          <a:noFill/>
+        </p:spPr>
+        <p:txBody>
+          <a:bodyPr wrap="square" rtlCol="0">
+            <a:spAutoFit/>
+          </a:bodyPr>
+          <a:lstStyle/>
+          <a:p>
+            <a:r>
+              <a:rPr lang="en-US" sz="1400" dirty="0">
+                <a:latin typeface="+mj-lt"/>
+              </a:rPr>
+              <a:t>ab</a:t>
+            </a:r>
+            <a:endParaRPr lang="en-ZA" sz="1400" dirty="0">
+              <a:latin typeface="+mj-lt"/>
+            </a:endParaRPr>
+          </a:p>
+        </p:txBody>
+      </p:sp>
+    </p:spTree>
+    <p:extLst>
+      <p:ext uri="{BB962C8B-B14F-4D97-AF65-F5344CB8AC3E}">
+        <p14:creationId xmlns:p14="http://schemas.microsoft.com/office/powerpoint/2010/main" val="2371338825"/>
+      </p:ext>
+    </p:extLst>
+  </p:cSld>
+  <p:clrMapOvr>
+    <a:masterClrMapping/>
+  </p:clrMapOvr>
+</p:sld>
+</file>
+
+<file path=ppt/slides/slide14.xml><?xml version="1.0" encoding="utf-8"?>
+<p:sld xmlns:a="http://schemas.openxmlformats.org/drawingml/2006/main" xmlns:r="http://schemas.openxmlformats.org/officeDocument/2006/relationships" xmlns:p="http://schemas.openxmlformats.org/presentationml/2006/main">
+  <p:cSld>
+    <p:bg>
+      <p:bgPr>
+        <a:solidFill>
+          <a:schemeClr val="bg1"/>
+        </a:solidFill>
+        <a:effectLst/>
+      </p:bgPr>
+    </p:bg>
+    <p:spTree>
+      <p:nvGrpSpPr>
+        <p:cNvPr id="1" name=""/>
+        <p:cNvGrpSpPr/>
+        <p:nvPr/>
+      </p:nvGrpSpPr>
+      <p:grpSpPr>
+        <a:xfrm>
+          <a:off x="0" y="0"/>
+          <a:ext cx="0" cy="0"/>
+          <a:chOff x="0" y="0"/>
+          <a:chExt cx="0" cy="0"/>
+        </a:xfrm>
+      </p:grpSpPr>
+      <p:pic>
+        <p:nvPicPr>
+          <p:cNvPr id="5" name="Content Placeholder 4">
+            <a:extLst>
+              <a:ext uri="{FF2B5EF4-FFF2-40B4-BE49-F238E27FC236}">
+                <a16:creationId xmlns:a16="http://schemas.microsoft.com/office/drawing/2014/main" id="{165DBD18-CB4B-FE3E-3B47-55AD7EB778C9}"/>
+              </a:ext>
+            </a:extLst>
+          </p:cNvPr>
+          <p:cNvPicPr>
+            <a:picLocks noGrp="1" noChangeAspect="1"/>
+          </p:cNvPicPr>
+          <p:nvPr>
+            <p:ph idx="1"/>
+          </p:nvPr>
+        </p:nvPicPr>
+        <p:blipFill>
+          <a:blip r:embed="rId2">
+            <a:extLst>
+              <a:ext uri="{28A0092B-C50C-407E-A947-70E740481C1C}">
+                <a14:useLocalDpi xmlns:a14="http://schemas.microsoft.com/office/drawing/2010/main" val="0"/>
+              </a:ext>
+            </a:extLst>
+          </a:blip>
+          <a:srcRect/>
+          <a:stretch/>
+        </p:blipFill>
+        <p:spPr>
+          <a:xfrm>
+            <a:off x="211831" y="913517"/>
+            <a:ext cx="11768337" cy="5030965"/>
+          </a:xfrm>
+          <a:prstGeom prst="rect">
+            <a:avLst/>
+          </a:prstGeom>
+        </p:spPr>
+      </p:pic>
+      <p:sp>
+        <p:nvSpPr>
+          <p:cNvPr id="6" name="TextBox 5">
+            <a:extLst>
+              <a:ext uri="{FF2B5EF4-FFF2-40B4-BE49-F238E27FC236}">
+                <a16:creationId xmlns:a16="http://schemas.microsoft.com/office/drawing/2014/main" id="{35224A0B-2981-1954-EB6E-18ED04337ED2}"/>
+              </a:ext>
+            </a:extLst>
+          </p:cNvPr>
+          <p:cNvSpPr txBox="1"/>
+          <p:nvPr/>
+        </p:nvSpPr>
+        <p:spPr>
+          <a:xfrm>
+            <a:off x="5334000" y="2052320"/>
+            <a:ext cx="538480" cy="396240"/>
+          </a:xfrm>
+          <a:prstGeom prst="rect">
+            <a:avLst/>
+          </a:prstGeom>
+          <a:noFill/>
+        </p:spPr>
+        <p:txBody>
+          <a:bodyPr wrap="square" rtlCol="0">
+            <a:spAutoFit/>
+          </a:bodyPr>
+          <a:lstStyle/>
+          <a:p>
+            <a:endParaRPr lang="en-ZA" sz="1400" dirty="0"/>
+          </a:p>
+        </p:txBody>
+      </p:sp>
+      <p:sp>
+        <p:nvSpPr>
+          <p:cNvPr id="12" name="TextBox 11">
+            <a:extLst>
+              <a:ext uri="{FF2B5EF4-FFF2-40B4-BE49-F238E27FC236}">
+                <a16:creationId xmlns:a16="http://schemas.microsoft.com/office/drawing/2014/main" id="{0F9BAB54-2D95-7F7E-4AE8-95826429528D}"/>
+              </a:ext>
+            </a:extLst>
+          </p:cNvPr>
+          <p:cNvSpPr txBox="1"/>
+          <p:nvPr/>
+        </p:nvSpPr>
+        <p:spPr>
+          <a:xfrm>
+            <a:off x="5290247" y="1673131"/>
+            <a:ext cx="409575" cy="307777"/>
+          </a:xfrm>
+          <a:prstGeom prst="rect">
+            <a:avLst/>
+          </a:prstGeom>
+          <a:noFill/>
+        </p:spPr>
+        <p:txBody>
+          <a:bodyPr wrap="square" rtlCol="0">
+            <a:spAutoFit/>
+          </a:bodyPr>
+          <a:lstStyle/>
+          <a:p>
+            <a:r>
+              <a:rPr lang="en-US" sz="1400" dirty="0">
+                <a:latin typeface="+mj-lt"/>
+              </a:rPr>
+              <a:t>A</a:t>
+            </a:r>
+            <a:endParaRPr lang="en-ZA" sz="1400" dirty="0">
+              <a:latin typeface="+mj-lt"/>
+            </a:endParaRPr>
+          </a:p>
+        </p:txBody>
+      </p:sp>
+      <p:sp>
+        <p:nvSpPr>
+          <p:cNvPr id="13" name="TextBox 12">
+            <a:extLst>
+              <a:ext uri="{FF2B5EF4-FFF2-40B4-BE49-F238E27FC236}">
+                <a16:creationId xmlns:a16="http://schemas.microsoft.com/office/drawing/2014/main" id="{9435A749-2474-6A5C-F9C8-6389C85C6D3A}"/>
+              </a:ext>
+            </a:extLst>
+          </p:cNvPr>
+          <p:cNvSpPr txBox="1"/>
+          <p:nvPr/>
+        </p:nvSpPr>
+        <p:spPr>
+          <a:xfrm>
+            <a:off x="6836981" y="1304016"/>
+            <a:ext cx="409575" cy="307777"/>
+          </a:xfrm>
+          <a:prstGeom prst="rect">
+            <a:avLst/>
+          </a:prstGeom>
+          <a:noFill/>
+        </p:spPr>
+        <p:txBody>
+          <a:bodyPr wrap="square" rtlCol="0">
+            <a:spAutoFit/>
+          </a:bodyPr>
+          <a:lstStyle/>
+          <a:p>
+            <a:r>
+              <a:rPr lang="en-US" sz="1400" dirty="0">
+                <a:latin typeface="+mj-lt"/>
+              </a:rPr>
+              <a:t>A</a:t>
+            </a:r>
+            <a:endParaRPr lang="en-ZA" sz="1400" dirty="0">
+              <a:latin typeface="+mj-lt"/>
+            </a:endParaRPr>
+          </a:p>
+        </p:txBody>
+      </p:sp>
+      <p:sp>
+        <p:nvSpPr>
+          <p:cNvPr id="14" name="TextBox 13">
+            <a:extLst>
+              <a:ext uri="{FF2B5EF4-FFF2-40B4-BE49-F238E27FC236}">
+                <a16:creationId xmlns:a16="http://schemas.microsoft.com/office/drawing/2014/main" id="{4F0ECDFA-42B4-8CA2-169D-E969A83E730A}"/>
+              </a:ext>
+            </a:extLst>
+          </p:cNvPr>
+          <p:cNvSpPr txBox="1"/>
+          <p:nvPr/>
+        </p:nvSpPr>
+        <p:spPr>
+          <a:xfrm>
+            <a:off x="6321899" y="3083783"/>
+            <a:ext cx="409575" cy="307777"/>
+          </a:xfrm>
+          <a:prstGeom prst="rect">
+            <a:avLst/>
+          </a:prstGeom>
+          <a:noFill/>
+        </p:spPr>
+        <p:txBody>
+          <a:bodyPr wrap="square" rtlCol="0">
+            <a:spAutoFit/>
+          </a:bodyPr>
+          <a:lstStyle/>
+          <a:p>
+            <a:r>
+              <a:rPr lang="en-US" sz="1400" dirty="0">
+                <a:latin typeface="+mj-lt"/>
+              </a:rPr>
+              <a:t>AB</a:t>
+            </a:r>
+            <a:endParaRPr lang="en-ZA" sz="1400" dirty="0">
+              <a:latin typeface="+mj-lt"/>
+            </a:endParaRPr>
+          </a:p>
+        </p:txBody>
+      </p:sp>
+      <p:sp>
+        <p:nvSpPr>
+          <p:cNvPr id="15" name="TextBox 14">
+            <a:extLst>
+              <a:ext uri="{FF2B5EF4-FFF2-40B4-BE49-F238E27FC236}">
+                <a16:creationId xmlns:a16="http://schemas.microsoft.com/office/drawing/2014/main" id="{B625F25B-ABA7-948E-3118-2A7DB75EC20D}"/>
+              </a:ext>
+            </a:extLst>
+          </p:cNvPr>
+          <p:cNvSpPr txBox="1"/>
+          <p:nvPr/>
+        </p:nvSpPr>
+        <p:spPr>
+          <a:xfrm>
+            <a:off x="4785719" y="1737254"/>
+            <a:ext cx="409575" cy="307777"/>
+          </a:xfrm>
+          <a:prstGeom prst="rect">
+            <a:avLst/>
+          </a:prstGeom>
+          <a:noFill/>
+        </p:spPr>
+        <p:txBody>
+          <a:bodyPr wrap="square" rtlCol="0">
+            <a:spAutoFit/>
+          </a:bodyPr>
+          <a:lstStyle/>
+          <a:p>
+            <a:r>
+              <a:rPr lang="en-US" sz="1400" dirty="0">
+                <a:latin typeface="+mj-lt"/>
+              </a:rPr>
+              <a:t>AB</a:t>
+            </a:r>
+            <a:endParaRPr lang="en-ZA" sz="1400" dirty="0">
+              <a:latin typeface="+mj-lt"/>
+            </a:endParaRPr>
+          </a:p>
+        </p:txBody>
+      </p:sp>
+      <p:sp>
+        <p:nvSpPr>
+          <p:cNvPr id="16" name="TextBox 15">
+            <a:extLst>
+              <a:ext uri="{FF2B5EF4-FFF2-40B4-BE49-F238E27FC236}">
+                <a16:creationId xmlns:a16="http://schemas.microsoft.com/office/drawing/2014/main" id="{B8C59261-BBCF-6BD5-ECAD-EEA4328B1A8A}"/>
+              </a:ext>
+            </a:extLst>
+          </p:cNvPr>
+          <p:cNvSpPr txBox="1"/>
+          <p:nvPr/>
+        </p:nvSpPr>
+        <p:spPr>
+          <a:xfrm>
+            <a:off x="4388246" y="3321566"/>
+            <a:ext cx="409575" cy="307777"/>
+          </a:xfrm>
+          <a:prstGeom prst="rect">
+            <a:avLst/>
+          </a:prstGeom>
+          <a:noFill/>
+        </p:spPr>
+        <p:txBody>
+          <a:bodyPr wrap="square" rtlCol="0">
+            <a:spAutoFit/>
+          </a:bodyPr>
+          <a:lstStyle/>
+          <a:p>
+            <a:r>
+              <a:rPr lang="en-US" sz="1400" dirty="0">
+                <a:latin typeface="+mj-lt"/>
+              </a:rPr>
+              <a:t>B</a:t>
+            </a:r>
+            <a:endParaRPr lang="en-ZA" sz="1400" dirty="0">
+              <a:latin typeface="+mj-lt"/>
+            </a:endParaRPr>
+          </a:p>
+        </p:txBody>
+      </p:sp>
+      <p:sp>
+        <p:nvSpPr>
+          <p:cNvPr id="17" name="TextBox 16">
+            <a:extLst>
+              <a:ext uri="{FF2B5EF4-FFF2-40B4-BE49-F238E27FC236}">
+                <a16:creationId xmlns:a16="http://schemas.microsoft.com/office/drawing/2014/main" id="{3883C560-A266-37ED-4131-02398F90551D}"/>
+              </a:ext>
+            </a:extLst>
+          </p:cNvPr>
+          <p:cNvSpPr txBox="1"/>
+          <p:nvPr/>
+        </p:nvSpPr>
+        <p:spPr>
+          <a:xfrm>
+            <a:off x="5914895" y="3724237"/>
+            <a:ext cx="409575" cy="307777"/>
+          </a:xfrm>
+          <a:prstGeom prst="rect">
+            <a:avLst/>
+          </a:prstGeom>
+          <a:noFill/>
+        </p:spPr>
+        <p:txBody>
+          <a:bodyPr wrap="square" rtlCol="0">
+            <a:spAutoFit/>
+          </a:bodyPr>
+          <a:lstStyle/>
+          <a:p>
+            <a:r>
+              <a:rPr lang="en-US" sz="1400" dirty="0">
+                <a:latin typeface="+mj-lt"/>
+              </a:rPr>
+              <a:t>B</a:t>
+            </a:r>
+            <a:endParaRPr lang="en-ZA" sz="1400" dirty="0">
+              <a:latin typeface="+mj-lt"/>
+            </a:endParaRPr>
+          </a:p>
+        </p:txBody>
+      </p:sp>
+      <p:sp>
+        <p:nvSpPr>
+          <p:cNvPr id="18" name="TextBox 17">
+            <a:extLst>
+              <a:ext uri="{FF2B5EF4-FFF2-40B4-BE49-F238E27FC236}">
+                <a16:creationId xmlns:a16="http://schemas.microsoft.com/office/drawing/2014/main" id="{EBF7007C-C088-47EE-2D40-FF27857AE94B}"/>
+              </a:ext>
+            </a:extLst>
+          </p:cNvPr>
+          <p:cNvSpPr txBox="1"/>
+          <p:nvPr/>
+        </p:nvSpPr>
+        <p:spPr>
+          <a:xfrm>
+            <a:off x="7834205" y="3843493"/>
+            <a:ext cx="409575" cy="307777"/>
+          </a:xfrm>
+          <a:prstGeom prst="rect">
+            <a:avLst/>
+          </a:prstGeom>
+          <a:noFill/>
+        </p:spPr>
+        <p:txBody>
+          <a:bodyPr wrap="square" rtlCol="0">
+            <a:spAutoFit/>
+          </a:bodyPr>
+          <a:lstStyle/>
+          <a:p>
+            <a:r>
+              <a:rPr lang="en-US" sz="1400" dirty="0">
+                <a:latin typeface="+mj-lt"/>
+              </a:rPr>
+              <a:t>A</a:t>
+            </a:r>
+            <a:endParaRPr lang="en-ZA" sz="1400" dirty="0">
+              <a:latin typeface="+mj-lt"/>
+            </a:endParaRPr>
+          </a:p>
+        </p:txBody>
+      </p:sp>
+      <p:sp>
+        <p:nvSpPr>
+          <p:cNvPr id="19" name="TextBox 18">
+            <a:extLst>
+              <a:ext uri="{FF2B5EF4-FFF2-40B4-BE49-F238E27FC236}">
+                <a16:creationId xmlns:a16="http://schemas.microsoft.com/office/drawing/2014/main" id="{0C246403-6076-0A44-F9F1-DEE466F60869}"/>
+              </a:ext>
+            </a:extLst>
+          </p:cNvPr>
+          <p:cNvSpPr txBox="1"/>
+          <p:nvPr/>
+        </p:nvSpPr>
+        <p:spPr>
+          <a:xfrm>
+            <a:off x="9373644" y="3673320"/>
+            <a:ext cx="409575" cy="307777"/>
+          </a:xfrm>
+          <a:prstGeom prst="rect">
+            <a:avLst/>
+          </a:prstGeom>
+          <a:noFill/>
+        </p:spPr>
+        <p:txBody>
+          <a:bodyPr wrap="square" rtlCol="0">
+            <a:spAutoFit/>
+          </a:bodyPr>
+          <a:lstStyle/>
+          <a:p>
+            <a:r>
+              <a:rPr lang="en-US" sz="1400" dirty="0">
+                <a:latin typeface="+mj-lt"/>
+              </a:rPr>
+              <a:t>A</a:t>
+            </a:r>
+            <a:endParaRPr lang="en-ZA" sz="1400" dirty="0">
+              <a:latin typeface="+mj-lt"/>
+            </a:endParaRPr>
+          </a:p>
+        </p:txBody>
+      </p:sp>
+      <p:sp>
+        <p:nvSpPr>
+          <p:cNvPr id="20" name="TextBox 19">
+            <a:extLst>
+              <a:ext uri="{FF2B5EF4-FFF2-40B4-BE49-F238E27FC236}">
+                <a16:creationId xmlns:a16="http://schemas.microsoft.com/office/drawing/2014/main" id="{70EAD2FE-7EED-1B9D-C2B4-798FCFD014D5}"/>
+              </a:ext>
+            </a:extLst>
+          </p:cNvPr>
+          <p:cNvSpPr txBox="1"/>
+          <p:nvPr/>
+        </p:nvSpPr>
+        <p:spPr>
+          <a:xfrm>
+            <a:off x="8295872" y="3013789"/>
+            <a:ext cx="409575" cy="307777"/>
+          </a:xfrm>
+          <a:prstGeom prst="rect">
+            <a:avLst/>
+          </a:prstGeom>
+          <a:noFill/>
+        </p:spPr>
+        <p:txBody>
+          <a:bodyPr wrap="square" rtlCol="0">
+            <a:spAutoFit/>
+          </a:bodyPr>
+          <a:lstStyle/>
+          <a:p>
+            <a:r>
+              <a:rPr lang="en-US" sz="1400" dirty="0">
+                <a:latin typeface="+mj-lt"/>
+              </a:rPr>
+              <a:t>B</a:t>
+            </a:r>
+            <a:endParaRPr lang="en-ZA" sz="1400" dirty="0">
+              <a:latin typeface="+mj-lt"/>
+            </a:endParaRPr>
+          </a:p>
+        </p:txBody>
+      </p:sp>
+      <p:sp>
+        <p:nvSpPr>
+          <p:cNvPr id="21" name="TextBox 20">
+            <a:extLst>
+              <a:ext uri="{FF2B5EF4-FFF2-40B4-BE49-F238E27FC236}">
+                <a16:creationId xmlns:a16="http://schemas.microsoft.com/office/drawing/2014/main" id="{233D44AC-C549-E71E-F932-B00EA62B3BD4}"/>
+              </a:ext>
+            </a:extLst>
+          </p:cNvPr>
+          <p:cNvSpPr txBox="1"/>
+          <p:nvPr/>
+        </p:nvSpPr>
+        <p:spPr>
+          <a:xfrm>
+            <a:off x="9835584" y="2802030"/>
+            <a:ext cx="409575" cy="307777"/>
+          </a:xfrm>
+          <a:prstGeom prst="rect">
+            <a:avLst/>
+          </a:prstGeom>
+          <a:noFill/>
+        </p:spPr>
+        <p:txBody>
+          <a:bodyPr wrap="square" rtlCol="0">
+            <a:spAutoFit/>
+          </a:bodyPr>
+          <a:lstStyle/>
+          <a:p>
+            <a:r>
+              <a:rPr lang="en-US" sz="1400" dirty="0">
+                <a:latin typeface="+mj-lt"/>
+              </a:rPr>
+              <a:t>B</a:t>
+            </a:r>
+            <a:endParaRPr lang="en-ZA" sz="1400" dirty="0">
+              <a:latin typeface="+mj-lt"/>
+            </a:endParaRPr>
+          </a:p>
+        </p:txBody>
+      </p:sp>
+      <p:sp>
+        <p:nvSpPr>
+          <p:cNvPr id="22" name="TextBox 21">
+            <a:extLst>
+              <a:ext uri="{FF2B5EF4-FFF2-40B4-BE49-F238E27FC236}">
+                <a16:creationId xmlns:a16="http://schemas.microsoft.com/office/drawing/2014/main" id="{8A8EF3AA-8C89-5D65-F716-429E3FC1D8CC}"/>
+              </a:ext>
+            </a:extLst>
+          </p:cNvPr>
+          <p:cNvSpPr txBox="1"/>
+          <p:nvPr/>
+        </p:nvSpPr>
+        <p:spPr>
+          <a:xfrm>
+            <a:off x="8770203" y="2212093"/>
+            <a:ext cx="409575" cy="307777"/>
+          </a:xfrm>
+          <a:prstGeom prst="rect">
+            <a:avLst/>
+          </a:prstGeom>
+          <a:noFill/>
+        </p:spPr>
+        <p:txBody>
+          <a:bodyPr wrap="square" rtlCol="0">
+            <a:spAutoFit/>
+          </a:bodyPr>
+          <a:lstStyle/>
+          <a:p>
+            <a:r>
+              <a:rPr lang="en-US" sz="1400" dirty="0">
+                <a:latin typeface="+mj-lt"/>
+              </a:rPr>
+              <a:t>B</a:t>
+            </a:r>
+            <a:endParaRPr lang="en-ZA" sz="1400" dirty="0">
+              <a:latin typeface="+mj-lt"/>
+            </a:endParaRPr>
+          </a:p>
+        </p:txBody>
+      </p:sp>
+      <p:sp>
+        <p:nvSpPr>
+          <p:cNvPr id="23" name="TextBox 22">
+            <a:extLst>
+              <a:ext uri="{FF2B5EF4-FFF2-40B4-BE49-F238E27FC236}">
+                <a16:creationId xmlns:a16="http://schemas.microsoft.com/office/drawing/2014/main" id="{D4A13E6A-DF15-F891-0794-2AD3844A5F2C}"/>
+              </a:ext>
+            </a:extLst>
+          </p:cNvPr>
+          <p:cNvSpPr txBox="1"/>
+          <p:nvPr/>
+        </p:nvSpPr>
+        <p:spPr>
+          <a:xfrm>
+            <a:off x="10307778" y="2404955"/>
+            <a:ext cx="409575" cy="307777"/>
+          </a:xfrm>
+          <a:prstGeom prst="rect">
+            <a:avLst/>
+          </a:prstGeom>
+          <a:noFill/>
+        </p:spPr>
+        <p:txBody>
+          <a:bodyPr wrap="square" rtlCol="0">
+            <a:spAutoFit/>
+          </a:bodyPr>
+          <a:lstStyle/>
+          <a:p>
+            <a:r>
+              <a:rPr lang="en-US" sz="1400" dirty="0">
+                <a:latin typeface="+mj-lt"/>
+              </a:rPr>
+              <a:t>B</a:t>
+            </a:r>
+            <a:endParaRPr lang="en-ZA" sz="1400" dirty="0">
+              <a:latin typeface="+mj-lt"/>
+            </a:endParaRPr>
+          </a:p>
+        </p:txBody>
+      </p:sp>
+    </p:spTree>
+    <p:extLst>
+      <p:ext uri="{BB962C8B-B14F-4D97-AF65-F5344CB8AC3E}">
+        <p14:creationId xmlns:p14="http://schemas.microsoft.com/office/powerpoint/2010/main" val="2622870108"/>
+      </p:ext>
+    </p:extLst>
+  </p:cSld>
+  <p:clrMapOvr>
+    <a:masterClrMapping/>
+  </p:clrMapOvr>
+</p:sld>
+</file>
+
+<file path=ppt/slides/slide15.xml><?xml version="1.0" encoding="utf-8"?>
+<p:sld xmlns:a="http://schemas.openxmlformats.org/drawingml/2006/main" xmlns:r="http://schemas.openxmlformats.org/officeDocument/2006/relationships" xmlns:p="http://schemas.openxmlformats.org/presentationml/2006/main">
+  <p:cSld>
+    <p:bg>
+      <p:bgPr>
+        <a:solidFill>
+          <a:schemeClr val="bg1"/>
+        </a:solidFill>
+        <a:effectLst/>
+      </p:bgPr>
+    </p:bg>
+    <p:spTree>
+      <p:nvGrpSpPr>
+        <p:cNvPr id="1" name=""/>
+        <p:cNvGrpSpPr/>
+        <p:nvPr/>
+      </p:nvGrpSpPr>
+      <p:grpSpPr>
+        <a:xfrm>
+          <a:off x="0" y="0"/>
+          <a:ext cx="0" cy="0"/>
+          <a:chOff x="0" y="0"/>
+          <a:chExt cx="0" cy="0"/>
+        </a:xfrm>
+      </p:grpSpPr>
+      <p:pic>
+        <p:nvPicPr>
+          <p:cNvPr id="5" name="Content Placeholder 4" descr="A diagram of different colored squares&#10;&#10;Description automatically generated">
+            <a:extLst>
+              <a:ext uri="{FF2B5EF4-FFF2-40B4-BE49-F238E27FC236}">
+                <a16:creationId xmlns:a16="http://schemas.microsoft.com/office/drawing/2014/main" id="{165DBD18-CB4B-FE3E-3B47-55AD7EB778C9}"/>
+              </a:ext>
+            </a:extLst>
+          </p:cNvPr>
+          <p:cNvPicPr>
+            <a:picLocks noGrp="1" noChangeAspect="1"/>
+          </p:cNvPicPr>
+          <p:nvPr>
+            <p:ph idx="1"/>
+          </p:nvPr>
+        </p:nvPicPr>
+        <p:blipFill>
+          <a:blip r:embed="rId2">
+            <a:extLst>
+              <a:ext uri="{28A0092B-C50C-407E-A947-70E740481C1C}">
+                <a14:useLocalDpi xmlns:a14="http://schemas.microsoft.com/office/drawing/2010/main" val="0"/>
+              </a:ext>
+            </a:extLst>
+          </a:blip>
+          <a:stretch>
+            <a:fillRect/>
+          </a:stretch>
+        </p:blipFill>
+        <p:spPr>
+          <a:xfrm>
+            <a:off x="211831" y="913517"/>
+            <a:ext cx="11768337" cy="5030965"/>
+          </a:xfrm>
+          <a:prstGeom prst="rect">
+            <a:avLst/>
+          </a:prstGeom>
+        </p:spPr>
+      </p:pic>
+      <p:sp>
+        <p:nvSpPr>
+          <p:cNvPr id="6" name="TextBox 5">
+            <a:extLst>
+              <a:ext uri="{FF2B5EF4-FFF2-40B4-BE49-F238E27FC236}">
+                <a16:creationId xmlns:a16="http://schemas.microsoft.com/office/drawing/2014/main" id="{35224A0B-2981-1954-EB6E-18ED04337ED2}"/>
+              </a:ext>
+            </a:extLst>
+          </p:cNvPr>
+          <p:cNvSpPr txBox="1"/>
+          <p:nvPr/>
+        </p:nvSpPr>
+        <p:spPr>
+          <a:xfrm>
+            <a:off x="5334000" y="2052320"/>
+            <a:ext cx="538480" cy="396240"/>
+          </a:xfrm>
+          <a:prstGeom prst="rect">
+            <a:avLst/>
+          </a:prstGeom>
+          <a:noFill/>
+        </p:spPr>
+        <p:txBody>
+          <a:bodyPr wrap="square" rtlCol="0">
+            <a:spAutoFit/>
+          </a:bodyPr>
+          <a:lstStyle/>
+          <a:p>
+            <a:endParaRPr lang="en-ZA" sz="1400" dirty="0"/>
+          </a:p>
+        </p:txBody>
+      </p:sp>
+      <p:sp>
+        <p:nvSpPr>
+          <p:cNvPr id="2" name="TextBox 1">
+            <a:extLst>
+              <a:ext uri="{FF2B5EF4-FFF2-40B4-BE49-F238E27FC236}">
+                <a16:creationId xmlns:a16="http://schemas.microsoft.com/office/drawing/2014/main" id="{D2716B95-3B21-CD1A-C011-89DB7AC6C440}"/>
+              </a:ext>
+            </a:extLst>
+          </p:cNvPr>
+          <p:cNvSpPr txBox="1"/>
+          <p:nvPr/>
+        </p:nvSpPr>
+        <p:spPr>
+          <a:xfrm>
+            <a:off x="895454" y="1308293"/>
+            <a:ext cx="409575" cy="307777"/>
+          </a:xfrm>
+          <a:prstGeom prst="rect">
+            <a:avLst/>
+          </a:prstGeom>
+          <a:noFill/>
+        </p:spPr>
+        <p:txBody>
+          <a:bodyPr wrap="square" rtlCol="0">
+            <a:spAutoFit/>
+          </a:bodyPr>
+          <a:lstStyle/>
+          <a:p>
+            <a:r>
+              <a:rPr lang="en-US" sz="1400" dirty="0">
+                <a:latin typeface="+mj-lt"/>
+              </a:rPr>
+              <a:t>B</a:t>
+            </a:r>
+            <a:endParaRPr lang="en-ZA" sz="1400" dirty="0">
+              <a:latin typeface="+mj-lt"/>
+            </a:endParaRPr>
+          </a:p>
+        </p:txBody>
+      </p:sp>
+      <p:sp>
+        <p:nvSpPr>
+          <p:cNvPr id="3" name="TextBox 2">
+            <a:extLst>
+              <a:ext uri="{FF2B5EF4-FFF2-40B4-BE49-F238E27FC236}">
+                <a16:creationId xmlns:a16="http://schemas.microsoft.com/office/drawing/2014/main" id="{ED6478BC-E965-5B8F-A4A8-D2733C73498F}"/>
+              </a:ext>
+            </a:extLst>
+          </p:cNvPr>
+          <p:cNvSpPr txBox="1"/>
+          <p:nvPr/>
+        </p:nvSpPr>
+        <p:spPr>
+          <a:xfrm>
+            <a:off x="1229724" y="1657719"/>
+            <a:ext cx="409575" cy="307777"/>
+          </a:xfrm>
+          <a:prstGeom prst="rect">
+            <a:avLst/>
+          </a:prstGeom>
+          <a:noFill/>
+        </p:spPr>
+        <p:txBody>
+          <a:bodyPr wrap="square" rtlCol="0">
+            <a:spAutoFit/>
+          </a:bodyPr>
+          <a:lstStyle/>
+          <a:p>
+            <a:r>
+              <a:rPr lang="en-US" sz="1400" dirty="0">
+                <a:latin typeface="+mj-lt"/>
+              </a:rPr>
+              <a:t>A</a:t>
+            </a:r>
+            <a:endParaRPr lang="en-ZA" sz="1400" dirty="0">
+              <a:latin typeface="+mj-lt"/>
+            </a:endParaRPr>
+          </a:p>
+        </p:txBody>
+      </p:sp>
+      <p:sp>
+        <p:nvSpPr>
+          <p:cNvPr id="4" name="TextBox 3">
+            <a:extLst>
+              <a:ext uri="{FF2B5EF4-FFF2-40B4-BE49-F238E27FC236}">
+                <a16:creationId xmlns:a16="http://schemas.microsoft.com/office/drawing/2014/main" id="{138C87BB-F9BD-6811-E384-244221122FBE}"/>
+              </a:ext>
+            </a:extLst>
+          </p:cNvPr>
+          <p:cNvSpPr txBox="1"/>
+          <p:nvPr/>
+        </p:nvSpPr>
+        <p:spPr>
+          <a:xfrm>
+            <a:off x="1523506" y="1616070"/>
+            <a:ext cx="409575" cy="307777"/>
+          </a:xfrm>
+          <a:prstGeom prst="rect">
+            <a:avLst/>
+          </a:prstGeom>
+          <a:noFill/>
+        </p:spPr>
+        <p:txBody>
+          <a:bodyPr wrap="square" rtlCol="0">
+            <a:spAutoFit/>
+          </a:bodyPr>
+          <a:lstStyle/>
+          <a:p>
+            <a:r>
+              <a:rPr lang="en-US" sz="1400" dirty="0">
+                <a:latin typeface="+mj-lt"/>
+              </a:rPr>
+              <a:t>AB</a:t>
+            </a:r>
+            <a:endParaRPr lang="en-ZA" sz="1400" dirty="0">
+              <a:latin typeface="+mj-lt"/>
+            </a:endParaRPr>
+          </a:p>
+        </p:txBody>
+      </p:sp>
+      <p:sp>
+        <p:nvSpPr>
+          <p:cNvPr id="7" name="TextBox 6">
+            <a:extLst>
+              <a:ext uri="{FF2B5EF4-FFF2-40B4-BE49-F238E27FC236}">
+                <a16:creationId xmlns:a16="http://schemas.microsoft.com/office/drawing/2014/main" id="{3610FEBE-8450-7FC0-B3D7-7B48A005F6B0}"/>
+              </a:ext>
+            </a:extLst>
+          </p:cNvPr>
+          <p:cNvSpPr txBox="1"/>
+          <p:nvPr/>
+        </p:nvSpPr>
+        <p:spPr>
+          <a:xfrm>
+            <a:off x="1933081" y="1923847"/>
+            <a:ext cx="409575" cy="307777"/>
+          </a:xfrm>
+          <a:prstGeom prst="rect">
+            <a:avLst/>
+          </a:prstGeom>
+          <a:noFill/>
+        </p:spPr>
+        <p:txBody>
+          <a:bodyPr wrap="square" rtlCol="0">
+            <a:spAutoFit/>
+          </a:bodyPr>
+          <a:lstStyle/>
+          <a:p>
+            <a:r>
+              <a:rPr lang="en-US" sz="1400" dirty="0">
+                <a:latin typeface="+mj-lt"/>
+              </a:rPr>
+              <a:t>A</a:t>
+            </a:r>
+            <a:endParaRPr lang="en-ZA" sz="1400" dirty="0">
+              <a:latin typeface="+mj-lt"/>
+            </a:endParaRPr>
+          </a:p>
+        </p:txBody>
+      </p:sp>
+      <p:sp>
+        <p:nvSpPr>
+          <p:cNvPr id="8" name="TextBox 7">
+            <a:extLst>
+              <a:ext uri="{FF2B5EF4-FFF2-40B4-BE49-F238E27FC236}">
+                <a16:creationId xmlns:a16="http://schemas.microsoft.com/office/drawing/2014/main" id="{0484F71D-7127-F50A-8465-A2A7D5D4E761}"/>
+              </a:ext>
+            </a:extLst>
+          </p:cNvPr>
+          <p:cNvSpPr txBox="1"/>
+          <p:nvPr/>
+        </p:nvSpPr>
+        <p:spPr>
+          <a:xfrm>
+            <a:off x="2420909" y="1462181"/>
+            <a:ext cx="409575" cy="307777"/>
+          </a:xfrm>
+          <a:prstGeom prst="rect">
+            <a:avLst/>
+          </a:prstGeom>
+          <a:noFill/>
+        </p:spPr>
+        <p:txBody>
+          <a:bodyPr wrap="square" rtlCol="0">
+            <a:spAutoFit/>
+          </a:bodyPr>
+          <a:lstStyle/>
+          <a:p>
+            <a:r>
+              <a:rPr lang="en-US" sz="1400" dirty="0">
+                <a:latin typeface="+mj-lt"/>
+              </a:rPr>
+              <a:t>B</a:t>
+            </a:r>
+            <a:endParaRPr lang="en-ZA" sz="1400" dirty="0">
+              <a:latin typeface="+mj-lt"/>
+            </a:endParaRPr>
+          </a:p>
+        </p:txBody>
+      </p:sp>
+      <p:sp>
+        <p:nvSpPr>
+          <p:cNvPr id="9" name="TextBox 8">
+            <a:extLst>
+              <a:ext uri="{FF2B5EF4-FFF2-40B4-BE49-F238E27FC236}">
+                <a16:creationId xmlns:a16="http://schemas.microsoft.com/office/drawing/2014/main" id="{15B2F1FA-D83B-DC51-ACF1-C41C31BD8B29}"/>
+              </a:ext>
+            </a:extLst>
+          </p:cNvPr>
+          <p:cNvSpPr txBox="1"/>
+          <p:nvPr/>
+        </p:nvSpPr>
+        <p:spPr>
+          <a:xfrm>
+            <a:off x="2755179" y="1616069"/>
+            <a:ext cx="409575" cy="307777"/>
+          </a:xfrm>
+          <a:prstGeom prst="rect">
+            <a:avLst/>
+          </a:prstGeom>
+          <a:noFill/>
+        </p:spPr>
+        <p:txBody>
+          <a:bodyPr wrap="square" rtlCol="0">
+            <a:spAutoFit/>
+          </a:bodyPr>
+          <a:lstStyle/>
+          <a:p>
+            <a:r>
+              <a:rPr lang="en-US" sz="1400" dirty="0">
+                <a:latin typeface="+mj-lt"/>
+              </a:rPr>
+              <a:t>A</a:t>
+            </a:r>
+            <a:endParaRPr lang="en-ZA" sz="1400" dirty="0">
+              <a:latin typeface="+mj-lt"/>
+            </a:endParaRPr>
+          </a:p>
+        </p:txBody>
+      </p:sp>
+      <p:sp>
+        <p:nvSpPr>
+          <p:cNvPr id="10" name="TextBox 9">
+            <a:extLst>
+              <a:ext uri="{FF2B5EF4-FFF2-40B4-BE49-F238E27FC236}">
+                <a16:creationId xmlns:a16="http://schemas.microsoft.com/office/drawing/2014/main" id="{984093D2-23C6-7870-F351-6715411D5232}"/>
+              </a:ext>
+            </a:extLst>
+          </p:cNvPr>
+          <p:cNvSpPr txBox="1"/>
+          <p:nvPr/>
+        </p:nvSpPr>
+        <p:spPr>
+          <a:xfrm>
+            <a:off x="3089449" y="1447318"/>
+            <a:ext cx="409575" cy="307777"/>
+          </a:xfrm>
+          <a:prstGeom prst="rect">
+            <a:avLst/>
+          </a:prstGeom>
+          <a:noFill/>
+        </p:spPr>
+        <p:txBody>
+          <a:bodyPr wrap="square" rtlCol="0">
+            <a:spAutoFit/>
+          </a:bodyPr>
+          <a:lstStyle/>
+          <a:p>
+            <a:r>
+              <a:rPr lang="en-US" sz="1400" dirty="0">
+                <a:latin typeface="+mj-lt"/>
+              </a:rPr>
+              <a:t>AB</a:t>
+            </a:r>
+            <a:endParaRPr lang="en-ZA" sz="1400" dirty="0">
+              <a:latin typeface="+mj-lt"/>
+            </a:endParaRPr>
+          </a:p>
+        </p:txBody>
+      </p:sp>
+      <p:sp>
+        <p:nvSpPr>
+          <p:cNvPr id="11" name="TextBox 10">
+            <a:extLst>
+              <a:ext uri="{FF2B5EF4-FFF2-40B4-BE49-F238E27FC236}">
+                <a16:creationId xmlns:a16="http://schemas.microsoft.com/office/drawing/2014/main" id="{A205486A-AD74-5C3E-E1FE-0D28D292408D}"/>
+              </a:ext>
+            </a:extLst>
+          </p:cNvPr>
+          <p:cNvSpPr txBox="1"/>
+          <p:nvPr/>
+        </p:nvSpPr>
+        <p:spPr>
+          <a:xfrm>
+            <a:off x="3478167" y="1578961"/>
+            <a:ext cx="409575" cy="307777"/>
+          </a:xfrm>
+          <a:prstGeom prst="rect">
+            <a:avLst/>
+          </a:prstGeom>
+          <a:noFill/>
+        </p:spPr>
+        <p:txBody>
+          <a:bodyPr wrap="square" rtlCol="0">
+            <a:spAutoFit/>
+          </a:bodyPr>
+          <a:lstStyle/>
+          <a:p>
+            <a:r>
+              <a:rPr lang="en-US" sz="1400" dirty="0">
+                <a:latin typeface="+mj-lt"/>
+              </a:rPr>
+              <a:t>A</a:t>
+            </a:r>
+            <a:endParaRPr lang="en-ZA" sz="1400" dirty="0">
+              <a:latin typeface="+mj-lt"/>
+            </a:endParaRPr>
+          </a:p>
+        </p:txBody>
+      </p:sp>
+      <p:sp>
+        <p:nvSpPr>
+          <p:cNvPr id="12" name="TextBox 11">
+            <a:extLst>
+              <a:ext uri="{FF2B5EF4-FFF2-40B4-BE49-F238E27FC236}">
+                <a16:creationId xmlns:a16="http://schemas.microsoft.com/office/drawing/2014/main" id="{0F9BAB54-2D95-7F7E-4AE8-95826429528D}"/>
+              </a:ext>
+            </a:extLst>
+          </p:cNvPr>
+          <p:cNvSpPr txBox="1"/>
+          <p:nvPr/>
+        </p:nvSpPr>
+        <p:spPr>
+          <a:xfrm>
+            <a:off x="5298636" y="3237678"/>
+            <a:ext cx="409575" cy="307777"/>
+          </a:xfrm>
+          <a:prstGeom prst="rect">
+            <a:avLst/>
+          </a:prstGeom>
+          <a:noFill/>
+        </p:spPr>
+        <p:txBody>
+          <a:bodyPr wrap="square" rtlCol="0">
+            <a:spAutoFit/>
+          </a:bodyPr>
+          <a:lstStyle/>
+          <a:p>
+            <a:r>
+              <a:rPr lang="en-US" sz="1400" dirty="0">
+                <a:latin typeface="+mj-lt"/>
+              </a:rPr>
+              <a:t>A</a:t>
+            </a:r>
+            <a:endParaRPr lang="en-ZA" sz="1400" dirty="0">
+              <a:latin typeface="+mj-lt"/>
+            </a:endParaRPr>
+          </a:p>
+        </p:txBody>
+      </p:sp>
+      <p:sp>
+        <p:nvSpPr>
+          <p:cNvPr id="13" name="TextBox 12">
+            <a:extLst>
+              <a:ext uri="{FF2B5EF4-FFF2-40B4-BE49-F238E27FC236}">
+                <a16:creationId xmlns:a16="http://schemas.microsoft.com/office/drawing/2014/main" id="{9435A749-2474-6A5C-F9C8-6389C85C6D3A}"/>
+              </a:ext>
+            </a:extLst>
+          </p:cNvPr>
+          <p:cNvSpPr txBox="1"/>
+          <p:nvPr/>
+        </p:nvSpPr>
+        <p:spPr>
+          <a:xfrm>
+            <a:off x="6845370" y="3237679"/>
+            <a:ext cx="409575" cy="307777"/>
+          </a:xfrm>
+          <a:prstGeom prst="rect">
+            <a:avLst/>
+          </a:prstGeom>
+          <a:noFill/>
+        </p:spPr>
+        <p:txBody>
+          <a:bodyPr wrap="square" rtlCol="0">
+            <a:spAutoFit/>
+          </a:bodyPr>
+          <a:lstStyle/>
+          <a:p>
+            <a:r>
+              <a:rPr lang="en-US" sz="1400" dirty="0">
+                <a:latin typeface="+mj-lt"/>
+              </a:rPr>
+              <a:t>A</a:t>
+            </a:r>
+            <a:endParaRPr lang="en-ZA" sz="1400" dirty="0">
+              <a:latin typeface="+mj-lt"/>
+            </a:endParaRPr>
+          </a:p>
+        </p:txBody>
+      </p:sp>
+      <p:sp>
+        <p:nvSpPr>
+          <p:cNvPr id="14" name="TextBox 13">
+            <a:extLst>
+              <a:ext uri="{FF2B5EF4-FFF2-40B4-BE49-F238E27FC236}">
+                <a16:creationId xmlns:a16="http://schemas.microsoft.com/office/drawing/2014/main" id="{4F0ECDFA-42B4-8CA2-169D-E969A83E730A}"/>
+              </a:ext>
+            </a:extLst>
+          </p:cNvPr>
+          <p:cNvSpPr txBox="1"/>
+          <p:nvPr/>
+        </p:nvSpPr>
+        <p:spPr>
+          <a:xfrm>
+            <a:off x="6324470" y="3237677"/>
+            <a:ext cx="409575" cy="307777"/>
+          </a:xfrm>
+          <a:prstGeom prst="rect">
+            <a:avLst/>
+          </a:prstGeom>
+          <a:noFill/>
+        </p:spPr>
+        <p:txBody>
+          <a:bodyPr wrap="square" rtlCol="0">
+            <a:spAutoFit/>
+          </a:bodyPr>
+          <a:lstStyle/>
+          <a:p>
+            <a:r>
+              <a:rPr lang="en-US" sz="1400" dirty="0">
+                <a:latin typeface="+mj-lt"/>
+              </a:rPr>
+              <a:t>AB</a:t>
+            </a:r>
+            <a:endParaRPr lang="en-ZA" sz="1400" dirty="0">
+              <a:latin typeface="+mj-lt"/>
+            </a:endParaRPr>
+          </a:p>
+        </p:txBody>
+      </p:sp>
+      <p:sp>
+        <p:nvSpPr>
+          <p:cNvPr id="15" name="TextBox 14">
+            <a:extLst>
+              <a:ext uri="{FF2B5EF4-FFF2-40B4-BE49-F238E27FC236}">
+                <a16:creationId xmlns:a16="http://schemas.microsoft.com/office/drawing/2014/main" id="{B625F25B-ABA7-948E-3118-2A7DB75EC20D}"/>
+              </a:ext>
+            </a:extLst>
+          </p:cNvPr>
+          <p:cNvSpPr txBox="1"/>
+          <p:nvPr/>
+        </p:nvSpPr>
+        <p:spPr>
+          <a:xfrm>
+            <a:off x="4785719" y="3237677"/>
+            <a:ext cx="409575" cy="307777"/>
+          </a:xfrm>
+          <a:prstGeom prst="rect">
+            <a:avLst/>
+          </a:prstGeom>
+          <a:noFill/>
+        </p:spPr>
+        <p:txBody>
+          <a:bodyPr wrap="square" rtlCol="0">
+            <a:spAutoFit/>
+          </a:bodyPr>
+          <a:lstStyle/>
+          <a:p>
+            <a:r>
+              <a:rPr lang="en-US" sz="1400" dirty="0">
+                <a:latin typeface="+mj-lt"/>
+              </a:rPr>
+              <a:t>AB</a:t>
+            </a:r>
+            <a:endParaRPr lang="en-ZA" sz="1400" dirty="0">
+              <a:latin typeface="+mj-lt"/>
+            </a:endParaRPr>
+          </a:p>
+        </p:txBody>
+      </p:sp>
+      <p:sp>
+        <p:nvSpPr>
+          <p:cNvPr id="16" name="TextBox 15">
+            <a:extLst>
+              <a:ext uri="{FF2B5EF4-FFF2-40B4-BE49-F238E27FC236}">
+                <a16:creationId xmlns:a16="http://schemas.microsoft.com/office/drawing/2014/main" id="{B8C59261-BBCF-6BD5-ECAD-EEA4328B1A8A}"/>
+              </a:ext>
+            </a:extLst>
+          </p:cNvPr>
+          <p:cNvSpPr txBox="1"/>
+          <p:nvPr/>
+        </p:nvSpPr>
+        <p:spPr>
+          <a:xfrm>
+            <a:off x="4376144" y="3237676"/>
+            <a:ext cx="409575" cy="307777"/>
+          </a:xfrm>
+          <a:prstGeom prst="rect">
+            <a:avLst/>
+          </a:prstGeom>
+          <a:noFill/>
+        </p:spPr>
+        <p:txBody>
+          <a:bodyPr wrap="square" rtlCol="0">
+            <a:spAutoFit/>
+          </a:bodyPr>
+          <a:lstStyle/>
+          <a:p>
+            <a:r>
+              <a:rPr lang="en-US" sz="1400" dirty="0">
+                <a:latin typeface="+mj-lt"/>
+              </a:rPr>
+              <a:t>B</a:t>
+            </a:r>
+            <a:endParaRPr lang="en-ZA" sz="1400" dirty="0">
+              <a:latin typeface="+mj-lt"/>
+            </a:endParaRPr>
+          </a:p>
+        </p:txBody>
+      </p:sp>
+      <p:sp>
+        <p:nvSpPr>
+          <p:cNvPr id="17" name="TextBox 16">
+            <a:extLst>
+              <a:ext uri="{FF2B5EF4-FFF2-40B4-BE49-F238E27FC236}">
+                <a16:creationId xmlns:a16="http://schemas.microsoft.com/office/drawing/2014/main" id="{3883C560-A266-37ED-4131-02398F90551D}"/>
+              </a:ext>
+            </a:extLst>
+          </p:cNvPr>
+          <p:cNvSpPr txBox="1"/>
+          <p:nvPr/>
+        </p:nvSpPr>
+        <p:spPr>
+          <a:xfrm>
+            <a:off x="5897377" y="3237676"/>
+            <a:ext cx="409575" cy="307777"/>
+          </a:xfrm>
+          <a:prstGeom prst="rect">
+            <a:avLst/>
+          </a:prstGeom>
+          <a:noFill/>
+        </p:spPr>
+        <p:txBody>
+          <a:bodyPr wrap="square" rtlCol="0">
+            <a:spAutoFit/>
+          </a:bodyPr>
+          <a:lstStyle/>
+          <a:p>
+            <a:r>
+              <a:rPr lang="en-US" sz="1400" dirty="0">
+                <a:latin typeface="+mj-lt"/>
+              </a:rPr>
+              <a:t>B</a:t>
+            </a:r>
+            <a:endParaRPr lang="en-ZA" sz="1400" dirty="0">
+              <a:latin typeface="+mj-lt"/>
+            </a:endParaRPr>
+          </a:p>
+        </p:txBody>
+      </p:sp>
+      <p:sp>
+        <p:nvSpPr>
+          <p:cNvPr id="18" name="TextBox 17">
+            <a:extLst>
+              <a:ext uri="{FF2B5EF4-FFF2-40B4-BE49-F238E27FC236}">
+                <a16:creationId xmlns:a16="http://schemas.microsoft.com/office/drawing/2014/main" id="{EBF7007C-C088-47EE-2D40-FF27857AE94B}"/>
+              </a:ext>
+            </a:extLst>
+          </p:cNvPr>
+          <p:cNvSpPr txBox="1"/>
+          <p:nvPr/>
+        </p:nvSpPr>
+        <p:spPr>
+          <a:xfrm>
+            <a:off x="7793363" y="3237675"/>
+            <a:ext cx="409575" cy="307777"/>
+          </a:xfrm>
+          <a:prstGeom prst="rect">
+            <a:avLst/>
+          </a:prstGeom>
+          <a:noFill/>
+        </p:spPr>
+        <p:txBody>
+          <a:bodyPr wrap="square" rtlCol="0">
+            <a:spAutoFit/>
+          </a:bodyPr>
+          <a:lstStyle/>
+          <a:p>
+            <a:r>
+              <a:rPr lang="en-US" sz="1400" dirty="0">
+                <a:latin typeface="+mj-lt"/>
+              </a:rPr>
+              <a:t>a</a:t>
+            </a:r>
+            <a:endParaRPr lang="en-ZA" sz="1400" dirty="0">
+              <a:latin typeface="+mj-lt"/>
+            </a:endParaRPr>
+          </a:p>
+        </p:txBody>
+      </p:sp>
+      <p:sp>
+        <p:nvSpPr>
+          <p:cNvPr id="19" name="TextBox 18">
+            <a:extLst>
+              <a:ext uri="{FF2B5EF4-FFF2-40B4-BE49-F238E27FC236}">
+                <a16:creationId xmlns:a16="http://schemas.microsoft.com/office/drawing/2014/main" id="{0C246403-6076-0A44-F9F1-DEE466F60869}"/>
+              </a:ext>
+            </a:extLst>
+          </p:cNvPr>
+          <p:cNvSpPr txBox="1"/>
+          <p:nvPr/>
+        </p:nvSpPr>
+        <p:spPr>
+          <a:xfrm>
+            <a:off x="9353223" y="3237675"/>
+            <a:ext cx="409575" cy="307777"/>
+          </a:xfrm>
+          <a:prstGeom prst="rect">
+            <a:avLst/>
+          </a:prstGeom>
+          <a:noFill/>
+        </p:spPr>
+        <p:txBody>
+          <a:bodyPr wrap="square" rtlCol="0">
+            <a:spAutoFit/>
+          </a:bodyPr>
+          <a:lstStyle/>
+          <a:p>
+            <a:r>
+              <a:rPr lang="en-US" sz="1400" dirty="0">
+                <a:latin typeface="+mj-lt"/>
+              </a:rPr>
+              <a:t>a</a:t>
+            </a:r>
+            <a:endParaRPr lang="en-ZA" sz="1400" dirty="0">
+              <a:latin typeface="+mj-lt"/>
+            </a:endParaRPr>
+          </a:p>
+        </p:txBody>
+      </p:sp>
+      <p:sp>
+        <p:nvSpPr>
+          <p:cNvPr id="20" name="TextBox 19">
+            <a:extLst>
+              <a:ext uri="{FF2B5EF4-FFF2-40B4-BE49-F238E27FC236}">
+                <a16:creationId xmlns:a16="http://schemas.microsoft.com/office/drawing/2014/main" id="{70EAD2FE-7EED-1B9D-C2B4-798FCFD014D5}"/>
+              </a:ext>
+            </a:extLst>
+          </p:cNvPr>
+          <p:cNvSpPr txBox="1"/>
+          <p:nvPr/>
+        </p:nvSpPr>
+        <p:spPr>
+          <a:xfrm>
+            <a:off x="8306280" y="3237674"/>
+            <a:ext cx="409575" cy="307777"/>
+          </a:xfrm>
+          <a:prstGeom prst="rect">
+            <a:avLst/>
+          </a:prstGeom>
+          <a:noFill/>
+        </p:spPr>
+        <p:txBody>
+          <a:bodyPr wrap="square" rtlCol="0">
+            <a:spAutoFit/>
+          </a:bodyPr>
+          <a:lstStyle/>
+          <a:p>
+            <a:r>
+              <a:rPr lang="en-US" sz="1400" dirty="0">
+                <a:latin typeface="+mj-lt"/>
+              </a:rPr>
+              <a:t>b</a:t>
+            </a:r>
+            <a:endParaRPr lang="en-ZA" sz="1400" dirty="0">
+              <a:latin typeface="+mj-lt"/>
+            </a:endParaRPr>
+          </a:p>
+        </p:txBody>
+      </p:sp>
+      <p:sp>
+        <p:nvSpPr>
+          <p:cNvPr id="21" name="TextBox 20">
+            <a:extLst>
+              <a:ext uri="{FF2B5EF4-FFF2-40B4-BE49-F238E27FC236}">
+                <a16:creationId xmlns:a16="http://schemas.microsoft.com/office/drawing/2014/main" id="{233D44AC-C549-E71E-F932-B00EA62B3BD4}"/>
+              </a:ext>
+            </a:extLst>
+          </p:cNvPr>
+          <p:cNvSpPr txBox="1"/>
+          <p:nvPr/>
+        </p:nvSpPr>
+        <p:spPr>
+          <a:xfrm>
+            <a:off x="9842391" y="3237674"/>
+            <a:ext cx="409575" cy="307777"/>
+          </a:xfrm>
+          <a:prstGeom prst="rect">
+            <a:avLst/>
+          </a:prstGeom>
+          <a:noFill/>
+        </p:spPr>
+        <p:txBody>
+          <a:bodyPr wrap="square" rtlCol="0">
+            <a:spAutoFit/>
+          </a:bodyPr>
+          <a:lstStyle/>
+          <a:p>
+            <a:r>
+              <a:rPr lang="en-US" sz="1400" dirty="0">
+                <a:latin typeface="+mj-lt"/>
+              </a:rPr>
+              <a:t>b</a:t>
+            </a:r>
+            <a:endParaRPr lang="en-ZA" sz="1400" dirty="0">
+              <a:latin typeface="+mj-lt"/>
+            </a:endParaRPr>
+          </a:p>
+        </p:txBody>
+      </p:sp>
+      <p:sp>
+        <p:nvSpPr>
+          <p:cNvPr id="22" name="TextBox 21">
+            <a:extLst>
+              <a:ext uri="{FF2B5EF4-FFF2-40B4-BE49-F238E27FC236}">
+                <a16:creationId xmlns:a16="http://schemas.microsoft.com/office/drawing/2014/main" id="{8A8EF3AA-8C89-5D65-F716-429E3FC1D8CC}"/>
+              </a:ext>
+            </a:extLst>
+          </p:cNvPr>
+          <p:cNvSpPr txBox="1"/>
+          <p:nvPr/>
+        </p:nvSpPr>
+        <p:spPr>
+          <a:xfrm>
+            <a:off x="8745244" y="3237673"/>
+            <a:ext cx="409575" cy="307777"/>
+          </a:xfrm>
+          <a:prstGeom prst="rect">
+            <a:avLst/>
+          </a:prstGeom>
+          <a:noFill/>
+        </p:spPr>
+        <p:txBody>
+          <a:bodyPr wrap="square" rtlCol="0">
+            <a:spAutoFit/>
+          </a:bodyPr>
+          <a:lstStyle/>
+          <a:p>
+            <a:r>
+              <a:rPr lang="en-US" sz="1400" dirty="0">
+                <a:latin typeface="+mj-lt"/>
+              </a:rPr>
+              <a:t>b</a:t>
+            </a:r>
+            <a:endParaRPr lang="en-ZA" sz="1400" dirty="0">
+              <a:latin typeface="+mj-lt"/>
+            </a:endParaRPr>
+          </a:p>
+        </p:txBody>
+      </p:sp>
+      <p:sp>
+        <p:nvSpPr>
+          <p:cNvPr id="23" name="TextBox 22">
+            <a:extLst>
+              <a:ext uri="{FF2B5EF4-FFF2-40B4-BE49-F238E27FC236}">
+                <a16:creationId xmlns:a16="http://schemas.microsoft.com/office/drawing/2014/main" id="{D4A13E6A-DF15-F891-0794-2AD3844A5F2C}"/>
+              </a:ext>
+            </a:extLst>
+          </p:cNvPr>
+          <p:cNvSpPr txBox="1"/>
+          <p:nvPr/>
+        </p:nvSpPr>
+        <p:spPr>
+          <a:xfrm>
+            <a:off x="10300971" y="3237672"/>
+            <a:ext cx="409575" cy="307777"/>
+          </a:xfrm>
+          <a:prstGeom prst="rect">
+            <a:avLst/>
+          </a:prstGeom>
+          <a:noFill/>
+        </p:spPr>
+        <p:txBody>
+          <a:bodyPr wrap="square" rtlCol="0">
+            <a:spAutoFit/>
+          </a:bodyPr>
+          <a:lstStyle/>
+          <a:p>
+            <a:r>
+              <a:rPr lang="en-US" sz="1400" dirty="0">
+                <a:latin typeface="+mj-lt"/>
+              </a:rPr>
+              <a:t>b</a:t>
+            </a:r>
+            <a:endParaRPr lang="en-ZA" sz="1400" dirty="0">
+              <a:latin typeface="+mj-lt"/>
+            </a:endParaRPr>
+          </a:p>
+        </p:txBody>
+      </p:sp>
+    </p:spTree>
+    <p:extLst>
+      <p:ext uri="{BB962C8B-B14F-4D97-AF65-F5344CB8AC3E}">
+        <p14:creationId xmlns:p14="http://schemas.microsoft.com/office/powerpoint/2010/main" val="3039214577"/>
+      </p:ext>
+    </p:extLst>
+  </p:cSld>
+  <p:clrMapOvr>
+    <a:masterClrMapping/>
+  </p:clrMapOvr>
+</p:sld>
+</file>
+
+<file path=ppt/slides/slide16.xml><?xml version="1.0" encoding="utf-8"?>
+<p:sld xmlns:a="http://schemas.openxmlformats.org/drawingml/2006/main" xmlns:r="http://schemas.openxmlformats.org/officeDocument/2006/relationships" xmlns:p="http://schemas.openxmlformats.org/presentationml/2006/main">
+  <p:cSld>
+    <p:bg>
+      <p:bgPr>
+        <a:solidFill>
+          <a:schemeClr val="bg1"/>
+        </a:solidFill>
+        <a:effectLst/>
+      </p:bgPr>
+    </p:bg>
+    <p:spTree>
+      <p:nvGrpSpPr>
+        <p:cNvPr id="1" name=""/>
+        <p:cNvGrpSpPr/>
+        <p:nvPr/>
+      </p:nvGrpSpPr>
+      <p:grpSpPr>
+        <a:xfrm>
+          <a:off x="0" y="0"/>
+          <a:ext cx="0" cy="0"/>
+          <a:chOff x="0" y="0"/>
+          <a:chExt cx="0" cy="0"/>
+        </a:xfrm>
+      </p:grpSpPr>
+      <p:pic>
+        <p:nvPicPr>
+          <p:cNvPr id="5" name="Content Placeholder 4">
+            <a:extLst>
+              <a:ext uri="{FF2B5EF4-FFF2-40B4-BE49-F238E27FC236}">
+                <a16:creationId xmlns:a16="http://schemas.microsoft.com/office/drawing/2014/main" id="{96159C0E-D84C-E5FB-7F8A-6F0FFA27D9D3}"/>
+              </a:ext>
+            </a:extLst>
+          </p:cNvPr>
+          <p:cNvPicPr>
+            <a:picLocks noGrp="1" noChangeAspect="1"/>
+          </p:cNvPicPr>
+          <p:nvPr>
+            <p:ph idx="1"/>
+          </p:nvPr>
+        </p:nvPicPr>
+        <p:blipFill>
+          <a:blip r:embed="rId2">
+            <a:extLst>
+              <a:ext uri="{28A0092B-C50C-407E-A947-70E740481C1C}">
+                <a14:useLocalDpi xmlns:a14="http://schemas.microsoft.com/office/drawing/2010/main" val="0"/>
+              </a:ext>
+            </a:extLst>
+          </a:blip>
+          <a:srcRect/>
+          <a:stretch/>
+        </p:blipFill>
+        <p:spPr>
+          <a:xfrm>
+            <a:off x="239444" y="874140"/>
+            <a:ext cx="11952556" cy="5109719"/>
+          </a:xfrm>
+          <a:prstGeom prst="rect">
+            <a:avLst/>
+          </a:prstGeom>
+        </p:spPr>
+      </p:pic>
+      <p:sp>
+        <p:nvSpPr>
+          <p:cNvPr id="6" name="TextBox 5">
+            <a:extLst>
+              <a:ext uri="{FF2B5EF4-FFF2-40B4-BE49-F238E27FC236}">
+                <a16:creationId xmlns:a16="http://schemas.microsoft.com/office/drawing/2014/main" id="{763EF7E0-F24F-6003-D928-05632B556C66}"/>
+              </a:ext>
+            </a:extLst>
+          </p:cNvPr>
+          <p:cNvSpPr txBox="1"/>
+          <p:nvPr/>
+        </p:nvSpPr>
+        <p:spPr>
+          <a:xfrm>
+            <a:off x="837545" y="3755046"/>
+            <a:ext cx="477520" cy="307777"/>
+          </a:xfrm>
+          <a:prstGeom prst="rect">
+            <a:avLst/>
+          </a:prstGeom>
+          <a:noFill/>
+        </p:spPr>
+        <p:txBody>
+          <a:bodyPr wrap="square" rtlCol="0">
+            <a:spAutoFit/>
+          </a:bodyPr>
+          <a:lstStyle/>
+          <a:p>
+            <a:r>
+              <a:rPr lang="en-US" sz="1400" dirty="0">
+                <a:latin typeface="+mj-lt"/>
+              </a:rPr>
+              <a:t>b</a:t>
+            </a:r>
+            <a:endParaRPr lang="en-ZA" sz="1400" dirty="0">
+              <a:latin typeface="+mj-lt"/>
+            </a:endParaRPr>
+          </a:p>
+        </p:txBody>
+      </p:sp>
+      <p:sp>
+        <p:nvSpPr>
+          <p:cNvPr id="7" name="TextBox 6">
+            <a:extLst>
+              <a:ext uri="{FF2B5EF4-FFF2-40B4-BE49-F238E27FC236}">
+                <a16:creationId xmlns:a16="http://schemas.microsoft.com/office/drawing/2014/main" id="{0DB6A36C-9AB3-2337-4F9F-C584F8817EBB}"/>
+              </a:ext>
+            </a:extLst>
+          </p:cNvPr>
+          <p:cNvSpPr txBox="1"/>
+          <p:nvPr/>
+        </p:nvSpPr>
+        <p:spPr>
+          <a:xfrm>
+            <a:off x="2425454" y="3206079"/>
+            <a:ext cx="477520" cy="307777"/>
+          </a:xfrm>
+          <a:prstGeom prst="rect">
+            <a:avLst/>
+          </a:prstGeom>
+          <a:noFill/>
+        </p:spPr>
+        <p:txBody>
+          <a:bodyPr wrap="square" rtlCol="0">
+            <a:spAutoFit/>
+          </a:bodyPr>
+          <a:lstStyle/>
+          <a:p>
+            <a:r>
+              <a:rPr lang="en-US" sz="1400" dirty="0">
+                <a:latin typeface="+mj-lt"/>
+              </a:rPr>
+              <a:t>b</a:t>
+            </a:r>
+            <a:endParaRPr lang="en-ZA" sz="1400" dirty="0">
+              <a:latin typeface="+mj-lt"/>
+            </a:endParaRPr>
+          </a:p>
+        </p:txBody>
+      </p:sp>
+      <p:sp>
+        <p:nvSpPr>
+          <p:cNvPr id="8" name="TextBox 7">
+            <a:extLst>
+              <a:ext uri="{FF2B5EF4-FFF2-40B4-BE49-F238E27FC236}">
+                <a16:creationId xmlns:a16="http://schemas.microsoft.com/office/drawing/2014/main" id="{5140F9C0-B4D1-7598-F92F-CFB59495F110}"/>
+              </a:ext>
+            </a:extLst>
+          </p:cNvPr>
+          <p:cNvSpPr txBox="1"/>
+          <p:nvPr/>
+        </p:nvSpPr>
+        <p:spPr>
+          <a:xfrm>
+            <a:off x="1558577" y="3275110"/>
+            <a:ext cx="477520" cy="307777"/>
+          </a:xfrm>
+          <a:prstGeom prst="rect">
+            <a:avLst/>
+          </a:prstGeom>
+          <a:noFill/>
+        </p:spPr>
+        <p:txBody>
+          <a:bodyPr wrap="square" rtlCol="0">
+            <a:spAutoFit/>
+          </a:bodyPr>
+          <a:lstStyle/>
+          <a:p>
+            <a:r>
+              <a:rPr lang="en-US" sz="1400" dirty="0">
+                <a:latin typeface="+mj-lt"/>
+              </a:rPr>
+              <a:t>ab</a:t>
+            </a:r>
+            <a:endParaRPr lang="en-ZA" sz="1400" dirty="0">
+              <a:latin typeface="+mj-lt"/>
+            </a:endParaRPr>
+          </a:p>
+        </p:txBody>
+      </p:sp>
+      <p:sp>
+        <p:nvSpPr>
+          <p:cNvPr id="9" name="TextBox 8">
+            <a:extLst>
+              <a:ext uri="{FF2B5EF4-FFF2-40B4-BE49-F238E27FC236}">
+                <a16:creationId xmlns:a16="http://schemas.microsoft.com/office/drawing/2014/main" id="{DBFE77D2-C67B-647D-CDA5-3837AC5E17B5}"/>
+              </a:ext>
+            </a:extLst>
+          </p:cNvPr>
+          <p:cNvSpPr txBox="1"/>
+          <p:nvPr/>
+        </p:nvSpPr>
+        <p:spPr>
+          <a:xfrm>
+            <a:off x="3133378" y="1664258"/>
+            <a:ext cx="477520" cy="307777"/>
+          </a:xfrm>
+          <a:prstGeom prst="rect">
+            <a:avLst/>
+          </a:prstGeom>
+          <a:noFill/>
+        </p:spPr>
+        <p:txBody>
+          <a:bodyPr wrap="square" rtlCol="0">
+            <a:spAutoFit/>
+          </a:bodyPr>
+          <a:lstStyle/>
+          <a:p>
+            <a:r>
+              <a:rPr lang="en-US" sz="1400" dirty="0">
+                <a:latin typeface="+mj-lt"/>
+              </a:rPr>
+              <a:t>ab</a:t>
+            </a:r>
+            <a:endParaRPr lang="en-ZA" sz="1400" dirty="0">
+              <a:latin typeface="+mj-lt"/>
+            </a:endParaRPr>
+          </a:p>
+        </p:txBody>
+      </p:sp>
+      <p:sp>
+        <p:nvSpPr>
+          <p:cNvPr id="10" name="TextBox 9">
+            <a:extLst>
+              <a:ext uri="{FF2B5EF4-FFF2-40B4-BE49-F238E27FC236}">
+                <a16:creationId xmlns:a16="http://schemas.microsoft.com/office/drawing/2014/main" id="{42814C47-4E3F-CA2B-C9FF-6D12C833D39F}"/>
+              </a:ext>
+            </a:extLst>
+          </p:cNvPr>
+          <p:cNvSpPr txBox="1"/>
+          <p:nvPr/>
+        </p:nvSpPr>
+        <p:spPr>
+          <a:xfrm>
+            <a:off x="1917946" y="1356481"/>
+            <a:ext cx="477520" cy="307777"/>
+          </a:xfrm>
+          <a:prstGeom prst="rect">
+            <a:avLst/>
+          </a:prstGeom>
+          <a:noFill/>
+        </p:spPr>
+        <p:txBody>
+          <a:bodyPr wrap="square" rtlCol="0">
+            <a:spAutoFit/>
+          </a:bodyPr>
+          <a:lstStyle/>
+          <a:p>
+            <a:r>
+              <a:rPr lang="en-US" sz="1400" dirty="0">
+                <a:latin typeface="+mj-lt"/>
+              </a:rPr>
+              <a:t>a</a:t>
+            </a:r>
+            <a:endParaRPr lang="en-ZA" sz="1400" dirty="0">
+              <a:latin typeface="+mj-lt"/>
+            </a:endParaRPr>
+          </a:p>
+        </p:txBody>
+      </p:sp>
+      <p:sp>
+        <p:nvSpPr>
+          <p:cNvPr id="11" name="TextBox 10">
+            <a:extLst>
+              <a:ext uri="{FF2B5EF4-FFF2-40B4-BE49-F238E27FC236}">
+                <a16:creationId xmlns:a16="http://schemas.microsoft.com/office/drawing/2014/main" id="{64D50C38-28B5-6966-CB87-9256D6CD33E8}"/>
+              </a:ext>
+            </a:extLst>
+          </p:cNvPr>
+          <p:cNvSpPr txBox="1"/>
+          <p:nvPr/>
+        </p:nvSpPr>
+        <p:spPr>
+          <a:xfrm>
+            <a:off x="1208891" y="1715359"/>
+            <a:ext cx="477520" cy="307777"/>
+          </a:xfrm>
+          <a:prstGeom prst="rect">
+            <a:avLst/>
+          </a:prstGeom>
+          <a:noFill/>
+        </p:spPr>
+        <p:txBody>
+          <a:bodyPr wrap="square" rtlCol="0">
+            <a:spAutoFit/>
+          </a:bodyPr>
+          <a:lstStyle/>
+          <a:p>
+            <a:r>
+              <a:rPr lang="en-US" sz="1400" dirty="0">
+                <a:latin typeface="+mj-lt"/>
+              </a:rPr>
+              <a:t>a</a:t>
+            </a:r>
+            <a:endParaRPr lang="en-ZA" sz="1400" dirty="0">
+              <a:latin typeface="+mj-lt"/>
+            </a:endParaRPr>
+          </a:p>
+        </p:txBody>
+      </p:sp>
+      <p:sp>
+        <p:nvSpPr>
+          <p:cNvPr id="12" name="TextBox 11">
+            <a:extLst>
+              <a:ext uri="{FF2B5EF4-FFF2-40B4-BE49-F238E27FC236}">
+                <a16:creationId xmlns:a16="http://schemas.microsoft.com/office/drawing/2014/main" id="{A8357CF8-10BA-724E-10D8-3D3F1E6DE7BE}"/>
+              </a:ext>
+            </a:extLst>
+          </p:cNvPr>
+          <p:cNvSpPr txBox="1"/>
+          <p:nvPr/>
+        </p:nvSpPr>
+        <p:spPr>
+          <a:xfrm>
+            <a:off x="2767304" y="2023136"/>
+            <a:ext cx="477520" cy="307777"/>
+          </a:xfrm>
+          <a:prstGeom prst="rect">
+            <a:avLst/>
+          </a:prstGeom>
+          <a:noFill/>
+        </p:spPr>
+        <p:txBody>
+          <a:bodyPr wrap="square" rtlCol="0">
+            <a:spAutoFit/>
+          </a:bodyPr>
+          <a:lstStyle/>
+          <a:p>
+            <a:r>
+              <a:rPr lang="en-US" sz="1400" dirty="0">
+                <a:latin typeface="+mj-lt"/>
+              </a:rPr>
+              <a:t>a</a:t>
+            </a:r>
+            <a:endParaRPr lang="en-ZA" sz="1400" dirty="0">
+              <a:latin typeface="+mj-lt"/>
+            </a:endParaRPr>
+          </a:p>
+        </p:txBody>
+      </p:sp>
+      <p:sp>
+        <p:nvSpPr>
+          <p:cNvPr id="13" name="TextBox 12">
+            <a:extLst>
+              <a:ext uri="{FF2B5EF4-FFF2-40B4-BE49-F238E27FC236}">
+                <a16:creationId xmlns:a16="http://schemas.microsoft.com/office/drawing/2014/main" id="{FBEDC1DC-0A50-96BB-30DD-E70C72201A1D}"/>
+              </a:ext>
+            </a:extLst>
+          </p:cNvPr>
+          <p:cNvSpPr txBox="1"/>
+          <p:nvPr/>
+        </p:nvSpPr>
+        <p:spPr>
+          <a:xfrm>
+            <a:off x="3483420" y="2023136"/>
+            <a:ext cx="477520" cy="307777"/>
+          </a:xfrm>
+          <a:prstGeom prst="rect">
+            <a:avLst/>
+          </a:prstGeom>
+          <a:noFill/>
+        </p:spPr>
+        <p:txBody>
+          <a:bodyPr wrap="square" rtlCol="0">
+            <a:spAutoFit/>
+          </a:bodyPr>
+          <a:lstStyle/>
+          <a:p>
+            <a:r>
+              <a:rPr lang="en-US" sz="1400" dirty="0">
+                <a:latin typeface="+mj-lt"/>
+              </a:rPr>
+              <a:t>a</a:t>
+            </a:r>
+            <a:endParaRPr lang="en-ZA" sz="1400" dirty="0">
+              <a:latin typeface="+mj-lt"/>
+            </a:endParaRPr>
+          </a:p>
+        </p:txBody>
+      </p:sp>
+      <p:sp>
+        <p:nvSpPr>
+          <p:cNvPr id="14" name="TextBox 13">
+            <a:extLst>
+              <a:ext uri="{FF2B5EF4-FFF2-40B4-BE49-F238E27FC236}">
+                <a16:creationId xmlns:a16="http://schemas.microsoft.com/office/drawing/2014/main" id="{0B5C297C-6DE7-C40B-76ED-308A77E86E15}"/>
+              </a:ext>
+            </a:extLst>
+          </p:cNvPr>
+          <p:cNvSpPr txBox="1"/>
+          <p:nvPr/>
+        </p:nvSpPr>
+        <p:spPr>
+          <a:xfrm>
+            <a:off x="4445342" y="2801523"/>
+            <a:ext cx="477520" cy="307777"/>
+          </a:xfrm>
+          <a:prstGeom prst="rect">
+            <a:avLst/>
+          </a:prstGeom>
+          <a:noFill/>
+        </p:spPr>
+        <p:txBody>
+          <a:bodyPr wrap="square" rtlCol="0">
+            <a:spAutoFit/>
+          </a:bodyPr>
+          <a:lstStyle/>
+          <a:p>
+            <a:r>
+              <a:rPr lang="en-US" sz="1400" dirty="0">
+                <a:latin typeface="+mj-lt"/>
+              </a:rPr>
+              <a:t>a</a:t>
+            </a:r>
+            <a:endParaRPr lang="en-ZA" sz="1400" dirty="0">
+              <a:latin typeface="+mj-lt"/>
+            </a:endParaRPr>
+          </a:p>
+        </p:txBody>
+      </p:sp>
+      <p:sp>
+        <p:nvSpPr>
+          <p:cNvPr id="15" name="TextBox 14">
+            <a:extLst>
+              <a:ext uri="{FF2B5EF4-FFF2-40B4-BE49-F238E27FC236}">
+                <a16:creationId xmlns:a16="http://schemas.microsoft.com/office/drawing/2014/main" id="{029A7065-8151-12D1-65AA-923C8B7DDD48}"/>
+              </a:ext>
+            </a:extLst>
+          </p:cNvPr>
+          <p:cNvSpPr txBox="1"/>
+          <p:nvPr/>
+        </p:nvSpPr>
+        <p:spPr>
+          <a:xfrm>
+            <a:off x="4922862" y="2416426"/>
+            <a:ext cx="477520" cy="307777"/>
+          </a:xfrm>
+          <a:prstGeom prst="rect">
+            <a:avLst/>
+          </a:prstGeom>
+          <a:noFill/>
+        </p:spPr>
+        <p:txBody>
+          <a:bodyPr wrap="square" rtlCol="0">
+            <a:spAutoFit/>
+          </a:bodyPr>
+          <a:lstStyle/>
+          <a:p>
+            <a:r>
+              <a:rPr lang="en-US" sz="1400" dirty="0">
+                <a:latin typeface="+mj-lt"/>
+              </a:rPr>
+              <a:t>a</a:t>
+            </a:r>
+            <a:endParaRPr lang="en-ZA" sz="1400" dirty="0">
+              <a:latin typeface="+mj-lt"/>
+            </a:endParaRPr>
+          </a:p>
+        </p:txBody>
+      </p:sp>
+      <p:sp>
+        <p:nvSpPr>
+          <p:cNvPr id="16" name="TextBox 15">
+            <a:extLst>
+              <a:ext uri="{FF2B5EF4-FFF2-40B4-BE49-F238E27FC236}">
+                <a16:creationId xmlns:a16="http://schemas.microsoft.com/office/drawing/2014/main" id="{FE383CF4-F64D-94BD-61FD-931A1A594911}"/>
+              </a:ext>
+            </a:extLst>
+          </p:cNvPr>
+          <p:cNvSpPr txBox="1"/>
+          <p:nvPr/>
+        </p:nvSpPr>
+        <p:spPr>
+          <a:xfrm>
+            <a:off x="5976962" y="2801522"/>
+            <a:ext cx="477520" cy="307777"/>
+          </a:xfrm>
+          <a:prstGeom prst="rect">
+            <a:avLst/>
+          </a:prstGeom>
+          <a:noFill/>
+        </p:spPr>
+        <p:txBody>
+          <a:bodyPr wrap="square" rtlCol="0">
+            <a:spAutoFit/>
+          </a:bodyPr>
+          <a:lstStyle/>
+          <a:p>
+            <a:r>
+              <a:rPr lang="en-US" sz="1400" dirty="0">
+                <a:latin typeface="+mj-lt"/>
+              </a:rPr>
+              <a:t>a</a:t>
+            </a:r>
+            <a:endParaRPr lang="en-ZA" sz="1400" dirty="0">
+              <a:latin typeface="+mj-lt"/>
+            </a:endParaRPr>
+          </a:p>
+        </p:txBody>
+      </p:sp>
+      <p:sp>
+        <p:nvSpPr>
+          <p:cNvPr id="17" name="TextBox 16">
+            <a:extLst>
+              <a:ext uri="{FF2B5EF4-FFF2-40B4-BE49-F238E27FC236}">
+                <a16:creationId xmlns:a16="http://schemas.microsoft.com/office/drawing/2014/main" id="{8282B673-4DD7-0112-4457-A36DB377B586}"/>
+              </a:ext>
+            </a:extLst>
+          </p:cNvPr>
+          <p:cNvSpPr txBox="1"/>
+          <p:nvPr/>
+        </p:nvSpPr>
+        <p:spPr>
+          <a:xfrm>
+            <a:off x="6486601" y="2801522"/>
+            <a:ext cx="477520" cy="307777"/>
+          </a:xfrm>
+          <a:prstGeom prst="rect">
+            <a:avLst/>
+          </a:prstGeom>
+          <a:noFill/>
+        </p:spPr>
+        <p:txBody>
+          <a:bodyPr wrap="square" rtlCol="0">
+            <a:spAutoFit/>
+          </a:bodyPr>
+          <a:lstStyle/>
+          <a:p>
+            <a:r>
+              <a:rPr lang="en-US" sz="1400" dirty="0">
+                <a:latin typeface="+mj-lt"/>
+              </a:rPr>
+              <a:t>a</a:t>
+            </a:r>
+            <a:endParaRPr lang="en-ZA" sz="1400" dirty="0">
+              <a:latin typeface="+mj-lt"/>
+            </a:endParaRPr>
+          </a:p>
+        </p:txBody>
+      </p:sp>
+      <p:sp>
+        <p:nvSpPr>
+          <p:cNvPr id="18" name="TextBox 17">
+            <a:extLst>
+              <a:ext uri="{FF2B5EF4-FFF2-40B4-BE49-F238E27FC236}">
+                <a16:creationId xmlns:a16="http://schemas.microsoft.com/office/drawing/2014/main" id="{75C11A4E-7243-A922-27D5-A0126C0417A2}"/>
+              </a:ext>
+            </a:extLst>
+          </p:cNvPr>
+          <p:cNvSpPr txBox="1"/>
+          <p:nvPr/>
+        </p:nvSpPr>
+        <p:spPr>
+          <a:xfrm>
+            <a:off x="5381243" y="1715358"/>
+            <a:ext cx="477520" cy="307777"/>
+          </a:xfrm>
+          <a:prstGeom prst="rect">
+            <a:avLst/>
+          </a:prstGeom>
+          <a:noFill/>
+        </p:spPr>
+        <p:txBody>
+          <a:bodyPr wrap="square" rtlCol="0">
+            <a:spAutoFit/>
+          </a:bodyPr>
+          <a:lstStyle/>
+          <a:p>
+            <a:r>
+              <a:rPr lang="en-US" sz="1400" dirty="0">
+                <a:latin typeface="+mj-lt"/>
+              </a:rPr>
+              <a:t>b</a:t>
+            </a:r>
+            <a:endParaRPr lang="en-ZA" sz="1400" dirty="0">
+              <a:latin typeface="+mj-lt"/>
+            </a:endParaRPr>
+          </a:p>
+        </p:txBody>
+      </p:sp>
+      <p:sp>
+        <p:nvSpPr>
+          <p:cNvPr id="19" name="TextBox 18">
+            <a:extLst>
+              <a:ext uri="{FF2B5EF4-FFF2-40B4-BE49-F238E27FC236}">
+                <a16:creationId xmlns:a16="http://schemas.microsoft.com/office/drawing/2014/main" id="{52D1EAF4-E20F-7FFA-7C69-7ECC85BB29FF}"/>
+              </a:ext>
+            </a:extLst>
+          </p:cNvPr>
+          <p:cNvSpPr txBox="1"/>
+          <p:nvPr/>
+        </p:nvSpPr>
+        <p:spPr>
+          <a:xfrm>
+            <a:off x="6964121" y="1638038"/>
+            <a:ext cx="477520" cy="307777"/>
+          </a:xfrm>
+          <a:prstGeom prst="rect">
+            <a:avLst/>
+          </a:prstGeom>
+          <a:noFill/>
+        </p:spPr>
+        <p:txBody>
+          <a:bodyPr wrap="square" rtlCol="0">
+            <a:spAutoFit/>
+          </a:bodyPr>
+          <a:lstStyle/>
+          <a:p>
+            <a:r>
+              <a:rPr lang="en-US" sz="1400" dirty="0">
+                <a:latin typeface="+mj-lt"/>
+              </a:rPr>
+              <a:t>b</a:t>
+            </a:r>
+            <a:endParaRPr lang="en-ZA" sz="1400" dirty="0">
+              <a:latin typeface="+mj-lt"/>
+            </a:endParaRPr>
+          </a:p>
+        </p:txBody>
+      </p:sp>
+      <p:sp>
+        <p:nvSpPr>
+          <p:cNvPr id="20" name="TextBox 19">
+            <a:extLst>
+              <a:ext uri="{FF2B5EF4-FFF2-40B4-BE49-F238E27FC236}">
+                <a16:creationId xmlns:a16="http://schemas.microsoft.com/office/drawing/2014/main" id="{C95EDA9C-08CE-5CD0-44A9-B81C753E56F5}"/>
+              </a:ext>
+            </a:extLst>
+          </p:cNvPr>
+          <p:cNvSpPr txBox="1"/>
+          <p:nvPr/>
+        </p:nvSpPr>
+        <p:spPr>
+          <a:xfrm>
+            <a:off x="7967727" y="2023136"/>
+            <a:ext cx="477520" cy="307777"/>
+          </a:xfrm>
+          <a:prstGeom prst="rect">
+            <a:avLst/>
+          </a:prstGeom>
+          <a:noFill/>
+        </p:spPr>
+        <p:txBody>
+          <a:bodyPr wrap="square" rtlCol="0">
+            <a:spAutoFit/>
+          </a:bodyPr>
+          <a:lstStyle/>
+          <a:p>
+            <a:r>
+              <a:rPr lang="en-US" sz="1400" dirty="0">
+                <a:latin typeface="+mj-lt"/>
+              </a:rPr>
+              <a:t>a</a:t>
+            </a:r>
+            <a:endParaRPr lang="en-ZA" sz="1400" dirty="0">
+              <a:latin typeface="+mj-lt"/>
+            </a:endParaRPr>
+          </a:p>
+        </p:txBody>
+      </p:sp>
+      <p:sp>
+        <p:nvSpPr>
+          <p:cNvPr id="21" name="TextBox 20">
+            <a:extLst>
+              <a:ext uri="{FF2B5EF4-FFF2-40B4-BE49-F238E27FC236}">
+                <a16:creationId xmlns:a16="http://schemas.microsoft.com/office/drawing/2014/main" id="{C0F291A9-5260-C602-706C-E3A975503E38}"/>
+              </a:ext>
+            </a:extLst>
+          </p:cNvPr>
+          <p:cNvSpPr txBox="1"/>
+          <p:nvPr/>
+        </p:nvSpPr>
+        <p:spPr>
+          <a:xfrm>
+            <a:off x="8451139" y="2801521"/>
+            <a:ext cx="477520" cy="307777"/>
+          </a:xfrm>
+          <a:prstGeom prst="rect">
+            <a:avLst/>
+          </a:prstGeom>
+          <a:noFill/>
+        </p:spPr>
+        <p:txBody>
+          <a:bodyPr wrap="square" rtlCol="0">
+            <a:spAutoFit/>
+          </a:bodyPr>
+          <a:lstStyle/>
+          <a:p>
+            <a:r>
+              <a:rPr lang="en-US" sz="1400" dirty="0">
+                <a:latin typeface="+mj-lt"/>
+              </a:rPr>
+              <a:t>a</a:t>
+            </a:r>
+            <a:endParaRPr lang="en-ZA" sz="1400" dirty="0">
+              <a:latin typeface="+mj-lt"/>
+            </a:endParaRPr>
+          </a:p>
+        </p:txBody>
+      </p:sp>
+      <p:sp>
+        <p:nvSpPr>
+          <p:cNvPr id="22" name="TextBox 21">
+            <a:extLst>
+              <a:ext uri="{FF2B5EF4-FFF2-40B4-BE49-F238E27FC236}">
+                <a16:creationId xmlns:a16="http://schemas.microsoft.com/office/drawing/2014/main" id="{BDDEC0F6-2083-073A-3D92-F01F0A1F8719}"/>
+              </a:ext>
+            </a:extLst>
+          </p:cNvPr>
+          <p:cNvSpPr txBox="1"/>
+          <p:nvPr/>
+        </p:nvSpPr>
+        <p:spPr>
+          <a:xfrm>
+            <a:off x="9553595" y="2023135"/>
+            <a:ext cx="477520" cy="307777"/>
+          </a:xfrm>
+          <a:prstGeom prst="rect">
+            <a:avLst/>
+          </a:prstGeom>
+          <a:noFill/>
+        </p:spPr>
+        <p:txBody>
+          <a:bodyPr wrap="square" rtlCol="0">
+            <a:spAutoFit/>
+          </a:bodyPr>
+          <a:lstStyle/>
+          <a:p>
+            <a:r>
+              <a:rPr lang="en-US" sz="1400" dirty="0">
+                <a:latin typeface="+mj-lt"/>
+              </a:rPr>
+              <a:t>a</a:t>
+            </a:r>
+            <a:endParaRPr lang="en-ZA" sz="1400" dirty="0">
+              <a:latin typeface="+mj-lt"/>
+            </a:endParaRPr>
+          </a:p>
+        </p:txBody>
+      </p:sp>
+      <p:sp>
+        <p:nvSpPr>
+          <p:cNvPr id="23" name="TextBox 22">
+            <a:extLst>
+              <a:ext uri="{FF2B5EF4-FFF2-40B4-BE49-F238E27FC236}">
+                <a16:creationId xmlns:a16="http://schemas.microsoft.com/office/drawing/2014/main" id="{5204E02B-3489-0C11-7434-E34DE69D7C93}"/>
+              </a:ext>
+            </a:extLst>
+          </p:cNvPr>
+          <p:cNvSpPr txBox="1"/>
+          <p:nvPr/>
+        </p:nvSpPr>
+        <p:spPr>
+          <a:xfrm>
+            <a:off x="10031115" y="2416425"/>
+            <a:ext cx="477520" cy="307777"/>
+          </a:xfrm>
+          <a:prstGeom prst="rect">
+            <a:avLst/>
+          </a:prstGeom>
+          <a:noFill/>
+        </p:spPr>
+        <p:txBody>
+          <a:bodyPr wrap="square" rtlCol="0">
+            <a:spAutoFit/>
+          </a:bodyPr>
+          <a:lstStyle/>
+          <a:p>
+            <a:r>
+              <a:rPr lang="en-US" sz="1400" dirty="0">
+                <a:latin typeface="+mj-lt"/>
+              </a:rPr>
+              <a:t>a</a:t>
+            </a:r>
+            <a:endParaRPr lang="en-ZA" sz="1400" dirty="0">
+              <a:latin typeface="+mj-lt"/>
+            </a:endParaRPr>
+          </a:p>
+        </p:txBody>
+      </p:sp>
+      <p:sp>
+        <p:nvSpPr>
+          <p:cNvPr id="24" name="TextBox 23">
+            <a:extLst>
+              <a:ext uri="{FF2B5EF4-FFF2-40B4-BE49-F238E27FC236}">
+                <a16:creationId xmlns:a16="http://schemas.microsoft.com/office/drawing/2014/main" id="{45CEA122-CCF4-02C6-E7F8-AF7F76A12BC0}"/>
+              </a:ext>
+            </a:extLst>
+          </p:cNvPr>
+          <p:cNvSpPr txBox="1"/>
+          <p:nvPr/>
+        </p:nvSpPr>
+        <p:spPr>
+          <a:xfrm>
+            <a:off x="10508635" y="1293909"/>
+            <a:ext cx="477520" cy="307777"/>
+          </a:xfrm>
+          <a:prstGeom prst="rect">
+            <a:avLst/>
+          </a:prstGeom>
+          <a:noFill/>
+        </p:spPr>
+        <p:txBody>
+          <a:bodyPr wrap="square" rtlCol="0">
+            <a:spAutoFit/>
+          </a:bodyPr>
+          <a:lstStyle/>
+          <a:p>
+            <a:r>
+              <a:rPr lang="en-US" sz="1400" dirty="0">
+                <a:latin typeface="+mj-lt"/>
+              </a:rPr>
+              <a:t>b</a:t>
+            </a:r>
+            <a:endParaRPr lang="en-ZA" sz="1400" dirty="0">
+              <a:latin typeface="+mj-lt"/>
+            </a:endParaRPr>
+          </a:p>
+        </p:txBody>
+      </p:sp>
+      <p:sp>
+        <p:nvSpPr>
+          <p:cNvPr id="25" name="TextBox 24">
+            <a:extLst>
+              <a:ext uri="{FF2B5EF4-FFF2-40B4-BE49-F238E27FC236}">
+                <a16:creationId xmlns:a16="http://schemas.microsoft.com/office/drawing/2014/main" id="{72885AB7-20C4-91F9-3465-F76B551E3718}"/>
+              </a:ext>
+            </a:extLst>
+          </p:cNvPr>
+          <p:cNvSpPr txBox="1"/>
+          <p:nvPr/>
+        </p:nvSpPr>
+        <p:spPr>
+          <a:xfrm>
+            <a:off x="8902440" y="1293908"/>
+            <a:ext cx="477520" cy="307777"/>
+          </a:xfrm>
+          <a:prstGeom prst="rect">
+            <a:avLst/>
+          </a:prstGeom>
+          <a:noFill/>
+        </p:spPr>
+        <p:txBody>
+          <a:bodyPr wrap="square" rtlCol="0">
+            <a:spAutoFit/>
+          </a:bodyPr>
+          <a:lstStyle/>
+          <a:p>
+            <a:r>
+              <a:rPr lang="en-US" sz="1400" dirty="0">
+                <a:latin typeface="+mj-lt"/>
+              </a:rPr>
+              <a:t>b</a:t>
+            </a:r>
+            <a:endParaRPr lang="en-ZA" sz="1400" dirty="0">
+              <a:latin typeface="+mj-lt"/>
+            </a:endParaRPr>
+          </a:p>
+        </p:txBody>
+      </p:sp>
+    </p:spTree>
+    <p:extLst>
+      <p:ext uri="{BB962C8B-B14F-4D97-AF65-F5344CB8AC3E}">
+        <p14:creationId xmlns:p14="http://schemas.microsoft.com/office/powerpoint/2010/main" val="1140060580"/>
+      </p:ext>
+    </p:extLst>
+  </p:cSld>
+  <p:clrMapOvr>
+    <a:masterClrMapping/>
+  </p:clrMapOvr>
+</p:sld>
+</file>
+
+<file path=ppt/slides/slide17.xml><?xml version="1.0" encoding="utf-8"?>
+<p:sld xmlns:a="http://schemas.openxmlformats.org/drawingml/2006/main" xmlns:r="http://schemas.openxmlformats.org/officeDocument/2006/relationships" xmlns:p="http://schemas.openxmlformats.org/presentationml/2006/main">
+  <p:cSld>
+    <p:bg>
+      <p:bgPr>
+        <a:solidFill>
+          <a:schemeClr val="bg1"/>
+        </a:solidFill>
+        <a:effectLst/>
+      </p:bgPr>
+    </p:bg>
+    <p:spTree>
+      <p:nvGrpSpPr>
+        <p:cNvPr id="1" name=""/>
+        <p:cNvGrpSpPr/>
+        <p:nvPr/>
+      </p:nvGrpSpPr>
+      <p:grpSpPr>
+        <a:xfrm>
+          <a:off x="0" y="0"/>
+          <a:ext cx="0" cy="0"/>
+          <a:chOff x="0" y="0"/>
+          <a:chExt cx="0" cy="0"/>
+        </a:xfrm>
+      </p:grpSpPr>
+      <p:pic>
+        <p:nvPicPr>
+          <p:cNvPr id="5" name="Content Placeholder 4">
+            <a:extLst>
+              <a:ext uri="{FF2B5EF4-FFF2-40B4-BE49-F238E27FC236}">
+                <a16:creationId xmlns:a16="http://schemas.microsoft.com/office/drawing/2014/main" id="{35526374-0D54-0515-0D51-3ADD5BFE6EEC}"/>
+              </a:ext>
+            </a:extLst>
+          </p:cNvPr>
+          <p:cNvPicPr>
+            <a:picLocks noGrp="1" noChangeAspect="1"/>
+          </p:cNvPicPr>
+          <p:nvPr>
+            <p:ph idx="1"/>
+          </p:nvPr>
+        </p:nvPicPr>
+        <p:blipFill>
+          <a:blip r:embed="rId2">
+            <a:extLst>
+              <a:ext uri="{28A0092B-C50C-407E-A947-70E740481C1C}">
+                <a14:useLocalDpi xmlns:a14="http://schemas.microsoft.com/office/drawing/2010/main" val="0"/>
+              </a:ext>
+            </a:extLst>
+          </a:blip>
+          <a:srcRect/>
+          <a:stretch/>
+        </p:blipFill>
+        <p:spPr>
+          <a:xfrm>
+            <a:off x="166810" y="894270"/>
+            <a:ext cx="11858380" cy="5069459"/>
+          </a:xfrm>
+          <a:prstGeom prst="rect">
+            <a:avLst/>
+          </a:prstGeom>
+        </p:spPr>
+      </p:pic>
+      <p:sp>
+        <p:nvSpPr>
+          <p:cNvPr id="2" name="TextBox 1">
+            <a:extLst>
+              <a:ext uri="{FF2B5EF4-FFF2-40B4-BE49-F238E27FC236}">
+                <a16:creationId xmlns:a16="http://schemas.microsoft.com/office/drawing/2014/main" id="{5369DFB0-3668-B177-5D92-28B22AD34BD8}"/>
+              </a:ext>
+            </a:extLst>
+          </p:cNvPr>
+          <p:cNvSpPr txBox="1"/>
+          <p:nvPr/>
+        </p:nvSpPr>
+        <p:spPr>
+          <a:xfrm>
+            <a:off x="819839" y="2395260"/>
+            <a:ext cx="325501" cy="307777"/>
+          </a:xfrm>
+          <a:prstGeom prst="rect">
+            <a:avLst/>
+          </a:prstGeom>
+          <a:noFill/>
+        </p:spPr>
+        <p:txBody>
+          <a:bodyPr wrap="square" rtlCol="0">
+            <a:spAutoFit/>
+          </a:bodyPr>
+          <a:lstStyle/>
+          <a:p>
+            <a:r>
+              <a:rPr lang="en-US" sz="1400" dirty="0">
+                <a:latin typeface="+mj-lt"/>
+              </a:rPr>
+              <a:t>B</a:t>
+            </a:r>
+            <a:endParaRPr lang="en-ZA" sz="1400" dirty="0">
+              <a:latin typeface="+mj-lt"/>
+            </a:endParaRPr>
+          </a:p>
+        </p:txBody>
+      </p:sp>
+      <p:sp>
+        <p:nvSpPr>
+          <p:cNvPr id="3" name="TextBox 2">
+            <a:extLst>
+              <a:ext uri="{FF2B5EF4-FFF2-40B4-BE49-F238E27FC236}">
+                <a16:creationId xmlns:a16="http://schemas.microsoft.com/office/drawing/2014/main" id="{D98ED362-F16E-29E4-5B16-EC7555EEDACA}"/>
+              </a:ext>
+            </a:extLst>
+          </p:cNvPr>
+          <p:cNvSpPr txBox="1"/>
+          <p:nvPr/>
+        </p:nvSpPr>
+        <p:spPr>
+          <a:xfrm>
+            <a:off x="2376608" y="2432190"/>
+            <a:ext cx="325501" cy="307777"/>
+          </a:xfrm>
+          <a:prstGeom prst="rect">
+            <a:avLst/>
+          </a:prstGeom>
+          <a:noFill/>
+        </p:spPr>
+        <p:txBody>
+          <a:bodyPr wrap="square" rtlCol="0">
+            <a:spAutoFit/>
+          </a:bodyPr>
+          <a:lstStyle/>
+          <a:p>
+            <a:r>
+              <a:rPr lang="en-US" sz="1400" dirty="0">
+                <a:latin typeface="+mj-lt"/>
+              </a:rPr>
+              <a:t>B</a:t>
+            </a:r>
+            <a:endParaRPr lang="en-ZA" sz="1400" dirty="0">
+              <a:latin typeface="+mj-lt"/>
+            </a:endParaRPr>
+          </a:p>
+        </p:txBody>
+      </p:sp>
+      <p:sp>
+        <p:nvSpPr>
+          <p:cNvPr id="4" name="TextBox 3">
+            <a:extLst>
+              <a:ext uri="{FF2B5EF4-FFF2-40B4-BE49-F238E27FC236}">
+                <a16:creationId xmlns:a16="http://schemas.microsoft.com/office/drawing/2014/main" id="{9B09C2EC-BC2B-594F-B25E-07F3DA767747}"/>
+              </a:ext>
+            </a:extLst>
+          </p:cNvPr>
+          <p:cNvSpPr txBox="1"/>
+          <p:nvPr/>
+        </p:nvSpPr>
+        <p:spPr>
+          <a:xfrm>
+            <a:off x="1518383" y="3493268"/>
+            <a:ext cx="325501" cy="307777"/>
+          </a:xfrm>
+          <a:prstGeom prst="rect">
+            <a:avLst/>
+          </a:prstGeom>
+          <a:noFill/>
+        </p:spPr>
+        <p:txBody>
+          <a:bodyPr wrap="square" rtlCol="0">
+            <a:spAutoFit/>
+          </a:bodyPr>
+          <a:lstStyle/>
+          <a:p>
+            <a:r>
+              <a:rPr lang="en-US" sz="1400" dirty="0">
+                <a:latin typeface="+mj-lt"/>
+              </a:rPr>
+              <a:t>B</a:t>
+            </a:r>
+            <a:endParaRPr lang="en-ZA" sz="1400" dirty="0">
+              <a:latin typeface="+mj-lt"/>
+            </a:endParaRPr>
+          </a:p>
+        </p:txBody>
+      </p:sp>
+      <p:sp>
+        <p:nvSpPr>
+          <p:cNvPr id="6" name="TextBox 5">
+            <a:extLst>
+              <a:ext uri="{FF2B5EF4-FFF2-40B4-BE49-F238E27FC236}">
+                <a16:creationId xmlns:a16="http://schemas.microsoft.com/office/drawing/2014/main" id="{A411A98E-8CAB-849B-5004-42BA1EED3902}"/>
+              </a:ext>
+            </a:extLst>
+          </p:cNvPr>
+          <p:cNvSpPr txBox="1"/>
+          <p:nvPr/>
+        </p:nvSpPr>
+        <p:spPr>
+          <a:xfrm>
+            <a:off x="3072551" y="3767901"/>
+            <a:ext cx="325501" cy="307777"/>
+          </a:xfrm>
+          <a:prstGeom prst="rect">
+            <a:avLst/>
+          </a:prstGeom>
+          <a:noFill/>
+        </p:spPr>
+        <p:txBody>
+          <a:bodyPr wrap="square" rtlCol="0">
+            <a:spAutoFit/>
+          </a:bodyPr>
+          <a:lstStyle/>
+          <a:p>
+            <a:r>
+              <a:rPr lang="en-US" sz="1400" dirty="0">
+                <a:latin typeface="+mj-lt"/>
+              </a:rPr>
+              <a:t>B</a:t>
+            </a:r>
+            <a:endParaRPr lang="en-ZA" sz="1400" dirty="0">
+              <a:latin typeface="+mj-lt"/>
+            </a:endParaRPr>
+          </a:p>
+        </p:txBody>
+      </p:sp>
+      <p:sp>
+        <p:nvSpPr>
+          <p:cNvPr id="7" name="TextBox 6">
+            <a:extLst>
+              <a:ext uri="{FF2B5EF4-FFF2-40B4-BE49-F238E27FC236}">
+                <a16:creationId xmlns:a16="http://schemas.microsoft.com/office/drawing/2014/main" id="{5F07BD91-C0A2-B74D-A535-F6D69B530997}"/>
+              </a:ext>
+            </a:extLst>
+          </p:cNvPr>
+          <p:cNvSpPr txBox="1"/>
+          <p:nvPr/>
+        </p:nvSpPr>
+        <p:spPr>
+          <a:xfrm>
+            <a:off x="1168332" y="4631848"/>
+            <a:ext cx="325501" cy="307777"/>
+          </a:xfrm>
+          <a:prstGeom prst="rect">
+            <a:avLst/>
+          </a:prstGeom>
+          <a:noFill/>
+        </p:spPr>
+        <p:txBody>
+          <a:bodyPr wrap="square" rtlCol="0">
+            <a:spAutoFit/>
+          </a:bodyPr>
+          <a:lstStyle/>
+          <a:p>
+            <a:r>
+              <a:rPr lang="en-US" sz="1400" dirty="0">
+                <a:latin typeface="+mj-lt"/>
+              </a:rPr>
+              <a:t>A</a:t>
+            </a:r>
+            <a:endParaRPr lang="en-ZA" sz="1400" dirty="0">
+              <a:latin typeface="+mj-lt"/>
+            </a:endParaRPr>
+          </a:p>
+        </p:txBody>
+      </p:sp>
+      <p:sp>
+        <p:nvSpPr>
+          <p:cNvPr id="8" name="TextBox 7">
+            <a:extLst>
+              <a:ext uri="{FF2B5EF4-FFF2-40B4-BE49-F238E27FC236}">
+                <a16:creationId xmlns:a16="http://schemas.microsoft.com/office/drawing/2014/main" id="{4D618C80-765F-4C74-FE7D-AAD1DC00900C}"/>
+              </a:ext>
+            </a:extLst>
+          </p:cNvPr>
+          <p:cNvSpPr txBox="1"/>
+          <p:nvPr/>
+        </p:nvSpPr>
+        <p:spPr>
+          <a:xfrm>
+            <a:off x="1873117" y="4272433"/>
+            <a:ext cx="325501" cy="307777"/>
+          </a:xfrm>
+          <a:prstGeom prst="rect">
+            <a:avLst/>
+          </a:prstGeom>
+          <a:noFill/>
+        </p:spPr>
+        <p:txBody>
+          <a:bodyPr wrap="square" rtlCol="0">
+            <a:spAutoFit/>
+          </a:bodyPr>
+          <a:lstStyle/>
+          <a:p>
+            <a:r>
+              <a:rPr lang="en-US" sz="1400" dirty="0">
+                <a:latin typeface="+mj-lt"/>
+              </a:rPr>
+              <a:t>A</a:t>
+            </a:r>
+            <a:endParaRPr lang="en-ZA" sz="1400" dirty="0">
+              <a:latin typeface="+mj-lt"/>
+            </a:endParaRPr>
+          </a:p>
+        </p:txBody>
+      </p:sp>
+      <p:sp>
+        <p:nvSpPr>
+          <p:cNvPr id="9" name="TextBox 8">
+            <a:extLst>
+              <a:ext uri="{FF2B5EF4-FFF2-40B4-BE49-F238E27FC236}">
+                <a16:creationId xmlns:a16="http://schemas.microsoft.com/office/drawing/2014/main" id="{C5D8C384-06E2-2D4B-6E6C-9C25BFB98A76}"/>
+              </a:ext>
+            </a:extLst>
+          </p:cNvPr>
+          <p:cNvSpPr txBox="1"/>
+          <p:nvPr/>
+        </p:nvSpPr>
+        <p:spPr>
+          <a:xfrm>
+            <a:off x="2723955" y="4580210"/>
+            <a:ext cx="325501" cy="307777"/>
+          </a:xfrm>
+          <a:prstGeom prst="rect">
+            <a:avLst/>
+          </a:prstGeom>
+          <a:noFill/>
+        </p:spPr>
+        <p:txBody>
+          <a:bodyPr wrap="square" rtlCol="0">
+            <a:spAutoFit/>
+          </a:bodyPr>
+          <a:lstStyle/>
+          <a:p>
+            <a:r>
+              <a:rPr lang="en-US" sz="1400" dirty="0">
+                <a:latin typeface="+mj-lt"/>
+              </a:rPr>
+              <a:t>A</a:t>
+            </a:r>
+            <a:endParaRPr lang="en-ZA" sz="1400" dirty="0">
+              <a:latin typeface="+mj-lt"/>
+            </a:endParaRPr>
+          </a:p>
+        </p:txBody>
+      </p:sp>
+      <p:sp>
+        <p:nvSpPr>
+          <p:cNvPr id="10" name="TextBox 9">
+            <a:extLst>
+              <a:ext uri="{FF2B5EF4-FFF2-40B4-BE49-F238E27FC236}">
+                <a16:creationId xmlns:a16="http://schemas.microsoft.com/office/drawing/2014/main" id="{B91BCCEF-CEC4-3C91-1A61-30BE51AD0581}"/>
+              </a:ext>
+            </a:extLst>
+          </p:cNvPr>
+          <p:cNvSpPr txBox="1"/>
+          <p:nvPr/>
+        </p:nvSpPr>
+        <p:spPr>
+          <a:xfrm>
+            <a:off x="3428740" y="4477959"/>
+            <a:ext cx="325501" cy="307777"/>
+          </a:xfrm>
+          <a:prstGeom prst="rect">
+            <a:avLst/>
+          </a:prstGeom>
+          <a:noFill/>
+        </p:spPr>
+        <p:txBody>
+          <a:bodyPr wrap="square" rtlCol="0">
+            <a:spAutoFit/>
+          </a:bodyPr>
+          <a:lstStyle/>
+          <a:p>
+            <a:r>
+              <a:rPr lang="en-US" sz="1400" dirty="0">
+                <a:latin typeface="+mj-lt"/>
+              </a:rPr>
+              <a:t>A</a:t>
+            </a:r>
+            <a:endParaRPr lang="en-ZA" sz="1400" dirty="0">
+              <a:latin typeface="+mj-lt"/>
+            </a:endParaRPr>
+          </a:p>
+        </p:txBody>
+      </p:sp>
+      <p:sp>
+        <p:nvSpPr>
+          <p:cNvPr id="11" name="TextBox 10">
+            <a:extLst>
+              <a:ext uri="{FF2B5EF4-FFF2-40B4-BE49-F238E27FC236}">
+                <a16:creationId xmlns:a16="http://schemas.microsoft.com/office/drawing/2014/main" id="{8545543E-40DD-BE6C-1CB4-4F87F744CDD0}"/>
+              </a:ext>
+            </a:extLst>
+          </p:cNvPr>
+          <p:cNvSpPr txBox="1"/>
+          <p:nvPr/>
+        </p:nvSpPr>
+        <p:spPr>
+          <a:xfrm>
+            <a:off x="4826349" y="2395260"/>
+            <a:ext cx="325501" cy="307777"/>
+          </a:xfrm>
+          <a:prstGeom prst="rect">
+            <a:avLst/>
+          </a:prstGeom>
+          <a:noFill/>
+        </p:spPr>
+        <p:txBody>
+          <a:bodyPr wrap="square" rtlCol="0">
+            <a:spAutoFit/>
+          </a:bodyPr>
+          <a:lstStyle/>
+          <a:p>
+            <a:r>
+              <a:rPr lang="en-US" sz="1400" dirty="0">
+                <a:latin typeface="+mj-lt"/>
+              </a:rPr>
+              <a:t>A</a:t>
+            </a:r>
+            <a:endParaRPr lang="en-ZA" sz="1400" dirty="0">
+              <a:latin typeface="+mj-lt"/>
+            </a:endParaRPr>
+          </a:p>
+        </p:txBody>
+      </p:sp>
+      <p:sp>
+        <p:nvSpPr>
+          <p:cNvPr id="12" name="TextBox 11">
+            <a:extLst>
+              <a:ext uri="{FF2B5EF4-FFF2-40B4-BE49-F238E27FC236}">
+                <a16:creationId xmlns:a16="http://schemas.microsoft.com/office/drawing/2014/main" id="{BBB9C8AE-C4D1-FDDD-61C8-BFE6B0EA99A0}"/>
+              </a:ext>
+            </a:extLst>
+          </p:cNvPr>
+          <p:cNvSpPr txBox="1"/>
+          <p:nvPr/>
+        </p:nvSpPr>
+        <p:spPr>
+          <a:xfrm>
+            <a:off x="6379997" y="2791083"/>
+            <a:ext cx="325501" cy="307777"/>
+          </a:xfrm>
+          <a:prstGeom prst="rect">
+            <a:avLst/>
+          </a:prstGeom>
+          <a:noFill/>
+        </p:spPr>
+        <p:txBody>
+          <a:bodyPr wrap="square" rtlCol="0">
+            <a:spAutoFit/>
+          </a:bodyPr>
+          <a:lstStyle/>
+          <a:p>
+            <a:r>
+              <a:rPr lang="en-US" sz="1400" dirty="0">
+                <a:latin typeface="+mj-lt"/>
+              </a:rPr>
+              <a:t>A</a:t>
+            </a:r>
+            <a:endParaRPr lang="en-ZA" sz="1400" dirty="0">
+              <a:latin typeface="+mj-lt"/>
+            </a:endParaRPr>
+          </a:p>
+        </p:txBody>
+      </p:sp>
+      <p:sp>
+        <p:nvSpPr>
+          <p:cNvPr id="13" name="TextBox 12">
+            <a:extLst>
+              <a:ext uri="{FF2B5EF4-FFF2-40B4-BE49-F238E27FC236}">
+                <a16:creationId xmlns:a16="http://schemas.microsoft.com/office/drawing/2014/main" id="{C256E031-03A9-D51B-B3EC-580DDF892CBD}"/>
+              </a:ext>
+            </a:extLst>
+          </p:cNvPr>
+          <p:cNvSpPr txBox="1"/>
+          <p:nvPr/>
+        </p:nvSpPr>
+        <p:spPr>
+          <a:xfrm>
+            <a:off x="5290311" y="3898453"/>
+            <a:ext cx="325501" cy="307777"/>
+          </a:xfrm>
+          <a:prstGeom prst="rect">
+            <a:avLst/>
+          </a:prstGeom>
+          <a:noFill/>
+        </p:spPr>
+        <p:txBody>
+          <a:bodyPr wrap="square" rtlCol="0">
+            <a:spAutoFit/>
+          </a:bodyPr>
+          <a:lstStyle/>
+          <a:p>
+            <a:r>
+              <a:rPr lang="en-US" sz="1400" dirty="0">
+                <a:latin typeface="+mj-lt"/>
+              </a:rPr>
+              <a:t>B</a:t>
+            </a:r>
+            <a:endParaRPr lang="en-ZA" sz="1400" dirty="0">
+              <a:latin typeface="+mj-lt"/>
+            </a:endParaRPr>
+          </a:p>
+        </p:txBody>
+      </p:sp>
+      <p:sp>
+        <p:nvSpPr>
+          <p:cNvPr id="14" name="TextBox 13">
+            <a:extLst>
+              <a:ext uri="{FF2B5EF4-FFF2-40B4-BE49-F238E27FC236}">
+                <a16:creationId xmlns:a16="http://schemas.microsoft.com/office/drawing/2014/main" id="{8E50AC71-706B-B650-7628-F2F3813B27CB}"/>
+              </a:ext>
+            </a:extLst>
+          </p:cNvPr>
+          <p:cNvSpPr txBox="1"/>
+          <p:nvPr/>
+        </p:nvSpPr>
+        <p:spPr>
+          <a:xfrm>
+            <a:off x="6847599" y="3647156"/>
+            <a:ext cx="325501" cy="307777"/>
+          </a:xfrm>
+          <a:prstGeom prst="rect">
+            <a:avLst/>
+          </a:prstGeom>
+          <a:noFill/>
+        </p:spPr>
+        <p:txBody>
+          <a:bodyPr wrap="square" rtlCol="0">
+            <a:spAutoFit/>
+          </a:bodyPr>
+          <a:lstStyle/>
+          <a:p>
+            <a:r>
+              <a:rPr lang="en-US" sz="1400" dirty="0">
+                <a:latin typeface="+mj-lt"/>
+              </a:rPr>
+              <a:t>B</a:t>
+            </a:r>
+            <a:endParaRPr lang="en-ZA" sz="1400" dirty="0">
+              <a:latin typeface="+mj-lt"/>
+            </a:endParaRPr>
+          </a:p>
+        </p:txBody>
+      </p:sp>
+      <p:sp>
+        <p:nvSpPr>
+          <p:cNvPr id="15" name="TextBox 14">
+            <a:extLst>
+              <a:ext uri="{FF2B5EF4-FFF2-40B4-BE49-F238E27FC236}">
+                <a16:creationId xmlns:a16="http://schemas.microsoft.com/office/drawing/2014/main" id="{D47280AB-9D8D-43E1-5A97-3CC16BFD6009}"/>
+              </a:ext>
+            </a:extLst>
+          </p:cNvPr>
+          <p:cNvSpPr txBox="1"/>
+          <p:nvPr/>
+        </p:nvSpPr>
+        <p:spPr>
+          <a:xfrm>
+            <a:off x="5908283" y="1635860"/>
+            <a:ext cx="325501" cy="307777"/>
+          </a:xfrm>
+          <a:prstGeom prst="rect">
+            <a:avLst/>
+          </a:prstGeom>
+          <a:noFill/>
+        </p:spPr>
+        <p:txBody>
+          <a:bodyPr wrap="square" rtlCol="0">
+            <a:spAutoFit/>
+          </a:bodyPr>
+          <a:lstStyle/>
+          <a:p>
+            <a:r>
+              <a:rPr lang="en-US" sz="1400" dirty="0">
+                <a:latin typeface="+mj-lt"/>
+              </a:rPr>
+              <a:t>C</a:t>
+            </a:r>
+            <a:endParaRPr lang="en-ZA" sz="1400" dirty="0">
+              <a:latin typeface="+mj-lt"/>
+            </a:endParaRPr>
+          </a:p>
+        </p:txBody>
+      </p:sp>
+      <p:sp>
+        <p:nvSpPr>
+          <p:cNvPr id="16" name="TextBox 15">
+            <a:extLst>
+              <a:ext uri="{FF2B5EF4-FFF2-40B4-BE49-F238E27FC236}">
+                <a16:creationId xmlns:a16="http://schemas.microsoft.com/office/drawing/2014/main" id="{90DF5DFA-C0E1-CA01-61C5-7F8EB8800228}"/>
+              </a:ext>
+            </a:extLst>
+          </p:cNvPr>
+          <p:cNvSpPr txBox="1"/>
+          <p:nvPr/>
+        </p:nvSpPr>
+        <p:spPr>
+          <a:xfrm>
+            <a:off x="4362957" y="1903731"/>
+            <a:ext cx="325501" cy="307777"/>
+          </a:xfrm>
+          <a:prstGeom prst="rect">
+            <a:avLst/>
+          </a:prstGeom>
+          <a:noFill/>
+        </p:spPr>
+        <p:txBody>
+          <a:bodyPr wrap="square" rtlCol="0">
+            <a:spAutoFit/>
+          </a:bodyPr>
+          <a:lstStyle/>
+          <a:p>
+            <a:r>
+              <a:rPr lang="en-US" sz="1400" dirty="0">
+                <a:latin typeface="+mj-lt"/>
+              </a:rPr>
+              <a:t>C</a:t>
+            </a:r>
+            <a:endParaRPr lang="en-ZA" sz="1400" dirty="0">
+              <a:latin typeface="+mj-lt"/>
+            </a:endParaRPr>
+          </a:p>
+        </p:txBody>
+      </p:sp>
+      <p:sp>
+        <p:nvSpPr>
+          <p:cNvPr id="17" name="TextBox 16">
+            <a:extLst>
+              <a:ext uri="{FF2B5EF4-FFF2-40B4-BE49-F238E27FC236}">
+                <a16:creationId xmlns:a16="http://schemas.microsoft.com/office/drawing/2014/main" id="{2A48D3FB-9059-6D89-C72F-6BAFB728C3CC}"/>
+              </a:ext>
+            </a:extLst>
+          </p:cNvPr>
+          <p:cNvSpPr txBox="1"/>
+          <p:nvPr/>
+        </p:nvSpPr>
+        <p:spPr>
+          <a:xfrm>
+            <a:off x="7848912" y="1305083"/>
+            <a:ext cx="325501" cy="307777"/>
+          </a:xfrm>
+          <a:prstGeom prst="rect">
+            <a:avLst/>
+          </a:prstGeom>
+          <a:noFill/>
+        </p:spPr>
+        <p:txBody>
+          <a:bodyPr wrap="square" rtlCol="0">
+            <a:spAutoFit/>
+          </a:bodyPr>
+          <a:lstStyle/>
+          <a:p>
+            <a:r>
+              <a:rPr lang="en-US" sz="1400" dirty="0">
+                <a:latin typeface="+mj-lt"/>
+              </a:rPr>
+              <a:t>C</a:t>
+            </a:r>
+            <a:endParaRPr lang="en-ZA" sz="1400" dirty="0">
+              <a:latin typeface="+mj-lt"/>
+            </a:endParaRPr>
+          </a:p>
+        </p:txBody>
+      </p:sp>
+      <p:sp>
+        <p:nvSpPr>
+          <p:cNvPr id="18" name="TextBox 17">
+            <a:extLst>
+              <a:ext uri="{FF2B5EF4-FFF2-40B4-BE49-F238E27FC236}">
+                <a16:creationId xmlns:a16="http://schemas.microsoft.com/office/drawing/2014/main" id="{7AB1B68E-7E87-C6E4-1050-443A426389AE}"/>
+              </a:ext>
+            </a:extLst>
+          </p:cNvPr>
+          <p:cNvSpPr txBox="1"/>
+          <p:nvPr/>
+        </p:nvSpPr>
+        <p:spPr>
+          <a:xfrm>
+            <a:off x="9406956" y="1714971"/>
+            <a:ext cx="325501" cy="307777"/>
+          </a:xfrm>
+          <a:prstGeom prst="rect">
+            <a:avLst/>
+          </a:prstGeom>
+          <a:noFill/>
+        </p:spPr>
+        <p:txBody>
+          <a:bodyPr wrap="square" rtlCol="0">
+            <a:spAutoFit/>
+          </a:bodyPr>
+          <a:lstStyle/>
+          <a:p>
+            <a:r>
+              <a:rPr lang="en-US" sz="1400" dirty="0">
+                <a:latin typeface="+mj-lt"/>
+              </a:rPr>
+              <a:t>C</a:t>
+            </a:r>
+            <a:endParaRPr lang="en-ZA" sz="1400" dirty="0">
+              <a:latin typeface="+mj-lt"/>
+            </a:endParaRPr>
+          </a:p>
+        </p:txBody>
+      </p:sp>
+      <p:sp>
+        <p:nvSpPr>
+          <p:cNvPr id="19" name="TextBox 18">
+            <a:extLst>
+              <a:ext uri="{FF2B5EF4-FFF2-40B4-BE49-F238E27FC236}">
+                <a16:creationId xmlns:a16="http://schemas.microsoft.com/office/drawing/2014/main" id="{76F4AEF9-A080-C2F1-3299-728678C8853A}"/>
+              </a:ext>
+            </a:extLst>
+          </p:cNvPr>
+          <p:cNvSpPr txBox="1"/>
+          <p:nvPr/>
+        </p:nvSpPr>
+        <p:spPr>
+          <a:xfrm>
+            <a:off x="8322758" y="2395259"/>
+            <a:ext cx="325501" cy="307777"/>
+          </a:xfrm>
+          <a:prstGeom prst="rect">
+            <a:avLst/>
+          </a:prstGeom>
+          <a:noFill/>
+        </p:spPr>
+        <p:txBody>
+          <a:bodyPr wrap="square" rtlCol="0">
+            <a:spAutoFit/>
+          </a:bodyPr>
+          <a:lstStyle/>
+          <a:p>
+            <a:r>
+              <a:rPr lang="en-US" sz="1400" dirty="0">
+                <a:latin typeface="+mj-lt"/>
+              </a:rPr>
+              <a:t>A</a:t>
+            </a:r>
+            <a:endParaRPr lang="en-ZA" sz="1400" dirty="0">
+              <a:latin typeface="+mj-lt"/>
+            </a:endParaRPr>
+          </a:p>
+        </p:txBody>
+      </p:sp>
+      <p:sp>
+        <p:nvSpPr>
+          <p:cNvPr id="20" name="TextBox 19">
+            <a:extLst>
+              <a:ext uri="{FF2B5EF4-FFF2-40B4-BE49-F238E27FC236}">
+                <a16:creationId xmlns:a16="http://schemas.microsoft.com/office/drawing/2014/main" id="{5EDA1051-0A40-D671-E257-44FEB6463A47}"/>
+              </a:ext>
+            </a:extLst>
+          </p:cNvPr>
+          <p:cNvSpPr txBox="1"/>
+          <p:nvPr/>
+        </p:nvSpPr>
+        <p:spPr>
+          <a:xfrm>
+            <a:off x="9879527" y="2241370"/>
+            <a:ext cx="325501" cy="307777"/>
+          </a:xfrm>
+          <a:prstGeom prst="rect">
+            <a:avLst/>
+          </a:prstGeom>
+          <a:noFill/>
+        </p:spPr>
+        <p:txBody>
+          <a:bodyPr wrap="square" rtlCol="0">
+            <a:spAutoFit/>
+          </a:bodyPr>
+          <a:lstStyle/>
+          <a:p>
+            <a:r>
+              <a:rPr lang="en-US" sz="1400" dirty="0">
+                <a:latin typeface="+mj-lt"/>
+              </a:rPr>
+              <a:t>A</a:t>
+            </a:r>
+            <a:endParaRPr lang="en-ZA" sz="1400" dirty="0">
+              <a:latin typeface="+mj-lt"/>
+            </a:endParaRPr>
+          </a:p>
+        </p:txBody>
+      </p:sp>
+      <p:sp>
+        <p:nvSpPr>
+          <p:cNvPr id="21" name="TextBox 20">
+            <a:extLst>
+              <a:ext uri="{FF2B5EF4-FFF2-40B4-BE49-F238E27FC236}">
+                <a16:creationId xmlns:a16="http://schemas.microsoft.com/office/drawing/2014/main" id="{2011F6C4-0484-52D7-E849-A53E847C0AC0}"/>
+              </a:ext>
+            </a:extLst>
+          </p:cNvPr>
+          <p:cNvSpPr txBox="1"/>
+          <p:nvPr/>
+        </p:nvSpPr>
+        <p:spPr>
+          <a:xfrm>
+            <a:off x="8790361" y="3521355"/>
+            <a:ext cx="325501" cy="307777"/>
+          </a:xfrm>
+          <a:prstGeom prst="rect">
+            <a:avLst/>
+          </a:prstGeom>
+          <a:noFill/>
+        </p:spPr>
+        <p:txBody>
+          <a:bodyPr wrap="square" rtlCol="0">
+            <a:spAutoFit/>
+          </a:bodyPr>
+          <a:lstStyle/>
+          <a:p>
+            <a:r>
+              <a:rPr lang="en-US" sz="1400" dirty="0">
+                <a:latin typeface="+mj-lt"/>
+              </a:rPr>
+              <a:t>B</a:t>
+            </a:r>
+            <a:endParaRPr lang="en-ZA" sz="1400" dirty="0">
+              <a:latin typeface="+mj-lt"/>
+            </a:endParaRPr>
+          </a:p>
+        </p:txBody>
+      </p:sp>
+      <p:sp>
+        <p:nvSpPr>
+          <p:cNvPr id="22" name="TextBox 21">
+            <a:extLst>
+              <a:ext uri="{FF2B5EF4-FFF2-40B4-BE49-F238E27FC236}">
+                <a16:creationId xmlns:a16="http://schemas.microsoft.com/office/drawing/2014/main" id="{446644E4-E54A-9A0D-3DE7-953D72FB3FDE}"/>
+              </a:ext>
+            </a:extLst>
+          </p:cNvPr>
+          <p:cNvSpPr txBox="1"/>
+          <p:nvPr/>
+        </p:nvSpPr>
+        <p:spPr>
+          <a:xfrm>
+            <a:off x="10348116" y="3428999"/>
+            <a:ext cx="325501" cy="307777"/>
+          </a:xfrm>
+          <a:prstGeom prst="rect">
+            <a:avLst/>
+          </a:prstGeom>
+          <a:noFill/>
+        </p:spPr>
+        <p:txBody>
+          <a:bodyPr wrap="square" rtlCol="0">
+            <a:spAutoFit/>
+          </a:bodyPr>
+          <a:lstStyle/>
+          <a:p>
+            <a:r>
+              <a:rPr lang="en-US" sz="1400" dirty="0">
+                <a:latin typeface="+mj-lt"/>
+              </a:rPr>
+              <a:t>B</a:t>
+            </a:r>
+            <a:endParaRPr lang="en-ZA" sz="1400" dirty="0">
+              <a:latin typeface="+mj-lt"/>
+            </a:endParaRPr>
+          </a:p>
+        </p:txBody>
+      </p:sp>
+    </p:spTree>
+    <p:extLst>
+      <p:ext uri="{BB962C8B-B14F-4D97-AF65-F5344CB8AC3E}">
+        <p14:creationId xmlns:p14="http://schemas.microsoft.com/office/powerpoint/2010/main" val="875970895"/>
+      </p:ext>
+    </p:extLst>
+  </p:cSld>
+  <p:clrMapOvr>
+    <a:masterClrMapping/>
+  </p:clrMapOvr>
+</p:sld>
+</file>
+
+<file path=ppt/slides/slide18.xml><?xml version="1.0" encoding="utf-8"?>
+<p:sld xmlns:a="http://schemas.openxmlformats.org/drawingml/2006/main" xmlns:r="http://schemas.openxmlformats.org/officeDocument/2006/relationships" xmlns:p="http://schemas.openxmlformats.org/presentationml/2006/main">
+  <p:cSld>
+    <p:spTree>
+      <p:nvGrpSpPr>
+        <p:cNvPr id="1" name=""/>
+        <p:cNvGrpSpPr/>
+        <p:nvPr/>
+      </p:nvGrpSpPr>
+      <p:grpSpPr>
+        <a:xfrm>
+          <a:off x="0" y="0"/>
+          <a:ext cx="0" cy="0"/>
+          <a:chOff x="0" y="0"/>
+          <a:chExt cx="0" cy="0"/>
+        </a:xfrm>
+      </p:grpSpPr>
+      <p:sp>
+        <p:nvSpPr>
+          <p:cNvPr id="2" name="Title 1">
+            <a:extLst>
+              <a:ext uri="{FF2B5EF4-FFF2-40B4-BE49-F238E27FC236}">
+                <a16:creationId xmlns:a16="http://schemas.microsoft.com/office/drawing/2014/main" id="{8A35221F-574F-FF57-3F42-5FE915F5970A}"/>
+              </a:ext>
+            </a:extLst>
+          </p:cNvPr>
+          <p:cNvSpPr>
+            <a:spLocks noGrp="1"/>
+          </p:cNvSpPr>
+          <p:nvPr>
+            <p:ph type="title"/>
+          </p:nvPr>
+        </p:nvSpPr>
+        <p:spPr/>
+        <p:txBody>
+          <a:bodyPr/>
+          <a:lstStyle/>
+          <a:p>
+            <a:endParaRPr lang="en-ZA"/>
+          </a:p>
+        </p:txBody>
+      </p:sp>
+      <p:sp>
+        <p:nvSpPr>
+          <p:cNvPr id="3" name="Content Placeholder 2">
+            <a:extLst>
+              <a:ext uri="{FF2B5EF4-FFF2-40B4-BE49-F238E27FC236}">
+                <a16:creationId xmlns:a16="http://schemas.microsoft.com/office/drawing/2014/main" id="{871BDAE7-B058-4BB5-A67E-B92BE7D91FEA}"/>
+              </a:ext>
+            </a:extLst>
+          </p:cNvPr>
+          <p:cNvSpPr>
+            <a:spLocks noGrp="1"/>
+          </p:cNvSpPr>
+          <p:nvPr>
+            <p:ph idx="1"/>
+          </p:nvPr>
+        </p:nvSpPr>
+        <p:spPr/>
+        <p:txBody>
+          <a:bodyPr/>
+          <a:lstStyle/>
+          <a:p>
+            <a:endParaRPr lang="en-ZA"/>
+          </a:p>
+        </p:txBody>
+      </p:sp>
+    </p:spTree>
+    <p:extLst>
+      <p:ext uri="{BB962C8B-B14F-4D97-AF65-F5344CB8AC3E}">
+        <p14:creationId xmlns:p14="http://schemas.microsoft.com/office/powerpoint/2010/main" val="1954385145"/>
+      </p:ext>
+    </p:extLst>
+  </p:cSld>
+  <p:clrMapOvr>
+    <a:masterClrMapping/>
+  </p:clrMapOvr>
+</p:sld>
+</file>
+
+<file path=ppt/slides/slide19.xml><?xml version="1.0" encoding="utf-8"?>
+<p:sld xmlns:a="http://schemas.openxmlformats.org/drawingml/2006/main" xmlns:r="http://schemas.openxmlformats.org/officeDocument/2006/relationships" xmlns:p="http://schemas.openxmlformats.org/presentationml/2006/main">
+  <p:cSld>
+    <p:bg>
+      <p:bgPr>
+        <a:solidFill>
+          <a:schemeClr val="bg1"/>
+        </a:solidFill>
+        <a:effectLst/>
+      </p:bgPr>
+    </p:bg>
+    <p:spTree>
+      <p:nvGrpSpPr>
+        <p:cNvPr id="1" name=""/>
+        <p:cNvGrpSpPr/>
+        <p:nvPr/>
+      </p:nvGrpSpPr>
+      <p:grpSpPr>
+        <a:xfrm>
+          <a:off x="0" y="0"/>
+          <a:ext cx="0" cy="0"/>
+          <a:chOff x="0" y="0"/>
+          <a:chExt cx="0" cy="0"/>
+        </a:xfrm>
+      </p:grpSpPr>
+      <p:pic>
+        <p:nvPicPr>
+          <p:cNvPr id="5" name="Content Placeholder 4" descr="A graph of different colored squares&#10;&#10;Description automatically generated">
+            <a:extLst>
+              <a:ext uri="{FF2B5EF4-FFF2-40B4-BE49-F238E27FC236}">
+                <a16:creationId xmlns:a16="http://schemas.microsoft.com/office/drawing/2014/main" id="{FADB7D98-6939-32A5-A876-DB8972DAE79A}"/>
+              </a:ext>
+            </a:extLst>
+          </p:cNvPr>
+          <p:cNvPicPr>
+            <a:picLocks noGrp="1" noChangeAspect="1"/>
+          </p:cNvPicPr>
+          <p:nvPr>
+            <p:ph idx="1"/>
+          </p:nvPr>
+        </p:nvPicPr>
+        <p:blipFill>
+          <a:blip r:embed="rId2">
+            <a:extLst>
+              <a:ext uri="{28A0092B-C50C-407E-A947-70E740481C1C}">
+                <a14:useLocalDpi xmlns:a14="http://schemas.microsoft.com/office/drawing/2010/main" val="0"/>
+              </a:ext>
+            </a:extLst>
+          </a:blip>
+          <a:stretch>
+            <a:fillRect/>
+          </a:stretch>
+        </p:blipFill>
+        <p:spPr>
+          <a:xfrm>
+            <a:off x="107839" y="711200"/>
+            <a:ext cx="11976322" cy="5119879"/>
           </a:xfrm>
           <a:prstGeom prst="rect">
             <a:avLst/>
@@ -3882,10 +7974,10 @@
       </p:pic>
       <p:grpSp>
         <p:nvGrpSpPr>
-          <p:cNvPr id="12" name="Group 11">
-            <a:extLst>
-              <a:ext uri="{FF2B5EF4-FFF2-40B4-BE49-F238E27FC236}">
-                <a16:creationId xmlns:a16="http://schemas.microsoft.com/office/drawing/2014/main" id="{69799B1E-467D-8785-1AEC-A3614A3B2FB3}"/>
+          <p:cNvPr id="6" name="Group 5">
+            <a:extLst>
+              <a:ext uri="{FF2B5EF4-FFF2-40B4-BE49-F238E27FC236}">
+                <a16:creationId xmlns:a16="http://schemas.microsoft.com/office/drawing/2014/main" id="{5972D642-58EB-0123-6CAC-3B2A7C676FE9}"/>
               </a:ext>
             </a:extLst>
           </p:cNvPr>
@@ -3894,18 +7986,18 @@
         </p:nvGrpSpPr>
         <p:grpSpPr>
           <a:xfrm>
-            <a:off x="2644998" y="1160080"/>
-            <a:ext cx="6230554" cy="4420391"/>
+            <a:off x="2625947" y="1026921"/>
+            <a:ext cx="6298977" cy="4420391"/>
             <a:chOff x="2644998" y="1160080"/>
             <a:chExt cx="6230554" cy="4420391"/>
           </a:xfrm>
         </p:grpSpPr>
         <p:cxnSp>
           <p:nvCxnSpPr>
-            <p:cNvPr id="6" name="Straight Connector 5">
+            <p:cNvPr id="7" name="Straight Connector 6">
               <a:extLst>
                 <a:ext uri="{FF2B5EF4-FFF2-40B4-BE49-F238E27FC236}">
-                  <a16:creationId xmlns:a16="http://schemas.microsoft.com/office/drawing/2014/main" id="{C596B8AF-5334-6AEF-79FC-CF43FFE22010}"/>
+                  <a16:creationId xmlns:a16="http://schemas.microsoft.com/office/drawing/2014/main" id="{C3CD656D-A456-3355-E9ED-D6662CA35CC2}"/>
                 </a:ext>
               </a:extLst>
             </p:cNvPr>
@@ -3944,10 +8036,10 @@
         </p:cxnSp>
         <p:cxnSp>
           <p:nvCxnSpPr>
-            <p:cNvPr id="7" name="Straight Connector 6">
+            <p:cNvPr id="8" name="Straight Connector 7">
               <a:extLst>
                 <a:ext uri="{FF2B5EF4-FFF2-40B4-BE49-F238E27FC236}">
-                  <a16:creationId xmlns:a16="http://schemas.microsoft.com/office/drawing/2014/main" id="{1CB11149-FED8-B6A2-7127-3437916E91A8}"/>
+                  <a16:creationId xmlns:a16="http://schemas.microsoft.com/office/drawing/2014/main" id="{679FE7C4-8452-A332-E8B1-41FED470BB5C}"/>
                 </a:ext>
               </a:extLst>
             </p:cNvPr>
@@ -3986,10 +8078,10 @@
         </p:cxnSp>
         <p:cxnSp>
           <p:nvCxnSpPr>
-            <p:cNvPr id="8" name="Straight Connector 7">
+            <p:cNvPr id="9" name="Straight Connector 8">
               <a:extLst>
                 <a:ext uri="{FF2B5EF4-FFF2-40B4-BE49-F238E27FC236}">
-                  <a16:creationId xmlns:a16="http://schemas.microsoft.com/office/drawing/2014/main" id="{D043EBE7-D162-B18C-B599-34F56BCEEDA4}"/>
+                  <a16:creationId xmlns:a16="http://schemas.microsoft.com/office/drawing/2014/main" id="{4D891943-A7C7-2424-8B57-065041FBB5A9}"/>
                 </a:ext>
               </a:extLst>
             </p:cNvPr>
@@ -4028,10 +8120,10 @@
         </p:cxnSp>
         <p:cxnSp>
           <p:nvCxnSpPr>
-            <p:cNvPr id="9" name="Straight Connector 8">
+            <p:cNvPr id="10" name="Straight Connector 9">
               <a:extLst>
                 <a:ext uri="{FF2B5EF4-FFF2-40B4-BE49-F238E27FC236}">
-                  <a16:creationId xmlns:a16="http://schemas.microsoft.com/office/drawing/2014/main" id="{8F62ACF9-B472-1178-C231-C5A2E47B74F6}"/>
+                  <a16:creationId xmlns:a16="http://schemas.microsoft.com/office/drawing/2014/main" id="{5C0CFD34-E5AB-62F1-7315-EDDF1C29DE9B}"/>
                 </a:ext>
               </a:extLst>
             </p:cNvPr>
@@ -4071,19 +8163,307 @@
       </p:grpSp>
       <p:sp>
         <p:nvSpPr>
-          <p:cNvPr id="2" name="TextBox 1">
-            <a:extLst>
-              <a:ext uri="{FF2B5EF4-FFF2-40B4-BE49-F238E27FC236}">
-                <a16:creationId xmlns:a16="http://schemas.microsoft.com/office/drawing/2014/main" id="{F63C43AC-6995-BB37-8DEB-51C8B490BE9B}"/>
-              </a:ext>
-            </a:extLst>
-          </p:cNvPr>
-          <p:cNvSpPr txBox="1"/>
-          <p:nvPr/>
-        </p:nvSpPr>
-        <p:spPr>
-          <a:xfrm>
-            <a:off x="1377146" y="1410300"/>
+          <p:cNvPr id="11" name="TextBox 10">
+            <a:extLst>
+              <a:ext uri="{FF2B5EF4-FFF2-40B4-BE49-F238E27FC236}">
+                <a16:creationId xmlns:a16="http://schemas.microsoft.com/office/drawing/2014/main" id="{6042089D-79EB-089C-379F-932BAA1D3991}"/>
+              </a:ext>
+            </a:extLst>
+          </p:cNvPr>
+          <p:cNvSpPr txBox="1"/>
+          <p:nvPr/>
+        </p:nvSpPr>
+        <p:spPr>
+          <a:xfrm>
+            <a:off x="1082947" y="2807943"/>
+            <a:ext cx="400045" cy="276999"/>
+          </a:xfrm>
+          <a:prstGeom prst="rect">
+            <a:avLst/>
+          </a:prstGeom>
+          <a:noFill/>
+        </p:spPr>
+        <p:txBody>
+          <a:bodyPr wrap="square" rtlCol="0">
+            <a:spAutoFit/>
+          </a:bodyPr>
+          <a:lstStyle/>
+          <a:p>
+            <a:r>
+              <a:rPr lang="en-US" sz="1200" dirty="0"/>
+              <a:t>A</a:t>
+            </a:r>
+            <a:endParaRPr lang="en-ZA" sz="1200" dirty="0"/>
+          </a:p>
+        </p:txBody>
+      </p:sp>
+      <p:sp>
+        <p:nvSpPr>
+          <p:cNvPr id="12" name="TextBox 11">
+            <a:extLst>
+              <a:ext uri="{FF2B5EF4-FFF2-40B4-BE49-F238E27FC236}">
+                <a16:creationId xmlns:a16="http://schemas.microsoft.com/office/drawing/2014/main" id="{04E8B6E9-CD64-DC28-7B42-86E12884969C}"/>
+              </a:ext>
+            </a:extLst>
+          </p:cNvPr>
+          <p:cNvSpPr txBox="1"/>
+          <p:nvPr/>
+        </p:nvSpPr>
+        <p:spPr>
+          <a:xfrm>
+            <a:off x="1294970" y="3429000"/>
+            <a:ext cx="400045" cy="276999"/>
+          </a:xfrm>
+          <a:prstGeom prst="rect">
+            <a:avLst/>
+          </a:prstGeom>
+          <a:noFill/>
+        </p:spPr>
+        <p:txBody>
+          <a:bodyPr wrap="square" rtlCol="0">
+            <a:spAutoFit/>
+          </a:bodyPr>
+          <a:lstStyle/>
+          <a:p>
+            <a:r>
+              <a:rPr lang="en-US" sz="1200" dirty="0"/>
+              <a:t>A</a:t>
+            </a:r>
+            <a:endParaRPr lang="en-ZA" sz="1200" dirty="0"/>
+          </a:p>
+        </p:txBody>
+      </p:sp>
+      <p:sp>
+        <p:nvSpPr>
+          <p:cNvPr id="13" name="TextBox 12">
+            <a:extLst>
+              <a:ext uri="{FF2B5EF4-FFF2-40B4-BE49-F238E27FC236}">
+                <a16:creationId xmlns:a16="http://schemas.microsoft.com/office/drawing/2014/main" id="{72A147E7-6149-CBF9-A771-1D46953A22CD}"/>
+              </a:ext>
+            </a:extLst>
+          </p:cNvPr>
+          <p:cNvSpPr txBox="1"/>
+          <p:nvPr/>
+        </p:nvSpPr>
+        <p:spPr>
+          <a:xfrm>
+            <a:off x="1999364" y="3084942"/>
+            <a:ext cx="400045" cy="276999"/>
+          </a:xfrm>
+          <a:prstGeom prst="rect">
+            <a:avLst/>
+          </a:prstGeom>
+          <a:noFill/>
+        </p:spPr>
+        <p:txBody>
+          <a:bodyPr wrap="square" rtlCol="0">
+            <a:spAutoFit/>
+          </a:bodyPr>
+          <a:lstStyle/>
+          <a:p>
+            <a:r>
+              <a:rPr lang="en-US" sz="1200" dirty="0"/>
+              <a:t>A</a:t>
+            </a:r>
+            <a:endParaRPr lang="en-ZA" sz="1200" dirty="0"/>
+          </a:p>
+        </p:txBody>
+      </p:sp>
+      <p:sp>
+        <p:nvSpPr>
+          <p:cNvPr id="14" name="TextBox 13">
+            <a:extLst>
+              <a:ext uri="{FF2B5EF4-FFF2-40B4-BE49-F238E27FC236}">
+                <a16:creationId xmlns:a16="http://schemas.microsoft.com/office/drawing/2014/main" id="{5E39391B-4CC3-2EC9-284B-BCED45646B95}"/>
+              </a:ext>
+            </a:extLst>
+          </p:cNvPr>
+          <p:cNvSpPr txBox="1"/>
+          <p:nvPr/>
+        </p:nvSpPr>
+        <p:spPr>
+          <a:xfrm>
+            <a:off x="2213901" y="2669443"/>
+            <a:ext cx="400045" cy="276999"/>
+          </a:xfrm>
+          <a:prstGeom prst="rect">
+            <a:avLst/>
+          </a:prstGeom>
+          <a:noFill/>
+        </p:spPr>
+        <p:txBody>
+          <a:bodyPr wrap="square" rtlCol="0">
+            <a:spAutoFit/>
+          </a:bodyPr>
+          <a:lstStyle/>
+          <a:p>
+            <a:r>
+              <a:rPr lang="en-US" sz="1200" dirty="0"/>
+              <a:t>A</a:t>
+            </a:r>
+            <a:endParaRPr lang="en-ZA" sz="1200" dirty="0"/>
+          </a:p>
+        </p:txBody>
+      </p:sp>
+      <p:sp>
+        <p:nvSpPr>
+          <p:cNvPr id="15" name="TextBox 14">
+            <a:extLst>
+              <a:ext uri="{FF2B5EF4-FFF2-40B4-BE49-F238E27FC236}">
+                <a16:creationId xmlns:a16="http://schemas.microsoft.com/office/drawing/2014/main" id="{76582B63-DD99-0DC5-AB79-AF0237B4259B}"/>
+              </a:ext>
+            </a:extLst>
+          </p:cNvPr>
+          <p:cNvSpPr txBox="1"/>
+          <p:nvPr/>
+        </p:nvSpPr>
+        <p:spPr>
+          <a:xfrm>
+            <a:off x="1799341" y="3948278"/>
+            <a:ext cx="400045" cy="276999"/>
+          </a:xfrm>
+          <a:prstGeom prst="rect">
+            <a:avLst/>
+          </a:prstGeom>
+          <a:noFill/>
+        </p:spPr>
+        <p:txBody>
+          <a:bodyPr wrap="square" rtlCol="0">
+            <a:spAutoFit/>
+          </a:bodyPr>
+          <a:lstStyle/>
+          <a:p>
+            <a:r>
+              <a:rPr lang="en-US" sz="1200" dirty="0"/>
+              <a:t>B</a:t>
+            </a:r>
+            <a:endParaRPr lang="en-ZA" sz="1200" dirty="0"/>
+          </a:p>
+        </p:txBody>
+      </p:sp>
+      <p:sp>
+        <p:nvSpPr>
+          <p:cNvPr id="16" name="TextBox 15">
+            <a:extLst>
+              <a:ext uri="{FF2B5EF4-FFF2-40B4-BE49-F238E27FC236}">
+                <a16:creationId xmlns:a16="http://schemas.microsoft.com/office/drawing/2014/main" id="{83026382-21E0-AB36-E08E-C2747759CD45}"/>
+              </a:ext>
+            </a:extLst>
+          </p:cNvPr>
+          <p:cNvSpPr txBox="1"/>
+          <p:nvPr/>
+        </p:nvSpPr>
+        <p:spPr>
+          <a:xfrm>
+            <a:off x="867272" y="3948278"/>
+            <a:ext cx="400045" cy="276999"/>
+          </a:xfrm>
+          <a:prstGeom prst="rect">
+            <a:avLst/>
+          </a:prstGeom>
+          <a:noFill/>
+        </p:spPr>
+        <p:txBody>
+          <a:bodyPr wrap="square" rtlCol="0">
+            <a:spAutoFit/>
+          </a:bodyPr>
+          <a:lstStyle/>
+          <a:p>
+            <a:r>
+              <a:rPr lang="en-US" sz="1200" dirty="0"/>
+              <a:t>B</a:t>
+            </a:r>
+            <a:endParaRPr lang="en-ZA" sz="1200" dirty="0"/>
+          </a:p>
+        </p:txBody>
+      </p:sp>
+      <p:sp>
+        <p:nvSpPr>
+          <p:cNvPr id="17" name="TextBox 16">
+            <a:extLst>
+              <a:ext uri="{FF2B5EF4-FFF2-40B4-BE49-F238E27FC236}">
+                <a16:creationId xmlns:a16="http://schemas.microsoft.com/office/drawing/2014/main" id="{A6456A90-53F5-A135-65C7-3928AC07CC75}"/>
+              </a:ext>
+            </a:extLst>
+          </p:cNvPr>
+          <p:cNvSpPr txBox="1"/>
+          <p:nvPr/>
+        </p:nvSpPr>
+        <p:spPr>
+          <a:xfrm>
+            <a:off x="667249" y="1944607"/>
+            <a:ext cx="400045" cy="276999"/>
+          </a:xfrm>
+          <a:prstGeom prst="rect">
+            <a:avLst/>
+          </a:prstGeom>
+          <a:noFill/>
+        </p:spPr>
+        <p:txBody>
+          <a:bodyPr wrap="square" rtlCol="0">
+            <a:spAutoFit/>
+          </a:bodyPr>
+          <a:lstStyle/>
+          <a:p>
+            <a:r>
+              <a:rPr lang="en-US" sz="1200" dirty="0"/>
+              <a:t>C</a:t>
+            </a:r>
+            <a:endParaRPr lang="en-ZA" sz="1200" dirty="0"/>
+          </a:p>
+        </p:txBody>
+      </p:sp>
+      <p:sp>
+        <p:nvSpPr>
+          <p:cNvPr id="18" name="TextBox 17">
+            <a:extLst>
+              <a:ext uri="{FF2B5EF4-FFF2-40B4-BE49-F238E27FC236}">
+                <a16:creationId xmlns:a16="http://schemas.microsoft.com/office/drawing/2014/main" id="{6CD194BF-03F0-4573-23D7-21507A45CB8B}"/>
+              </a:ext>
+            </a:extLst>
+          </p:cNvPr>
+          <p:cNvSpPr txBox="1"/>
+          <p:nvPr/>
+        </p:nvSpPr>
+        <p:spPr>
+          <a:xfrm>
+            <a:off x="1596252" y="2282538"/>
+            <a:ext cx="400045" cy="276999"/>
+          </a:xfrm>
+          <a:prstGeom prst="rect">
+            <a:avLst/>
+          </a:prstGeom>
+          <a:noFill/>
+        </p:spPr>
+        <p:txBody>
+          <a:bodyPr wrap="square" rtlCol="0">
+            <a:spAutoFit/>
+          </a:bodyPr>
+          <a:lstStyle/>
+          <a:p>
+            <a:r>
+              <a:rPr lang="en-US" sz="1200" dirty="0"/>
+              <a:t>C</a:t>
+            </a:r>
+            <a:endParaRPr lang="en-ZA" sz="1200" dirty="0"/>
+          </a:p>
+        </p:txBody>
+      </p:sp>
+      <p:sp>
+        <p:nvSpPr>
+          <p:cNvPr id="19" name="TextBox 18">
+            <a:extLst>
+              <a:ext uri="{FF2B5EF4-FFF2-40B4-BE49-F238E27FC236}">
+                <a16:creationId xmlns:a16="http://schemas.microsoft.com/office/drawing/2014/main" id="{E68666A7-CF3A-9373-41E8-BC1D15048E0F}"/>
+              </a:ext>
+            </a:extLst>
+          </p:cNvPr>
+          <p:cNvSpPr txBox="1"/>
+          <p:nvPr/>
+        </p:nvSpPr>
+        <p:spPr>
+          <a:xfrm>
+            <a:off x="5644020" y="1181700"/>
             <a:ext cx="349352" cy="276999"/>
           </a:xfrm>
           <a:prstGeom prst="rect">
@@ -4107,20 +8487,20 @@
       </p:sp>
       <p:sp>
         <p:nvSpPr>
-          <p:cNvPr id="3" name="TextBox 2">
-            <a:extLst>
-              <a:ext uri="{FF2B5EF4-FFF2-40B4-BE49-F238E27FC236}">
-                <a16:creationId xmlns:a16="http://schemas.microsoft.com/office/drawing/2014/main" id="{D28030B2-B3D6-6F3C-5982-D4C4AE1F1B70}"/>
-              </a:ext>
-            </a:extLst>
-          </p:cNvPr>
-          <p:cNvSpPr txBox="1"/>
-          <p:nvPr/>
-        </p:nvSpPr>
-        <p:spPr>
-          <a:xfrm>
-            <a:off x="4826345" y="2414245"/>
-            <a:ext cx="349352" cy="276999"/>
+          <p:cNvPr id="20" name="TextBox 19">
+            <a:extLst>
+              <a:ext uri="{FF2B5EF4-FFF2-40B4-BE49-F238E27FC236}">
+                <a16:creationId xmlns:a16="http://schemas.microsoft.com/office/drawing/2014/main" id="{CDC599F2-E7A7-613D-310A-4D34714B014D}"/>
+              </a:ext>
+            </a:extLst>
+          </p:cNvPr>
+          <p:cNvSpPr txBox="1"/>
+          <p:nvPr/>
+        </p:nvSpPr>
+        <p:spPr>
+          <a:xfrm>
+            <a:off x="4863552" y="2320091"/>
+            <a:ext cx="400045" cy="276999"/>
           </a:xfrm>
           <a:prstGeom prst="rect">
             <a:avLst/>
@@ -4143,20 +8523,56 @@
       </p:sp>
       <p:sp>
         <p:nvSpPr>
-          <p:cNvPr id="4" name="TextBox 3">
-            <a:extLst>
-              <a:ext uri="{FF2B5EF4-FFF2-40B4-BE49-F238E27FC236}">
-                <a16:creationId xmlns:a16="http://schemas.microsoft.com/office/drawing/2014/main" id="{1A67BBE9-0AC5-702D-D316-90646BED621B}"/>
-              </a:ext>
-            </a:extLst>
-          </p:cNvPr>
-          <p:cNvSpPr txBox="1"/>
-          <p:nvPr/>
-        </p:nvSpPr>
-        <p:spPr>
-          <a:xfrm>
-            <a:off x="5447477" y="1818500"/>
-            <a:ext cx="393431" cy="276999"/>
+          <p:cNvPr id="21" name="TextBox 20">
+            <a:extLst>
+              <a:ext uri="{FF2B5EF4-FFF2-40B4-BE49-F238E27FC236}">
+                <a16:creationId xmlns:a16="http://schemas.microsoft.com/office/drawing/2014/main" id="{E9FAAEB1-03C8-B76B-8F9A-3C8B1B9A7740}"/>
+              </a:ext>
+            </a:extLst>
+          </p:cNvPr>
+          <p:cNvSpPr txBox="1"/>
+          <p:nvPr/>
+        </p:nvSpPr>
+        <p:spPr>
+          <a:xfrm>
+            <a:off x="5285413" y="1502874"/>
+            <a:ext cx="400045" cy="276999"/>
+          </a:xfrm>
+          <a:prstGeom prst="rect">
+            <a:avLst/>
+          </a:prstGeom>
+          <a:noFill/>
+        </p:spPr>
+        <p:txBody>
+          <a:bodyPr wrap="square" rtlCol="0">
+            <a:spAutoFit/>
+          </a:bodyPr>
+          <a:lstStyle/>
+          <a:p>
+            <a:r>
+              <a:rPr lang="en-US" sz="1200" dirty="0"/>
+              <a:t>B</a:t>
+            </a:r>
+            <a:endParaRPr lang="en-ZA" sz="1200" dirty="0"/>
+          </a:p>
+        </p:txBody>
+      </p:sp>
+      <p:sp>
+        <p:nvSpPr>
+          <p:cNvPr id="22" name="TextBox 21">
+            <a:extLst>
+              <a:ext uri="{FF2B5EF4-FFF2-40B4-BE49-F238E27FC236}">
+                <a16:creationId xmlns:a16="http://schemas.microsoft.com/office/drawing/2014/main" id="{119BBA6B-2842-FE8F-4DF2-7A0A124DFD70}"/>
+              </a:ext>
+            </a:extLst>
+          </p:cNvPr>
+          <p:cNvSpPr txBox="1"/>
+          <p:nvPr/>
+        </p:nvSpPr>
+        <p:spPr>
+          <a:xfrm>
+            <a:off x="5471828" y="1824048"/>
+            <a:ext cx="400045" cy="276999"/>
           </a:xfrm>
           <a:prstGeom prst="rect">
             <a:avLst/>
@@ -4179,20 +8595,56 @@
       </p:sp>
       <p:sp>
         <p:nvSpPr>
-          <p:cNvPr id="10" name="TextBox 9">
-            <a:extLst>
-              <a:ext uri="{FF2B5EF4-FFF2-40B4-BE49-F238E27FC236}">
-                <a16:creationId xmlns:a16="http://schemas.microsoft.com/office/drawing/2014/main" id="{A8361BC0-9F37-2534-CAEE-ED2BC6CC89A4}"/>
-              </a:ext>
-            </a:extLst>
-          </p:cNvPr>
-          <p:cNvSpPr txBox="1"/>
-          <p:nvPr/>
-        </p:nvSpPr>
-        <p:spPr>
-          <a:xfrm>
-            <a:off x="5250761" y="1313216"/>
-            <a:ext cx="393431" cy="276999"/>
+          <p:cNvPr id="23" name="TextBox 22">
+            <a:extLst>
+              <a:ext uri="{FF2B5EF4-FFF2-40B4-BE49-F238E27FC236}">
+                <a16:creationId xmlns:a16="http://schemas.microsoft.com/office/drawing/2014/main" id="{A3C1977D-BEFE-FF6F-4EEC-6F0530556B38}"/>
+              </a:ext>
+            </a:extLst>
+          </p:cNvPr>
+          <p:cNvSpPr txBox="1"/>
+          <p:nvPr/>
+        </p:nvSpPr>
+        <p:spPr>
+          <a:xfrm>
+            <a:off x="5793349" y="3046715"/>
+            <a:ext cx="400045" cy="276999"/>
+          </a:xfrm>
+          <a:prstGeom prst="rect">
+            <a:avLst/>
+          </a:prstGeom>
+          <a:noFill/>
+        </p:spPr>
+        <p:txBody>
+          <a:bodyPr wrap="square" rtlCol="0">
+            <a:spAutoFit/>
+          </a:bodyPr>
+          <a:lstStyle/>
+          <a:p>
+            <a:r>
+              <a:rPr lang="en-US" sz="1200" dirty="0"/>
+              <a:t>A</a:t>
+            </a:r>
+            <a:endParaRPr lang="en-ZA" sz="1200" dirty="0"/>
+          </a:p>
+        </p:txBody>
+      </p:sp>
+      <p:sp>
+        <p:nvSpPr>
+          <p:cNvPr id="24" name="TextBox 23">
+            <a:extLst>
+              <a:ext uri="{FF2B5EF4-FFF2-40B4-BE49-F238E27FC236}">
+                <a16:creationId xmlns:a16="http://schemas.microsoft.com/office/drawing/2014/main" id="{E3A8335F-54DA-4EEF-8E9A-704944671BAF}"/>
+              </a:ext>
+            </a:extLst>
+          </p:cNvPr>
+          <p:cNvSpPr txBox="1"/>
+          <p:nvPr/>
+        </p:nvSpPr>
+        <p:spPr>
+          <a:xfrm>
+            <a:off x="6210734" y="2118716"/>
+            <a:ext cx="400045" cy="276999"/>
           </a:xfrm>
           <a:prstGeom prst="rect">
             <a:avLst/>
@@ -4215,20 +8667,128 @@
       </p:sp>
       <p:sp>
         <p:nvSpPr>
-          <p:cNvPr id="11" name="TextBox 10">
-            <a:extLst>
-              <a:ext uri="{FF2B5EF4-FFF2-40B4-BE49-F238E27FC236}">
-                <a16:creationId xmlns:a16="http://schemas.microsoft.com/office/drawing/2014/main" id="{281A4FBA-45B9-BDC8-2FEB-4669427DDE8D}"/>
-              </a:ext>
-            </a:extLst>
-          </p:cNvPr>
-          <p:cNvSpPr txBox="1"/>
-          <p:nvPr/>
-        </p:nvSpPr>
-        <p:spPr>
-          <a:xfrm>
-            <a:off x="6169559" y="1568303"/>
-            <a:ext cx="393431" cy="276999"/>
+          <p:cNvPr id="25" name="TextBox 24">
+            <a:extLst>
+              <a:ext uri="{FF2B5EF4-FFF2-40B4-BE49-F238E27FC236}">
+                <a16:creationId xmlns:a16="http://schemas.microsoft.com/office/drawing/2014/main" id="{78C338AD-60A1-5E5C-9D25-2DDC6C0FA5B5}"/>
+              </a:ext>
+            </a:extLst>
+          </p:cNvPr>
+          <p:cNvSpPr txBox="1"/>
+          <p:nvPr/>
+        </p:nvSpPr>
+        <p:spPr>
+          <a:xfrm>
+            <a:off x="6410756" y="2732710"/>
+            <a:ext cx="400045" cy="276999"/>
+          </a:xfrm>
+          <a:prstGeom prst="rect">
+            <a:avLst/>
+          </a:prstGeom>
+          <a:noFill/>
+        </p:spPr>
+        <p:txBody>
+          <a:bodyPr wrap="square" rtlCol="0">
+            <a:spAutoFit/>
+          </a:bodyPr>
+          <a:lstStyle/>
+          <a:p>
+            <a:r>
+              <a:rPr lang="en-US" sz="1200" dirty="0"/>
+              <a:t>AB</a:t>
+            </a:r>
+            <a:endParaRPr lang="en-ZA" sz="1200" dirty="0"/>
+          </a:p>
+        </p:txBody>
+      </p:sp>
+      <p:sp>
+        <p:nvSpPr>
+          <p:cNvPr id="26" name="TextBox 25">
+            <a:extLst>
+              <a:ext uri="{FF2B5EF4-FFF2-40B4-BE49-F238E27FC236}">
+                <a16:creationId xmlns:a16="http://schemas.microsoft.com/office/drawing/2014/main" id="{C8C4BA87-4710-C5BA-9CC7-DEE14A7F5337}"/>
+              </a:ext>
+            </a:extLst>
+          </p:cNvPr>
+          <p:cNvSpPr txBox="1"/>
+          <p:nvPr/>
+        </p:nvSpPr>
+        <p:spPr>
+          <a:xfrm>
+            <a:off x="7537191" y="2395715"/>
+            <a:ext cx="400045" cy="276999"/>
+          </a:xfrm>
+          <a:prstGeom prst="rect">
+            <a:avLst/>
+          </a:prstGeom>
+          <a:noFill/>
+        </p:spPr>
+        <p:txBody>
+          <a:bodyPr wrap="square" rtlCol="0">
+            <a:spAutoFit/>
+          </a:bodyPr>
+          <a:lstStyle/>
+          <a:p>
+            <a:r>
+              <a:rPr lang="en-US" sz="1200" dirty="0"/>
+              <a:t>AB</a:t>
+            </a:r>
+            <a:endParaRPr lang="en-ZA" sz="1200" dirty="0"/>
+          </a:p>
+        </p:txBody>
+      </p:sp>
+      <p:sp>
+        <p:nvSpPr>
+          <p:cNvPr id="27" name="TextBox 26">
+            <a:extLst>
+              <a:ext uri="{FF2B5EF4-FFF2-40B4-BE49-F238E27FC236}">
+                <a16:creationId xmlns:a16="http://schemas.microsoft.com/office/drawing/2014/main" id="{811E12DB-D434-560F-00D7-7EEB7CB5B5B5}"/>
+              </a:ext>
+            </a:extLst>
+          </p:cNvPr>
+          <p:cNvSpPr txBox="1"/>
+          <p:nvPr/>
+        </p:nvSpPr>
+        <p:spPr>
+          <a:xfrm>
+            <a:off x="8446263" y="2415101"/>
+            <a:ext cx="400045" cy="276999"/>
+          </a:xfrm>
+          <a:prstGeom prst="rect">
+            <a:avLst/>
+          </a:prstGeom>
+          <a:noFill/>
+        </p:spPr>
+        <p:txBody>
+          <a:bodyPr wrap="square" rtlCol="0">
+            <a:spAutoFit/>
+          </a:bodyPr>
+          <a:lstStyle/>
+          <a:p>
+            <a:r>
+              <a:rPr lang="en-US" sz="1200" dirty="0"/>
+              <a:t>AB</a:t>
+            </a:r>
+            <a:endParaRPr lang="en-ZA" sz="1200" dirty="0"/>
+          </a:p>
+        </p:txBody>
+      </p:sp>
+      <p:sp>
+        <p:nvSpPr>
+          <p:cNvPr id="28" name="TextBox 27">
+            <a:extLst>
+              <a:ext uri="{FF2B5EF4-FFF2-40B4-BE49-F238E27FC236}">
+                <a16:creationId xmlns:a16="http://schemas.microsoft.com/office/drawing/2014/main" id="{24B1C368-D00D-D812-ED87-05D788584A7C}"/>
+              </a:ext>
+            </a:extLst>
+          </p:cNvPr>
+          <p:cNvSpPr txBox="1"/>
+          <p:nvPr/>
+        </p:nvSpPr>
+        <p:spPr>
+          <a:xfrm>
+            <a:off x="8206653" y="2346212"/>
+            <a:ext cx="400045" cy="276999"/>
           </a:xfrm>
           <a:prstGeom prst="rect">
             <a:avLst/>
@@ -4251,20 +8811,20 @@
       </p:sp>
       <p:sp>
         <p:nvSpPr>
-          <p:cNvPr id="13" name="TextBox 12">
-            <a:extLst>
-              <a:ext uri="{FF2B5EF4-FFF2-40B4-BE49-F238E27FC236}">
-                <a16:creationId xmlns:a16="http://schemas.microsoft.com/office/drawing/2014/main" id="{2D825056-48D0-1A7A-2D43-B26C7026F36B}"/>
-              </a:ext>
-            </a:extLst>
-          </p:cNvPr>
-          <p:cNvSpPr txBox="1"/>
-          <p:nvPr/>
-        </p:nvSpPr>
-        <p:spPr>
-          <a:xfrm>
-            <a:off x="6366274" y="2529567"/>
-            <a:ext cx="393431" cy="276999"/>
+          <p:cNvPr id="29" name="TextBox 28">
+            <a:extLst>
+              <a:ext uri="{FF2B5EF4-FFF2-40B4-BE49-F238E27FC236}">
+                <a16:creationId xmlns:a16="http://schemas.microsoft.com/office/drawing/2014/main" id="{187E6C32-956E-812D-4CBE-964B2F879855}"/>
+              </a:ext>
+            </a:extLst>
+          </p:cNvPr>
+          <p:cNvSpPr txBox="1"/>
+          <p:nvPr/>
+        </p:nvSpPr>
+        <p:spPr>
+          <a:xfrm>
+            <a:off x="7276465" y="1527170"/>
+            <a:ext cx="400045" cy="276999"/>
           </a:xfrm>
           <a:prstGeom prst="rect">
             <a:avLst/>
@@ -4279,7 +8839,7 @@
           <a:p>
             <a:r>
               <a:rPr lang="en-US" sz="1200" dirty="0"/>
-              <a:t>AB</a:t>
+              <a:t>B</a:t>
             </a:r>
             <a:endParaRPr lang="en-ZA" sz="1200" dirty="0"/>
           </a:p>
@@ -4287,20 +8847,20 @@
       </p:sp>
       <p:sp>
         <p:nvSpPr>
-          <p:cNvPr id="14" name="TextBox 13">
-            <a:extLst>
-              <a:ext uri="{FF2B5EF4-FFF2-40B4-BE49-F238E27FC236}">
-                <a16:creationId xmlns:a16="http://schemas.microsoft.com/office/drawing/2014/main" id="{A23E9908-0882-257A-E1EE-AE999A97CA8B}"/>
-              </a:ext>
-            </a:extLst>
-          </p:cNvPr>
-          <p:cNvSpPr txBox="1"/>
-          <p:nvPr/>
-        </p:nvSpPr>
-        <p:spPr>
-          <a:xfrm>
-            <a:off x="5768219" y="2831108"/>
-            <a:ext cx="393431" cy="276999"/>
+          <p:cNvPr id="30" name="TextBox 29">
+            <a:extLst>
+              <a:ext uri="{FF2B5EF4-FFF2-40B4-BE49-F238E27FC236}">
+                <a16:creationId xmlns:a16="http://schemas.microsoft.com/office/drawing/2014/main" id="{FB5FB889-ED92-E8A1-7950-D93834C50E5E}"/>
+              </a:ext>
+            </a:extLst>
+          </p:cNvPr>
+          <p:cNvSpPr txBox="1"/>
+          <p:nvPr/>
+        </p:nvSpPr>
+        <p:spPr>
+          <a:xfrm>
+            <a:off x="6997547" y="2637530"/>
+            <a:ext cx="400045" cy="276999"/>
           </a:xfrm>
           <a:prstGeom prst="rect">
             <a:avLst/>
@@ -4323,20 +8883,56 @@
       </p:sp>
       <p:sp>
         <p:nvSpPr>
-          <p:cNvPr id="15" name="TextBox 14">
-            <a:extLst>
-              <a:ext uri="{FF2B5EF4-FFF2-40B4-BE49-F238E27FC236}">
-                <a16:creationId xmlns:a16="http://schemas.microsoft.com/office/drawing/2014/main" id="{714B0499-20A8-BA5A-B9D5-878698F6D9CB}"/>
-              </a:ext>
-            </a:extLst>
-          </p:cNvPr>
-          <p:cNvSpPr txBox="1"/>
-          <p:nvPr/>
-        </p:nvSpPr>
-        <p:spPr>
-          <a:xfrm>
-            <a:off x="7516633" y="3629016"/>
-            <a:ext cx="393431" cy="276999"/>
+          <p:cNvPr id="31" name="TextBox 30">
+            <a:extLst>
+              <a:ext uri="{FF2B5EF4-FFF2-40B4-BE49-F238E27FC236}">
+                <a16:creationId xmlns:a16="http://schemas.microsoft.com/office/drawing/2014/main" id="{1336E124-6FB7-E7F5-208C-5E291ACE2EAE}"/>
+              </a:ext>
+            </a:extLst>
+          </p:cNvPr>
+          <p:cNvSpPr txBox="1"/>
+          <p:nvPr/>
+        </p:nvSpPr>
+        <p:spPr>
+          <a:xfrm>
+            <a:off x="7927541" y="3677035"/>
+            <a:ext cx="400045" cy="276999"/>
+          </a:xfrm>
+          <a:prstGeom prst="rect">
+            <a:avLst/>
+          </a:prstGeom>
+          <a:noFill/>
+        </p:spPr>
+        <p:txBody>
+          <a:bodyPr wrap="square" rtlCol="0">
+            <a:spAutoFit/>
+          </a:bodyPr>
+          <a:lstStyle/>
+          <a:p>
+            <a:r>
+              <a:rPr lang="en-US" sz="1200" dirty="0"/>
+              <a:t>A</a:t>
+            </a:r>
+            <a:endParaRPr lang="en-ZA" sz="1200" dirty="0"/>
+          </a:p>
+        </p:txBody>
+      </p:sp>
+      <p:sp>
+        <p:nvSpPr>
+          <p:cNvPr id="33" name="TextBox 32">
+            <a:extLst>
+              <a:ext uri="{FF2B5EF4-FFF2-40B4-BE49-F238E27FC236}">
+                <a16:creationId xmlns:a16="http://schemas.microsoft.com/office/drawing/2014/main" id="{F95563DD-22ED-E8C1-1CA0-2505F6C7FE6C}"/>
+              </a:ext>
+            </a:extLst>
+          </p:cNvPr>
+          <p:cNvSpPr txBox="1"/>
+          <p:nvPr/>
+        </p:nvSpPr>
+        <p:spPr>
+          <a:xfrm>
+            <a:off x="9388305" y="2829916"/>
+            <a:ext cx="400045" cy="276999"/>
           </a:xfrm>
           <a:prstGeom prst="rect">
             <a:avLst/>
@@ -4359,20 +8955,20 @@
       </p:sp>
       <p:sp>
         <p:nvSpPr>
-          <p:cNvPr id="16" name="TextBox 15">
-            <a:extLst>
-              <a:ext uri="{FF2B5EF4-FFF2-40B4-BE49-F238E27FC236}">
-                <a16:creationId xmlns:a16="http://schemas.microsoft.com/office/drawing/2014/main" id="{13F35E69-DA35-E7E6-60F4-9F5430F4056F}"/>
-              </a:ext>
-            </a:extLst>
-          </p:cNvPr>
-          <p:cNvSpPr txBox="1"/>
-          <p:nvPr/>
-        </p:nvSpPr>
-        <p:spPr>
-          <a:xfrm>
-            <a:off x="8449719" y="3290500"/>
-            <a:ext cx="393431" cy="276999"/>
+          <p:cNvPr id="34" name="TextBox 33">
+            <a:extLst>
+              <a:ext uri="{FF2B5EF4-FFF2-40B4-BE49-F238E27FC236}">
+                <a16:creationId xmlns:a16="http://schemas.microsoft.com/office/drawing/2014/main" id="{6CAD5070-4DDD-1161-772F-BECEA3017E7C}"/>
+              </a:ext>
+            </a:extLst>
+          </p:cNvPr>
+          <p:cNvSpPr txBox="1"/>
+          <p:nvPr/>
+        </p:nvSpPr>
+        <p:spPr>
+          <a:xfrm>
+            <a:off x="10303436" y="2468395"/>
+            <a:ext cx="400045" cy="276999"/>
           </a:xfrm>
           <a:prstGeom prst="rect">
             <a:avLst/>
@@ -4395,92 +8991,20 @@
       </p:sp>
       <p:sp>
         <p:nvSpPr>
-          <p:cNvPr id="17" name="TextBox 16">
-            <a:extLst>
-              <a:ext uri="{FF2B5EF4-FFF2-40B4-BE49-F238E27FC236}">
-                <a16:creationId xmlns:a16="http://schemas.microsoft.com/office/drawing/2014/main" id="{D20B96BD-6670-C9CD-7CA5-C081808AE671}"/>
-              </a:ext>
-            </a:extLst>
-          </p:cNvPr>
-          <p:cNvSpPr txBox="1"/>
-          <p:nvPr/>
-        </p:nvSpPr>
-        <p:spPr>
-          <a:xfrm>
-            <a:off x="8134650" y="3936681"/>
-            <a:ext cx="393431" cy="276999"/>
-          </a:xfrm>
-          <a:prstGeom prst="rect">
-            <a:avLst/>
-          </a:prstGeom>
-          <a:noFill/>
-        </p:spPr>
-        <p:txBody>
-          <a:bodyPr wrap="square" rtlCol="0">
-            <a:spAutoFit/>
-          </a:bodyPr>
-          <a:lstStyle/>
-          <a:p>
-            <a:r>
-              <a:rPr lang="en-US" sz="1200" dirty="0"/>
-              <a:t>AB</a:t>
-            </a:r>
-            <a:endParaRPr lang="en-ZA" sz="1200" dirty="0"/>
-          </a:p>
-        </p:txBody>
-      </p:sp>
-      <p:sp>
-        <p:nvSpPr>
-          <p:cNvPr id="18" name="TextBox 17">
-            <a:extLst>
-              <a:ext uri="{FF2B5EF4-FFF2-40B4-BE49-F238E27FC236}">
-                <a16:creationId xmlns:a16="http://schemas.microsoft.com/office/drawing/2014/main" id="{1575F936-8856-8430-9C18-7CD5F4D28012}"/>
-              </a:ext>
-            </a:extLst>
-          </p:cNvPr>
-          <p:cNvSpPr txBox="1"/>
-          <p:nvPr/>
-        </p:nvSpPr>
-        <p:spPr>
-          <a:xfrm>
-            <a:off x="7204322" y="4111693"/>
-            <a:ext cx="393431" cy="276999"/>
-          </a:xfrm>
-          <a:prstGeom prst="rect">
-            <a:avLst/>
-          </a:prstGeom>
-          <a:noFill/>
-        </p:spPr>
-        <p:txBody>
-          <a:bodyPr wrap="square" rtlCol="0">
-            <a:spAutoFit/>
-          </a:bodyPr>
-          <a:lstStyle/>
-          <a:p>
-            <a:r>
-              <a:rPr lang="en-US" sz="1200" dirty="0"/>
-              <a:t>AB</a:t>
-            </a:r>
-            <a:endParaRPr lang="en-ZA" sz="1200" dirty="0"/>
-          </a:p>
-        </p:txBody>
-      </p:sp>
-      <p:sp>
-        <p:nvSpPr>
-          <p:cNvPr id="19" name="TextBox 18">
-            <a:extLst>
-              <a:ext uri="{FF2B5EF4-FFF2-40B4-BE49-F238E27FC236}">
-                <a16:creationId xmlns:a16="http://schemas.microsoft.com/office/drawing/2014/main" id="{F5317ED0-07BA-8C91-2794-08A9D3A0E36D}"/>
-              </a:ext>
-            </a:extLst>
-          </p:cNvPr>
-          <p:cNvSpPr txBox="1"/>
-          <p:nvPr/>
-        </p:nvSpPr>
-        <p:spPr>
-          <a:xfrm>
-            <a:off x="7882628" y="4111693"/>
-            <a:ext cx="393431" cy="276999"/>
+          <p:cNvPr id="35" name="TextBox 34">
+            <a:extLst>
+              <a:ext uri="{FF2B5EF4-FFF2-40B4-BE49-F238E27FC236}">
+                <a16:creationId xmlns:a16="http://schemas.microsoft.com/office/drawing/2014/main" id="{65A422F1-1D07-501F-B6D0-6AE8D00CB884}"/>
+              </a:ext>
+            </a:extLst>
+          </p:cNvPr>
+          <p:cNvSpPr txBox="1"/>
+          <p:nvPr/>
+        </p:nvSpPr>
+        <p:spPr>
+          <a:xfrm>
+            <a:off x="10583940" y="2678752"/>
+            <a:ext cx="400045" cy="276999"/>
           </a:xfrm>
           <a:prstGeom prst="rect">
             <a:avLst/>
@@ -4503,20 +9027,20 @@
       </p:sp>
       <p:sp>
         <p:nvSpPr>
-          <p:cNvPr id="20" name="TextBox 19">
-            <a:extLst>
-              <a:ext uri="{FF2B5EF4-FFF2-40B4-BE49-F238E27FC236}">
-                <a16:creationId xmlns:a16="http://schemas.microsoft.com/office/drawing/2014/main" id="{90D6F66E-92CD-FF74-D4F0-2F833B91FF6B}"/>
-              </a:ext>
-            </a:extLst>
-          </p:cNvPr>
-          <p:cNvSpPr txBox="1"/>
-          <p:nvPr/>
-        </p:nvSpPr>
-        <p:spPr>
-          <a:xfrm>
-            <a:off x="6968751" y="4111693"/>
-            <a:ext cx="393431" cy="276999"/>
+          <p:cNvPr id="36" name="TextBox 35">
+            <a:extLst>
+              <a:ext uri="{FF2B5EF4-FFF2-40B4-BE49-F238E27FC236}">
+                <a16:creationId xmlns:a16="http://schemas.microsoft.com/office/drawing/2014/main" id="{0F941FB5-2A14-2CEB-DB9D-63B9B56C8728}"/>
+              </a:ext>
+            </a:extLst>
+          </p:cNvPr>
+          <p:cNvSpPr txBox="1"/>
+          <p:nvPr/>
+        </p:nvSpPr>
+        <p:spPr>
+          <a:xfrm>
+            <a:off x="10024324" y="3400036"/>
+            <a:ext cx="400045" cy="276999"/>
           </a:xfrm>
           <a:prstGeom prst="rect">
             <a:avLst/>
@@ -4539,20 +9063,20 @@
       </p:sp>
       <p:sp>
         <p:nvSpPr>
-          <p:cNvPr id="21" name="TextBox 20">
-            <a:extLst>
-              <a:ext uri="{FF2B5EF4-FFF2-40B4-BE49-F238E27FC236}">
-                <a16:creationId xmlns:a16="http://schemas.microsoft.com/office/drawing/2014/main" id="{A3846367-356D-B6E7-0FBA-DDC059DED1B4}"/>
-              </a:ext>
-            </a:extLst>
-          </p:cNvPr>
-          <p:cNvSpPr txBox="1"/>
-          <p:nvPr/>
-        </p:nvSpPr>
-        <p:spPr>
-          <a:xfrm>
-            <a:off x="9841041" y="1410299"/>
-            <a:ext cx="349352" cy="276999"/>
+          <p:cNvPr id="37" name="TextBox 36">
+            <a:extLst>
+              <a:ext uri="{FF2B5EF4-FFF2-40B4-BE49-F238E27FC236}">
+                <a16:creationId xmlns:a16="http://schemas.microsoft.com/office/drawing/2014/main" id="{BBA7B9DD-2FA8-05B2-4F02-96CC3A18A66F}"/>
+              </a:ext>
+            </a:extLst>
+          </p:cNvPr>
+          <p:cNvSpPr txBox="1"/>
+          <p:nvPr/>
+        </p:nvSpPr>
+        <p:spPr>
+          <a:xfrm>
+            <a:off x="9654895" y="3538535"/>
+            <a:ext cx="400045" cy="276999"/>
           </a:xfrm>
           <a:prstGeom prst="rect">
             <a:avLst/>
@@ -4567,7 +9091,43 @@
           <a:p>
             <a:r>
               <a:rPr lang="en-US" sz="1200" dirty="0"/>
-              <a:t>**</a:t>
+              <a:t>A</a:t>
+            </a:r>
+            <a:endParaRPr lang="en-ZA" sz="1200" dirty="0"/>
+          </a:p>
+        </p:txBody>
+      </p:sp>
+      <p:sp>
+        <p:nvSpPr>
+          <p:cNvPr id="38" name="TextBox 37">
+            <a:extLst>
+              <a:ext uri="{FF2B5EF4-FFF2-40B4-BE49-F238E27FC236}">
+                <a16:creationId xmlns:a16="http://schemas.microsoft.com/office/drawing/2014/main" id="{F37347DF-DF4E-BF75-2EDC-5C9C5CFA6B74}"/>
+              </a:ext>
+            </a:extLst>
+          </p:cNvPr>
+          <p:cNvSpPr txBox="1"/>
+          <p:nvPr/>
+        </p:nvSpPr>
+        <p:spPr>
+          <a:xfrm>
+            <a:off x="9090980" y="3809778"/>
+            <a:ext cx="400045" cy="276999"/>
+          </a:xfrm>
+          <a:prstGeom prst="rect">
+            <a:avLst/>
+          </a:prstGeom>
+          <a:noFill/>
+        </p:spPr>
+        <p:txBody>
+          <a:bodyPr wrap="square" rtlCol="0">
+            <a:spAutoFit/>
+          </a:bodyPr>
+          <a:lstStyle/>
+          <a:p>
+            <a:r>
+              <a:rPr lang="en-US" sz="1200" dirty="0"/>
+              <a:t>A</a:t>
             </a:r>
             <a:endParaRPr lang="en-ZA" sz="1200" dirty="0"/>
           </a:p>
@@ -4576,7 +9136,7 @@
     </p:spTree>
     <p:extLst>
       <p:ext uri="{BB962C8B-B14F-4D97-AF65-F5344CB8AC3E}">
-        <p14:creationId xmlns:p14="http://schemas.microsoft.com/office/powerpoint/2010/main" val="2711198619"/>
+        <p14:creationId xmlns:p14="http://schemas.microsoft.com/office/powerpoint/2010/main" val="1040734017"/>
       </p:ext>
     </p:extLst>
   </p:cSld>
@@ -6305,6 +10865,775 @@
 </p:sld>
 </file>
 
+<file path=ppt/slides/slide20.xml><?xml version="1.0" encoding="utf-8"?>
+<p:sld xmlns:a="http://schemas.openxmlformats.org/drawingml/2006/main" xmlns:r="http://schemas.openxmlformats.org/officeDocument/2006/relationships" xmlns:p="http://schemas.openxmlformats.org/presentationml/2006/main">
+  <p:cSld>
+    <p:bg>
+      <p:bgPr>
+        <a:solidFill>
+          <a:schemeClr val="bg1"/>
+        </a:solidFill>
+        <a:effectLst/>
+      </p:bgPr>
+    </p:bg>
+    <p:spTree>
+      <p:nvGrpSpPr>
+        <p:cNvPr id="1" name=""/>
+        <p:cNvGrpSpPr/>
+        <p:nvPr/>
+      </p:nvGrpSpPr>
+      <p:grpSpPr>
+        <a:xfrm>
+          <a:off x="0" y="0"/>
+          <a:ext cx="0" cy="0"/>
+          <a:chOff x="0" y="0"/>
+          <a:chExt cx="0" cy="0"/>
+        </a:xfrm>
+      </p:grpSpPr>
+      <p:pic>
+        <p:nvPicPr>
+          <p:cNvPr id="5" name="Content Placeholder 4" descr="A screenshot of a graph&#10;&#10;Description automatically generated">
+            <a:extLst>
+              <a:ext uri="{FF2B5EF4-FFF2-40B4-BE49-F238E27FC236}">
+                <a16:creationId xmlns:a16="http://schemas.microsoft.com/office/drawing/2014/main" id="{FC7DA141-CFCD-2CE1-765E-26008334132B}"/>
+              </a:ext>
+            </a:extLst>
+          </p:cNvPr>
+          <p:cNvPicPr>
+            <a:picLocks noGrp="1" noChangeAspect="1"/>
+          </p:cNvPicPr>
+          <p:nvPr>
+            <p:ph idx="1"/>
+          </p:nvPr>
+        </p:nvPicPr>
+        <p:blipFill>
+          <a:blip r:embed="rId2">
+            <a:extLst>
+              <a:ext uri="{28A0092B-C50C-407E-A947-70E740481C1C}">
+                <a14:useLocalDpi xmlns:a14="http://schemas.microsoft.com/office/drawing/2010/main" val="0"/>
+              </a:ext>
+            </a:extLst>
+          </a:blip>
+          <a:stretch>
+            <a:fillRect/>
+          </a:stretch>
+        </p:blipFill>
+        <p:spPr>
+          <a:xfrm>
+            <a:off x="114300" y="884038"/>
+            <a:ext cx="11934825" cy="5102139"/>
+          </a:xfrm>
+          <a:prstGeom prst="rect">
+            <a:avLst/>
+          </a:prstGeom>
+        </p:spPr>
+      </p:pic>
+      <p:grpSp>
+        <p:nvGrpSpPr>
+          <p:cNvPr id="12" name="Group 11">
+            <a:extLst>
+              <a:ext uri="{FF2B5EF4-FFF2-40B4-BE49-F238E27FC236}">
+                <a16:creationId xmlns:a16="http://schemas.microsoft.com/office/drawing/2014/main" id="{69799B1E-467D-8785-1AEC-A3614A3B2FB3}"/>
+              </a:ext>
+            </a:extLst>
+          </p:cNvPr>
+          <p:cNvGrpSpPr/>
+          <p:nvPr/>
+        </p:nvGrpSpPr>
+        <p:grpSpPr>
+          <a:xfrm>
+            <a:off x="2644998" y="1160080"/>
+            <a:ext cx="6230554" cy="4420391"/>
+            <a:chOff x="2644998" y="1160080"/>
+            <a:chExt cx="6230554" cy="4420391"/>
+          </a:xfrm>
+        </p:grpSpPr>
+        <p:cxnSp>
+          <p:nvCxnSpPr>
+            <p:cNvPr id="6" name="Straight Connector 5">
+              <a:extLst>
+                <a:ext uri="{FF2B5EF4-FFF2-40B4-BE49-F238E27FC236}">
+                  <a16:creationId xmlns:a16="http://schemas.microsoft.com/office/drawing/2014/main" id="{C596B8AF-5334-6AEF-79FC-CF43FFE22010}"/>
+                </a:ext>
+              </a:extLst>
+            </p:cNvPr>
+            <p:cNvCxnSpPr/>
+            <p:nvPr/>
+          </p:nvCxnSpPr>
+          <p:spPr>
+            <a:xfrm>
+              <a:off x="2644998" y="1160080"/>
+              <a:ext cx="0" cy="4399117"/>
+            </a:xfrm>
+            <a:prstGeom prst="line">
+              <a:avLst/>
+            </a:prstGeom>
+            <a:ln w="3175">
+              <a:solidFill>
+                <a:srgbClr val="000000"/>
+              </a:solidFill>
+              <a:prstDash val="lgDash"/>
+            </a:ln>
+          </p:spPr>
+          <p:style>
+            <a:lnRef idx="1">
+              <a:schemeClr val="dk1"/>
+            </a:lnRef>
+            <a:fillRef idx="0">
+              <a:schemeClr val="dk1"/>
+            </a:fillRef>
+            <a:effectRef idx="0">
+              <a:schemeClr val="dk1"/>
+            </a:effectRef>
+            <a:fontRef idx="minor">
+              <a:schemeClr val="tx1"/>
+            </a:fontRef>
+          </p:style>
+        </p:cxnSp>
+        <p:cxnSp>
+          <p:nvCxnSpPr>
+            <p:cNvPr id="7" name="Straight Connector 6">
+              <a:extLst>
+                <a:ext uri="{FF2B5EF4-FFF2-40B4-BE49-F238E27FC236}">
+                  <a16:creationId xmlns:a16="http://schemas.microsoft.com/office/drawing/2014/main" id="{1CB11149-FED8-B6A2-7127-3437916E91A8}"/>
+                </a:ext>
+              </a:extLst>
+            </p:cNvPr>
+            <p:cNvCxnSpPr/>
+            <p:nvPr/>
+          </p:nvCxnSpPr>
+          <p:spPr>
+            <a:xfrm>
+              <a:off x="4725394" y="1160080"/>
+              <a:ext cx="0" cy="4399117"/>
+            </a:xfrm>
+            <a:prstGeom prst="line">
+              <a:avLst/>
+            </a:prstGeom>
+            <a:ln w="3175">
+              <a:solidFill>
+                <a:srgbClr val="000000"/>
+              </a:solidFill>
+              <a:prstDash val="lgDash"/>
+            </a:ln>
+          </p:spPr>
+          <p:style>
+            <a:lnRef idx="1">
+              <a:schemeClr val="dk1"/>
+            </a:lnRef>
+            <a:fillRef idx="0">
+              <a:schemeClr val="dk1"/>
+            </a:fillRef>
+            <a:effectRef idx="0">
+              <a:schemeClr val="dk1"/>
+            </a:effectRef>
+            <a:fontRef idx="minor">
+              <a:schemeClr val="tx1"/>
+            </a:fontRef>
+          </p:style>
+        </p:cxnSp>
+        <p:cxnSp>
+          <p:nvCxnSpPr>
+            <p:cNvPr id="8" name="Straight Connector 7">
+              <a:extLst>
+                <a:ext uri="{FF2B5EF4-FFF2-40B4-BE49-F238E27FC236}">
+                  <a16:creationId xmlns:a16="http://schemas.microsoft.com/office/drawing/2014/main" id="{D043EBE7-D162-B18C-B599-34F56BCEEDA4}"/>
+                </a:ext>
+              </a:extLst>
+            </p:cNvPr>
+            <p:cNvCxnSpPr/>
+            <p:nvPr/>
+          </p:nvCxnSpPr>
+          <p:spPr>
+            <a:xfrm>
+              <a:off x="6801544" y="1181354"/>
+              <a:ext cx="0" cy="4399117"/>
+            </a:xfrm>
+            <a:prstGeom prst="line">
+              <a:avLst/>
+            </a:prstGeom>
+            <a:ln w="3175">
+              <a:solidFill>
+                <a:srgbClr val="000000"/>
+              </a:solidFill>
+              <a:prstDash val="lgDash"/>
+            </a:ln>
+          </p:spPr>
+          <p:style>
+            <a:lnRef idx="1">
+              <a:schemeClr val="dk1"/>
+            </a:lnRef>
+            <a:fillRef idx="0">
+              <a:schemeClr val="dk1"/>
+            </a:fillRef>
+            <a:effectRef idx="0">
+              <a:schemeClr val="dk1"/>
+            </a:effectRef>
+            <a:fontRef idx="minor">
+              <a:schemeClr val="tx1"/>
+            </a:fontRef>
+          </p:style>
+        </p:cxnSp>
+        <p:cxnSp>
+          <p:nvCxnSpPr>
+            <p:cNvPr id="9" name="Straight Connector 8">
+              <a:extLst>
+                <a:ext uri="{FF2B5EF4-FFF2-40B4-BE49-F238E27FC236}">
+                  <a16:creationId xmlns:a16="http://schemas.microsoft.com/office/drawing/2014/main" id="{8F62ACF9-B472-1178-C231-C5A2E47B74F6}"/>
+                </a:ext>
+              </a:extLst>
+            </p:cNvPr>
+            <p:cNvCxnSpPr/>
+            <p:nvPr/>
+          </p:nvCxnSpPr>
+          <p:spPr>
+            <a:xfrm>
+              <a:off x="8875552" y="1181354"/>
+              <a:ext cx="0" cy="4399117"/>
+            </a:xfrm>
+            <a:prstGeom prst="line">
+              <a:avLst/>
+            </a:prstGeom>
+            <a:ln w="3175">
+              <a:solidFill>
+                <a:srgbClr val="000000"/>
+              </a:solidFill>
+              <a:prstDash val="lgDash"/>
+            </a:ln>
+          </p:spPr>
+          <p:style>
+            <a:lnRef idx="1">
+              <a:schemeClr val="dk1"/>
+            </a:lnRef>
+            <a:fillRef idx="0">
+              <a:schemeClr val="dk1"/>
+            </a:fillRef>
+            <a:effectRef idx="0">
+              <a:schemeClr val="dk1"/>
+            </a:effectRef>
+            <a:fontRef idx="minor">
+              <a:schemeClr val="tx1"/>
+            </a:fontRef>
+          </p:style>
+        </p:cxnSp>
+      </p:grpSp>
+      <p:sp>
+        <p:nvSpPr>
+          <p:cNvPr id="2" name="TextBox 1">
+            <a:extLst>
+              <a:ext uri="{FF2B5EF4-FFF2-40B4-BE49-F238E27FC236}">
+                <a16:creationId xmlns:a16="http://schemas.microsoft.com/office/drawing/2014/main" id="{F63C43AC-6995-BB37-8DEB-51C8B490BE9B}"/>
+              </a:ext>
+            </a:extLst>
+          </p:cNvPr>
+          <p:cNvSpPr txBox="1"/>
+          <p:nvPr/>
+        </p:nvSpPr>
+        <p:spPr>
+          <a:xfrm>
+            <a:off x="1377146" y="1410300"/>
+            <a:ext cx="349352" cy="276999"/>
+          </a:xfrm>
+          <a:prstGeom prst="rect">
+            <a:avLst/>
+          </a:prstGeom>
+          <a:noFill/>
+        </p:spPr>
+        <p:txBody>
+          <a:bodyPr wrap="square" rtlCol="0">
+            <a:spAutoFit/>
+          </a:bodyPr>
+          <a:lstStyle/>
+          <a:p>
+            <a:r>
+              <a:rPr lang="en-US" sz="1200" dirty="0"/>
+              <a:t>**</a:t>
+            </a:r>
+            <a:endParaRPr lang="en-ZA" sz="1200" dirty="0"/>
+          </a:p>
+        </p:txBody>
+      </p:sp>
+      <p:sp>
+        <p:nvSpPr>
+          <p:cNvPr id="3" name="TextBox 2">
+            <a:extLst>
+              <a:ext uri="{FF2B5EF4-FFF2-40B4-BE49-F238E27FC236}">
+                <a16:creationId xmlns:a16="http://schemas.microsoft.com/office/drawing/2014/main" id="{D28030B2-B3D6-6F3C-5982-D4C4AE1F1B70}"/>
+              </a:ext>
+            </a:extLst>
+          </p:cNvPr>
+          <p:cNvSpPr txBox="1"/>
+          <p:nvPr/>
+        </p:nvSpPr>
+        <p:spPr>
+          <a:xfrm>
+            <a:off x="4826345" y="2414245"/>
+            <a:ext cx="349352" cy="276999"/>
+          </a:xfrm>
+          <a:prstGeom prst="rect">
+            <a:avLst/>
+          </a:prstGeom>
+          <a:noFill/>
+        </p:spPr>
+        <p:txBody>
+          <a:bodyPr wrap="square" rtlCol="0">
+            <a:spAutoFit/>
+          </a:bodyPr>
+          <a:lstStyle/>
+          <a:p>
+            <a:r>
+              <a:rPr lang="en-US" sz="1200" dirty="0"/>
+              <a:t>A</a:t>
+            </a:r>
+            <a:endParaRPr lang="en-ZA" sz="1200" dirty="0"/>
+          </a:p>
+        </p:txBody>
+      </p:sp>
+      <p:sp>
+        <p:nvSpPr>
+          <p:cNvPr id="4" name="TextBox 3">
+            <a:extLst>
+              <a:ext uri="{FF2B5EF4-FFF2-40B4-BE49-F238E27FC236}">
+                <a16:creationId xmlns:a16="http://schemas.microsoft.com/office/drawing/2014/main" id="{1A67BBE9-0AC5-702D-D316-90646BED621B}"/>
+              </a:ext>
+            </a:extLst>
+          </p:cNvPr>
+          <p:cNvSpPr txBox="1"/>
+          <p:nvPr/>
+        </p:nvSpPr>
+        <p:spPr>
+          <a:xfrm>
+            <a:off x="5447477" y="1818500"/>
+            <a:ext cx="393431" cy="276999"/>
+          </a:xfrm>
+          <a:prstGeom prst="rect">
+            <a:avLst/>
+          </a:prstGeom>
+          <a:noFill/>
+        </p:spPr>
+        <p:txBody>
+          <a:bodyPr wrap="square" rtlCol="0">
+            <a:spAutoFit/>
+          </a:bodyPr>
+          <a:lstStyle/>
+          <a:p>
+            <a:r>
+              <a:rPr lang="en-US" sz="1200" dirty="0"/>
+              <a:t>AB</a:t>
+            </a:r>
+            <a:endParaRPr lang="en-ZA" sz="1200" dirty="0"/>
+          </a:p>
+        </p:txBody>
+      </p:sp>
+      <p:sp>
+        <p:nvSpPr>
+          <p:cNvPr id="10" name="TextBox 9">
+            <a:extLst>
+              <a:ext uri="{FF2B5EF4-FFF2-40B4-BE49-F238E27FC236}">
+                <a16:creationId xmlns:a16="http://schemas.microsoft.com/office/drawing/2014/main" id="{A8361BC0-9F37-2534-CAEE-ED2BC6CC89A4}"/>
+              </a:ext>
+            </a:extLst>
+          </p:cNvPr>
+          <p:cNvSpPr txBox="1"/>
+          <p:nvPr/>
+        </p:nvSpPr>
+        <p:spPr>
+          <a:xfrm>
+            <a:off x="5250761" y="1313216"/>
+            <a:ext cx="393431" cy="276999"/>
+          </a:xfrm>
+          <a:prstGeom prst="rect">
+            <a:avLst/>
+          </a:prstGeom>
+          <a:noFill/>
+        </p:spPr>
+        <p:txBody>
+          <a:bodyPr wrap="square" rtlCol="0">
+            <a:spAutoFit/>
+          </a:bodyPr>
+          <a:lstStyle/>
+          <a:p>
+            <a:r>
+              <a:rPr lang="en-US" sz="1200" dirty="0"/>
+              <a:t>B</a:t>
+            </a:r>
+            <a:endParaRPr lang="en-ZA" sz="1200" dirty="0"/>
+          </a:p>
+        </p:txBody>
+      </p:sp>
+      <p:sp>
+        <p:nvSpPr>
+          <p:cNvPr id="11" name="TextBox 10">
+            <a:extLst>
+              <a:ext uri="{FF2B5EF4-FFF2-40B4-BE49-F238E27FC236}">
+                <a16:creationId xmlns:a16="http://schemas.microsoft.com/office/drawing/2014/main" id="{281A4FBA-45B9-BDC8-2FEB-4669427DDE8D}"/>
+              </a:ext>
+            </a:extLst>
+          </p:cNvPr>
+          <p:cNvSpPr txBox="1"/>
+          <p:nvPr/>
+        </p:nvSpPr>
+        <p:spPr>
+          <a:xfrm>
+            <a:off x="6169559" y="1568303"/>
+            <a:ext cx="393431" cy="276999"/>
+          </a:xfrm>
+          <a:prstGeom prst="rect">
+            <a:avLst/>
+          </a:prstGeom>
+          <a:noFill/>
+        </p:spPr>
+        <p:txBody>
+          <a:bodyPr wrap="square" rtlCol="0">
+            <a:spAutoFit/>
+          </a:bodyPr>
+          <a:lstStyle/>
+          <a:p>
+            <a:r>
+              <a:rPr lang="en-US" sz="1200" dirty="0"/>
+              <a:t>B</a:t>
+            </a:r>
+            <a:endParaRPr lang="en-ZA" sz="1200" dirty="0"/>
+          </a:p>
+        </p:txBody>
+      </p:sp>
+      <p:sp>
+        <p:nvSpPr>
+          <p:cNvPr id="13" name="TextBox 12">
+            <a:extLst>
+              <a:ext uri="{FF2B5EF4-FFF2-40B4-BE49-F238E27FC236}">
+                <a16:creationId xmlns:a16="http://schemas.microsoft.com/office/drawing/2014/main" id="{2D825056-48D0-1A7A-2D43-B26C7026F36B}"/>
+              </a:ext>
+            </a:extLst>
+          </p:cNvPr>
+          <p:cNvSpPr txBox="1"/>
+          <p:nvPr/>
+        </p:nvSpPr>
+        <p:spPr>
+          <a:xfrm>
+            <a:off x="6366274" y="2529567"/>
+            <a:ext cx="393431" cy="276999"/>
+          </a:xfrm>
+          <a:prstGeom prst="rect">
+            <a:avLst/>
+          </a:prstGeom>
+          <a:noFill/>
+        </p:spPr>
+        <p:txBody>
+          <a:bodyPr wrap="square" rtlCol="0">
+            <a:spAutoFit/>
+          </a:bodyPr>
+          <a:lstStyle/>
+          <a:p>
+            <a:r>
+              <a:rPr lang="en-US" sz="1200" dirty="0"/>
+              <a:t>AB</a:t>
+            </a:r>
+            <a:endParaRPr lang="en-ZA" sz="1200" dirty="0"/>
+          </a:p>
+        </p:txBody>
+      </p:sp>
+      <p:sp>
+        <p:nvSpPr>
+          <p:cNvPr id="14" name="TextBox 13">
+            <a:extLst>
+              <a:ext uri="{FF2B5EF4-FFF2-40B4-BE49-F238E27FC236}">
+                <a16:creationId xmlns:a16="http://schemas.microsoft.com/office/drawing/2014/main" id="{A23E9908-0882-257A-E1EE-AE999A97CA8B}"/>
+              </a:ext>
+            </a:extLst>
+          </p:cNvPr>
+          <p:cNvSpPr txBox="1"/>
+          <p:nvPr/>
+        </p:nvSpPr>
+        <p:spPr>
+          <a:xfrm>
+            <a:off x="5768219" y="2831108"/>
+            <a:ext cx="393431" cy="276999"/>
+          </a:xfrm>
+          <a:prstGeom prst="rect">
+            <a:avLst/>
+          </a:prstGeom>
+          <a:noFill/>
+        </p:spPr>
+        <p:txBody>
+          <a:bodyPr wrap="square" rtlCol="0">
+            <a:spAutoFit/>
+          </a:bodyPr>
+          <a:lstStyle/>
+          <a:p>
+            <a:r>
+              <a:rPr lang="en-US" sz="1200" dirty="0"/>
+              <a:t>A</a:t>
+            </a:r>
+            <a:endParaRPr lang="en-ZA" sz="1200" dirty="0"/>
+          </a:p>
+        </p:txBody>
+      </p:sp>
+      <p:sp>
+        <p:nvSpPr>
+          <p:cNvPr id="15" name="TextBox 14">
+            <a:extLst>
+              <a:ext uri="{FF2B5EF4-FFF2-40B4-BE49-F238E27FC236}">
+                <a16:creationId xmlns:a16="http://schemas.microsoft.com/office/drawing/2014/main" id="{714B0499-20A8-BA5A-B9D5-878698F6D9CB}"/>
+              </a:ext>
+            </a:extLst>
+          </p:cNvPr>
+          <p:cNvSpPr txBox="1"/>
+          <p:nvPr/>
+        </p:nvSpPr>
+        <p:spPr>
+          <a:xfrm>
+            <a:off x="7516633" y="3629016"/>
+            <a:ext cx="393431" cy="276999"/>
+          </a:xfrm>
+          <a:prstGeom prst="rect">
+            <a:avLst/>
+          </a:prstGeom>
+          <a:noFill/>
+        </p:spPr>
+        <p:txBody>
+          <a:bodyPr wrap="square" rtlCol="0">
+            <a:spAutoFit/>
+          </a:bodyPr>
+          <a:lstStyle/>
+          <a:p>
+            <a:r>
+              <a:rPr lang="en-US" sz="1200" dirty="0"/>
+              <a:t>B</a:t>
+            </a:r>
+            <a:endParaRPr lang="en-ZA" sz="1200" dirty="0"/>
+          </a:p>
+        </p:txBody>
+      </p:sp>
+      <p:sp>
+        <p:nvSpPr>
+          <p:cNvPr id="16" name="TextBox 15">
+            <a:extLst>
+              <a:ext uri="{FF2B5EF4-FFF2-40B4-BE49-F238E27FC236}">
+                <a16:creationId xmlns:a16="http://schemas.microsoft.com/office/drawing/2014/main" id="{13F35E69-DA35-E7E6-60F4-9F5430F4056F}"/>
+              </a:ext>
+            </a:extLst>
+          </p:cNvPr>
+          <p:cNvSpPr txBox="1"/>
+          <p:nvPr/>
+        </p:nvSpPr>
+        <p:spPr>
+          <a:xfrm>
+            <a:off x="8449719" y="3290500"/>
+            <a:ext cx="393431" cy="276999"/>
+          </a:xfrm>
+          <a:prstGeom prst="rect">
+            <a:avLst/>
+          </a:prstGeom>
+          <a:noFill/>
+        </p:spPr>
+        <p:txBody>
+          <a:bodyPr wrap="square" rtlCol="0">
+            <a:spAutoFit/>
+          </a:bodyPr>
+          <a:lstStyle/>
+          <a:p>
+            <a:r>
+              <a:rPr lang="en-US" sz="1200" dirty="0"/>
+              <a:t>B</a:t>
+            </a:r>
+            <a:endParaRPr lang="en-ZA" sz="1200" dirty="0"/>
+          </a:p>
+        </p:txBody>
+      </p:sp>
+      <p:sp>
+        <p:nvSpPr>
+          <p:cNvPr id="17" name="TextBox 16">
+            <a:extLst>
+              <a:ext uri="{FF2B5EF4-FFF2-40B4-BE49-F238E27FC236}">
+                <a16:creationId xmlns:a16="http://schemas.microsoft.com/office/drawing/2014/main" id="{D20B96BD-6670-C9CD-7CA5-C081808AE671}"/>
+              </a:ext>
+            </a:extLst>
+          </p:cNvPr>
+          <p:cNvSpPr txBox="1"/>
+          <p:nvPr/>
+        </p:nvSpPr>
+        <p:spPr>
+          <a:xfrm>
+            <a:off x="8134650" y="3936681"/>
+            <a:ext cx="393431" cy="276999"/>
+          </a:xfrm>
+          <a:prstGeom prst="rect">
+            <a:avLst/>
+          </a:prstGeom>
+          <a:noFill/>
+        </p:spPr>
+        <p:txBody>
+          <a:bodyPr wrap="square" rtlCol="0">
+            <a:spAutoFit/>
+          </a:bodyPr>
+          <a:lstStyle/>
+          <a:p>
+            <a:r>
+              <a:rPr lang="en-US" sz="1200" dirty="0"/>
+              <a:t>AB</a:t>
+            </a:r>
+            <a:endParaRPr lang="en-ZA" sz="1200" dirty="0"/>
+          </a:p>
+        </p:txBody>
+      </p:sp>
+      <p:sp>
+        <p:nvSpPr>
+          <p:cNvPr id="18" name="TextBox 17">
+            <a:extLst>
+              <a:ext uri="{FF2B5EF4-FFF2-40B4-BE49-F238E27FC236}">
+                <a16:creationId xmlns:a16="http://schemas.microsoft.com/office/drawing/2014/main" id="{1575F936-8856-8430-9C18-7CD5F4D28012}"/>
+              </a:ext>
+            </a:extLst>
+          </p:cNvPr>
+          <p:cNvSpPr txBox="1"/>
+          <p:nvPr/>
+        </p:nvSpPr>
+        <p:spPr>
+          <a:xfrm>
+            <a:off x="7204322" y="4111693"/>
+            <a:ext cx="393431" cy="276999"/>
+          </a:xfrm>
+          <a:prstGeom prst="rect">
+            <a:avLst/>
+          </a:prstGeom>
+          <a:noFill/>
+        </p:spPr>
+        <p:txBody>
+          <a:bodyPr wrap="square" rtlCol="0">
+            <a:spAutoFit/>
+          </a:bodyPr>
+          <a:lstStyle/>
+          <a:p>
+            <a:r>
+              <a:rPr lang="en-US" sz="1200" dirty="0"/>
+              <a:t>AB</a:t>
+            </a:r>
+            <a:endParaRPr lang="en-ZA" sz="1200" dirty="0"/>
+          </a:p>
+        </p:txBody>
+      </p:sp>
+      <p:sp>
+        <p:nvSpPr>
+          <p:cNvPr id="19" name="TextBox 18">
+            <a:extLst>
+              <a:ext uri="{FF2B5EF4-FFF2-40B4-BE49-F238E27FC236}">
+                <a16:creationId xmlns:a16="http://schemas.microsoft.com/office/drawing/2014/main" id="{F5317ED0-07BA-8C91-2794-08A9D3A0E36D}"/>
+              </a:ext>
+            </a:extLst>
+          </p:cNvPr>
+          <p:cNvSpPr txBox="1"/>
+          <p:nvPr/>
+        </p:nvSpPr>
+        <p:spPr>
+          <a:xfrm>
+            <a:off x="7882628" y="4111693"/>
+            <a:ext cx="393431" cy="276999"/>
+          </a:xfrm>
+          <a:prstGeom prst="rect">
+            <a:avLst/>
+          </a:prstGeom>
+          <a:noFill/>
+        </p:spPr>
+        <p:txBody>
+          <a:bodyPr wrap="square" rtlCol="0">
+            <a:spAutoFit/>
+          </a:bodyPr>
+          <a:lstStyle/>
+          <a:p>
+            <a:r>
+              <a:rPr lang="en-US" sz="1200" dirty="0"/>
+              <a:t>A</a:t>
+            </a:r>
+            <a:endParaRPr lang="en-ZA" sz="1200" dirty="0"/>
+          </a:p>
+        </p:txBody>
+      </p:sp>
+      <p:sp>
+        <p:nvSpPr>
+          <p:cNvPr id="20" name="TextBox 19">
+            <a:extLst>
+              <a:ext uri="{FF2B5EF4-FFF2-40B4-BE49-F238E27FC236}">
+                <a16:creationId xmlns:a16="http://schemas.microsoft.com/office/drawing/2014/main" id="{90D6F66E-92CD-FF74-D4F0-2F833B91FF6B}"/>
+              </a:ext>
+            </a:extLst>
+          </p:cNvPr>
+          <p:cNvSpPr txBox="1"/>
+          <p:nvPr/>
+        </p:nvSpPr>
+        <p:spPr>
+          <a:xfrm>
+            <a:off x="6968751" y="4111693"/>
+            <a:ext cx="393431" cy="276999"/>
+          </a:xfrm>
+          <a:prstGeom prst="rect">
+            <a:avLst/>
+          </a:prstGeom>
+          <a:noFill/>
+        </p:spPr>
+        <p:txBody>
+          <a:bodyPr wrap="square" rtlCol="0">
+            <a:spAutoFit/>
+          </a:bodyPr>
+          <a:lstStyle/>
+          <a:p>
+            <a:r>
+              <a:rPr lang="en-US" sz="1200" dirty="0"/>
+              <a:t>A</a:t>
+            </a:r>
+            <a:endParaRPr lang="en-ZA" sz="1200" dirty="0"/>
+          </a:p>
+        </p:txBody>
+      </p:sp>
+      <p:sp>
+        <p:nvSpPr>
+          <p:cNvPr id="21" name="TextBox 20">
+            <a:extLst>
+              <a:ext uri="{FF2B5EF4-FFF2-40B4-BE49-F238E27FC236}">
+                <a16:creationId xmlns:a16="http://schemas.microsoft.com/office/drawing/2014/main" id="{A3846367-356D-B6E7-0FBA-DDC059DED1B4}"/>
+              </a:ext>
+            </a:extLst>
+          </p:cNvPr>
+          <p:cNvSpPr txBox="1"/>
+          <p:nvPr/>
+        </p:nvSpPr>
+        <p:spPr>
+          <a:xfrm>
+            <a:off x="9841041" y="1410299"/>
+            <a:ext cx="349352" cy="276999"/>
+          </a:xfrm>
+          <a:prstGeom prst="rect">
+            <a:avLst/>
+          </a:prstGeom>
+          <a:noFill/>
+        </p:spPr>
+        <p:txBody>
+          <a:bodyPr wrap="square" rtlCol="0">
+            <a:spAutoFit/>
+          </a:bodyPr>
+          <a:lstStyle/>
+          <a:p>
+            <a:r>
+              <a:rPr lang="en-US" sz="1200" dirty="0"/>
+              <a:t>**</a:t>
+            </a:r>
+            <a:endParaRPr lang="en-ZA" sz="1200" dirty="0"/>
+          </a:p>
+        </p:txBody>
+      </p:sp>
+    </p:spTree>
+    <p:extLst>
+      <p:ext uri="{BB962C8B-B14F-4D97-AF65-F5344CB8AC3E}">
+        <p14:creationId xmlns:p14="http://schemas.microsoft.com/office/powerpoint/2010/main" val="2711198619"/>
+      </p:ext>
+    </p:extLst>
+  </p:cSld>
+  <p:clrMapOvr>
+    <a:masterClrMapping/>
+  </p:clrMapOvr>
+</p:sld>
+</file>
+
 <file path=ppt/slides/slide3.xml><?xml version="1.0" encoding="utf-8"?>
 <p:sld xmlns:a="http://schemas.openxmlformats.org/drawingml/2006/main" xmlns:r="http://schemas.openxmlformats.org/officeDocument/2006/relationships" xmlns:p="http://schemas.openxmlformats.org/presentationml/2006/main">
   <p:cSld>
@@ -8081,10 +13410,10 @@
       </p:grpSpPr>
       <p:pic>
         <p:nvPicPr>
-          <p:cNvPr id="5" name="Content Placeholder 4">
-            <a:extLst>
-              <a:ext uri="{FF2B5EF4-FFF2-40B4-BE49-F238E27FC236}">
-                <a16:creationId xmlns:a16="http://schemas.microsoft.com/office/drawing/2014/main" id="{35526374-0D54-0515-0D51-3ADD5BFE6EEC}"/>
+          <p:cNvPr id="5" name="Content Placeholder 4" descr="A screenshot of a graph&#10;&#10;Description automatically generated">
+            <a:extLst>
+              <a:ext uri="{FF2B5EF4-FFF2-40B4-BE49-F238E27FC236}">
+                <a16:creationId xmlns:a16="http://schemas.microsoft.com/office/drawing/2014/main" id="{042C18F4-990A-5EC9-A76E-F602BAFB5098}"/>
               </a:ext>
             </a:extLst>
           </p:cNvPr>
@@ -8109,18 +13438,578 @@
         </p:blipFill>
         <p:spPr>
           <a:xfrm>
-            <a:off x="166810" y="894270"/>
-            <a:ext cx="11858380" cy="5069459"/>
+            <a:off x="234103" y="923038"/>
+            <a:ext cx="11723794" cy="5011923"/>
           </a:xfrm>
           <a:prstGeom prst="rect">
             <a:avLst/>
           </a:prstGeom>
         </p:spPr>
       </p:pic>
+      <p:sp>
+        <p:nvSpPr>
+          <p:cNvPr id="6" name="TextBox 5">
+            <a:extLst>
+              <a:ext uri="{FF2B5EF4-FFF2-40B4-BE49-F238E27FC236}">
+                <a16:creationId xmlns:a16="http://schemas.microsoft.com/office/drawing/2014/main" id="{D1C25223-1F38-F075-D245-161878BD5FE7}"/>
+              </a:ext>
+            </a:extLst>
+          </p:cNvPr>
+          <p:cNvSpPr txBox="1"/>
+          <p:nvPr/>
+        </p:nvSpPr>
+        <p:spPr>
+          <a:xfrm>
+            <a:off x="4904325" y="2385820"/>
+            <a:ext cx="407505" cy="307777"/>
+          </a:xfrm>
+          <a:prstGeom prst="rect">
+            <a:avLst/>
+          </a:prstGeom>
+          <a:noFill/>
+        </p:spPr>
+        <p:txBody>
+          <a:bodyPr wrap="square" rtlCol="0">
+            <a:spAutoFit/>
+          </a:bodyPr>
+          <a:lstStyle/>
+          <a:p>
+            <a:r>
+              <a:rPr lang="en-US" sz="1400" dirty="0">
+                <a:latin typeface="+mj-lt"/>
+              </a:rPr>
+              <a:t>A</a:t>
+            </a:r>
+            <a:endParaRPr lang="en-ZA" sz="1400" dirty="0">
+              <a:latin typeface="+mj-lt"/>
+            </a:endParaRPr>
+          </a:p>
+        </p:txBody>
+      </p:sp>
+      <p:sp>
+        <p:nvSpPr>
+          <p:cNvPr id="7" name="TextBox 6">
+            <a:extLst>
+              <a:ext uri="{FF2B5EF4-FFF2-40B4-BE49-F238E27FC236}">
+                <a16:creationId xmlns:a16="http://schemas.microsoft.com/office/drawing/2014/main" id="{436EFBD4-85FC-B05E-2047-9D21F9EF9B61}"/>
+              </a:ext>
+            </a:extLst>
+          </p:cNvPr>
+          <p:cNvSpPr txBox="1"/>
+          <p:nvPr/>
+        </p:nvSpPr>
+        <p:spPr>
+          <a:xfrm>
+            <a:off x="5802924" y="2792050"/>
+            <a:ext cx="407505" cy="307777"/>
+          </a:xfrm>
+          <a:prstGeom prst="rect">
+            <a:avLst/>
+          </a:prstGeom>
+          <a:noFill/>
+        </p:spPr>
+        <p:txBody>
+          <a:bodyPr wrap="square" rtlCol="0">
+            <a:spAutoFit/>
+          </a:bodyPr>
+          <a:lstStyle/>
+          <a:p>
+            <a:r>
+              <a:rPr lang="en-US" sz="1400" dirty="0">
+                <a:latin typeface="+mj-lt"/>
+              </a:rPr>
+              <a:t>A</a:t>
+            </a:r>
+            <a:endParaRPr lang="en-ZA" sz="1400" dirty="0">
+              <a:latin typeface="+mj-lt"/>
+            </a:endParaRPr>
+          </a:p>
+        </p:txBody>
+      </p:sp>
+      <p:sp>
+        <p:nvSpPr>
+          <p:cNvPr id="8" name="TextBox 7">
+            <a:extLst>
+              <a:ext uri="{FF2B5EF4-FFF2-40B4-BE49-F238E27FC236}">
+                <a16:creationId xmlns:a16="http://schemas.microsoft.com/office/drawing/2014/main" id="{28E37996-A5B5-472D-4D7E-9D9C985C77F3}"/>
+              </a:ext>
+            </a:extLst>
+          </p:cNvPr>
+          <p:cNvSpPr txBox="1"/>
+          <p:nvPr/>
+        </p:nvSpPr>
+        <p:spPr>
+          <a:xfrm>
+            <a:off x="5169368" y="1311375"/>
+            <a:ext cx="407505" cy="307777"/>
+          </a:xfrm>
+          <a:prstGeom prst="rect">
+            <a:avLst/>
+          </a:prstGeom>
+          <a:noFill/>
+        </p:spPr>
+        <p:txBody>
+          <a:bodyPr wrap="square" rtlCol="0">
+            <a:spAutoFit/>
+          </a:bodyPr>
+          <a:lstStyle/>
+          <a:p>
+            <a:r>
+              <a:rPr lang="en-US" sz="1400" dirty="0">
+                <a:latin typeface="+mj-lt"/>
+              </a:rPr>
+              <a:t>B</a:t>
+            </a:r>
+            <a:endParaRPr lang="en-ZA" sz="1400" dirty="0">
+              <a:latin typeface="+mj-lt"/>
+            </a:endParaRPr>
+          </a:p>
+        </p:txBody>
+      </p:sp>
+      <p:sp>
+        <p:nvSpPr>
+          <p:cNvPr id="9" name="TextBox 8">
+            <a:extLst>
+              <a:ext uri="{FF2B5EF4-FFF2-40B4-BE49-F238E27FC236}">
+                <a16:creationId xmlns:a16="http://schemas.microsoft.com/office/drawing/2014/main" id="{900686F1-8266-BBB3-B8F8-B6E59D953056}"/>
+              </a:ext>
+            </a:extLst>
+          </p:cNvPr>
+          <p:cNvSpPr txBox="1"/>
+          <p:nvPr/>
+        </p:nvSpPr>
+        <p:spPr>
+          <a:xfrm>
+            <a:off x="6074084" y="1549767"/>
+            <a:ext cx="407505" cy="307777"/>
+          </a:xfrm>
+          <a:prstGeom prst="rect">
+            <a:avLst/>
+          </a:prstGeom>
+          <a:noFill/>
+        </p:spPr>
+        <p:txBody>
+          <a:bodyPr wrap="square" rtlCol="0">
+            <a:spAutoFit/>
+          </a:bodyPr>
+          <a:lstStyle/>
+          <a:p>
+            <a:r>
+              <a:rPr lang="en-US" sz="1400" dirty="0">
+                <a:latin typeface="+mj-lt"/>
+              </a:rPr>
+              <a:t>B</a:t>
+            </a:r>
+            <a:endParaRPr lang="en-ZA" sz="1400" dirty="0">
+              <a:latin typeface="+mj-lt"/>
+            </a:endParaRPr>
+          </a:p>
+        </p:txBody>
+      </p:sp>
+      <p:sp>
+        <p:nvSpPr>
+          <p:cNvPr id="10" name="TextBox 9">
+            <a:extLst>
+              <a:ext uri="{FF2B5EF4-FFF2-40B4-BE49-F238E27FC236}">
+                <a16:creationId xmlns:a16="http://schemas.microsoft.com/office/drawing/2014/main" id="{FB66A46B-6EEC-C692-165A-34EF63CE6213}"/>
+              </a:ext>
+            </a:extLst>
+          </p:cNvPr>
+          <p:cNvSpPr txBox="1"/>
+          <p:nvPr/>
+        </p:nvSpPr>
+        <p:spPr>
+          <a:xfrm>
+            <a:off x="5440272" y="1787797"/>
+            <a:ext cx="407505" cy="307777"/>
+          </a:xfrm>
+          <a:prstGeom prst="rect">
+            <a:avLst/>
+          </a:prstGeom>
+          <a:noFill/>
+        </p:spPr>
+        <p:txBody>
+          <a:bodyPr wrap="square" rtlCol="0">
+            <a:spAutoFit/>
+          </a:bodyPr>
+          <a:lstStyle/>
+          <a:p>
+            <a:r>
+              <a:rPr lang="en-US" sz="1400" dirty="0">
+                <a:latin typeface="+mj-lt"/>
+              </a:rPr>
+              <a:t>AB</a:t>
+            </a:r>
+            <a:endParaRPr lang="en-ZA" sz="1400" dirty="0">
+              <a:latin typeface="+mj-lt"/>
+            </a:endParaRPr>
+          </a:p>
+        </p:txBody>
+      </p:sp>
+      <p:sp>
+        <p:nvSpPr>
+          <p:cNvPr id="11" name="TextBox 10">
+            <a:extLst>
+              <a:ext uri="{FF2B5EF4-FFF2-40B4-BE49-F238E27FC236}">
+                <a16:creationId xmlns:a16="http://schemas.microsoft.com/office/drawing/2014/main" id="{F1C049AF-A40E-BCC0-A010-E80CD5DB0F14}"/>
+              </a:ext>
+            </a:extLst>
+          </p:cNvPr>
+          <p:cNvSpPr txBox="1"/>
+          <p:nvPr/>
+        </p:nvSpPr>
+        <p:spPr>
+          <a:xfrm>
+            <a:off x="6335813" y="2484273"/>
+            <a:ext cx="407505" cy="307777"/>
+          </a:xfrm>
+          <a:prstGeom prst="rect">
+            <a:avLst/>
+          </a:prstGeom>
+          <a:noFill/>
+        </p:spPr>
+        <p:txBody>
+          <a:bodyPr wrap="square" rtlCol="0">
+            <a:spAutoFit/>
+          </a:bodyPr>
+          <a:lstStyle/>
+          <a:p>
+            <a:r>
+              <a:rPr lang="en-US" sz="1400" dirty="0">
+                <a:latin typeface="+mj-lt"/>
+              </a:rPr>
+              <a:t>AB</a:t>
+            </a:r>
+            <a:endParaRPr lang="en-ZA" sz="1400" dirty="0">
+              <a:latin typeface="+mj-lt"/>
+            </a:endParaRPr>
+          </a:p>
+        </p:txBody>
+      </p:sp>
+      <p:sp>
+        <p:nvSpPr>
+          <p:cNvPr id="12" name="TextBox 11">
+            <a:extLst>
+              <a:ext uri="{FF2B5EF4-FFF2-40B4-BE49-F238E27FC236}">
+                <a16:creationId xmlns:a16="http://schemas.microsoft.com/office/drawing/2014/main" id="{9A1FC9C6-E927-A12C-2C34-E36EF5F6B2D7}"/>
+              </a:ext>
+            </a:extLst>
+          </p:cNvPr>
+          <p:cNvSpPr txBox="1"/>
+          <p:nvPr/>
+        </p:nvSpPr>
+        <p:spPr>
+          <a:xfrm>
+            <a:off x="6952295" y="4030109"/>
+            <a:ext cx="407505" cy="307777"/>
+          </a:xfrm>
+          <a:prstGeom prst="rect">
+            <a:avLst/>
+          </a:prstGeom>
+          <a:noFill/>
+        </p:spPr>
+        <p:txBody>
+          <a:bodyPr wrap="square" rtlCol="0">
+            <a:spAutoFit/>
+          </a:bodyPr>
+          <a:lstStyle/>
+          <a:p>
+            <a:r>
+              <a:rPr lang="en-US" sz="1400" dirty="0">
+                <a:latin typeface="+mj-lt"/>
+              </a:rPr>
+              <a:t>A</a:t>
+            </a:r>
+            <a:endParaRPr lang="en-ZA" sz="1400" dirty="0">
+              <a:latin typeface="+mj-lt"/>
+            </a:endParaRPr>
+          </a:p>
+        </p:txBody>
+      </p:sp>
+      <p:sp>
+        <p:nvSpPr>
+          <p:cNvPr id="13" name="TextBox 12">
+            <a:extLst>
+              <a:ext uri="{FF2B5EF4-FFF2-40B4-BE49-F238E27FC236}">
+                <a16:creationId xmlns:a16="http://schemas.microsoft.com/office/drawing/2014/main" id="{2D14F6C1-3139-9B42-5660-955182D74F4E}"/>
+              </a:ext>
+            </a:extLst>
+          </p:cNvPr>
+          <p:cNvSpPr txBox="1"/>
+          <p:nvPr/>
+        </p:nvSpPr>
+        <p:spPr>
+          <a:xfrm>
+            <a:off x="7872302" y="4030109"/>
+            <a:ext cx="407505" cy="307777"/>
+          </a:xfrm>
+          <a:prstGeom prst="rect">
+            <a:avLst/>
+          </a:prstGeom>
+          <a:noFill/>
+        </p:spPr>
+        <p:txBody>
+          <a:bodyPr wrap="square" rtlCol="0">
+            <a:spAutoFit/>
+          </a:bodyPr>
+          <a:lstStyle/>
+          <a:p>
+            <a:r>
+              <a:rPr lang="en-US" sz="1400" dirty="0">
+                <a:latin typeface="+mj-lt"/>
+              </a:rPr>
+              <a:t>A</a:t>
+            </a:r>
+            <a:endParaRPr lang="en-ZA" sz="1400" dirty="0">
+              <a:latin typeface="+mj-lt"/>
+            </a:endParaRPr>
+          </a:p>
+        </p:txBody>
+      </p:sp>
+      <p:sp>
+        <p:nvSpPr>
+          <p:cNvPr id="14" name="TextBox 13">
+            <a:extLst>
+              <a:ext uri="{FF2B5EF4-FFF2-40B4-BE49-F238E27FC236}">
+                <a16:creationId xmlns:a16="http://schemas.microsoft.com/office/drawing/2014/main" id="{3F9FDC68-4B60-4EC9-25A4-1C81BAAEDFE9}"/>
+              </a:ext>
+            </a:extLst>
+          </p:cNvPr>
+          <p:cNvSpPr txBox="1"/>
+          <p:nvPr/>
+        </p:nvSpPr>
+        <p:spPr>
+          <a:xfrm>
+            <a:off x="7177963" y="4030109"/>
+            <a:ext cx="407505" cy="307777"/>
+          </a:xfrm>
+          <a:prstGeom prst="rect">
+            <a:avLst/>
+          </a:prstGeom>
+          <a:noFill/>
+        </p:spPr>
+        <p:txBody>
+          <a:bodyPr wrap="square" rtlCol="0">
+            <a:spAutoFit/>
+          </a:bodyPr>
+          <a:lstStyle/>
+          <a:p>
+            <a:r>
+              <a:rPr lang="en-US" sz="1400" dirty="0">
+                <a:latin typeface="+mj-lt"/>
+              </a:rPr>
+              <a:t>AB</a:t>
+            </a:r>
+            <a:endParaRPr lang="en-ZA" sz="1400" dirty="0">
+              <a:latin typeface="+mj-lt"/>
+            </a:endParaRPr>
+          </a:p>
+        </p:txBody>
+      </p:sp>
+      <p:sp>
+        <p:nvSpPr>
+          <p:cNvPr id="15" name="TextBox 14">
+            <a:extLst>
+              <a:ext uri="{FF2B5EF4-FFF2-40B4-BE49-F238E27FC236}">
+                <a16:creationId xmlns:a16="http://schemas.microsoft.com/office/drawing/2014/main" id="{55A4A25E-EC4E-7F99-48EF-96F7438330F4}"/>
+              </a:ext>
+            </a:extLst>
+          </p:cNvPr>
+          <p:cNvSpPr txBox="1"/>
+          <p:nvPr/>
+        </p:nvSpPr>
+        <p:spPr>
+          <a:xfrm>
+            <a:off x="8076054" y="3876220"/>
+            <a:ext cx="407505" cy="307777"/>
+          </a:xfrm>
+          <a:prstGeom prst="rect">
+            <a:avLst/>
+          </a:prstGeom>
+          <a:noFill/>
+        </p:spPr>
+        <p:txBody>
+          <a:bodyPr wrap="square" rtlCol="0">
+            <a:spAutoFit/>
+          </a:bodyPr>
+          <a:lstStyle/>
+          <a:p>
+            <a:r>
+              <a:rPr lang="en-US" sz="1400" dirty="0">
+                <a:latin typeface="+mj-lt"/>
+              </a:rPr>
+              <a:t>AB</a:t>
+            </a:r>
+            <a:endParaRPr lang="en-ZA" sz="1400" dirty="0">
+              <a:latin typeface="+mj-lt"/>
+            </a:endParaRPr>
+          </a:p>
+        </p:txBody>
+      </p:sp>
+      <p:sp>
+        <p:nvSpPr>
+          <p:cNvPr id="16" name="TextBox 15">
+            <a:extLst>
+              <a:ext uri="{FF2B5EF4-FFF2-40B4-BE49-F238E27FC236}">
+                <a16:creationId xmlns:a16="http://schemas.microsoft.com/office/drawing/2014/main" id="{50C5AB21-86F4-969E-9D09-118ADAAE4C9F}"/>
+              </a:ext>
+            </a:extLst>
+          </p:cNvPr>
+          <p:cNvSpPr txBox="1"/>
+          <p:nvPr/>
+        </p:nvSpPr>
+        <p:spPr>
+          <a:xfrm>
+            <a:off x="7514175" y="3620921"/>
+            <a:ext cx="407505" cy="307777"/>
+          </a:xfrm>
+          <a:prstGeom prst="rect">
+            <a:avLst/>
+          </a:prstGeom>
+          <a:noFill/>
+        </p:spPr>
+        <p:txBody>
+          <a:bodyPr wrap="square" rtlCol="0">
+            <a:spAutoFit/>
+          </a:bodyPr>
+          <a:lstStyle/>
+          <a:p>
+            <a:r>
+              <a:rPr lang="en-US" sz="1400" dirty="0">
+                <a:latin typeface="+mj-lt"/>
+              </a:rPr>
+              <a:t>B</a:t>
+            </a:r>
+            <a:endParaRPr lang="en-ZA" sz="1400" dirty="0">
+              <a:latin typeface="+mj-lt"/>
+            </a:endParaRPr>
+          </a:p>
+        </p:txBody>
+      </p:sp>
+      <p:sp>
+        <p:nvSpPr>
+          <p:cNvPr id="17" name="TextBox 16">
+            <a:extLst>
+              <a:ext uri="{FF2B5EF4-FFF2-40B4-BE49-F238E27FC236}">
+                <a16:creationId xmlns:a16="http://schemas.microsoft.com/office/drawing/2014/main" id="{C85AA956-C2A4-1270-8E3E-730A5B832D49}"/>
+              </a:ext>
+            </a:extLst>
+          </p:cNvPr>
+          <p:cNvSpPr txBox="1"/>
+          <p:nvPr/>
+        </p:nvSpPr>
+        <p:spPr>
+          <a:xfrm>
+            <a:off x="8412774" y="3275110"/>
+            <a:ext cx="407505" cy="307777"/>
+          </a:xfrm>
+          <a:prstGeom prst="rect">
+            <a:avLst/>
+          </a:prstGeom>
+          <a:noFill/>
+        </p:spPr>
+        <p:txBody>
+          <a:bodyPr wrap="square" rtlCol="0">
+            <a:spAutoFit/>
+          </a:bodyPr>
+          <a:lstStyle/>
+          <a:p>
+            <a:r>
+              <a:rPr lang="en-US" sz="1400" dirty="0">
+                <a:latin typeface="+mj-lt"/>
+              </a:rPr>
+              <a:t>B</a:t>
+            </a:r>
+            <a:endParaRPr lang="en-ZA" sz="1400" dirty="0">
+              <a:latin typeface="+mj-lt"/>
+            </a:endParaRPr>
+          </a:p>
+        </p:txBody>
+      </p:sp>
+      <p:sp>
+        <p:nvSpPr>
+          <p:cNvPr id="18" name="TextBox 17">
+            <a:extLst>
+              <a:ext uri="{FF2B5EF4-FFF2-40B4-BE49-F238E27FC236}">
+                <a16:creationId xmlns:a16="http://schemas.microsoft.com/office/drawing/2014/main" id="{97FC9BE1-5033-8E6B-7CE9-B030926D2080}"/>
+              </a:ext>
+            </a:extLst>
+          </p:cNvPr>
+          <p:cNvSpPr txBox="1"/>
+          <p:nvPr/>
+        </p:nvSpPr>
+        <p:spPr>
+          <a:xfrm>
+            <a:off x="939389" y="1426656"/>
+            <a:ext cx="407505" cy="276999"/>
+          </a:xfrm>
+          <a:prstGeom prst="rect">
+            <a:avLst/>
+          </a:prstGeom>
+          <a:noFill/>
+        </p:spPr>
+        <p:txBody>
+          <a:bodyPr wrap="square" rtlCol="0">
+            <a:spAutoFit/>
+          </a:bodyPr>
+          <a:lstStyle/>
+          <a:p>
+            <a:r>
+              <a:rPr lang="en-US" sz="1200" dirty="0">
+                <a:latin typeface="+mj-lt"/>
+              </a:rPr>
+              <a:t>##</a:t>
+            </a:r>
+            <a:endParaRPr lang="en-ZA" sz="1200" dirty="0">
+              <a:latin typeface="+mj-lt"/>
+            </a:endParaRPr>
+          </a:p>
+        </p:txBody>
+      </p:sp>
+      <p:sp>
+        <p:nvSpPr>
+          <p:cNvPr id="19" name="TextBox 18">
+            <a:extLst>
+              <a:ext uri="{FF2B5EF4-FFF2-40B4-BE49-F238E27FC236}">
+                <a16:creationId xmlns:a16="http://schemas.microsoft.com/office/drawing/2014/main" id="{D70A196E-10E7-8690-E007-A511AF87FA72}"/>
+              </a:ext>
+            </a:extLst>
+          </p:cNvPr>
+          <p:cNvSpPr txBox="1"/>
+          <p:nvPr/>
+        </p:nvSpPr>
+        <p:spPr>
+          <a:xfrm>
+            <a:off x="9154014" y="2484273"/>
+            <a:ext cx="512500" cy="307777"/>
+          </a:xfrm>
+          <a:prstGeom prst="rect">
+            <a:avLst/>
+          </a:prstGeom>
+          <a:noFill/>
+        </p:spPr>
+        <p:txBody>
+          <a:bodyPr wrap="square" rtlCol="0">
+            <a:spAutoFit/>
+          </a:bodyPr>
+          <a:lstStyle/>
+          <a:p>
+            <a:r>
+              <a:rPr lang="en-US" sz="1400" dirty="0">
+                <a:latin typeface="+mj-lt"/>
+              </a:rPr>
+              <a:t>***</a:t>
+            </a:r>
+            <a:endParaRPr lang="en-ZA" sz="1400" dirty="0">
+              <a:latin typeface="+mj-lt"/>
+            </a:endParaRPr>
+          </a:p>
+        </p:txBody>
+      </p:sp>
     </p:spTree>
     <p:extLst>
       <p:ext uri="{BB962C8B-B14F-4D97-AF65-F5344CB8AC3E}">
-        <p14:creationId xmlns:p14="http://schemas.microsoft.com/office/powerpoint/2010/main" val="875970895"/>
+        <p14:creationId xmlns:p14="http://schemas.microsoft.com/office/powerpoint/2010/main" val="2709864096"/>
       </p:ext>
     </p:extLst>
   </p:cSld>
@@ -8152,7 +14041,7 @@
           <p:cNvPr id="5" name="Content Placeholder 4">
             <a:extLst>
               <a:ext uri="{FF2B5EF4-FFF2-40B4-BE49-F238E27FC236}">
-                <a16:creationId xmlns:a16="http://schemas.microsoft.com/office/drawing/2014/main" id="{71083DFB-E35F-F86A-EAD8-537425BE91E1}"/>
+                <a16:creationId xmlns:a16="http://schemas.microsoft.com/office/drawing/2014/main" id="{5CB8101A-EFF9-F575-B738-14EE107E842A}"/>
               </a:ext>
             </a:extLst>
           </p:cNvPr>
@@ -8171,14 +14060,13 @@
               </a:ext>
             </a:extLst>
           </a:blip>
-          <a:stretch>
-            <a:fillRect/>
-          </a:stretch>
+          <a:srcRect/>
+          <a:stretch/>
         </p:blipFill>
         <p:spPr>
           <a:xfrm>
-            <a:off x="30130" y="469783"/>
-            <a:ext cx="12161870" cy="5212230"/>
+            <a:off x="145996" y="878998"/>
+            <a:ext cx="11900007" cy="5100003"/>
           </a:xfrm>
         </p:spPr>
       </p:pic>
@@ -8187,36 +14075,116 @@
           <p:cNvPr id="6" name="TextBox 5">
             <a:extLst>
               <a:ext uri="{FF2B5EF4-FFF2-40B4-BE49-F238E27FC236}">
-                <a16:creationId xmlns:a16="http://schemas.microsoft.com/office/drawing/2014/main" id="{76C2E4A4-C1F1-A173-76C4-EA897D1FFBCE}"/>
-              </a:ext>
-            </a:extLst>
-          </p:cNvPr>
-          <p:cNvSpPr txBox="1"/>
-          <p:nvPr/>
-        </p:nvSpPr>
-        <p:spPr>
-          <a:xfrm>
-            <a:off x="2711833" y="1102270"/>
-            <a:ext cx="349206" cy="276999"/>
-          </a:xfrm>
-          <a:prstGeom prst="rect">
-            <a:avLst/>
-          </a:prstGeom>
-          <a:noFill/>
-        </p:spPr>
-        <p:txBody>
-          <a:bodyPr wrap="square" rtlCol="0">
-            <a:spAutoFit/>
-          </a:bodyPr>
-          <a:lstStyle/>
-          <a:p>
-            <a:r>
-              <a:rPr lang="en-US" sz="1200" dirty="0">
+                <a16:creationId xmlns:a16="http://schemas.microsoft.com/office/drawing/2014/main" id="{1D1502DD-CAF3-D108-E6CD-05A63D2BFDAD}"/>
+              </a:ext>
+            </a:extLst>
+          </p:cNvPr>
+          <p:cNvSpPr txBox="1"/>
+          <p:nvPr/>
+        </p:nvSpPr>
+        <p:spPr>
+          <a:xfrm>
+            <a:off x="701040" y="2080426"/>
+            <a:ext cx="345440" cy="307777"/>
+          </a:xfrm>
+          <a:prstGeom prst="rect">
+            <a:avLst/>
+          </a:prstGeom>
+          <a:noFill/>
+        </p:spPr>
+        <p:txBody>
+          <a:bodyPr wrap="square" rtlCol="0">
+            <a:spAutoFit/>
+          </a:bodyPr>
+          <a:lstStyle/>
+          <a:p>
+            <a:r>
+              <a:rPr lang="en-US" sz="1400" dirty="0">
+                <a:latin typeface="+mj-lt"/>
+              </a:rPr>
+              <a:t>C</a:t>
+            </a:r>
+            <a:endParaRPr lang="en-ZA" sz="1400" dirty="0">
+              <a:latin typeface="+mj-lt"/>
+            </a:endParaRPr>
+          </a:p>
+        </p:txBody>
+      </p:sp>
+      <p:sp>
+        <p:nvSpPr>
+          <p:cNvPr id="7" name="TextBox 6">
+            <a:extLst>
+              <a:ext uri="{FF2B5EF4-FFF2-40B4-BE49-F238E27FC236}">
+                <a16:creationId xmlns:a16="http://schemas.microsoft.com/office/drawing/2014/main" id="{47962548-711D-B153-3236-CD8539A0D685}"/>
+              </a:ext>
+            </a:extLst>
+          </p:cNvPr>
+          <p:cNvSpPr txBox="1"/>
+          <p:nvPr/>
+        </p:nvSpPr>
+        <p:spPr>
+          <a:xfrm>
+            <a:off x="1601524" y="2388203"/>
+            <a:ext cx="345440" cy="307777"/>
+          </a:xfrm>
+          <a:prstGeom prst="rect">
+            <a:avLst/>
+          </a:prstGeom>
+          <a:noFill/>
+        </p:spPr>
+        <p:txBody>
+          <a:bodyPr wrap="square" rtlCol="0">
+            <a:spAutoFit/>
+          </a:bodyPr>
+          <a:lstStyle/>
+          <a:p>
+            <a:r>
+              <a:rPr lang="en-US" sz="1400" dirty="0">
+                <a:latin typeface="+mj-lt"/>
+              </a:rPr>
+              <a:t>C</a:t>
+            </a:r>
+            <a:endParaRPr lang="en-ZA" sz="1400" dirty="0">
+              <a:latin typeface="+mj-lt"/>
+            </a:endParaRPr>
+          </a:p>
+        </p:txBody>
+      </p:sp>
+      <p:sp>
+        <p:nvSpPr>
+          <p:cNvPr id="8" name="TextBox 7">
+            <a:extLst>
+              <a:ext uri="{FF2B5EF4-FFF2-40B4-BE49-F238E27FC236}">
+                <a16:creationId xmlns:a16="http://schemas.microsoft.com/office/drawing/2014/main" id="{B4B89D8C-1054-2243-7D60-E285AD000A2F}"/>
+              </a:ext>
+            </a:extLst>
+          </p:cNvPr>
+          <p:cNvSpPr txBox="1"/>
+          <p:nvPr/>
+        </p:nvSpPr>
+        <p:spPr>
+          <a:xfrm>
+            <a:off x="900882" y="4029713"/>
+            <a:ext cx="345440" cy="307777"/>
+          </a:xfrm>
+          <a:prstGeom prst="rect">
+            <a:avLst/>
+          </a:prstGeom>
+          <a:noFill/>
+        </p:spPr>
+        <p:txBody>
+          <a:bodyPr wrap="square" rtlCol="0">
+            <a:spAutoFit/>
+          </a:bodyPr>
+          <a:lstStyle/>
+          <a:p>
+            <a:r>
+              <a:rPr lang="en-US" sz="1400" dirty="0">
                 <a:latin typeface="+mj-lt"/>
               </a:rPr>
               <a:t>B</a:t>
             </a:r>
-            <a:endParaRPr lang="en-ZA" sz="1200" dirty="0">
+            <a:endParaRPr lang="en-ZA" sz="1400" dirty="0">
               <a:latin typeface="+mj-lt"/>
             </a:endParaRPr>
           </a:p>
@@ -8224,39 +14192,79 @@
       </p:sp>
       <p:sp>
         <p:nvSpPr>
-          <p:cNvPr id="7" name="TextBox 6">
-            <a:extLst>
-              <a:ext uri="{FF2B5EF4-FFF2-40B4-BE49-F238E27FC236}">
-                <a16:creationId xmlns:a16="http://schemas.microsoft.com/office/drawing/2014/main" id="{8B73A582-A9FB-AC9A-3042-8CCAA46AADAF}"/>
-              </a:ext>
-            </a:extLst>
-          </p:cNvPr>
-          <p:cNvSpPr txBox="1"/>
-          <p:nvPr/>
-        </p:nvSpPr>
-        <p:spPr>
-          <a:xfrm>
-            <a:off x="2948047" y="1946622"/>
-            <a:ext cx="260059" cy="276999"/>
-          </a:xfrm>
-          <a:prstGeom prst="rect">
-            <a:avLst/>
-          </a:prstGeom>
-          <a:noFill/>
-        </p:spPr>
-        <p:txBody>
-          <a:bodyPr wrap="square" rtlCol="0">
-            <a:spAutoFit/>
-          </a:bodyPr>
-          <a:lstStyle/>
-          <a:p>
-            <a:r>
-              <a:rPr lang="en-US" sz="1200" dirty="0">
+          <p:cNvPr id="9" name="TextBox 8">
+            <a:extLst>
+              <a:ext uri="{FF2B5EF4-FFF2-40B4-BE49-F238E27FC236}">
+                <a16:creationId xmlns:a16="http://schemas.microsoft.com/office/drawing/2014/main" id="{DBDDD8CA-8FA0-F098-C346-97FE029547EF}"/>
+              </a:ext>
+            </a:extLst>
+          </p:cNvPr>
+          <p:cNvSpPr txBox="1"/>
+          <p:nvPr/>
+        </p:nvSpPr>
+        <p:spPr>
+          <a:xfrm>
+            <a:off x="1828488" y="4029713"/>
+            <a:ext cx="345440" cy="307777"/>
+          </a:xfrm>
+          <a:prstGeom prst="rect">
+            <a:avLst/>
+          </a:prstGeom>
+          <a:noFill/>
+        </p:spPr>
+        <p:txBody>
+          <a:bodyPr wrap="square" rtlCol="0">
+            <a:spAutoFit/>
+          </a:bodyPr>
+          <a:lstStyle/>
+          <a:p>
+            <a:r>
+              <a:rPr lang="en-US" sz="1400" dirty="0">
+                <a:latin typeface="+mj-lt"/>
+              </a:rPr>
+              <a:t>B</a:t>
+            </a:r>
+            <a:endParaRPr lang="en-ZA" sz="1400" dirty="0">
+              <a:latin typeface="+mj-lt"/>
+            </a:endParaRPr>
+          </a:p>
+        </p:txBody>
+      </p:sp>
+      <p:sp>
+        <p:nvSpPr>
+          <p:cNvPr id="10" name="TextBox 9">
+            <a:extLst>
+              <a:ext uri="{FF2B5EF4-FFF2-40B4-BE49-F238E27FC236}">
+                <a16:creationId xmlns:a16="http://schemas.microsoft.com/office/drawing/2014/main" id="{D62E3844-6A8D-ACA2-C8D8-A0343A4896C5}"/>
+              </a:ext>
+            </a:extLst>
+          </p:cNvPr>
+          <p:cNvSpPr txBox="1"/>
+          <p:nvPr/>
+        </p:nvSpPr>
+        <p:spPr>
+          <a:xfrm>
+            <a:off x="1112984" y="2901181"/>
+            <a:ext cx="345440" cy="307777"/>
+          </a:xfrm>
+          <a:prstGeom prst="rect">
+            <a:avLst/>
+          </a:prstGeom>
+          <a:noFill/>
+        </p:spPr>
+        <p:txBody>
+          <a:bodyPr wrap="square" rtlCol="0">
+            <a:spAutoFit/>
+          </a:bodyPr>
+          <a:lstStyle/>
+          <a:p>
+            <a:r>
+              <a:rPr lang="en-US" sz="1400" dirty="0">
                 <a:latin typeface="+mj-lt"/>
               </a:rPr>
               <a:t>A</a:t>
             </a:r>
-            <a:endParaRPr lang="en-ZA" sz="1200" dirty="0">
+            <a:endParaRPr lang="en-ZA" sz="1400" dirty="0">
               <a:latin typeface="+mj-lt"/>
             </a:endParaRPr>
           </a:p>
@@ -8264,39 +14272,319 @@
       </p:sp>
       <p:sp>
         <p:nvSpPr>
-          <p:cNvPr id="8" name="TextBox 7">
-            <a:extLst>
-              <a:ext uri="{FF2B5EF4-FFF2-40B4-BE49-F238E27FC236}">
-                <a16:creationId xmlns:a16="http://schemas.microsoft.com/office/drawing/2014/main" id="{65585A9C-05F8-6DBE-01A6-08FC25540C15}"/>
-              </a:ext>
-            </a:extLst>
-          </p:cNvPr>
-          <p:cNvSpPr txBox="1"/>
-          <p:nvPr/>
-        </p:nvSpPr>
-        <p:spPr>
-          <a:xfrm>
-            <a:off x="3152468" y="913219"/>
-            <a:ext cx="349206" cy="276999"/>
-          </a:xfrm>
-          <a:prstGeom prst="rect">
-            <a:avLst/>
-          </a:prstGeom>
-          <a:noFill/>
-        </p:spPr>
-        <p:txBody>
-          <a:bodyPr wrap="square" rtlCol="0">
-            <a:spAutoFit/>
-          </a:bodyPr>
-          <a:lstStyle/>
-          <a:p>
-            <a:r>
-              <a:rPr lang="en-US" sz="1200" dirty="0">
+          <p:cNvPr id="11" name="TextBox 10">
+            <a:extLst>
+              <a:ext uri="{FF2B5EF4-FFF2-40B4-BE49-F238E27FC236}">
+                <a16:creationId xmlns:a16="http://schemas.microsoft.com/office/drawing/2014/main" id="{C465754E-F93E-492C-D06B-9AB88DD1E75D}"/>
+              </a:ext>
+            </a:extLst>
+          </p:cNvPr>
+          <p:cNvSpPr txBox="1"/>
+          <p:nvPr/>
+        </p:nvSpPr>
+        <p:spPr>
+          <a:xfrm>
+            <a:off x="1331252" y="3544099"/>
+            <a:ext cx="345440" cy="307777"/>
+          </a:xfrm>
+          <a:prstGeom prst="rect">
+            <a:avLst/>
+          </a:prstGeom>
+          <a:noFill/>
+        </p:spPr>
+        <p:txBody>
+          <a:bodyPr wrap="square" rtlCol="0">
+            <a:spAutoFit/>
+          </a:bodyPr>
+          <a:lstStyle/>
+          <a:p>
+            <a:r>
+              <a:rPr lang="en-US" sz="1400" dirty="0">
+                <a:latin typeface="+mj-lt"/>
+              </a:rPr>
+              <a:t>A</a:t>
+            </a:r>
+            <a:endParaRPr lang="en-ZA" sz="1400" dirty="0">
+              <a:latin typeface="+mj-lt"/>
+            </a:endParaRPr>
+          </a:p>
+        </p:txBody>
+      </p:sp>
+      <p:sp>
+        <p:nvSpPr>
+          <p:cNvPr id="12" name="TextBox 11">
+            <a:extLst>
+              <a:ext uri="{FF2B5EF4-FFF2-40B4-BE49-F238E27FC236}">
+                <a16:creationId xmlns:a16="http://schemas.microsoft.com/office/drawing/2014/main" id="{E6240EB9-DAE4-EB0D-B0DA-C9418D872E69}"/>
+              </a:ext>
+            </a:extLst>
+          </p:cNvPr>
+          <p:cNvSpPr txBox="1"/>
+          <p:nvPr/>
+        </p:nvSpPr>
+        <p:spPr>
+          <a:xfrm>
+            <a:off x="2001208" y="3208958"/>
+            <a:ext cx="345440" cy="307777"/>
+          </a:xfrm>
+          <a:prstGeom prst="rect">
+            <a:avLst/>
+          </a:prstGeom>
+          <a:noFill/>
+        </p:spPr>
+        <p:txBody>
+          <a:bodyPr wrap="square" rtlCol="0">
+            <a:spAutoFit/>
+          </a:bodyPr>
+          <a:lstStyle/>
+          <a:p>
+            <a:r>
+              <a:rPr lang="en-US" sz="1400" dirty="0">
+                <a:latin typeface="+mj-lt"/>
+              </a:rPr>
+              <a:t>A</a:t>
+            </a:r>
+            <a:endParaRPr lang="en-ZA" sz="1400" dirty="0">
+              <a:latin typeface="+mj-lt"/>
+            </a:endParaRPr>
+          </a:p>
+        </p:txBody>
+      </p:sp>
+      <p:sp>
+        <p:nvSpPr>
+          <p:cNvPr id="13" name="TextBox 12">
+            <a:extLst>
+              <a:ext uri="{FF2B5EF4-FFF2-40B4-BE49-F238E27FC236}">
+                <a16:creationId xmlns:a16="http://schemas.microsoft.com/office/drawing/2014/main" id="{3D5439D7-16DF-F397-AD2B-D53D6491506B}"/>
+              </a:ext>
+            </a:extLst>
+          </p:cNvPr>
+          <p:cNvSpPr txBox="1"/>
+          <p:nvPr/>
+        </p:nvSpPr>
+        <p:spPr>
+          <a:xfrm>
+            <a:off x="2223350" y="2811169"/>
+            <a:ext cx="345440" cy="307777"/>
+          </a:xfrm>
+          <a:prstGeom prst="rect">
+            <a:avLst/>
+          </a:prstGeom>
+          <a:noFill/>
+        </p:spPr>
+        <p:txBody>
+          <a:bodyPr wrap="square" rtlCol="0">
+            <a:spAutoFit/>
+          </a:bodyPr>
+          <a:lstStyle/>
+          <a:p>
+            <a:r>
+              <a:rPr lang="en-US" sz="1400" dirty="0">
+                <a:latin typeface="+mj-lt"/>
+              </a:rPr>
+              <a:t>A</a:t>
+            </a:r>
+            <a:endParaRPr lang="en-ZA" sz="1400" dirty="0">
+              <a:latin typeface="+mj-lt"/>
+            </a:endParaRPr>
+          </a:p>
+        </p:txBody>
+      </p:sp>
+      <p:sp>
+        <p:nvSpPr>
+          <p:cNvPr id="14" name="TextBox 13">
+            <a:extLst>
+              <a:ext uri="{FF2B5EF4-FFF2-40B4-BE49-F238E27FC236}">
+                <a16:creationId xmlns:a16="http://schemas.microsoft.com/office/drawing/2014/main" id="{A2A7B637-B15E-C043-4590-170E280C6CD1}"/>
+              </a:ext>
+            </a:extLst>
+          </p:cNvPr>
+          <p:cNvSpPr txBox="1"/>
+          <p:nvPr/>
+        </p:nvSpPr>
+        <p:spPr>
+          <a:xfrm>
+            <a:off x="4863228" y="2444376"/>
+            <a:ext cx="345440" cy="307777"/>
+          </a:xfrm>
+          <a:prstGeom prst="rect">
+            <a:avLst/>
+          </a:prstGeom>
+          <a:noFill/>
+        </p:spPr>
+        <p:txBody>
+          <a:bodyPr wrap="square" rtlCol="0">
+            <a:spAutoFit/>
+          </a:bodyPr>
+          <a:lstStyle/>
+          <a:p>
+            <a:r>
+              <a:rPr lang="en-US" sz="1400" dirty="0">
+                <a:latin typeface="+mj-lt"/>
+              </a:rPr>
+              <a:t>A</a:t>
+            </a:r>
+            <a:endParaRPr lang="en-ZA" sz="1400" dirty="0">
+              <a:latin typeface="+mj-lt"/>
+            </a:endParaRPr>
+          </a:p>
+        </p:txBody>
+      </p:sp>
+      <p:sp>
+        <p:nvSpPr>
+          <p:cNvPr id="15" name="TextBox 14">
+            <a:extLst>
+              <a:ext uri="{FF2B5EF4-FFF2-40B4-BE49-F238E27FC236}">
+                <a16:creationId xmlns:a16="http://schemas.microsoft.com/office/drawing/2014/main" id="{EA38850D-7F3F-06BD-3E7C-52042E817669}"/>
+              </a:ext>
+            </a:extLst>
+          </p:cNvPr>
+          <p:cNvSpPr txBox="1"/>
+          <p:nvPr/>
+        </p:nvSpPr>
+        <p:spPr>
+          <a:xfrm>
+            <a:off x="5827147" y="3167144"/>
+            <a:ext cx="345440" cy="307777"/>
+          </a:xfrm>
+          <a:prstGeom prst="rect">
+            <a:avLst/>
+          </a:prstGeom>
+          <a:noFill/>
+        </p:spPr>
+        <p:txBody>
+          <a:bodyPr wrap="square" rtlCol="0">
+            <a:spAutoFit/>
+          </a:bodyPr>
+          <a:lstStyle/>
+          <a:p>
+            <a:r>
+              <a:rPr lang="en-US" sz="1400" dirty="0">
+                <a:latin typeface="+mj-lt"/>
+              </a:rPr>
+              <a:t>A</a:t>
+            </a:r>
+            <a:endParaRPr lang="en-ZA" sz="1400" dirty="0">
+              <a:latin typeface="+mj-lt"/>
+            </a:endParaRPr>
+          </a:p>
+        </p:txBody>
+      </p:sp>
+      <p:sp>
+        <p:nvSpPr>
+          <p:cNvPr id="16" name="TextBox 15">
+            <a:extLst>
+              <a:ext uri="{FF2B5EF4-FFF2-40B4-BE49-F238E27FC236}">
+                <a16:creationId xmlns:a16="http://schemas.microsoft.com/office/drawing/2014/main" id="{85BED78D-F3DE-BB8E-6407-FAAF78D530F9}"/>
+              </a:ext>
+            </a:extLst>
+          </p:cNvPr>
+          <p:cNvSpPr txBox="1"/>
+          <p:nvPr/>
+        </p:nvSpPr>
+        <p:spPr>
+          <a:xfrm>
+            <a:off x="6403725" y="2813223"/>
+            <a:ext cx="384531" cy="307777"/>
+          </a:xfrm>
+          <a:prstGeom prst="rect">
+            <a:avLst/>
+          </a:prstGeom>
+          <a:noFill/>
+        </p:spPr>
+        <p:txBody>
+          <a:bodyPr wrap="square" rtlCol="0">
+            <a:spAutoFit/>
+          </a:bodyPr>
+          <a:lstStyle/>
+          <a:p>
+            <a:r>
+              <a:rPr lang="en-US" sz="1400" dirty="0">
+                <a:latin typeface="+mj-lt"/>
+              </a:rPr>
+              <a:t>AB</a:t>
+            </a:r>
+            <a:endParaRPr lang="en-ZA" sz="1400" dirty="0">
+              <a:latin typeface="+mj-lt"/>
+            </a:endParaRPr>
+          </a:p>
+        </p:txBody>
+      </p:sp>
+      <p:sp>
+        <p:nvSpPr>
+          <p:cNvPr id="17" name="TextBox 16">
+            <a:extLst>
+              <a:ext uri="{FF2B5EF4-FFF2-40B4-BE49-F238E27FC236}">
+                <a16:creationId xmlns:a16="http://schemas.microsoft.com/office/drawing/2014/main" id="{6A1E2DF9-FEFC-3AE4-8EDC-19FB6DC6EB30}"/>
+              </a:ext>
+            </a:extLst>
+          </p:cNvPr>
+          <p:cNvSpPr txBox="1"/>
+          <p:nvPr/>
+        </p:nvSpPr>
+        <p:spPr>
+          <a:xfrm>
+            <a:off x="5482867" y="1946127"/>
+            <a:ext cx="384531" cy="307777"/>
+          </a:xfrm>
+          <a:prstGeom prst="rect">
+            <a:avLst/>
+          </a:prstGeom>
+          <a:noFill/>
+        </p:spPr>
+        <p:txBody>
+          <a:bodyPr wrap="square" rtlCol="0">
+            <a:spAutoFit/>
+          </a:bodyPr>
+          <a:lstStyle/>
+          <a:p>
+            <a:r>
+              <a:rPr lang="en-US" sz="1400" dirty="0">
+                <a:latin typeface="+mj-lt"/>
+              </a:rPr>
+              <a:t>AB</a:t>
+            </a:r>
+            <a:endParaRPr lang="en-ZA" sz="1400" dirty="0">
+              <a:latin typeface="+mj-lt"/>
+            </a:endParaRPr>
+          </a:p>
+        </p:txBody>
+      </p:sp>
+      <p:sp>
+        <p:nvSpPr>
+          <p:cNvPr id="18" name="TextBox 17">
+            <a:extLst>
+              <a:ext uri="{FF2B5EF4-FFF2-40B4-BE49-F238E27FC236}">
+                <a16:creationId xmlns:a16="http://schemas.microsoft.com/office/drawing/2014/main" id="{04B203A0-0C36-320C-9B96-CC5AA5AAD37E}"/>
+              </a:ext>
+            </a:extLst>
+          </p:cNvPr>
+          <p:cNvSpPr txBox="1"/>
+          <p:nvPr/>
+        </p:nvSpPr>
+        <p:spPr>
+          <a:xfrm>
+            <a:off x="6102230" y="2233209"/>
+            <a:ext cx="384531" cy="307777"/>
+          </a:xfrm>
+          <a:prstGeom prst="rect">
+            <a:avLst/>
+          </a:prstGeom>
+          <a:noFill/>
+        </p:spPr>
+        <p:txBody>
+          <a:bodyPr wrap="square" rtlCol="0">
+            <a:spAutoFit/>
+          </a:bodyPr>
+          <a:lstStyle/>
+          <a:p>
+            <a:r>
+              <a:rPr lang="en-US" sz="1400" dirty="0">
                 <a:latin typeface="+mj-lt"/>
               </a:rPr>
               <a:t>B</a:t>
             </a:r>
-            <a:endParaRPr lang="en-ZA" sz="1200" dirty="0">
+            <a:endParaRPr lang="en-ZA" sz="1400" dirty="0">
               <a:latin typeface="+mj-lt"/>
             </a:endParaRPr>
           </a:p>
@@ -8304,39 +14592,39 @@
       </p:sp>
       <p:sp>
         <p:nvSpPr>
-          <p:cNvPr id="9" name="TextBox 8">
-            <a:extLst>
-              <a:ext uri="{FF2B5EF4-FFF2-40B4-BE49-F238E27FC236}">
-                <a16:creationId xmlns:a16="http://schemas.microsoft.com/office/drawing/2014/main" id="{E2F8E896-F69C-0790-E4FA-70A18EA4463C}"/>
-              </a:ext>
-            </a:extLst>
-          </p:cNvPr>
-          <p:cNvSpPr txBox="1"/>
-          <p:nvPr/>
-        </p:nvSpPr>
-        <p:spPr>
-          <a:xfrm>
-            <a:off x="3362965" y="1214236"/>
-            <a:ext cx="349206" cy="276999"/>
-          </a:xfrm>
-          <a:prstGeom prst="rect">
-            <a:avLst/>
-          </a:prstGeom>
-          <a:noFill/>
-        </p:spPr>
-        <p:txBody>
-          <a:bodyPr wrap="square" rtlCol="0">
-            <a:spAutoFit/>
-          </a:bodyPr>
-          <a:lstStyle/>
-          <a:p>
-            <a:r>
-              <a:rPr lang="en-US" sz="1200" dirty="0">
+          <p:cNvPr id="19" name="TextBox 18">
+            <a:extLst>
+              <a:ext uri="{FF2B5EF4-FFF2-40B4-BE49-F238E27FC236}">
+                <a16:creationId xmlns:a16="http://schemas.microsoft.com/office/drawing/2014/main" id="{61C2D2F9-992B-65DE-A81A-8FE132100F56}"/>
+              </a:ext>
+            </a:extLst>
+          </p:cNvPr>
+          <p:cNvSpPr txBox="1"/>
+          <p:nvPr/>
+        </p:nvSpPr>
+        <p:spPr>
+          <a:xfrm>
+            <a:off x="5155974" y="1638349"/>
+            <a:ext cx="384531" cy="307777"/>
+          </a:xfrm>
+          <a:prstGeom prst="rect">
+            <a:avLst/>
+          </a:prstGeom>
+          <a:noFill/>
+        </p:spPr>
+        <p:txBody>
+          <a:bodyPr wrap="square" rtlCol="0">
+            <a:spAutoFit/>
+          </a:bodyPr>
+          <a:lstStyle/>
+          <a:p>
+            <a:r>
+              <a:rPr lang="en-US" sz="1400" dirty="0">
                 <a:latin typeface="+mj-lt"/>
               </a:rPr>
               <a:t>B</a:t>
             </a:r>
-            <a:endParaRPr lang="en-ZA" sz="1200" dirty="0">
+            <a:endParaRPr lang="en-ZA" sz="1400" dirty="0">
               <a:latin typeface="+mj-lt"/>
             </a:endParaRPr>
           </a:p>
@@ -8344,39 +14632,119 @@
       </p:sp>
       <p:sp>
         <p:nvSpPr>
-          <p:cNvPr id="10" name="TextBox 9">
-            <a:extLst>
-              <a:ext uri="{FF2B5EF4-FFF2-40B4-BE49-F238E27FC236}">
-                <a16:creationId xmlns:a16="http://schemas.microsoft.com/office/drawing/2014/main" id="{329A2760-00F2-4049-3877-88EB8EB7382A}"/>
-              </a:ext>
-            </a:extLst>
-          </p:cNvPr>
-          <p:cNvSpPr txBox="1"/>
-          <p:nvPr/>
-        </p:nvSpPr>
-        <p:spPr>
-          <a:xfrm>
-            <a:off x="3665990" y="898988"/>
-            <a:ext cx="349206" cy="276999"/>
-          </a:xfrm>
-          <a:prstGeom prst="rect">
-            <a:avLst/>
-          </a:prstGeom>
-          <a:noFill/>
-        </p:spPr>
-        <p:txBody>
-          <a:bodyPr wrap="square" rtlCol="0">
-            <a:spAutoFit/>
-          </a:bodyPr>
-          <a:lstStyle/>
-          <a:p>
-            <a:r>
-              <a:rPr lang="en-US" sz="1200" dirty="0">
+          <p:cNvPr id="20" name="TextBox 19">
+            <a:extLst>
+              <a:ext uri="{FF2B5EF4-FFF2-40B4-BE49-F238E27FC236}">
+                <a16:creationId xmlns:a16="http://schemas.microsoft.com/office/drawing/2014/main" id="{7ED0187B-2C13-2D70-F5CC-1D26469D640B}"/>
+              </a:ext>
+            </a:extLst>
+          </p:cNvPr>
+          <p:cNvSpPr txBox="1"/>
+          <p:nvPr/>
+        </p:nvSpPr>
+        <p:spPr>
+          <a:xfrm>
+            <a:off x="6983334" y="2749195"/>
+            <a:ext cx="384531" cy="307777"/>
+          </a:xfrm>
+          <a:prstGeom prst="rect">
+            <a:avLst/>
+          </a:prstGeom>
+          <a:noFill/>
+        </p:spPr>
+        <p:txBody>
+          <a:bodyPr wrap="square" rtlCol="0">
+            <a:spAutoFit/>
+          </a:bodyPr>
+          <a:lstStyle/>
+          <a:p>
+            <a:r>
+              <a:rPr lang="en-US" sz="1400" dirty="0">
+                <a:latin typeface="+mj-lt"/>
+              </a:rPr>
+              <a:t>A</a:t>
+            </a:r>
+            <a:endParaRPr lang="en-ZA" sz="1400" dirty="0">
+              <a:latin typeface="+mj-lt"/>
+            </a:endParaRPr>
+          </a:p>
+        </p:txBody>
+      </p:sp>
+      <p:sp>
+        <p:nvSpPr>
+          <p:cNvPr id="21" name="TextBox 20">
+            <a:extLst>
+              <a:ext uri="{FF2B5EF4-FFF2-40B4-BE49-F238E27FC236}">
+                <a16:creationId xmlns:a16="http://schemas.microsoft.com/office/drawing/2014/main" id="{691488CB-8DC4-F5B5-4D5F-669490685FC3}"/>
+              </a:ext>
+            </a:extLst>
+          </p:cNvPr>
+          <p:cNvSpPr txBox="1"/>
+          <p:nvPr/>
+        </p:nvSpPr>
+        <p:spPr>
+          <a:xfrm>
+            <a:off x="7910649" y="3792748"/>
+            <a:ext cx="384531" cy="307777"/>
+          </a:xfrm>
+          <a:prstGeom prst="rect">
+            <a:avLst/>
+          </a:prstGeom>
+          <a:noFill/>
+        </p:spPr>
+        <p:txBody>
+          <a:bodyPr wrap="square" rtlCol="0">
+            <a:spAutoFit/>
+          </a:bodyPr>
+          <a:lstStyle/>
+          <a:p>
+            <a:r>
+              <a:rPr lang="en-US" sz="1400" dirty="0">
+                <a:latin typeface="+mj-lt"/>
+              </a:rPr>
+              <a:t>A</a:t>
+            </a:r>
+            <a:endParaRPr lang="en-ZA" sz="1400" dirty="0">
+              <a:latin typeface="+mj-lt"/>
+            </a:endParaRPr>
+          </a:p>
+        </p:txBody>
+      </p:sp>
+      <p:sp>
+        <p:nvSpPr>
+          <p:cNvPr id="22" name="TextBox 21">
+            <a:extLst>
+              <a:ext uri="{FF2B5EF4-FFF2-40B4-BE49-F238E27FC236}">
+                <a16:creationId xmlns:a16="http://schemas.microsoft.com/office/drawing/2014/main" id="{A6342D7E-4750-DFAE-C933-BBA52E88E9B3}"/>
+              </a:ext>
+            </a:extLst>
+          </p:cNvPr>
+          <p:cNvSpPr txBox="1"/>
+          <p:nvPr/>
+        </p:nvSpPr>
+        <p:spPr>
+          <a:xfrm>
+            <a:off x="7258772" y="1645799"/>
+            <a:ext cx="384531" cy="307777"/>
+          </a:xfrm>
+          <a:prstGeom prst="rect">
+            <a:avLst/>
+          </a:prstGeom>
+          <a:noFill/>
+        </p:spPr>
+        <p:txBody>
+          <a:bodyPr wrap="square" rtlCol="0">
+            <a:spAutoFit/>
+          </a:bodyPr>
+          <a:lstStyle/>
+          <a:p>
+            <a:r>
+              <a:rPr lang="en-US" sz="1400" dirty="0">
                 <a:latin typeface="+mj-lt"/>
               </a:rPr>
               <a:t>B</a:t>
             </a:r>
-            <a:endParaRPr lang="en-ZA" sz="1200" dirty="0">
+            <a:endParaRPr lang="en-ZA" sz="1400" dirty="0">
               <a:latin typeface="+mj-lt"/>
             </a:endParaRPr>
           </a:p>
@@ -8384,39 +14752,159 @@
       </p:sp>
       <p:sp>
         <p:nvSpPr>
-          <p:cNvPr id="11" name="TextBox 10">
-            <a:extLst>
-              <a:ext uri="{FF2B5EF4-FFF2-40B4-BE49-F238E27FC236}">
-                <a16:creationId xmlns:a16="http://schemas.microsoft.com/office/drawing/2014/main" id="{E19BF421-842F-7113-7F9F-F7A8A67A45DF}"/>
-              </a:ext>
-            </a:extLst>
-          </p:cNvPr>
-          <p:cNvSpPr txBox="1"/>
-          <p:nvPr/>
-        </p:nvSpPr>
-        <p:spPr>
-          <a:xfrm>
-            <a:off x="3885166" y="2003418"/>
-            <a:ext cx="260059" cy="276999"/>
-          </a:xfrm>
-          <a:prstGeom prst="rect">
-            <a:avLst/>
-          </a:prstGeom>
-          <a:noFill/>
-        </p:spPr>
-        <p:txBody>
-          <a:bodyPr wrap="square" rtlCol="0">
-            <a:spAutoFit/>
-          </a:bodyPr>
-          <a:lstStyle/>
-          <a:p>
-            <a:r>
-              <a:rPr lang="en-US" sz="1200" dirty="0">
+          <p:cNvPr id="23" name="TextBox 22">
+            <a:extLst>
+              <a:ext uri="{FF2B5EF4-FFF2-40B4-BE49-F238E27FC236}">
+                <a16:creationId xmlns:a16="http://schemas.microsoft.com/office/drawing/2014/main" id="{92FCE147-4228-7B72-7E94-B2168ECF1A30}"/>
+              </a:ext>
+            </a:extLst>
+          </p:cNvPr>
+          <p:cNvSpPr txBox="1"/>
+          <p:nvPr/>
+        </p:nvSpPr>
+        <p:spPr>
+          <a:xfrm>
+            <a:off x="8178390" y="2444376"/>
+            <a:ext cx="384531" cy="307777"/>
+          </a:xfrm>
+          <a:prstGeom prst="rect">
+            <a:avLst/>
+          </a:prstGeom>
+          <a:noFill/>
+        </p:spPr>
+        <p:txBody>
+          <a:bodyPr wrap="square" rtlCol="0">
+            <a:spAutoFit/>
+          </a:bodyPr>
+          <a:lstStyle/>
+          <a:p>
+            <a:r>
+              <a:rPr lang="en-US" sz="1400" dirty="0">
+                <a:latin typeface="+mj-lt"/>
+              </a:rPr>
+              <a:t>B</a:t>
+            </a:r>
+            <a:endParaRPr lang="en-ZA" sz="1400" dirty="0">
+              <a:latin typeface="+mj-lt"/>
+            </a:endParaRPr>
+          </a:p>
+        </p:txBody>
+      </p:sp>
+      <p:sp>
+        <p:nvSpPr>
+          <p:cNvPr id="24" name="TextBox 23">
+            <a:extLst>
+              <a:ext uri="{FF2B5EF4-FFF2-40B4-BE49-F238E27FC236}">
+                <a16:creationId xmlns:a16="http://schemas.microsoft.com/office/drawing/2014/main" id="{9752C489-12EA-4EBD-AA75-3B4575FD1E89}"/>
+              </a:ext>
+            </a:extLst>
+          </p:cNvPr>
+          <p:cNvSpPr txBox="1"/>
+          <p:nvPr/>
+        </p:nvSpPr>
+        <p:spPr>
+          <a:xfrm>
+            <a:off x="7541503" y="2526284"/>
+            <a:ext cx="384531" cy="307777"/>
+          </a:xfrm>
+          <a:prstGeom prst="rect">
+            <a:avLst/>
+          </a:prstGeom>
+          <a:noFill/>
+        </p:spPr>
+        <p:txBody>
+          <a:bodyPr wrap="square" rtlCol="0">
+            <a:spAutoFit/>
+          </a:bodyPr>
+          <a:lstStyle/>
+          <a:p>
+            <a:r>
+              <a:rPr lang="en-US" sz="1400" dirty="0">
+                <a:latin typeface="+mj-lt"/>
+              </a:rPr>
+              <a:t>AB</a:t>
+            </a:r>
+            <a:endParaRPr lang="en-ZA" sz="1400" dirty="0">
+              <a:latin typeface="+mj-lt"/>
+            </a:endParaRPr>
+          </a:p>
+        </p:txBody>
+      </p:sp>
+      <p:sp>
+        <p:nvSpPr>
+          <p:cNvPr id="25" name="TextBox 24">
+            <a:extLst>
+              <a:ext uri="{FF2B5EF4-FFF2-40B4-BE49-F238E27FC236}">
+                <a16:creationId xmlns:a16="http://schemas.microsoft.com/office/drawing/2014/main" id="{E317AA24-E771-0D25-890A-37002ACBE84F}"/>
+              </a:ext>
+            </a:extLst>
+          </p:cNvPr>
+          <p:cNvSpPr txBox="1"/>
+          <p:nvPr/>
+        </p:nvSpPr>
+        <p:spPr>
+          <a:xfrm>
+            <a:off x="8430746" y="2531473"/>
+            <a:ext cx="384531" cy="307777"/>
+          </a:xfrm>
+          <a:prstGeom prst="rect">
+            <a:avLst/>
+          </a:prstGeom>
+          <a:noFill/>
+        </p:spPr>
+        <p:txBody>
+          <a:bodyPr wrap="square" rtlCol="0">
+            <a:spAutoFit/>
+          </a:bodyPr>
+          <a:lstStyle/>
+          <a:p>
+            <a:r>
+              <a:rPr lang="en-US" sz="1400" dirty="0">
+                <a:latin typeface="+mj-lt"/>
+              </a:rPr>
+              <a:t>AB</a:t>
+            </a:r>
+            <a:endParaRPr lang="en-ZA" sz="1400" dirty="0">
+              <a:latin typeface="+mj-lt"/>
+            </a:endParaRPr>
+          </a:p>
+        </p:txBody>
+      </p:sp>
+      <p:sp>
+        <p:nvSpPr>
+          <p:cNvPr id="26" name="TextBox 25">
+            <a:extLst>
+              <a:ext uri="{FF2B5EF4-FFF2-40B4-BE49-F238E27FC236}">
+                <a16:creationId xmlns:a16="http://schemas.microsoft.com/office/drawing/2014/main" id="{4C80A260-C578-B092-49F1-B483A44E497D}"/>
+              </a:ext>
+            </a:extLst>
+          </p:cNvPr>
+          <p:cNvSpPr txBox="1"/>
+          <p:nvPr/>
+        </p:nvSpPr>
+        <p:spPr>
+          <a:xfrm>
+            <a:off x="9998526" y="3496485"/>
+            <a:ext cx="384531" cy="307777"/>
+          </a:xfrm>
+          <a:prstGeom prst="rect">
+            <a:avLst/>
+          </a:prstGeom>
+          <a:noFill/>
+        </p:spPr>
+        <p:txBody>
+          <a:bodyPr wrap="square" rtlCol="0">
+            <a:spAutoFit/>
+          </a:bodyPr>
+          <a:lstStyle/>
+          <a:p>
+            <a:r>
+              <a:rPr lang="en-US" sz="1400" dirty="0">
                 <a:latin typeface="+mj-lt"/>
               </a:rPr>
               <a:t>A</a:t>
             </a:r>
-            <a:endParaRPr lang="en-ZA" sz="1200" dirty="0">
+            <a:endParaRPr lang="en-ZA" sz="1400" dirty="0">
               <a:latin typeface="+mj-lt"/>
             </a:endParaRPr>
           </a:p>
@@ -8424,39 +14912,79 @@
       </p:sp>
       <p:sp>
         <p:nvSpPr>
-          <p:cNvPr id="12" name="TextBox 11">
-            <a:extLst>
-              <a:ext uri="{FF2B5EF4-FFF2-40B4-BE49-F238E27FC236}">
-                <a16:creationId xmlns:a16="http://schemas.microsoft.com/office/drawing/2014/main" id="{C617E5CB-3AC6-F3FD-80A5-E635CBF3A754}"/>
-              </a:ext>
-            </a:extLst>
-          </p:cNvPr>
-          <p:cNvSpPr txBox="1"/>
-          <p:nvPr/>
-        </p:nvSpPr>
-        <p:spPr>
-          <a:xfrm>
-            <a:off x="4086864" y="913219"/>
-            <a:ext cx="349206" cy="276999"/>
-          </a:xfrm>
-          <a:prstGeom prst="rect">
-            <a:avLst/>
-          </a:prstGeom>
-          <a:noFill/>
-        </p:spPr>
-        <p:txBody>
-          <a:bodyPr wrap="square" rtlCol="0">
-            <a:spAutoFit/>
-          </a:bodyPr>
-          <a:lstStyle/>
-          <a:p>
-            <a:r>
-              <a:rPr lang="en-US" sz="1200" dirty="0">
+          <p:cNvPr id="27" name="TextBox 26">
+            <a:extLst>
+              <a:ext uri="{FF2B5EF4-FFF2-40B4-BE49-F238E27FC236}">
+                <a16:creationId xmlns:a16="http://schemas.microsoft.com/office/drawing/2014/main" id="{20E27932-1CA5-EF36-D811-9C5A35A6E79A}"/>
+              </a:ext>
+            </a:extLst>
+          </p:cNvPr>
+          <p:cNvSpPr txBox="1"/>
+          <p:nvPr/>
+        </p:nvSpPr>
+        <p:spPr>
+          <a:xfrm>
+            <a:off x="9062170" y="3946636"/>
+            <a:ext cx="384531" cy="307777"/>
+          </a:xfrm>
+          <a:prstGeom prst="rect">
+            <a:avLst/>
+          </a:prstGeom>
+          <a:noFill/>
+        </p:spPr>
+        <p:txBody>
+          <a:bodyPr wrap="square" rtlCol="0">
+            <a:spAutoFit/>
+          </a:bodyPr>
+          <a:lstStyle/>
+          <a:p>
+            <a:r>
+              <a:rPr lang="en-US" sz="1400" dirty="0">
+                <a:latin typeface="+mj-lt"/>
+              </a:rPr>
+              <a:t>A</a:t>
+            </a:r>
+            <a:endParaRPr lang="en-ZA" sz="1400" dirty="0">
+              <a:latin typeface="+mj-lt"/>
+            </a:endParaRPr>
+          </a:p>
+        </p:txBody>
+      </p:sp>
+      <p:sp>
+        <p:nvSpPr>
+          <p:cNvPr id="28" name="TextBox 27">
+            <a:extLst>
+              <a:ext uri="{FF2B5EF4-FFF2-40B4-BE49-F238E27FC236}">
+                <a16:creationId xmlns:a16="http://schemas.microsoft.com/office/drawing/2014/main" id="{ACD2C2A5-C573-B4C5-9DFB-79E9E13B374E}"/>
+              </a:ext>
+            </a:extLst>
+          </p:cNvPr>
+          <p:cNvSpPr txBox="1"/>
+          <p:nvPr/>
+        </p:nvSpPr>
+        <p:spPr>
+          <a:xfrm>
+            <a:off x="9350180" y="2934828"/>
+            <a:ext cx="384531" cy="307777"/>
+          </a:xfrm>
+          <a:prstGeom prst="rect">
+            <a:avLst/>
+          </a:prstGeom>
+          <a:noFill/>
+        </p:spPr>
+        <p:txBody>
+          <a:bodyPr wrap="square" rtlCol="0">
+            <a:spAutoFit/>
+          </a:bodyPr>
+          <a:lstStyle/>
+          <a:p>
+            <a:r>
+              <a:rPr lang="en-US" sz="1400" dirty="0">
                 <a:latin typeface="+mj-lt"/>
               </a:rPr>
               <a:t>B</a:t>
             </a:r>
-            <a:endParaRPr lang="en-ZA" sz="1200" dirty="0">
+            <a:endParaRPr lang="en-ZA" sz="1400" dirty="0">
               <a:latin typeface="+mj-lt"/>
             </a:endParaRPr>
           </a:p>
@@ -8464,39 +14992,39 @@
       </p:sp>
       <p:sp>
         <p:nvSpPr>
-          <p:cNvPr id="13" name="TextBox 12">
-            <a:extLst>
-              <a:ext uri="{FF2B5EF4-FFF2-40B4-BE49-F238E27FC236}">
-                <a16:creationId xmlns:a16="http://schemas.microsoft.com/office/drawing/2014/main" id="{452F069D-CB2B-3BCD-6086-83A90AB51CA3}"/>
-              </a:ext>
-            </a:extLst>
-          </p:cNvPr>
-          <p:cNvSpPr txBox="1"/>
-          <p:nvPr/>
-        </p:nvSpPr>
-        <p:spPr>
-          <a:xfrm>
-            <a:off x="4300496" y="913169"/>
-            <a:ext cx="349206" cy="276999"/>
-          </a:xfrm>
-          <a:prstGeom prst="rect">
-            <a:avLst/>
-          </a:prstGeom>
-          <a:noFill/>
-        </p:spPr>
-        <p:txBody>
-          <a:bodyPr wrap="square" rtlCol="0">
-            <a:spAutoFit/>
-          </a:bodyPr>
-          <a:lstStyle/>
-          <a:p>
-            <a:r>
-              <a:rPr lang="en-US" sz="1200" dirty="0">
+          <p:cNvPr id="29" name="TextBox 28">
+            <a:extLst>
+              <a:ext uri="{FF2B5EF4-FFF2-40B4-BE49-F238E27FC236}">
+                <a16:creationId xmlns:a16="http://schemas.microsoft.com/office/drawing/2014/main" id="{B002BC9B-4111-BF46-E35E-D3D1371BFCCC}"/>
+              </a:ext>
+            </a:extLst>
+          </p:cNvPr>
+          <p:cNvSpPr txBox="1"/>
+          <p:nvPr/>
+        </p:nvSpPr>
+        <p:spPr>
+          <a:xfrm>
+            <a:off x="10258869" y="2581494"/>
+            <a:ext cx="384531" cy="307777"/>
+          </a:xfrm>
+          <a:prstGeom prst="rect">
+            <a:avLst/>
+          </a:prstGeom>
+          <a:noFill/>
+        </p:spPr>
+        <p:txBody>
+          <a:bodyPr wrap="square" rtlCol="0">
+            <a:spAutoFit/>
+          </a:bodyPr>
+          <a:lstStyle/>
+          <a:p>
+            <a:r>
+              <a:rPr lang="en-US" sz="1400" dirty="0">
                 <a:latin typeface="+mj-lt"/>
               </a:rPr>
               <a:t>B</a:t>
             </a:r>
-            <a:endParaRPr lang="en-ZA" sz="1200" dirty="0">
+            <a:endParaRPr lang="en-ZA" sz="1400" dirty="0">
               <a:latin typeface="+mj-lt"/>
             </a:endParaRPr>
           </a:p>
@@ -8504,116 +15032,128 @@
       </p:sp>
       <p:sp>
         <p:nvSpPr>
-          <p:cNvPr id="14" name="TextBox 13">
-            <a:extLst>
-              <a:ext uri="{FF2B5EF4-FFF2-40B4-BE49-F238E27FC236}">
-                <a16:creationId xmlns:a16="http://schemas.microsoft.com/office/drawing/2014/main" id="{ED8183D2-9CEE-43FD-3E45-9A31964A95E4}"/>
-              </a:ext>
-            </a:extLst>
-          </p:cNvPr>
-          <p:cNvSpPr txBox="1"/>
-          <p:nvPr/>
-        </p:nvSpPr>
-        <p:spPr>
-          <a:xfrm>
-            <a:off x="5587620" y="898986"/>
-            <a:ext cx="310243" cy="276999"/>
-          </a:xfrm>
-          <a:prstGeom prst="rect">
-            <a:avLst/>
-          </a:prstGeom>
-          <a:noFill/>
-        </p:spPr>
-        <p:txBody>
-          <a:bodyPr wrap="square" rtlCol="0">
-            <a:spAutoFit/>
-          </a:bodyPr>
-          <a:lstStyle/>
-          <a:p>
-            <a:r>
-              <a:rPr lang="en-US" sz="1200" dirty="0"/>
-              <a:t>*</a:t>
-            </a:r>
-            <a:endParaRPr lang="en-ZA" sz="1200" dirty="0"/>
-          </a:p>
-        </p:txBody>
-      </p:sp>
-      <p:sp>
-        <p:nvSpPr>
-          <p:cNvPr id="16" name="TextBox 15">
-            <a:extLst>
-              <a:ext uri="{FF2B5EF4-FFF2-40B4-BE49-F238E27FC236}">
-                <a16:creationId xmlns:a16="http://schemas.microsoft.com/office/drawing/2014/main" id="{BD61EDA9-FB44-A7AE-451A-BD7A331B7DC2}"/>
-              </a:ext>
-            </a:extLst>
-          </p:cNvPr>
-          <p:cNvSpPr txBox="1"/>
-          <p:nvPr/>
-        </p:nvSpPr>
-        <p:spPr>
-          <a:xfrm>
-            <a:off x="7746394" y="898987"/>
-            <a:ext cx="419101" cy="276999"/>
-          </a:xfrm>
-          <a:prstGeom prst="rect">
-            <a:avLst/>
-          </a:prstGeom>
-          <a:noFill/>
-        </p:spPr>
-        <p:txBody>
-          <a:bodyPr wrap="square" rtlCol="0">
-            <a:spAutoFit/>
-          </a:bodyPr>
-          <a:lstStyle/>
-          <a:p>
-            <a:r>
-              <a:rPr lang="en-US" sz="1200" dirty="0"/>
-              <a:t>**</a:t>
-            </a:r>
-            <a:endParaRPr lang="en-ZA" sz="1200" dirty="0"/>
-          </a:p>
-        </p:txBody>
-      </p:sp>
-      <p:sp>
-        <p:nvSpPr>
-          <p:cNvPr id="17" name="TextBox 16">
-            <a:extLst>
-              <a:ext uri="{FF2B5EF4-FFF2-40B4-BE49-F238E27FC236}">
-                <a16:creationId xmlns:a16="http://schemas.microsoft.com/office/drawing/2014/main" id="{3B674B15-959A-6F70-ACF5-801938FB50F4}"/>
-              </a:ext>
-            </a:extLst>
-          </p:cNvPr>
-          <p:cNvSpPr txBox="1"/>
-          <p:nvPr/>
-        </p:nvSpPr>
-        <p:spPr>
-          <a:xfrm>
-            <a:off x="9972949" y="913169"/>
-            <a:ext cx="310243" cy="276999"/>
-          </a:xfrm>
-          <a:prstGeom prst="rect">
-            <a:avLst/>
-          </a:prstGeom>
-          <a:noFill/>
-        </p:spPr>
-        <p:txBody>
-          <a:bodyPr wrap="square" rtlCol="0">
-            <a:spAutoFit/>
-          </a:bodyPr>
-          <a:lstStyle/>
-          <a:p>
-            <a:r>
-              <a:rPr lang="en-US" sz="1200" dirty="0"/>
-              <a:t>*</a:t>
-            </a:r>
-            <a:endParaRPr lang="en-ZA" sz="1200" dirty="0"/>
+          <p:cNvPr id="30" name="TextBox 29">
+            <a:extLst>
+              <a:ext uri="{FF2B5EF4-FFF2-40B4-BE49-F238E27FC236}">
+                <a16:creationId xmlns:a16="http://schemas.microsoft.com/office/drawing/2014/main" id="{C92A2013-B931-036A-BDC1-860E6D247D6F}"/>
+              </a:ext>
+            </a:extLst>
+          </p:cNvPr>
+          <p:cNvSpPr txBox="1"/>
+          <p:nvPr/>
+        </p:nvSpPr>
+        <p:spPr>
+          <a:xfrm>
+            <a:off x="9627021" y="3629337"/>
+            <a:ext cx="384531" cy="307777"/>
+          </a:xfrm>
+          <a:prstGeom prst="rect">
+            <a:avLst/>
+          </a:prstGeom>
+          <a:noFill/>
+        </p:spPr>
+        <p:txBody>
+          <a:bodyPr wrap="square" rtlCol="0">
+            <a:spAutoFit/>
+          </a:bodyPr>
+          <a:lstStyle/>
+          <a:p>
+            <a:r>
+              <a:rPr lang="en-US" sz="1400" dirty="0">
+                <a:latin typeface="+mj-lt"/>
+              </a:rPr>
+              <a:t>A</a:t>
+            </a:r>
+            <a:endParaRPr lang="en-ZA" sz="1400" dirty="0">
+              <a:latin typeface="+mj-lt"/>
+            </a:endParaRPr>
+          </a:p>
+        </p:txBody>
+      </p:sp>
+      <p:sp>
+        <p:nvSpPr>
+          <p:cNvPr id="31" name="TextBox 30">
+            <a:extLst>
+              <a:ext uri="{FF2B5EF4-FFF2-40B4-BE49-F238E27FC236}">
+                <a16:creationId xmlns:a16="http://schemas.microsoft.com/office/drawing/2014/main" id="{2D4600C9-61D1-F543-2CFA-0A289E417C60}"/>
+              </a:ext>
+            </a:extLst>
+          </p:cNvPr>
+          <p:cNvSpPr txBox="1"/>
+          <p:nvPr/>
+        </p:nvSpPr>
+        <p:spPr>
+          <a:xfrm>
+            <a:off x="10546587" y="2811168"/>
+            <a:ext cx="384531" cy="307777"/>
+          </a:xfrm>
+          <a:prstGeom prst="rect">
+            <a:avLst/>
+          </a:prstGeom>
+          <a:noFill/>
+        </p:spPr>
+        <p:txBody>
+          <a:bodyPr wrap="square" rtlCol="0">
+            <a:spAutoFit/>
+          </a:bodyPr>
+          <a:lstStyle/>
+          <a:p>
+            <a:r>
+              <a:rPr lang="en-US" sz="1400" dirty="0">
+                <a:latin typeface="+mj-lt"/>
+              </a:rPr>
+              <a:t>A</a:t>
+            </a:r>
+            <a:endParaRPr lang="en-ZA" sz="1400" dirty="0">
+              <a:latin typeface="+mj-lt"/>
+            </a:endParaRPr>
+          </a:p>
+        </p:txBody>
+      </p:sp>
+      <p:sp>
+        <p:nvSpPr>
+          <p:cNvPr id="32" name="TextBox 31">
+            <a:extLst>
+              <a:ext uri="{FF2B5EF4-FFF2-40B4-BE49-F238E27FC236}">
+                <a16:creationId xmlns:a16="http://schemas.microsoft.com/office/drawing/2014/main" id="{2E172F56-97AB-C324-2E9B-1DAB95175859}"/>
+              </a:ext>
+            </a:extLst>
+          </p:cNvPr>
+          <p:cNvSpPr txBox="1"/>
+          <p:nvPr/>
+        </p:nvSpPr>
+        <p:spPr>
+          <a:xfrm>
+            <a:off x="5082512" y="1389225"/>
+            <a:ext cx="531453" cy="307777"/>
+          </a:xfrm>
+          <a:prstGeom prst="rect">
+            <a:avLst/>
+          </a:prstGeom>
+          <a:noFill/>
+        </p:spPr>
+        <p:txBody>
+          <a:bodyPr wrap="square" rtlCol="0">
+            <a:spAutoFit/>
+          </a:bodyPr>
+          <a:lstStyle/>
+          <a:p>
+            <a:r>
+              <a:rPr lang="en-US" sz="1400" dirty="0">
+                <a:latin typeface="+mj-lt"/>
+              </a:rPr>
+              <a:t>***</a:t>
+            </a:r>
+            <a:endParaRPr lang="en-ZA" sz="1400" dirty="0">
+              <a:latin typeface="+mj-lt"/>
+            </a:endParaRPr>
           </a:p>
         </p:txBody>
       </p:sp>
     </p:spTree>
     <p:extLst>
       <p:ext uri="{BB962C8B-B14F-4D97-AF65-F5344CB8AC3E}">
-        <p14:creationId xmlns:p14="http://schemas.microsoft.com/office/powerpoint/2010/main" val="1731046857"/>
+        <p14:creationId xmlns:p14="http://schemas.microsoft.com/office/powerpoint/2010/main" val="3501856370"/>
       </p:ext>
     </p:extLst>
   </p:cSld>
@@ -8626,14 +15166,6 @@
 <file path=ppt/slides/slide9.xml><?xml version="1.0" encoding="utf-8"?>
 <p:sld xmlns:a="http://schemas.openxmlformats.org/drawingml/2006/main" xmlns:r="http://schemas.openxmlformats.org/officeDocument/2006/relationships" xmlns:p="http://schemas.openxmlformats.org/presentationml/2006/main">
   <p:cSld>
-    <p:bg>
-      <p:bgPr>
-        <a:solidFill>
-          <a:schemeClr val="bg1"/>
-        </a:solidFill>
-        <a:effectLst/>
-      </p:bgPr>
-    </p:bg>
     <p:spTree>
       <p:nvGrpSpPr>
         <p:cNvPr id="1" name=""/>
@@ -8650,10 +15182,10 @@
       </p:grpSpPr>
       <p:pic>
         <p:nvPicPr>
-          <p:cNvPr id="5" name="Content Placeholder 4" descr="A graph of different colored squares&#10;&#10;Description automatically generated">
-            <a:extLst>
-              <a:ext uri="{FF2B5EF4-FFF2-40B4-BE49-F238E27FC236}">
-                <a16:creationId xmlns:a16="http://schemas.microsoft.com/office/drawing/2014/main" id="{FADB7D98-6939-32A5-A876-DB8972DAE79A}"/>
+          <p:cNvPr id="5" name="Content Placeholder 4">
+            <a:extLst>
+              <a:ext uri="{FF2B5EF4-FFF2-40B4-BE49-F238E27FC236}">
+                <a16:creationId xmlns:a16="http://schemas.microsoft.com/office/drawing/2014/main" id="{71083DFB-E35F-F86A-EAD8-537425BE91E1}"/>
               </a:ext>
             </a:extLst>
           </p:cNvPr>
@@ -8678,219 +15210,347 @@
         </p:blipFill>
         <p:spPr>
           <a:xfrm>
-            <a:off x="107839" y="711200"/>
-            <a:ext cx="11976322" cy="5119879"/>
-          </a:xfrm>
-          <a:prstGeom prst="rect">
-            <a:avLst/>
-          </a:prstGeom>
+            <a:off x="30130" y="469783"/>
+            <a:ext cx="12161870" cy="5212230"/>
+          </a:xfrm>
         </p:spPr>
       </p:pic>
-      <p:grpSp>
-        <p:nvGrpSpPr>
-          <p:cNvPr id="6" name="Group 5">
-            <a:extLst>
-              <a:ext uri="{FF2B5EF4-FFF2-40B4-BE49-F238E27FC236}">
-                <a16:creationId xmlns:a16="http://schemas.microsoft.com/office/drawing/2014/main" id="{5972D642-58EB-0123-6CAC-3B2A7C676FE9}"/>
-              </a:ext>
-            </a:extLst>
-          </p:cNvPr>
-          <p:cNvGrpSpPr/>
-          <p:nvPr/>
-        </p:nvGrpSpPr>
-        <p:grpSpPr>
-          <a:xfrm>
-            <a:off x="2625947" y="1026921"/>
-            <a:ext cx="6298977" cy="4420391"/>
-            <a:chOff x="2644998" y="1160080"/>
-            <a:chExt cx="6230554" cy="4420391"/>
-          </a:xfrm>
-        </p:grpSpPr>
-        <p:cxnSp>
-          <p:nvCxnSpPr>
-            <p:cNvPr id="7" name="Straight Connector 6">
-              <a:extLst>
-                <a:ext uri="{FF2B5EF4-FFF2-40B4-BE49-F238E27FC236}">
-                  <a16:creationId xmlns:a16="http://schemas.microsoft.com/office/drawing/2014/main" id="{C3CD656D-A456-3355-E9ED-D6662CA35CC2}"/>
-                </a:ext>
-              </a:extLst>
-            </p:cNvPr>
-            <p:cNvCxnSpPr/>
-            <p:nvPr/>
-          </p:nvCxnSpPr>
-          <p:spPr>
-            <a:xfrm>
-              <a:off x="2644998" y="1160080"/>
-              <a:ext cx="0" cy="4399117"/>
-            </a:xfrm>
-            <a:prstGeom prst="line">
-              <a:avLst/>
-            </a:prstGeom>
-            <a:ln w="3175">
-              <a:solidFill>
-                <a:srgbClr val="000000"/>
-              </a:solidFill>
-              <a:prstDash val="lgDash"/>
-            </a:ln>
-          </p:spPr>
-          <p:style>
-            <a:lnRef idx="1">
-              <a:schemeClr val="dk1"/>
-            </a:lnRef>
-            <a:fillRef idx="0">
-              <a:schemeClr val="dk1"/>
-            </a:fillRef>
-            <a:effectRef idx="0">
-              <a:schemeClr val="dk1"/>
-            </a:effectRef>
-            <a:fontRef idx="minor">
-              <a:schemeClr val="tx1"/>
-            </a:fontRef>
-          </p:style>
-        </p:cxnSp>
-        <p:cxnSp>
-          <p:nvCxnSpPr>
-            <p:cNvPr id="8" name="Straight Connector 7">
-              <a:extLst>
-                <a:ext uri="{FF2B5EF4-FFF2-40B4-BE49-F238E27FC236}">
-                  <a16:creationId xmlns:a16="http://schemas.microsoft.com/office/drawing/2014/main" id="{679FE7C4-8452-A332-E8B1-41FED470BB5C}"/>
-                </a:ext>
-              </a:extLst>
-            </p:cNvPr>
-            <p:cNvCxnSpPr/>
-            <p:nvPr/>
-          </p:nvCxnSpPr>
-          <p:spPr>
-            <a:xfrm>
-              <a:off x="4725394" y="1160080"/>
-              <a:ext cx="0" cy="4399117"/>
-            </a:xfrm>
-            <a:prstGeom prst="line">
-              <a:avLst/>
-            </a:prstGeom>
-            <a:ln w="3175">
-              <a:solidFill>
-                <a:srgbClr val="000000"/>
-              </a:solidFill>
-              <a:prstDash val="lgDash"/>
-            </a:ln>
-          </p:spPr>
-          <p:style>
-            <a:lnRef idx="1">
-              <a:schemeClr val="dk1"/>
-            </a:lnRef>
-            <a:fillRef idx="0">
-              <a:schemeClr val="dk1"/>
-            </a:fillRef>
-            <a:effectRef idx="0">
-              <a:schemeClr val="dk1"/>
-            </a:effectRef>
-            <a:fontRef idx="minor">
-              <a:schemeClr val="tx1"/>
-            </a:fontRef>
-          </p:style>
-        </p:cxnSp>
-        <p:cxnSp>
-          <p:nvCxnSpPr>
-            <p:cNvPr id="9" name="Straight Connector 8">
-              <a:extLst>
-                <a:ext uri="{FF2B5EF4-FFF2-40B4-BE49-F238E27FC236}">
-                  <a16:creationId xmlns:a16="http://schemas.microsoft.com/office/drawing/2014/main" id="{4D891943-A7C7-2424-8B57-065041FBB5A9}"/>
-                </a:ext>
-              </a:extLst>
-            </p:cNvPr>
-            <p:cNvCxnSpPr/>
-            <p:nvPr/>
-          </p:nvCxnSpPr>
-          <p:spPr>
-            <a:xfrm>
-              <a:off x="6801544" y="1181354"/>
-              <a:ext cx="0" cy="4399117"/>
-            </a:xfrm>
-            <a:prstGeom prst="line">
-              <a:avLst/>
-            </a:prstGeom>
-            <a:ln w="3175">
-              <a:solidFill>
-                <a:srgbClr val="000000"/>
-              </a:solidFill>
-              <a:prstDash val="lgDash"/>
-            </a:ln>
-          </p:spPr>
-          <p:style>
-            <a:lnRef idx="1">
-              <a:schemeClr val="dk1"/>
-            </a:lnRef>
-            <a:fillRef idx="0">
-              <a:schemeClr val="dk1"/>
-            </a:fillRef>
-            <a:effectRef idx="0">
-              <a:schemeClr val="dk1"/>
-            </a:effectRef>
-            <a:fontRef idx="minor">
-              <a:schemeClr val="tx1"/>
-            </a:fontRef>
-          </p:style>
-        </p:cxnSp>
-        <p:cxnSp>
-          <p:nvCxnSpPr>
-            <p:cNvPr id="10" name="Straight Connector 9">
-              <a:extLst>
-                <a:ext uri="{FF2B5EF4-FFF2-40B4-BE49-F238E27FC236}">
-                  <a16:creationId xmlns:a16="http://schemas.microsoft.com/office/drawing/2014/main" id="{5C0CFD34-E5AB-62F1-7315-EDDF1C29DE9B}"/>
-                </a:ext>
-              </a:extLst>
-            </p:cNvPr>
-            <p:cNvCxnSpPr/>
-            <p:nvPr/>
-          </p:nvCxnSpPr>
-          <p:spPr>
-            <a:xfrm>
-              <a:off x="8875552" y="1181354"/>
-              <a:ext cx="0" cy="4399117"/>
-            </a:xfrm>
-            <a:prstGeom prst="line">
-              <a:avLst/>
-            </a:prstGeom>
-            <a:ln w="3175">
-              <a:solidFill>
-                <a:srgbClr val="000000"/>
-              </a:solidFill>
-              <a:prstDash val="lgDash"/>
-            </a:ln>
-          </p:spPr>
-          <p:style>
-            <a:lnRef idx="1">
-              <a:schemeClr val="dk1"/>
-            </a:lnRef>
-            <a:fillRef idx="0">
-              <a:schemeClr val="dk1"/>
-            </a:fillRef>
-            <a:effectRef idx="0">
-              <a:schemeClr val="dk1"/>
-            </a:effectRef>
-            <a:fontRef idx="minor">
-              <a:schemeClr val="tx1"/>
-            </a:fontRef>
-          </p:style>
-        </p:cxnSp>
-      </p:grpSp>
+      <p:sp>
+        <p:nvSpPr>
+          <p:cNvPr id="6" name="TextBox 5">
+            <a:extLst>
+              <a:ext uri="{FF2B5EF4-FFF2-40B4-BE49-F238E27FC236}">
+                <a16:creationId xmlns:a16="http://schemas.microsoft.com/office/drawing/2014/main" id="{76C2E4A4-C1F1-A173-76C4-EA897D1FFBCE}"/>
+              </a:ext>
+            </a:extLst>
+          </p:cNvPr>
+          <p:cNvSpPr txBox="1"/>
+          <p:nvPr/>
+        </p:nvSpPr>
+        <p:spPr>
+          <a:xfrm>
+            <a:off x="2711833" y="1102270"/>
+            <a:ext cx="349206" cy="276999"/>
+          </a:xfrm>
+          <a:prstGeom prst="rect">
+            <a:avLst/>
+          </a:prstGeom>
+          <a:noFill/>
+        </p:spPr>
+        <p:txBody>
+          <a:bodyPr wrap="square" rtlCol="0">
+            <a:spAutoFit/>
+          </a:bodyPr>
+          <a:lstStyle/>
+          <a:p>
+            <a:r>
+              <a:rPr lang="en-US" sz="1200" dirty="0">
+                <a:latin typeface="+mj-lt"/>
+              </a:rPr>
+              <a:t>b</a:t>
+            </a:r>
+            <a:endParaRPr lang="en-ZA" sz="1200" dirty="0">
+              <a:latin typeface="+mj-lt"/>
+            </a:endParaRPr>
+          </a:p>
+        </p:txBody>
+      </p:sp>
+      <p:sp>
+        <p:nvSpPr>
+          <p:cNvPr id="7" name="TextBox 6">
+            <a:extLst>
+              <a:ext uri="{FF2B5EF4-FFF2-40B4-BE49-F238E27FC236}">
+                <a16:creationId xmlns:a16="http://schemas.microsoft.com/office/drawing/2014/main" id="{8B73A582-A9FB-AC9A-3042-8CCAA46AADAF}"/>
+              </a:ext>
+            </a:extLst>
+          </p:cNvPr>
+          <p:cNvSpPr txBox="1"/>
+          <p:nvPr/>
+        </p:nvSpPr>
+        <p:spPr>
+          <a:xfrm>
+            <a:off x="2948047" y="1946622"/>
+            <a:ext cx="260059" cy="276999"/>
+          </a:xfrm>
+          <a:prstGeom prst="rect">
+            <a:avLst/>
+          </a:prstGeom>
+          <a:noFill/>
+        </p:spPr>
+        <p:txBody>
+          <a:bodyPr wrap="square" rtlCol="0">
+            <a:spAutoFit/>
+          </a:bodyPr>
+          <a:lstStyle/>
+          <a:p>
+            <a:r>
+              <a:rPr lang="en-US" sz="1200" dirty="0">
+                <a:latin typeface="+mj-lt"/>
+              </a:rPr>
+              <a:t>a</a:t>
+            </a:r>
+            <a:endParaRPr lang="en-ZA" sz="1200" dirty="0">
+              <a:latin typeface="+mj-lt"/>
+            </a:endParaRPr>
+          </a:p>
+        </p:txBody>
+      </p:sp>
+      <p:sp>
+        <p:nvSpPr>
+          <p:cNvPr id="8" name="TextBox 7">
+            <a:extLst>
+              <a:ext uri="{FF2B5EF4-FFF2-40B4-BE49-F238E27FC236}">
+                <a16:creationId xmlns:a16="http://schemas.microsoft.com/office/drawing/2014/main" id="{65585A9C-05F8-6DBE-01A6-08FC25540C15}"/>
+              </a:ext>
+            </a:extLst>
+          </p:cNvPr>
+          <p:cNvSpPr txBox="1"/>
+          <p:nvPr/>
+        </p:nvSpPr>
+        <p:spPr>
+          <a:xfrm>
+            <a:off x="3152468" y="913219"/>
+            <a:ext cx="349206" cy="276999"/>
+          </a:xfrm>
+          <a:prstGeom prst="rect">
+            <a:avLst/>
+          </a:prstGeom>
+          <a:noFill/>
+        </p:spPr>
+        <p:txBody>
+          <a:bodyPr wrap="square" rtlCol="0">
+            <a:spAutoFit/>
+          </a:bodyPr>
+          <a:lstStyle/>
+          <a:p>
+            <a:r>
+              <a:rPr lang="en-US" sz="1200" dirty="0">
+                <a:latin typeface="+mj-lt"/>
+              </a:rPr>
+              <a:t>b</a:t>
+            </a:r>
+            <a:endParaRPr lang="en-ZA" sz="1200" dirty="0">
+              <a:latin typeface="+mj-lt"/>
+            </a:endParaRPr>
+          </a:p>
+        </p:txBody>
+      </p:sp>
+      <p:sp>
+        <p:nvSpPr>
+          <p:cNvPr id="9" name="TextBox 8">
+            <a:extLst>
+              <a:ext uri="{FF2B5EF4-FFF2-40B4-BE49-F238E27FC236}">
+                <a16:creationId xmlns:a16="http://schemas.microsoft.com/office/drawing/2014/main" id="{E2F8E896-F69C-0790-E4FA-70A18EA4463C}"/>
+              </a:ext>
+            </a:extLst>
+          </p:cNvPr>
+          <p:cNvSpPr txBox="1"/>
+          <p:nvPr/>
+        </p:nvSpPr>
+        <p:spPr>
+          <a:xfrm>
+            <a:off x="3362965" y="1214236"/>
+            <a:ext cx="349206" cy="276999"/>
+          </a:xfrm>
+          <a:prstGeom prst="rect">
+            <a:avLst/>
+          </a:prstGeom>
+          <a:noFill/>
+        </p:spPr>
+        <p:txBody>
+          <a:bodyPr wrap="square" rtlCol="0">
+            <a:spAutoFit/>
+          </a:bodyPr>
+          <a:lstStyle/>
+          <a:p>
+            <a:r>
+              <a:rPr lang="en-US" sz="1200" dirty="0">
+                <a:latin typeface="+mj-lt"/>
+              </a:rPr>
+              <a:t>b</a:t>
+            </a:r>
+            <a:endParaRPr lang="en-ZA" sz="1200" dirty="0">
+              <a:latin typeface="+mj-lt"/>
+            </a:endParaRPr>
+          </a:p>
+        </p:txBody>
+      </p:sp>
+      <p:sp>
+        <p:nvSpPr>
+          <p:cNvPr id="10" name="TextBox 9">
+            <a:extLst>
+              <a:ext uri="{FF2B5EF4-FFF2-40B4-BE49-F238E27FC236}">
+                <a16:creationId xmlns:a16="http://schemas.microsoft.com/office/drawing/2014/main" id="{329A2760-00F2-4049-3877-88EB8EB7382A}"/>
+              </a:ext>
+            </a:extLst>
+          </p:cNvPr>
+          <p:cNvSpPr txBox="1"/>
+          <p:nvPr/>
+        </p:nvSpPr>
+        <p:spPr>
+          <a:xfrm>
+            <a:off x="3665990" y="898988"/>
+            <a:ext cx="349206" cy="276999"/>
+          </a:xfrm>
+          <a:prstGeom prst="rect">
+            <a:avLst/>
+          </a:prstGeom>
+          <a:noFill/>
+        </p:spPr>
+        <p:txBody>
+          <a:bodyPr wrap="square" rtlCol="0">
+            <a:spAutoFit/>
+          </a:bodyPr>
+          <a:lstStyle/>
+          <a:p>
+            <a:r>
+              <a:rPr lang="en-US" sz="1200" dirty="0">
+                <a:latin typeface="+mj-lt"/>
+              </a:rPr>
+              <a:t>b</a:t>
+            </a:r>
+            <a:endParaRPr lang="en-ZA" sz="1200" dirty="0">
+              <a:latin typeface="+mj-lt"/>
+            </a:endParaRPr>
+          </a:p>
+        </p:txBody>
+      </p:sp>
       <p:sp>
         <p:nvSpPr>
           <p:cNvPr id="11" name="TextBox 10">
             <a:extLst>
               <a:ext uri="{FF2B5EF4-FFF2-40B4-BE49-F238E27FC236}">
-                <a16:creationId xmlns:a16="http://schemas.microsoft.com/office/drawing/2014/main" id="{6042089D-79EB-089C-379F-932BAA1D3991}"/>
-              </a:ext>
-            </a:extLst>
-          </p:cNvPr>
-          <p:cNvSpPr txBox="1"/>
-          <p:nvPr/>
-        </p:nvSpPr>
-        <p:spPr>
-          <a:xfrm>
-            <a:off x="1082947" y="2807943"/>
-            <a:ext cx="400045" cy="276999"/>
+                <a16:creationId xmlns:a16="http://schemas.microsoft.com/office/drawing/2014/main" id="{E19BF421-842F-7113-7F9F-F7A8A67A45DF}"/>
+              </a:ext>
+            </a:extLst>
+          </p:cNvPr>
+          <p:cNvSpPr txBox="1"/>
+          <p:nvPr/>
+        </p:nvSpPr>
+        <p:spPr>
+          <a:xfrm>
+            <a:off x="3885166" y="2003418"/>
+            <a:ext cx="260059" cy="276999"/>
+          </a:xfrm>
+          <a:prstGeom prst="rect">
+            <a:avLst/>
+          </a:prstGeom>
+          <a:noFill/>
+        </p:spPr>
+        <p:txBody>
+          <a:bodyPr wrap="square" rtlCol="0">
+            <a:spAutoFit/>
+          </a:bodyPr>
+          <a:lstStyle/>
+          <a:p>
+            <a:r>
+              <a:rPr lang="en-US" sz="1200" dirty="0">
+                <a:latin typeface="+mj-lt"/>
+              </a:rPr>
+              <a:t>a</a:t>
+            </a:r>
+            <a:endParaRPr lang="en-ZA" sz="1200" dirty="0">
+              <a:latin typeface="+mj-lt"/>
+            </a:endParaRPr>
+          </a:p>
+        </p:txBody>
+      </p:sp>
+      <p:sp>
+        <p:nvSpPr>
+          <p:cNvPr id="12" name="TextBox 11">
+            <a:extLst>
+              <a:ext uri="{FF2B5EF4-FFF2-40B4-BE49-F238E27FC236}">
+                <a16:creationId xmlns:a16="http://schemas.microsoft.com/office/drawing/2014/main" id="{C617E5CB-3AC6-F3FD-80A5-E635CBF3A754}"/>
+              </a:ext>
+            </a:extLst>
+          </p:cNvPr>
+          <p:cNvSpPr txBox="1"/>
+          <p:nvPr/>
+        </p:nvSpPr>
+        <p:spPr>
+          <a:xfrm>
+            <a:off x="4086864" y="913219"/>
+            <a:ext cx="349206" cy="276999"/>
+          </a:xfrm>
+          <a:prstGeom prst="rect">
+            <a:avLst/>
+          </a:prstGeom>
+          <a:noFill/>
+        </p:spPr>
+        <p:txBody>
+          <a:bodyPr wrap="square" rtlCol="0">
+            <a:spAutoFit/>
+          </a:bodyPr>
+          <a:lstStyle/>
+          <a:p>
+            <a:r>
+              <a:rPr lang="en-US" sz="1200" dirty="0">
+                <a:latin typeface="+mj-lt"/>
+              </a:rPr>
+              <a:t>b</a:t>
+            </a:r>
+            <a:endParaRPr lang="en-ZA" sz="1200" dirty="0">
+              <a:latin typeface="+mj-lt"/>
+            </a:endParaRPr>
+          </a:p>
+        </p:txBody>
+      </p:sp>
+      <p:sp>
+        <p:nvSpPr>
+          <p:cNvPr id="13" name="TextBox 12">
+            <a:extLst>
+              <a:ext uri="{FF2B5EF4-FFF2-40B4-BE49-F238E27FC236}">
+                <a16:creationId xmlns:a16="http://schemas.microsoft.com/office/drawing/2014/main" id="{452F069D-CB2B-3BCD-6086-83A90AB51CA3}"/>
+              </a:ext>
+            </a:extLst>
+          </p:cNvPr>
+          <p:cNvSpPr txBox="1"/>
+          <p:nvPr/>
+        </p:nvSpPr>
+        <p:spPr>
+          <a:xfrm>
+            <a:off x="4300496" y="913169"/>
+            <a:ext cx="349206" cy="276999"/>
+          </a:xfrm>
+          <a:prstGeom prst="rect">
+            <a:avLst/>
+          </a:prstGeom>
+          <a:noFill/>
+        </p:spPr>
+        <p:txBody>
+          <a:bodyPr wrap="square" rtlCol="0">
+            <a:spAutoFit/>
+          </a:bodyPr>
+          <a:lstStyle/>
+          <a:p>
+            <a:r>
+              <a:rPr lang="en-US" sz="1200" dirty="0">
+                <a:latin typeface="+mj-lt"/>
+              </a:rPr>
+              <a:t>b</a:t>
+            </a:r>
+            <a:endParaRPr lang="en-ZA" sz="1200" dirty="0">
+              <a:latin typeface="+mj-lt"/>
+            </a:endParaRPr>
+          </a:p>
+        </p:txBody>
+      </p:sp>
+      <p:sp>
+        <p:nvSpPr>
+          <p:cNvPr id="14" name="TextBox 13">
+            <a:extLst>
+              <a:ext uri="{FF2B5EF4-FFF2-40B4-BE49-F238E27FC236}">
+                <a16:creationId xmlns:a16="http://schemas.microsoft.com/office/drawing/2014/main" id="{ED8183D2-9CEE-43FD-3E45-9A31964A95E4}"/>
+              </a:ext>
+            </a:extLst>
+          </p:cNvPr>
+          <p:cNvSpPr txBox="1"/>
+          <p:nvPr/>
+        </p:nvSpPr>
+        <p:spPr>
+          <a:xfrm>
+            <a:off x="6096000" y="898987"/>
+            <a:ext cx="410575" cy="276999"/>
           </a:xfrm>
           <a:prstGeom prst="rect">
             <a:avLst/>
@@ -8905,7 +15565,7 @@
           <a:p>
             <a:r>
               <a:rPr lang="en-US" sz="1200" dirty="0"/>
-              <a:t>A</a:t>
+              <a:t>##</a:t>
             </a:r>
             <a:endParaRPr lang="en-ZA" sz="1200" dirty="0"/>
           </a:p>
@@ -8913,20 +15573,20 @@
       </p:sp>
       <p:sp>
         <p:nvSpPr>
-          <p:cNvPr id="12" name="TextBox 11">
-            <a:extLst>
-              <a:ext uri="{FF2B5EF4-FFF2-40B4-BE49-F238E27FC236}">
-                <a16:creationId xmlns:a16="http://schemas.microsoft.com/office/drawing/2014/main" id="{04E8B6E9-CD64-DC28-7B42-86E12884969C}"/>
-              </a:ext>
-            </a:extLst>
-          </p:cNvPr>
-          <p:cNvSpPr txBox="1"/>
-          <p:nvPr/>
-        </p:nvSpPr>
-        <p:spPr>
-          <a:xfrm>
-            <a:off x="1294970" y="3429000"/>
-            <a:ext cx="400045" cy="276999"/>
+          <p:cNvPr id="2" name="TextBox 1">
+            <a:extLst>
+              <a:ext uri="{FF2B5EF4-FFF2-40B4-BE49-F238E27FC236}">
+                <a16:creationId xmlns:a16="http://schemas.microsoft.com/office/drawing/2014/main" id="{4AB3C0EF-EE69-290B-FC91-F277904AEE77}"/>
+              </a:ext>
+            </a:extLst>
+          </p:cNvPr>
+          <p:cNvSpPr txBox="1"/>
+          <p:nvPr/>
+        </p:nvSpPr>
+        <p:spPr>
+          <a:xfrm>
+            <a:off x="8207812" y="913168"/>
+            <a:ext cx="410575" cy="276999"/>
           </a:xfrm>
           <a:prstGeom prst="rect">
             <a:avLst/>
@@ -8941,7 +15601,7 @@
           <a:p>
             <a:r>
               <a:rPr lang="en-US" sz="1200" dirty="0"/>
-              <a:t>A</a:t>
+              <a:t>##</a:t>
             </a:r>
             <a:endParaRPr lang="en-ZA" sz="1200" dirty="0"/>
           </a:p>
@@ -8949,20 +15609,20 @@
       </p:sp>
       <p:sp>
         <p:nvSpPr>
-          <p:cNvPr id="13" name="TextBox 12">
-            <a:extLst>
-              <a:ext uri="{FF2B5EF4-FFF2-40B4-BE49-F238E27FC236}">
-                <a16:creationId xmlns:a16="http://schemas.microsoft.com/office/drawing/2014/main" id="{72A147E7-6149-CBF9-A771-1D46953A22CD}"/>
-              </a:ext>
-            </a:extLst>
-          </p:cNvPr>
-          <p:cNvSpPr txBox="1"/>
-          <p:nvPr/>
-        </p:nvSpPr>
-        <p:spPr>
-          <a:xfrm>
-            <a:off x="1999364" y="3084942"/>
-            <a:ext cx="400045" cy="276999"/>
+          <p:cNvPr id="3" name="TextBox 2">
+            <a:extLst>
+              <a:ext uri="{FF2B5EF4-FFF2-40B4-BE49-F238E27FC236}">
+                <a16:creationId xmlns:a16="http://schemas.microsoft.com/office/drawing/2014/main" id="{D93E26C3-5BF6-106B-C213-3FC271F66324}"/>
+              </a:ext>
+            </a:extLst>
+          </p:cNvPr>
+          <p:cNvSpPr txBox="1"/>
+          <p:nvPr/>
+        </p:nvSpPr>
+        <p:spPr>
+          <a:xfrm>
+            <a:off x="10327411" y="913168"/>
+            <a:ext cx="410575" cy="276999"/>
           </a:xfrm>
           <a:prstGeom prst="rect">
             <a:avLst/>
@@ -8977,871 +15637,7 @@
           <a:p>
             <a:r>
               <a:rPr lang="en-US" sz="1200" dirty="0"/>
-              <a:t>A</a:t>
-            </a:r>
-            <a:endParaRPr lang="en-ZA" sz="1200" dirty="0"/>
-          </a:p>
-        </p:txBody>
-      </p:sp>
-      <p:sp>
-        <p:nvSpPr>
-          <p:cNvPr id="14" name="TextBox 13">
-            <a:extLst>
-              <a:ext uri="{FF2B5EF4-FFF2-40B4-BE49-F238E27FC236}">
-                <a16:creationId xmlns:a16="http://schemas.microsoft.com/office/drawing/2014/main" id="{5E39391B-4CC3-2EC9-284B-BCED45646B95}"/>
-              </a:ext>
-            </a:extLst>
-          </p:cNvPr>
-          <p:cNvSpPr txBox="1"/>
-          <p:nvPr/>
-        </p:nvSpPr>
-        <p:spPr>
-          <a:xfrm>
-            <a:off x="2213901" y="2669443"/>
-            <a:ext cx="400045" cy="276999"/>
-          </a:xfrm>
-          <a:prstGeom prst="rect">
-            <a:avLst/>
-          </a:prstGeom>
-          <a:noFill/>
-        </p:spPr>
-        <p:txBody>
-          <a:bodyPr wrap="square" rtlCol="0">
-            <a:spAutoFit/>
-          </a:bodyPr>
-          <a:lstStyle/>
-          <a:p>
-            <a:r>
-              <a:rPr lang="en-US" sz="1200" dirty="0"/>
-              <a:t>A</a:t>
-            </a:r>
-            <a:endParaRPr lang="en-ZA" sz="1200" dirty="0"/>
-          </a:p>
-        </p:txBody>
-      </p:sp>
-      <p:sp>
-        <p:nvSpPr>
-          <p:cNvPr id="15" name="TextBox 14">
-            <a:extLst>
-              <a:ext uri="{FF2B5EF4-FFF2-40B4-BE49-F238E27FC236}">
-                <a16:creationId xmlns:a16="http://schemas.microsoft.com/office/drawing/2014/main" id="{76582B63-DD99-0DC5-AB79-AF0237B4259B}"/>
-              </a:ext>
-            </a:extLst>
-          </p:cNvPr>
-          <p:cNvSpPr txBox="1"/>
-          <p:nvPr/>
-        </p:nvSpPr>
-        <p:spPr>
-          <a:xfrm>
-            <a:off x="1799341" y="3948278"/>
-            <a:ext cx="400045" cy="276999"/>
-          </a:xfrm>
-          <a:prstGeom prst="rect">
-            <a:avLst/>
-          </a:prstGeom>
-          <a:noFill/>
-        </p:spPr>
-        <p:txBody>
-          <a:bodyPr wrap="square" rtlCol="0">
-            <a:spAutoFit/>
-          </a:bodyPr>
-          <a:lstStyle/>
-          <a:p>
-            <a:r>
-              <a:rPr lang="en-US" sz="1200" dirty="0"/>
-              <a:t>B</a:t>
-            </a:r>
-            <a:endParaRPr lang="en-ZA" sz="1200" dirty="0"/>
-          </a:p>
-        </p:txBody>
-      </p:sp>
-      <p:sp>
-        <p:nvSpPr>
-          <p:cNvPr id="16" name="TextBox 15">
-            <a:extLst>
-              <a:ext uri="{FF2B5EF4-FFF2-40B4-BE49-F238E27FC236}">
-                <a16:creationId xmlns:a16="http://schemas.microsoft.com/office/drawing/2014/main" id="{83026382-21E0-AB36-E08E-C2747759CD45}"/>
-              </a:ext>
-            </a:extLst>
-          </p:cNvPr>
-          <p:cNvSpPr txBox="1"/>
-          <p:nvPr/>
-        </p:nvSpPr>
-        <p:spPr>
-          <a:xfrm>
-            <a:off x="867272" y="3948278"/>
-            <a:ext cx="400045" cy="276999"/>
-          </a:xfrm>
-          <a:prstGeom prst="rect">
-            <a:avLst/>
-          </a:prstGeom>
-          <a:noFill/>
-        </p:spPr>
-        <p:txBody>
-          <a:bodyPr wrap="square" rtlCol="0">
-            <a:spAutoFit/>
-          </a:bodyPr>
-          <a:lstStyle/>
-          <a:p>
-            <a:r>
-              <a:rPr lang="en-US" sz="1200" dirty="0"/>
-              <a:t>B</a:t>
-            </a:r>
-            <a:endParaRPr lang="en-ZA" sz="1200" dirty="0"/>
-          </a:p>
-        </p:txBody>
-      </p:sp>
-      <p:sp>
-        <p:nvSpPr>
-          <p:cNvPr id="17" name="TextBox 16">
-            <a:extLst>
-              <a:ext uri="{FF2B5EF4-FFF2-40B4-BE49-F238E27FC236}">
-                <a16:creationId xmlns:a16="http://schemas.microsoft.com/office/drawing/2014/main" id="{A6456A90-53F5-A135-65C7-3928AC07CC75}"/>
-              </a:ext>
-            </a:extLst>
-          </p:cNvPr>
-          <p:cNvSpPr txBox="1"/>
-          <p:nvPr/>
-        </p:nvSpPr>
-        <p:spPr>
-          <a:xfrm>
-            <a:off x="667249" y="1944607"/>
-            <a:ext cx="400045" cy="276999"/>
-          </a:xfrm>
-          <a:prstGeom prst="rect">
-            <a:avLst/>
-          </a:prstGeom>
-          <a:noFill/>
-        </p:spPr>
-        <p:txBody>
-          <a:bodyPr wrap="square" rtlCol="0">
-            <a:spAutoFit/>
-          </a:bodyPr>
-          <a:lstStyle/>
-          <a:p>
-            <a:r>
-              <a:rPr lang="en-US" sz="1200" dirty="0"/>
-              <a:t>C</a:t>
-            </a:r>
-            <a:endParaRPr lang="en-ZA" sz="1200" dirty="0"/>
-          </a:p>
-        </p:txBody>
-      </p:sp>
-      <p:sp>
-        <p:nvSpPr>
-          <p:cNvPr id="18" name="TextBox 17">
-            <a:extLst>
-              <a:ext uri="{FF2B5EF4-FFF2-40B4-BE49-F238E27FC236}">
-                <a16:creationId xmlns:a16="http://schemas.microsoft.com/office/drawing/2014/main" id="{6CD194BF-03F0-4573-23D7-21507A45CB8B}"/>
-              </a:ext>
-            </a:extLst>
-          </p:cNvPr>
-          <p:cNvSpPr txBox="1"/>
-          <p:nvPr/>
-        </p:nvSpPr>
-        <p:spPr>
-          <a:xfrm>
-            <a:off x="1596252" y="2282538"/>
-            <a:ext cx="400045" cy="276999"/>
-          </a:xfrm>
-          <a:prstGeom prst="rect">
-            <a:avLst/>
-          </a:prstGeom>
-          <a:noFill/>
-        </p:spPr>
-        <p:txBody>
-          <a:bodyPr wrap="square" rtlCol="0">
-            <a:spAutoFit/>
-          </a:bodyPr>
-          <a:lstStyle/>
-          <a:p>
-            <a:r>
-              <a:rPr lang="en-US" sz="1200" dirty="0"/>
-              <a:t>C</a:t>
-            </a:r>
-            <a:endParaRPr lang="en-ZA" sz="1200" dirty="0"/>
-          </a:p>
-        </p:txBody>
-      </p:sp>
-      <p:sp>
-        <p:nvSpPr>
-          <p:cNvPr id="19" name="TextBox 18">
-            <a:extLst>
-              <a:ext uri="{FF2B5EF4-FFF2-40B4-BE49-F238E27FC236}">
-                <a16:creationId xmlns:a16="http://schemas.microsoft.com/office/drawing/2014/main" id="{E68666A7-CF3A-9373-41E8-BC1D15048E0F}"/>
-              </a:ext>
-            </a:extLst>
-          </p:cNvPr>
-          <p:cNvSpPr txBox="1"/>
-          <p:nvPr/>
-        </p:nvSpPr>
-        <p:spPr>
-          <a:xfrm>
-            <a:off x="5644020" y="1181700"/>
-            <a:ext cx="349352" cy="276999"/>
-          </a:xfrm>
-          <a:prstGeom prst="rect">
-            <a:avLst/>
-          </a:prstGeom>
-          <a:noFill/>
-        </p:spPr>
-        <p:txBody>
-          <a:bodyPr wrap="square" rtlCol="0">
-            <a:spAutoFit/>
-          </a:bodyPr>
-          <a:lstStyle/>
-          <a:p>
-            <a:r>
-              <a:rPr lang="en-US" sz="1200" dirty="0"/>
-              <a:t>**</a:t>
-            </a:r>
-            <a:endParaRPr lang="en-ZA" sz="1200" dirty="0"/>
-          </a:p>
-        </p:txBody>
-      </p:sp>
-      <p:sp>
-        <p:nvSpPr>
-          <p:cNvPr id="20" name="TextBox 19">
-            <a:extLst>
-              <a:ext uri="{FF2B5EF4-FFF2-40B4-BE49-F238E27FC236}">
-                <a16:creationId xmlns:a16="http://schemas.microsoft.com/office/drawing/2014/main" id="{CDC599F2-E7A7-613D-310A-4D34714B014D}"/>
-              </a:ext>
-            </a:extLst>
-          </p:cNvPr>
-          <p:cNvSpPr txBox="1"/>
-          <p:nvPr/>
-        </p:nvSpPr>
-        <p:spPr>
-          <a:xfrm>
-            <a:off x="4863552" y="2320091"/>
-            <a:ext cx="400045" cy="276999"/>
-          </a:xfrm>
-          <a:prstGeom prst="rect">
-            <a:avLst/>
-          </a:prstGeom>
-          <a:noFill/>
-        </p:spPr>
-        <p:txBody>
-          <a:bodyPr wrap="square" rtlCol="0">
-            <a:spAutoFit/>
-          </a:bodyPr>
-          <a:lstStyle/>
-          <a:p>
-            <a:r>
-              <a:rPr lang="en-US" sz="1200" dirty="0"/>
-              <a:t>A</a:t>
-            </a:r>
-            <a:endParaRPr lang="en-ZA" sz="1200" dirty="0"/>
-          </a:p>
-        </p:txBody>
-      </p:sp>
-      <p:sp>
-        <p:nvSpPr>
-          <p:cNvPr id="21" name="TextBox 20">
-            <a:extLst>
-              <a:ext uri="{FF2B5EF4-FFF2-40B4-BE49-F238E27FC236}">
-                <a16:creationId xmlns:a16="http://schemas.microsoft.com/office/drawing/2014/main" id="{E9FAAEB1-03C8-B76B-8F9A-3C8B1B9A7740}"/>
-              </a:ext>
-            </a:extLst>
-          </p:cNvPr>
-          <p:cNvSpPr txBox="1"/>
-          <p:nvPr/>
-        </p:nvSpPr>
-        <p:spPr>
-          <a:xfrm>
-            <a:off x="5285413" y="1502874"/>
-            <a:ext cx="400045" cy="276999"/>
-          </a:xfrm>
-          <a:prstGeom prst="rect">
-            <a:avLst/>
-          </a:prstGeom>
-          <a:noFill/>
-        </p:spPr>
-        <p:txBody>
-          <a:bodyPr wrap="square" rtlCol="0">
-            <a:spAutoFit/>
-          </a:bodyPr>
-          <a:lstStyle/>
-          <a:p>
-            <a:r>
-              <a:rPr lang="en-US" sz="1200" dirty="0"/>
-              <a:t>B</a:t>
-            </a:r>
-            <a:endParaRPr lang="en-ZA" sz="1200" dirty="0"/>
-          </a:p>
-        </p:txBody>
-      </p:sp>
-      <p:sp>
-        <p:nvSpPr>
-          <p:cNvPr id="22" name="TextBox 21">
-            <a:extLst>
-              <a:ext uri="{FF2B5EF4-FFF2-40B4-BE49-F238E27FC236}">
-                <a16:creationId xmlns:a16="http://schemas.microsoft.com/office/drawing/2014/main" id="{119BBA6B-2842-FE8F-4DF2-7A0A124DFD70}"/>
-              </a:ext>
-            </a:extLst>
-          </p:cNvPr>
-          <p:cNvSpPr txBox="1"/>
-          <p:nvPr/>
-        </p:nvSpPr>
-        <p:spPr>
-          <a:xfrm>
-            <a:off x="5471828" y="1824048"/>
-            <a:ext cx="400045" cy="276999"/>
-          </a:xfrm>
-          <a:prstGeom prst="rect">
-            <a:avLst/>
-          </a:prstGeom>
-          <a:noFill/>
-        </p:spPr>
-        <p:txBody>
-          <a:bodyPr wrap="square" rtlCol="0">
-            <a:spAutoFit/>
-          </a:bodyPr>
-          <a:lstStyle/>
-          <a:p>
-            <a:r>
-              <a:rPr lang="en-US" sz="1200" dirty="0"/>
-              <a:t>AB</a:t>
-            </a:r>
-            <a:endParaRPr lang="en-ZA" sz="1200" dirty="0"/>
-          </a:p>
-        </p:txBody>
-      </p:sp>
-      <p:sp>
-        <p:nvSpPr>
-          <p:cNvPr id="23" name="TextBox 22">
-            <a:extLst>
-              <a:ext uri="{FF2B5EF4-FFF2-40B4-BE49-F238E27FC236}">
-                <a16:creationId xmlns:a16="http://schemas.microsoft.com/office/drawing/2014/main" id="{A3C1977D-BEFE-FF6F-4EEC-6F0530556B38}"/>
-              </a:ext>
-            </a:extLst>
-          </p:cNvPr>
-          <p:cNvSpPr txBox="1"/>
-          <p:nvPr/>
-        </p:nvSpPr>
-        <p:spPr>
-          <a:xfrm>
-            <a:off x="5793349" y="3046715"/>
-            <a:ext cx="400045" cy="276999"/>
-          </a:xfrm>
-          <a:prstGeom prst="rect">
-            <a:avLst/>
-          </a:prstGeom>
-          <a:noFill/>
-        </p:spPr>
-        <p:txBody>
-          <a:bodyPr wrap="square" rtlCol="0">
-            <a:spAutoFit/>
-          </a:bodyPr>
-          <a:lstStyle/>
-          <a:p>
-            <a:r>
-              <a:rPr lang="en-US" sz="1200" dirty="0"/>
-              <a:t>A</a:t>
-            </a:r>
-            <a:endParaRPr lang="en-ZA" sz="1200" dirty="0"/>
-          </a:p>
-        </p:txBody>
-      </p:sp>
-      <p:sp>
-        <p:nvSpPr>
-          <p:cNvPr id="24" name="TextBox 23">
-            <a:extLst>
-              <a:ext uri="{FF2B5EF4-FFF2-40B4-BE49-F238E27FC236}">
-                <a16:creationId xmlns:a16="http://schemas.microsoft.com/office/drawing/2014/main" id="{E3A8335F-54DA-4EEF-8E9A-704944671BAF}"/>
-              </a:ext>
-            </a:extLst>
-          </p:cNvPr>
-          <p:cNvSpPr txBox="1"/>
-          <p:nvPr/>
-        </p:nvSpPr>
-        <p:spPr>
-          <a:xfrm>
-            <a:off x="6210734" y="2118716"/>
-            <a:ext cx="400045" cy="276999"/>
-          </a:xfrm>
-          <a:prstGeom prst="rect">
-            <a:avLst/>
-          </a:prstGeom>
-          <a:noFill/>
-        </p:spPr>
-        <p:txBody>
-          <a:bodyPr wrap="square" rtlCol="0">
-            <a:spAutoFit/>
-          </a:bodyPr>
-          <a:lstStyle/>
-          <a:p>
-            <a:r>
-              <a:rPr lang="en-US" sz="1200" dirty="0"/>
-              <a:t>B</a:t>
-            </a:r>
-            <a:endParaRPr lang="en-ZA" sz="1200" dirty="0"/>
-          </a:p>
-        </p:txBody>
-      </p:sp>
-      <p:sp>
-        <p:nvSpPr>
-          <p:cNvPr id="25" name="TextBox 24">
-            <a:extLst>
-              <a:ext uri="{FF2B5EF4-FFF2-40B4-BE49-F238E27FC236}">
-                <a16:creationId xmlns:a16="http://schemas.microsoft.com/office/drawing/2014/main" id="{78C338AD-60A1-5E5C-9D25-2DDC6C0FA5B5}"/>
-              </a:ext>
-            </a:extLst>
-          </p:cNvPr>
-          <p:cNvSpPr txBox="1"/>
-          <p:nvPr/>
-        </p:nvSpPr>
-        <p:spPr>
-          <a:xfrm>
-            <a:off x="6410756" y="2732710"/>
-            <a:ext cx="400045" cy="276999"/>
-          </a:xfrm>
-          <a:prstGeom prst="rect">
-            <a:avLst/>
-          </a:prstGeom>
-          <a:noFill/>
-        </p:spPr>
-        <p:txBody>
-          <a:bodyPr wrap="square" rtlCol="0">
-            <a:spAutoFit/>
-          </a:bodyPr>
-          <a:lstStyle/>
-          <a:p>
-            <a:r>
-              <a:rPr lang="en-US" sz="1200" dirty="0"/>
-              <a:t>AB</a:t>
-            </a:r>
-            <a:endParaRPr lang="en-ZA" sz="1200" dirty="0"/>
-          </a:p>
-        </p:txBody>
-      </p:sp>
-      <p:sp>
-        <p:nvSpPr>
-          <p:cNvPr id="26" name="TextBox 25">
-            <a:extLst>
-              <a:ext uri="{FF2B5EF4-FFF2-40B4-BE49-F238E27FC236}">
-                <a16:creationId xmlns:a16="http://schemas.microsoft.com/office/drawing/2014/main" id="{C8C4BA87-4710-C5BA-9CC7-DEE14A7F5337}"/>
-              </a:ext>
-            </a:extLst>
-          </p:cNvPr>
-          <p:cNvSpPr txBox="1"/>
-          <p:nvPr/>
-        </p:nvSpPr>
-        <p:spPr>
-          <a:xfrm>
-            <a:off x="7537191" y="2395715"/>
-            <a:ext cx="400045" cy="276999"/>
-          </a:xfrm>
-          <a:prstGeom prst="rect">
-            <a:avLst/>
-          </a:prstGeom>
-          <a:noFill/>
-        </p:spPr>
-        <p:txBody>
-          <a:bodyPr wrap="square" rtlCol="0">
-            <a:spAutoFit/>
-          </a:bodyPr>
-          <a:lstStyle/>
-          <a:p>
-            <a:r>
-              <a:rPr lang="en-US" sz="1200" dirty="0"/>
-              <a:t>AB</a:t>
-            </a:r>
-            <a:endParaRPr lang="en-ZA" sz="1200" dirty="0"/>
-          </a:p>
-        </p:txBody>
-      </p:sp>
-      <p:sp>
-        <p:nvSpPr>
-          <p:cNvPr id="27" name="TextBox 26">
-            <a:extLst>
-              <a:ext uri="{FF2B5EF4-FFF2-40B4-BE49-F238E27FC236}">
-                <a16:creationId xmlns:a16="http://schemas.microsoft.com/office/drawing/2014/main" id="{811E12DB-D434-560F-00D7-7EEB7CB5B5B5}"/>
-              </a:ext>
-            </a:extLst>
-          </p:cNvPr>
-          <p:cNvSpPr txBox="1"/>
-          <p:nvPr/>
-        </p:nvSpPr>
-        <p:spPr>
-          <a:xfrm>
-            <a:off x="8446263" y="2415101"/>
-            <a:ext cx="400045" cy="276999"/>
-          </a:xfrm>
-          <a:prstGeom prst="rect">
-            <a:avLst/>
-          </a:prstGeom>
-          <a:noFill/>
-        </p:spPr>
-        <p:txBody>
-          <a:bodyPr wrap="square" rtlCol="0">
-            <a:spAutoFit/>
-          </a:bodyPr>
-          <a:lstStyle/>
-          <a:p>
-            <a:r>
-              <a:rPr lang="en-US" sz="1200" dirty="0"/>
-              <a:t>AB</a:t>
-            </a:r>
-            <a:endParaRPr lang="en-ZA" sz="1200" dirty="0"/>
-          </a:p>
-        </p:txBody>
-      </p:sp>
-      <p:sp>
-        <p:nvSpPr>
-          <p:cNvPr id="28" name="TextBox 27">
-            <a:extLst>
-              <a:ext uri="{FF2B5EF4-FFF2-40B4-BE49-F238E27FC236}">
-                <a16:creationId xmlns:a16="http://schemas.microsoft.com/office/drawing/2014/main" id="{24B1C368-D00D-D812-ED87-05D788584A7C}"/>
-              </a:ext>
-            </a:extLst>
-          </p:cNvPr>
-          <p:cNvSpPr txBox="1"/>
-          <p:nvPr/>
-        </p:nvSpPr>
-        <p:spPr>
-          <a:xfrm>
-            <a:off x="8206653" y="2346212"/>
-            <a:ext cx="400045" cy="276999"/>
-          </a:xfrm>
-          <a:prstGeom prst="rect">
-            <a:avLst/>
-          </a:prstGeom>
-          <a:noFill/>
-        </p:spPr>
-        <p:txBody>
-          <a:bodyPr wrap="square" rtlCol="0">
-            <a:spAutoFit/>
-          </a:bodyPr>
-          <a:lstStyle/>
-          <a:p>
-            <a:r>
-              <a:rPr lang="en-US" sz="1200" dirty="0"/>
-              <a:t>B</a:t>
-            </a:r>
-            <a:endParaRPr lang="en-ZA" sz="1200" dirty="0"/>
-          </a:p>
-        </p:txBody>
-      </p:sp>
-      <p:sp>
-        <p:nvSpPr>
-          <p:cNvPr id="29" name="TextBox 28">
-            <a:extLst>
-              <a:ext uri="{FF2B5EF4-FFF2-40B4-BE49-F238E27FC236}">
-                <a16:creationId xmlns:a16="http://schemas.microsoft.com/office/drawing/2014/main" id="{187E6C32-956E-812D-4CBE-964B2F879855}"/>
-              </a:ext>
-            </a:extLst>
-          </p:cNvPr>
-          <p:cNvSpPr txBox="1"/>
-          <p:nvPr/>
-        </p:nvSpPr>
-        <p:spPr>
-          <a:xfrm>
-            <a:off x="7276465" y="1527170"/>
-            <a:ext cx="400045" cy="276999"/>
-          </a:xfrm>
-          <a:prstGeom prst="rect">
-            <a:avLst/>
-          </a:prstGeom>
-          <a:noFill/>
-        </p:spPr>
-        <p:txBody>
-          <a:bodyPr wrap="square" rtlCol="0">
-            <a:spAutoFit/>
-          </a:bodyPr>
-          <a:lstStyle/>
-          <a:p>
-            <a:r>
-              <a:rPr lang="en-US" sz="1200" dirty="0"/>
-              <a:t>B</a:t>
-            </a:r>
-            <a:endParaRPr lang="en-ZA" sz="1200" dirty="0"/>
-          </a:p>
-        </p:txBody>
-      </p:sp>
-      <p:sp>
-        <p:nvSpPr>
-          <p:cNvPr id="30" name="TextBox 29">
-            <a:extLst>
-              <a:ext uri="{FF2B5EF4-FFF2-40B4-BE49-F238E27FC236}">
-                <a16:creationId xmlns:a16="http://schemas.microsoft.com/office/drawing/2014/main" id="{FB5FB889-ED92-E8A1-7950-D93834C50E5E}"/>
-              </a:ext>
-            </a:extLst>
-          </p:cNvPr>
-          <p:cNvSpPr txBox="1"/>
-          <p:nvPr/>
-        </p:nvSpPr>
-        <p:spPr>
-          <a:xfrm>
-            <a:off x="6997547" y="2637530"/>
-            <a:ext cx="400045" cy="276999"/>
-          </a:xfrm>
-          <a:prstGeom prst="rect">
-            <a:avLst/>
-          </a:prstGeom>
-          <a:noFill/>
-        </p:spPr>
-        <p:txBody>
-          <a:bodyPr wrap="square" rtlCol="0">
-            <a:spAutoFit/>
-          </a:bodyPr>
-          <a:lstStyle/>
-          <a:p>
-            <a:r>
-              <a:rPr lang="en-US" sz="1200" dirty="0"/>
-              <a:t>A</a:t>
-            </a:r>
-            <a:endParaRPr lang="en-ZA" sz="1200" dirty="0"/>
-          </a:p>
-        </p:txBody>
-      </p:sp>
-      <p:sp>
-        <p:nvSpPr>
-          <p:cNvPr id="31" name="TextBox 30">
-            <a:extLst>
-              <a:ext uri="{FF2B5EF4-FFF2-40B4-BE49-F238E27FC236}">
-                <a16:creationId xmlns:a16="http://schemas.microsoft.com/office/drawing/2014/main" id="{1336E124-6FB7-E7F5-208C-5E291ACE2EAE}"/>
-              </a:ext>
-            </a:extLst>
-          </p:cNvPr>
-          <p:cNvSpPr txBox="1"/>
-          <p:nvPr/>
-        </p:nvSpPr>
-        <p:spPr>
-          <a:xfrm>
-            <a:off x="7927541" y="3677035"/>
-            <a:ext cx="400045" cy="276999"/>
-          </a:xfrm>
-          <a:prstGeom prst="rect">
-            <a:avLst/>
-          </a:prstGeom>
-          <a:noFill/>
-        </p:spPr>
-        <p:txBody>
-          <a:bodyPr wrap="square" rtlCol="0">
-            <a:spAutoFit/>
-          </a:bodyPr>
-          <a:lstStyle/>
-          <a:p>
-            <a:r>
-              <a:rPr lang="en-US" sz="1200" dirty="0"/>
-              <a:t>A</a:t>
-            </a:r>
-            <a:endParaRPr lang="en-ZA" sz="1200" dirty="0"/>
-          </a:p>
-        </p:txBody>
-      </p:sp>
-      <p:sp>
-        <p:nvSpPr>
-          <p:cNvPr id="33" name="TextBox 32">
-            <a:extLst>
-              <a:ext uri="{FF2B5EF4-FFF2-40B4-BE49-F238E27FC236}">
-                <a16:creationId xmlns:a16="http://schemas.microsoft.com/office/drawing/2014/main" id="{F95563DD-22ED-E8C1-1CA0-2505F6C7FE6C}"/>
-              </a:ext>
-            </a:extLst>
-          </p:cNvPr>
-          <p:cNvSpPr txBox="1"/>
-          <p:nvPr/>
-        </p:nvSpPr>
-        <p:spPr>
-          <a:xfrm>
-            <a:off x="9388305" y="2829916"/>
-            <a:ext cx="400045" cy="276999"/>
-          </a:xfrm>
-          <a:prstGeom prst="rect">
-            <a:avLst/>
-          </a:prstGeom>
-          <a:noFill/>
-        </p:spPr>
-        <p:txBody>
-          <a:bodyPr wrap="square" rtlCol="0">
-            <a:spAutoFit/>
-          </a:bodyPr>
-          <a:lstStyle/>
-          <a:p>
-            <a:r>
-              <a:rPr lang="en-US" sz="1200" dirty="0"/>
-              <a:t>B</a:t>
-            </a:r>
-            <a:endParaRPr lang="en-ZA" sz="1200" dirty="0"/>
-          </a:p>
-        </p:txBody>
-      </p:sp>
-      <p:sp>
-        <p:nvSpPr>
-          <p:cNvPr id="34" name="TextBox 33">
-            <a:extLst>
-              <a:ext uri="{FF2B5EF4-FFF2-40B4-BE49-F238E27FC236}">
-                <a16:creationId xmlns:a16="http://schemas.microsoft.com/office/drawing/2014/main" id="{6CAD5070-4DDD-1161-772F-BECEA3017E7C}"/>
-              </a:ext>
-            </a:extLst>
-          </p:cNvPr>
-          <p:cNvSpPr txBox="1"/>
-          <p:nvPr/>
-        </p:nvSpPr>
-        <p:spPr>
-          <a:xfrm>
-            <a:off x="10303436" y="2468395"/>
-            <a:ext cx="400045" cy="276999"/>
-          </a:xfrm>
-          <a:prstGeom prst="rect">
-            <a:avLst/>
-          </a:prstGeom>
-          <a:noFill/>
-        </p:spPr>
-        <p:txBody>
-          <a:bodyPr wrap="square" rtlCol="0">
-            <a:spAutoFit/>
-          </a:bodyPr>
-          <a:lstStyle/>
-          <a:p>
-            <a:r>
-              <a:rPr lang="en-US" sz="1200" dirty="0"/>
-              <a:t>B</a:t>
-            </a:r>
-            <a:endParaRPr lang="en-ZA" sz="1200" dirty="0"/>
-          </a:p>
-        </p:txBody>
-      </p:sp>
-      <p:sp>
-        <p:nvSpPr>
-          <p:cNvPr id="35" name="TextBox 34">
-            <a:extLst>
-              <a:ext uri="{FF2B5EF4-FFF2-40B4-BE49-F238E27FC236}">
-                <a16:creationId xmlns:a16="http://schemas.microsoft.com/office/drawing/2014/main" id="{65A422F1-1D07-501F-B6D0-6AE8D00CB884}"/>
-              </a:ext>
-            </a:extLst>
-          </p:cNvPr>
-          <p:cNvSpPr txBox="1"/>
-          <p:nvPr/>
-        </p:nvSpPr>
-        <p:spPr>
-          <a:xfrm>
-            <a:off x="10583940" y="2678752"/>
-            <a:ext cx="400045" cy="276999"/>
-          </a:xfrm>
-          <a:prstGeom prst="rect">
-            <a:avLst/>
-          </a:prstGeom>
-          <a:noFill/>
-        </p:spPr>
-        <p:txBody>
-          <a:bodyPr wrap="square" rtlCol="0">
-            <a:spAutoFit/>
-          </a:bodyPr>
-          <a:lstStyle/>
-          <a:p>
-            <a:r>
-              <a:rPr lang="en-US" sz="1200" dirty="0"/>
-              <a:t>A</a:t>
-            </a:r>
-            <a:endParaRPr lang="en-ZA" sz="1200" dirty="0"/>
-          </a:p>
-        </p:txBody>
-      </p:sp>
-      <p:sp>
-        <p:nvSpPr>
-          <p:cNvPr id="36" name="TextBox 35">
-            <a:extLst>
-              <a:ext uri="{FF2B5EF4-FFF2-40B4-BE49-F238E27FC236}">
-                <a16:creationId xmlns:a16="http://schemas.microsoft.com/office/drawing/2014/main" id="{0F941FB5-2A14-2CEB-DB9D-63B9B56C8728}"/>
-              </a:ext>
-            </a:extLst>
-          </p:cNvPr>
-          <p:cNvSpPr txBox="1"/>
-          <p:nvPr/>
-        </p:nvSpPr>
-        <p:spPr>
-          <a:xfrm>
-            <a:off x="10024324" y="3400036"/>
-            <a:ext cx="400045" cy="276999"/>
-          </a:xfrm>
-          <a:prstGeom prst="rect">
-            <a:avLst/>
-          </a:prstGeom>
-          <a:noFill/>
-        </p:spPr>
-        <p:txBody>
-          <a:bodyPr wrap="square" rtlCol="0">
-            <a:spAutoFit/>
-          </a:bodyPr>
-          <a:lstStyle/>
-          <a:p>
-            <a:r>
-              <a:rPr lang="en-US" sz="1200" dirty="0"/>
-              <a:t>A</a:t>
-            </a:r>
-            <a:endParaRPr lang="en-ZA" sz="1200" dirty="0"/>
-          </a:p>
-        </p:txBody>
-      </p:sp>
-      <p:sp>
-        <p:nvSpPr>
-          <p:cNvPr id="37" name="TextBox 36">
-            <a:extLst>
-              <a:ext uri="{FF2B5EF4-FFF2-40B4-BE49-F238E27FC236}">
-                <a16:creationId xmlns:a16="http://schemas.microsoft.com/office/drawing/2014/main" id="{BBA7B9DD-2FA8-05B2-4F02-96CC3A18A66F}"/>
-              </a:ext>
-            </a:extLst>
-          </p:cNvPr>
-          <p:cNvSpPr txBox="1"/>
-          <p:nvPr/>
-        </p:nvSpPr>
-        <p:spPr>
-          <a:xfrm>
-            <a:off x="9654895" y="3538535"/>
-            <a:ext cx="400045" cy="276999"/>
-          </a:xfrm>
-          <a:prstGeom prst="rect">
-            <a:avLst/>
-          </a:prstGeom>
-          <a:noFill/>
-        </p:spPr>
-        <p:txBody>
-          <a:bodyPr wrap="square" rtlCol="0">
-            <a:spAutoFit/>
-          </a:bodyPr>
-          <a:lstStyle/>
-          <a:p>
-            <a:r>
-              <a:rPr lang="en-US" sz="1200" dirty="0"/>
-              <a:t>A</a:t>
-            </a:r>
-            <a:endParaRPr lang="en-ZA" sz="1200" dirty="0"/>
-          </a:p>
-        </p:txBody>
-      </p:sp>
-      <p:sp>
-        <p:nvSpPr>
-          <p:cNvPr id="38" name="TextBox 37">
-            <a:extLst>
-              <a:ext uri="{FF2B5EF4-FFF2-40B4-BE49-F238E27FC236}">
-                <a16:creationId xmlns:a16="http://schemas.microsoft.com/office/drawing/2014/main" id="{F37347DF-DF4E-BF75-2EDC-5C9C5CFA6B74}"/>
-              </a:ext>
-            </a:extLst>
-          </p:cNvPr>
-          <p:cNvSpPr txBox="1"/>
-          <p:nvPr/>
-        </p:nvSpPr>
-        <p:spPr>
-          <a:xfrm>
-            <a:off x="9090980" y="3809778"/>
-            <a:ext cx="400045" cy="276999"/>
-          </a:xfrm>
-          <a:prstGeom prst="rect">
-            <a:avLst/>
-          </a:prstGeom>
-          <a:noFill/>
-        </p:spPr>
-        <p:txBody>
-          <a:bodyPr wrap="square" rtlCol="0">
-            <a:spAutoFit/>
-          </a:bodyPr>
-          <a:lstStyle/>
-          <a:p>
-            <a:r>
-              <a:rPr lang="en-US" sz="1200" dirty="0"/>
-              <a:t>A</a:t>
+              <a:t>##</a:t>
             </a:r>
             <a:endParaRPr lang="en-ZA" sz="1200" dirty="0"/>
           </a:p>
@@ -9850,7 +15646,7 @@
     </p:spTree>
     <p:extLst>
       <p:ext uri="{BB962C8B-B14F-4D97-AF65-F5344CB8AC3E}">
-        <p14:creationId xmlns:p14="http://schemas.microsoft.com/office/powerpoint/2010/main" val="1040734017"/>
+        <p14:creationId xmlns:p14="http://schemas.microsoft.com/office/powerpoint/2010/main" val="1731046857"/>
       </p:ext>
     </p:extLst>
   </p:cSld>
